--- a/Misc/DB-Notes.pptx
+++ b/Misc/DB-Notes.pptx
@@ -5,14 +5,18 @@
     <p:sldMasterId id="2147483648" r:id="rId1"/>
   </p:sldMasterIdLst>
   <p:notesMasterIdLst>
-    <p:notesMasterId r:id="rId5"/>
+    <p:notesMasterId r:id="rId9"/>
   </p:notesMasterIdLst>
   <p:handoutMasterIdLst>
-    <p:handoutMasterId r:id="rId6"/>
+    <p:handoutMasterId r:id="rId10"/>
   </p:handoutMasterIdLst>
   <p:sldIdLst>
     <p:sldId id="409" r:id="rId3"/>
     <p:sldId id="410" r:id="rId4"/>
+    <p:sldId id="411" r:id="rId5"/>
+    <p:sldId id="413" r:id="rId6"/>
+    <p:sldId id="415" r:id="rId7"/>
+    <p:sldId id="412" r:id="rId8"/>
   </p:sldIdLst>
   <p:sldSz cx="12192000" cy="6858000"/>
   <p:notesSz cx="6858000" cy="9144000"/>
@@ -3724,15 +3728,1009 @@
             <p:ph idx="1"/>
           </p:nvPr>
         </p:nvSpPr>
+        <p:spPr>
+          <a:xfrm>
+            <a:off x="838200" y="1211580"/>
+            <a:ext cx="10515600" cy="1035050"/>
+          </a:xfrm>
+        </p:spPr>
+        <p:txBody>
+          <a:bodyPr/>
+          <a:p>
+            <a:endParaRPr lang="en-US" altLang="zh-CN"/>
+          </a:p>
+          <a:p>
+            <a:endParaRPr lang="en-US" altLang="zh-CN"/>
+          </a:p>
+        </p:txBody>
+      </p:sp>
+      <p:graphicFrame>
+        <p:nvGraphicFramePr>
+          <p:cNvPr id="4" name="表格 3"/>
+          <p:cNvGraphicFramePr/>
+          <p:nvPr>
+            <p:custDataLst>
+              <p:tags r:id="rId1"/>
+            </p:custDataLst>
+          </p:nvPr>
+        </p:nvGraphicFramePr>
+        <p:xfrm>
+          <a:off x="706755" y="1209675"/>
+          <a:ext cx="10744200" cy="4597400"/>
+        </p:xfrm>
+        <a:graphic>
+          <a:graphicData uri="http://schemas.openxmlformats.org/drawingml/2006/table">
+            <a:tbl>
+              <a:tblPr firstRow="1" bandRow="1">
+                <a:tableStyleId>{5C22544A-7EE6-4342-B048-85BDC9FD1C3A}</a:tableStyleId>
+              </a:tblPr>
+              <a:tblGrid>
+                <a:gridCol w="2049145"/>
+                <a:gridCol w="5113655"/>
+                <a:gridCol w="3581400"/>
+              </a:tblGrid>
+              <a:tr h="919480">
+                <a:tc>
+                  <a:txBody>
+                    <a:bodyPr/>
+                    <a:p>
+                      <a:pPr algn="ctr">
+                        <a:buNone/>
+                      </a:pPr>
+                      <a:r>
+                        <a:rPr lang="en-US" altLang="zh-CN"/>
+                        <a:t>Purpose</a:t>
+                      </a:r>
+                      <a:endParaRPr lang="en-US" altLang="zh-CN"/>
+                    </a:p>
+                  </a:txBody>
+                  <a:tcPr anchor="ctr" anchorCtr="0"/>
+                </a:tc>
+                <a:tc>
+                  <a:txBody>
+                    <a:bodyPr/>
+                    <a:p>
+                      <a:pPr algn="ctr">
+                        <a:buNone/>
+                      </a:pPr>
+                      <a:r>
+                        <a:rPr lang="en-US" altLang="zh-CN"/>
+                        <a:t>Command</a:t>
+                      </a:r>
+                      <a:endParaRPr lang="en-US" altLang="zh-CN"/>
+                    </a:p>
+                  </a:txBody>
+                  <a:tcPr anchor="ctr" anchorCtr="0"/>
+                </a:tc>
+                <a:tc>
+                  <a:txBody>
+                    <a:bodyPr/>
+                    <a:p>
+                      <a:pPr algn="ctr">
+                        <a:buNone/>
+                      </a:pPr>
+                      <a:r>
+                        <a:rPr lang="en-US" altLang="zh-CN"/>
+                        <a:t>Note</a:t>
+                      </a:r>
+                      <a:endParaRPr lang="en-US" altLang="zh-CN"/>
+                    </a:p>
+                  </a:txBody>
+                  <a:tcPr anchor="ctr" anchorCtr="0"/>
+                </a:tc>
+              </a:tr>
+              <a:tr h="919480">
+                <a:tc>
+                  <a:txBody>
+                    <a:bodyPr/>
+                    <a:p>
+                      <a:pPr algn="l">
+                        <a:buNone/>
+                      </a:pPr>
+                      <a:endParaRPr lang="zh-CN" altLang="en-US"/>
+                    </a:p>
+                  </a:txBody>
+                  <a:tcPr/>
+                </a:tc>
+                <a:tc>
+                  <a:txBody>
+                    <a:bodyPr/>
+                    <a:p>
+                      <a:pPr algn="l">
+                        <a:buNone/>
+                      </a:pPr>
+                      <a:r>
+                        <a:rPr lang="en-US" altLang="zh-CN" sz="1800">
+                          <a:sym typeface="+mn-ea"/>
+                        </a:rPr>
+                        <a:t>select distinct {column-name} from {table-name}</a:t>
+                      </a:r>
+                      <a:endParaRPr lang="zh-CN" altLang="en-US"/>
+                    </a:p>
+                  </a:txBody>
+                  <a:tcPr/>
+                </a:tc>
+                <a:tc>
+                  <a:txBody>
+                    <a:bodyPr/>
+                    <a:p>
+                      <a:pPr algn="l">
+                        <a:buNone/>
+                      </a:pPr>
+                      <a:endParaRPr lang="zh-CN" altLang="en-US"/>
+                    </a:p>
+                  </a:txBody>
+                  <a:tcPr/>
+                </a:tc>
+              </a:tr>
+              <a:tr h="919480">
+                <a:tc>
+                  <a:txBody>
+                    <a:bodyPr/>
+                    <a:p>
+                      <a:pPr algn="l">
+                        <a:buNone/>
+                      </a:pPr>
+                      <a:r>
+                        <a:rPr lang="en-US" altLang="zh-CN"/>
+                        <a:t>Rename a table</a:t>
+                      </a:r>
+                      <a:endParaRPr lang="en-US" altLang="zh-CN"/>
+                    </a:p>
+                  </a:txBody>
+                  <a:tcPr/>
+                </a:tc>
+                <a:tc>
+                  <a:txBody>
+                    <a:bodyPr/>
+                    <a:p>
+                      <a:pPr algn="l">
+                        <a:buNone/>
+                      </a:pPr>
+                      <a:r>
+                        <a:rPr lang="en-US" altLang="zh-CN" sz="1800">
+                          <a:sym typeface="+mn-ea"/>
+                        </a:rPr>
+                        <a:t>alter table {old_table_name} rename to {new_table_name}</a:t>
+                      </a:r>
+                      <a:endParaRPr lang="zh-CN" altLang="en-US"/>
+                    </a:p>
+                  </a:txBody>
+                  <a:tcPr/>
+                </a:tc>
+                <a:tc>
+                  <a:txBody>
+                    <a:bodyPr/>
+                    <a:p>
+                      <a:pPr algn="l">
+                        <a:buNone/>
+                      </a:pPr>
+                      <a:endParaRPr lang="zh-CN" altLang="en-US"/>
+                    </a:p>
+                  </a:txBody>
+                  <a:tcPr/>
+                </a:tc>
+              </a:tr>
+              <a:tr h="919480">
+                <a:tc>
+                  <a:txBody>
+                    <a:bodyPr/>
+                    <a:p>
+                      <a:pPr algn="l">
+                        <a:buNone/>
+                      </a:pPr>
+                      <a:r>
+                        <a:rPr lang="en-US" altLang="zh-CN"/>
+                        <a:t>Deleta a table</a:t>
+                      </a:r>
+                      <a:endParaRPr lang="en-US" altLang="zh-CN"/>
+                    </a:p>
+                  </a:txBody>
+                  <a:tcPr/>
+                </a:tc>
+                <a:tc>
+                  <a:txBody>
+                    <a:bodyPr/>
+                    <a:p>
+                      <a:pPr algn="l">
+                        <a:buNone/>
+                      </a:pPr>
+                      <a:r>
+                        <a:rPr lang="en-US" altLang="zh-CN"/>
+                        <a:t>drop table {table_name}</a:t>
+                      </a:r>
+                      <a:endParaRPr lang="en-US" altLang="zh-CN"/>
+                    </a:p>
+                  </a:txBody>
+                  <a:tcPr/>
+                </a:tc>
+                <a:tc>
+                  <a:txBody>
+                    <a:bodyPr/>
+                    <a:p>
+                      <a:pPr algn="l">
+                        <a:buNone/>
+                      </a:pPr>
+                      <a:endParaRPr lang="zh-CN" altLang="en-US"/>
+                    </a:p>
+                  </a:txBody>
+                  <a:tcPr/>
+                </a:tc>
+              </a:tr>
+              <a:tr h="919480">
+                <a:tc>
+                  <a:txBody>
+                    <a:bodyPr/>
+                    <a:p>
+                      <a:pPr algn="l">
+                        <a:buNone/>
+                      </a:pPr>
+                      <a:r>
+                        <a:rPr lang="en-US" altLang="zh-CN"/>
+                        <a:t>Update record</a:t>
+                      </a:r>
+                      <a:endParaRPr lang="en-US" altLang="zh-CN"/>
+                    </a:p>
+                  </a:txBody>
+                  <a:tcPr/>
+                </a:tc>
+                <a:tc>
+                  <a:txBody>
+                    <a:bodyPr/>
+                    <a:p>
+                      <a:pPr algn="l">
+                        <a:buNone/>
+                      </a:pPr>
+                      <a:r>
+                        <a:rPr lang="en-US" altLang="zh-CN"/>
+                        <a:t>update {table_name} set {col1}={value1} where {condition};</a:t>
+                      </a:r>
+                      <a:endParaRPr lang="en-US" altLang="zh-CN"/>
+                    </a:p>
+                  </a:txBody>
+                  <a:tcPr/>
+                </a:tc>
+                <a:tc>
+                  <a:txBody>
+                    <a:bodyPr/>
+                    <a:p>
+                      <a:pPr algn="l">
+                        <a:buNone/>
+                      </a:pPr>
+                      <a:endParaRPr lang="zh-CN" altLang="en-US"/>
+                    </a:p>
+                  </a:txBody>
+                  <a:tcPr/>
+                </a:tc>
+              </a:tr>
+            </a:tbl>
+          </a:graphicData>
+        </a:graphic>
+      </p:graphicFrame>
+    </p:spTree>
+    <p:custDataLst>
+      <p:tags r:id="rId2"/>
+    </p:custDataLst>
+  </p:cSld>
+  <p:clrMapOvr>
+    <a:masterClrMapping/>
+  </p:clrMapOvr>
+</p:sld>
+</file>
+
+<file path=ppt/slides/slide3.xml><?xml version="1.0" encoding="utf-8"?>
+<p:sld xmlns:a="http://schemas.openxmlformats.org/drawingml/2006/main" xmlns:r="http://schemas.openxmlformats.org/officeDocument/2006/relationships" xmlns:p="http://schemas.openxmlformats.org/presentationml/2006/main">
+  <p:cSld>
+    <p:spTree>
+      <p:nvGrpSpPr>
+        <p:cNvPr id="1" name=""/>
+        <p:cNvGrpSpPr/>
+        <p:nvPr/>
+      </p:nvGrpSpPr>
+      <p:grpSpPr/>
+      <p:sp>
+        <p:nvSpPr>
+          <p:cNvPr id="2" name="标题 1"/>
+          <p:cNvSpPr>
+            <a:spLocks noGrp="1"/>
+          </p:cNvSpPr>
+          <p:nvPr>
+            <p:ph type="title"/>
+          </p:nvPr>
+        </p:nvSpPr>
         <p:spPr/>
         <p:txBody>
           <a:bodyPr/>
           <a:p>
             <a:r>
               <a:rPr lang="en-US" altLang="zh-CN"/>
-              <a:t>select distinct {column-name} from {table-name}</a:t>
+              <a:t>SQLite</a:t>
             </a:r>
             <a:endParaRPr lang="en-US" altLang="zh-CN"/>
+          </a:p>
+        </p:txBody>
+      </p:sp>
+      <p:sp>
+        <p:nvSpPr>
+          <p:cNvPr id="3" name="内容占位符 2"/>
+          <p:cNvSpPr>
+            <a:spLocks noGrp="1"/>
+          </p:cNvSpPr>
+          <p:nvPr>
+            <p:ph idx="1"/>
+          </p:nvPr>
+        </p:nvSpPr>
+        <p:spPr/>
+        <p:txBody>
+          <a:bodyPr>
+            <a:normAutofit fontScale="90000" lnSpcReduction="20000"/>
+          </a:bodyPr>
+          <a:p>
+            <a:r>
+              <a:rPr lang="en-US" altLang="zh-CN"/>
+              <a:t>References</a:t>
+            </a:r>
+            <a:endParaRPr lang="en-US" altLang="zh-CN"/>
+          </a:p>
+          <a:p>
+            <a:pPr lvl="1"/>
+            <a:r>
+              <a:rPr lang="en-US" altLang="zh-CN"/>
+              <a:t>https://sqlite.org/index.html</a:t>
+            </a:r>
+            <a:endParaRPr lang="en-US" altLang="zh-CN"/>
+          </a:p>
+          <a:p>
+            <a:pPr lvl="0"/>
+            <a:r>
+              <a:rPr lang="en-US" altLang="zh-CN"/>
+              <a:t>Command line tools</a:t>
+            </a:r>
+            <a:endParaRPr lang="en-US" altLang="zh-CN"/>
+          </a:p>
+          <a:p>
+            <a:pPr lvl="1"/>
+            <a:r>
+              <a:rPr lang="en-US" altLang="zh-CN"/>
+              <a:t>download from https://sqlite.org/download.html</a:t>
+            </a:r>
+            <a:endParaRPr lang="en-US" altLang="zh-CN"/>
+          </a:p>
+          <a:p>
+            <a:pPr lvl="1"/>
+            <a:r>
+              <a:rPr lang="en-US" altLang="zh-CN"/>
+              <a:t>.quit	// exit</a:t>
+            </a:r>
+            <a:endParaRPr lang="en-US" altLang="zh-CN"/>
+          </a:p>
+          <a:p>
+            <a:pPr lvl="1"/>
+            <a:r>
+              <a:rPr lang="en-US" altLang="zh-CN"/>
+              <a:t>.open {db_name}</a:t>
+            </a:r>
+            <a:endParaRPr lang="en-US" altLang="zh-CN"/>
+          </a:p>
+          <a:p>
+            <a:pPr lvl="1"/>
+            <a:r>
+              <a:rPr lang="en-US" altLang="zh-CN"/>
+              <a:t>.tables</a:t>
+            </a:r>
+            <a:endParaRPr lang="en-US" altLang="zh-CN"/>
+          </a:p>
+          <a:p>
+            <a:pPr lvl="1"/>
+            <a:r>
+              <a:rPr lang="en-US" altLang="zh-CN"/>
+              <a:t>.schema</a:t>
+            </a:r>
+            <a:endParaRPr lang="en-US" altLang="zh-CN"/>
+          </a:p>
+          <a:p>
+            <a:pPr lvl="1"/>
+            <a:r>
+              <a:rPr lang="en-US" altLang="zh-CN"/>
+              <a:t>Dump db to sql</a:t>
+            </a:r>
+            <a:endParaRPr lang="en-US" altLang="zh-CN"/>
+          </a:p>
+          <a:p>
+            <a:pPr lvl="2"/>
+            <a:r>
+              <a:rPr lang="en-US" altLang="zh-CN" sz="1800"/>
+              <a:t>.once db.sql</a:t>
+            </a:r>
+            <a:endParaRPr lang="en-US" altLang="zh-CN" sz="1800"/>
+          </a:p>
+          <a:p>
+            <a:pPr lvl="2"/>
+            <a:r>
+              <a:rPr lang="en-US" altLang="zh-CN" sz="1800"/>
+              <a:t>.dump</a:t>
+            </a:r>
+            <a:endParaRPr lang="en-US" altLang="zh-CN"/>
+          </a:p>
+          <a:p>
+            <a:pPr lvl="1"/>
+            <a:r>
+              <a:rPr lang="en-US" altLang="zh-CN"/>
+              <a:t>Dump table data to csv</a:t>
+            </a:r>
+            <a:endParaRPr lang="en-US" altLang="zh-CN"/>
+          </a:p>
+          <a:p>
+            <a:pPr lvl="2"/>
+            <a:r>
+              <a:rPr lang="en-US" altLang="zh-CN"/>
+              <a:t>.headers on</a:t>
+            </a:r>
+            <a:endParaRPr lang="en-US" altLang="zh-CN"/>
+          </a:p>
+          <a:p>
+            <a:pPr lvl="2"/>
+            <a:r>
+              <a:rPr lang="en-US" altLang="zh-CN"/>
+              <a:t>.mode csv</a:t>
+            </a:r>
+            <a:endParaRPr lang="en-US" altLang="zh-CN"/>
+          </a:p>
+          <a:p>
+            <a:pPr lvl="2"/>
+            <a:r>
+              <a:rPr lang="en-US" altLang="zh-CN"/>
+              <a:t>.once ‘user.csv’</a:t>
+            </a:r>
+            <a:endParaRPr lang="en-US" altLang="zh-CN"/>
+          </a:p>
+          <a:p>
+            <a:pPr lvl="2"/>
+            <a:r>
+              <a:rPr lang="en-US" altLang="zh-CN"/>
+              <a:t>select * from user;</a:t>
+            </a:r>
+            <a:endParaRPr lang="en-US" altLang="zh-CN"/>
+          </a:p>
+        </p:txBody>
+      </p:sp>
+    </p:spTree>
+    <p:custDataLst>
+      <p:tags r:id="rId1"/>
+    </p:custDataLst>
+  </p:cSld>
+  <p:clrMapOvr>
+    <a:masterClrMapping/>
+  </p:clrMapOvr>
+</p:sld>
+</file>
+
+<file path=ppt/slides/slide4.xml><?xml version="1.0" encoding="utf-8"?>
+<p:sld xmlns:a="http://schemas.openxmlformats.org/drawingml/2006/main" xmlns:r="http://schemas.openxmlformats.org/officeDocument/2006/relationships" xmlns:p="http://schemas.openxmlformats.org/presentationml/2006/main">
+  <p:cSld>
+    <p:spTree>
+      <p:nvGrpSpPr>
+        <p:cNvPr id="1" name=""/>
+        <p:cNvGrpSpPr/>
+        <p:nvPr/>
+      </p:nvGrpSpPr>
+      <p:grpSpPr/>
+      <p:sp>
+        <p:nvSpPr>
+          <p:cNvPr id="2" name="标题 1"/>
+          <p:cNvSpPr>
+            <a:spLocks noGrp="1"/>
+          </p:cNvSpPr>
+          <p:nvPr>
+            <p:ph type="title"/>
+          </p:nvPr>
+        </p:nvSpPr>
+        <p:spPr/>
+        <p:txBody>
+          <a:bodyPr/>
+          <a:p>
+            <a:r>
+              <a:rPr lang="en-US" altLang="zh-CN"/>
+              <a:t>Postgresql</a:t>
+            </a:r>
+            <a:endParaRPr lang="en-US" altLang="zh-CN"/>
+          </a:p>
+        </p:txBody>
+      </p:sp>
+      <p:sp>
+        <p:nvSpPr>
+          <p:cNvPr id="3" name="内容占位符 2"/>
+          <p:cNvSpPr>
+            <a:spLocks noGrp="1"/>
+          </p:cNvSpPr>
+          <p:nvPr>
+            <p:ph idx="1"/>
+          </p:nvPr>
+        </p:nvSpPr>
+        <p:spPr>
+          <a:xfrm>
+            <a:off x="838200" y="1211580"/>
+            <a:ext cx="6779260" cy="4549140"/>
+          </a:xfrm>
+        </p:spPr>
+        <p:txBody>
+          <a:bodyPr/>
+          <a:p>
+            <a:pPr lvl="0"/>
+            <a:r>
+              <a:rPr lang="en-US" altLang="zh-CN" sz="2400">
+                <a:sym typeface="+mn-ea"/>
+              </a:rPr>
+              <a:t>FAQ</a:t>
+            </a:r>
+            <a:endParaRPr lang="en-US" altLang="zh-CN" sz="2400"/>
+          </a:p>
+          <a:p>
+            <a:pPr lvl="1"/>
+            <a:r>
+              <a:rPr lang="en-US" altLang="zh-CN" sz="2400">
+                <a:sym typeface="+mn-ea"/>
+              </a:rPr>
+              <a:t>BLOB -&gt; LargeBinary</a:t>
+            </a:r>
+            <a:endParaRPr lang="en-US" altLang="zh-CN" sz="2400"/>
+          </a:p>
+          <a:p>
+            <a:pPr lvl="1"/>
+            <a:r>
+              <a:rPr lang="en-US" altLang="zh-CN" sz="2400">
+                <a:sym typeface="+mn-ea"/>
+              </a:rPr>
+              <a:t>This result object does not return rows. It has been closed automatically.</a:t>
+            </a:r>
+            <a:endParaRPr lang="en-US" altLang="zh-CN" sz="2400"/>
+          </a:p>
+          <a:p>
+            <a:pPr lvl="2"/>
+            <a:r>
+              <a:rPr lang="en-US" altLang="zh-CN" sz="2400">
+                <a:sym typeface="+mn-ea"/>
+              </a:rPr>
+              <a:t>docker-compose.yml</a:t>
+            </a:r>
+            <a:endParaRPr lang="en-US" altLang="zh-CN" sz="2400"/>
+          </a:p>
+          <a:p>
+            <a:pPr lvl="3"/>
+            <a:r>
+              <a:rPr lang="en-US" altLang="zh-CN" sz="2400">
+                <a:sym typeface="+mn-ea"/>
+              </a:rPr>
+              <a:t>gunicorn remove “--preload” option</a:t>
+            </a:r>
+            <a:endParaRPr lang="en-US" altLang="zh-CN" sz="2400">
+              <a:sym typeface="+mn-ea"/>
+            </a:endParaRPr>
+          </a:p>
+          <a:p>
+            <a:pPr lvl="0"/>
+            <a:r>
+              <a:rPr lang="en-US" altLang="zh-CN">
+                <a:sym typeface="+mn-ea"/>
+              </a:rPr>
+              <a:t>psql</a:t>
+            </a:r>
+            <a:endParaRPr lang="en-US" altLang="zh-CN"/>
+          </a:p>
+        </p:txBody>
+      </p:sp>
+      <p:sp>
+        <p:nvSpPr>
+          <p:cNvPr id="4" name="文本框 3"/>
+          <p:cNvSpPr txBox="1"/>
+          <p:nvPr/>
+        </p:nvSpPr>
+        <p:spPr>
+          <a:xfrm>
+            <a:off x="7861300" y="1424940"/>
+            <a:ext cx="3907790" cy="4246245"/>
+          </a:xfrm>
+          <a:prstGeom prst="rect">
+            <a:avLst/>
+          </a:prstGeom>
+          <a:noFill/>
+          <a:ln>
+            <a:solidFill>
+              <a:srgbClr val="FFC000"/>
+            </a:solidFill>
+          </a:ln>
+        </p:spPr>
+        <p:txBody>
+          <a:bodyPr wrap="square" rtlCol="0">
+            <a:spAutoFit/>
+          </a:bodyPr>
+          <a:p>
+            <a:r>
+              <a:rPr lang="en-US" altLang="zh-CN"/>
+              <a:t>sudo service postgresql restart</a:t>
+            </a:r>
+            <a:endParaRPr lang="en-US" altLang="zh-CN"/>
+          </a:p>
+          <a:p>
+            <a:r>
+              <a:rPr lang="en-US" altLang="zh-CN"/>
+              <a:t>sudo -u postgres psql</a:t>
+            </a:r>
+            <a:endParaRPr lang="en-US" altLang="zh-CN"/>
+          </a:p>
+          <a:p>
+            <a:r>
+              <a:rPr lang="en-US" altLang="zh-CN"/>
+              <a:t>psql -U {username} {dbname}</a:t>
+            </a:r>
+            <a:endParaRPr lang="en-US" altLang="zh-CN"/>
+          </a:p>
+          <a:p>
+            <a:endParaRPr lang="en-US" altLang="zh-CN"/>
+          </a:p>
+          <a:p>
+            <a:r>
+              <a:rPr lang="en-US" altLang="zh-CN"/>
+              <a:t>postgresql Commands:</a:t>
+            </a:r>
+            <a:endParaRPr lang="en-US" altLang="zh-CN"/>
+          </a:p>
+          <a:p>
+            <a:r>
+              <a:rPr lang="en-US" altLang="zh-CN"/>
+              <a:t># \q	// quit interactive terminal</a:t>
+            </a:r>
+            <a:endParaRPr lang="en-US" altLang="zh-CN"/>
+          </a:p>
+          <a:p>
+            <a:r>
+              <a:rPr lang="en-US" altLang="zh-CN"/>
+              <a:t># create database {dbname};</a:t>
+            </a:r>
+            <a:endParaRPr lang="en-US" altLang="zh-CN"/>
+          </a:p>
+          <a:p>
+            <a:r>
+              <a:rPr lang="en-US" altLang="zh-CN"/>
+              <a:t># \l	// list databases</a:t>
+            </a:r>
+            <a:endParaRPr lang="en-US" altLang="zh-CN"/>
+          </a:p>
+          <a:p>
+            <a:r>
+              <a:rPr lang="en-US" altLang="zh-CN">
+                <a:sym typeface="+mn-ea"/>
+              </a:rPr>
+              <a:t># \c {dbname}	// connect db</a:t>
+            </a:r>
+            <a:endParaRPr lang="en-US" altLang="zh-CN"/>
+          </a:p>
+          <a:p>
+            <a:r>
+              <a:rPr lang="en-US" altLang="zh-CN"/>
+              <a:t># \dt	// display tables</a:t>
+            </a:r>
+            <a:endParaRPr lang="en-US" altLang="zh-CN"/>
+          </a:p>
+          <a:p>
+            <a:r>
+              <a:rPr lang="en-US" altLang="zh-CN"/>
+              <a:t># \d {tablename}	// display columes in table</a:t>
+            </a:r>
+            <a:endParaRPr lang="en-US" altLang="zh-CN"/>
+          </a:p>
+          <a:p>
+            <a:r>
+              <a:rPr lang="en-US" altLang="zh-CN"/>
+              <a:t># table {tablename}</a:t>
+            </a:r>
+            <a:endParaRPr lang="en-US" altLang="zh-CN"/>
+          </a:p>
+          <a:p>
+            <a:r>
+              <a:rPr lang="en-US" altLang="zh-CN"/>
+              <a:t># select * from “{tablename}”;</a:t>
+            </a:r>
+            <a:endParaRPr lang="en-US" altLang="zh-CN"/>
+          </a:p>
+          <a:p>
+            <a:endParaRPr lang="en-US" altLang="zh-CN"/>
+          </a:p>
+        </p:txBody>
+      </p:sp>
+    </p:spTree>
+    <p:custDataLst>
+      <p:tags r:id="rId1"/>
+    </p:custDataLst>
+  </p:cSld>
+  <p:clrMapOvr>
+    <a:masterClrMapping/>
+  </p:clrMapOvr>
+</p:sld>
+</file>
+
+<file path=ppt/slides/slide5.xml><?xml version="1.0" encoding="utf-8"?>
+<p:sld xmlns:a="http://schemas.openxmlformats.org/drawingml/2006/main" xmlns:r="http://schemas.openxmlformats.org/officeDocument/2006/relationships" xmlns:p="http://schemas.openxmlformats.org/presentationml/2006/main">
+  <p:cSld>
+    <p:spTree>
+      <p:nvGrpSpPr>
+        <p:cNvPr id="1" name=""/>
+        <p:cNvGrpSpPr/>
+        <p:nvPr/>
+      </p:nvGrpSpPr>
+      <p:grpSpPr/>
+      <p:sp>
+        <p:nvSpPr>
+          <p:cNvPr id="2" name="标题 1"/>
+          <p:cNvSpPr>
+            <a:spLocks noGrp="1"/>
+          </p:cNvSpPr>
+          <p:nvPr>
+            <p:ph type="title"/>
+          </p:nvPr>
+        </p:nvSpPr>
+        <p:spPr/>
+        <p:txBody>
+          <a:bodyPr/>
+          <a:p>
+            <a:r>
+              <a:rPr lang="en-US" altLang="zh-CN"/>
+              <a:t>Postgresql 2</a:t>
+            </a:r>
+            <a:endParaRPr lang="en-US" altLang="zh-CN"/>
+          </a:p>
+        </p:txBody>
+      </p:sp>
+      <p:sp>
+        <p:nvSpPr>
+          <p:cNvPr id="3" name="内容占位符 2"/>
+          <p:cNvSpPr>
+            <a:spLocks noGrp="1"/>
+          </p:cNvSpPr>
+          <p:nvPr>
+            <p:ph idx="1"/>
+          </p:nvPr>
+        </p:nvSpPr>
+        <p:spPr>
+          <a:xfrm>
+            <a:off x="838200" y="1211580"/>
+            <a:ext cx="6828790" cy="4549140"/>
+          </a:xfrm>
+        </p:spPr>
+        <p:txBody>
+          <a:bodyPr/>
+          <a:p>
+            <a:pPr lvl="0"/>
+            <a:r>
+              <a:rPr lang="en-US" altLang="zh-CN" sz="2400">
+                <a:sym typeface="+mn-ea"/>
+              </a:rPr>
+              <a:t>Backup</a:t>
+            </a:r>
+            <a:endParaRPr lang="en-US" altLang="zh-CN" sz="2400"/>
+          </a:p>
+          <a:p>
+            <a:pPr lvl="1"/>
+            <a:r>
+              <a:rPr lang="en-US" altLang="zh-CN">
+                <a:sym typeface="+mn-ea"/>
+              </a:rPr>
+              <a:t>Dump</a:t>
+            </a:r>
+            <a:endParaRPr lang="en-US" altLang="zh-CN">
+              <a:sym typeface="+mn-ea"/>
+            </a:endParaRPr>
+          </a:p>
+          <a:p>
+            <a:pPr lvl="2"/>
+            <a:r>
+              <a:rPr lang="en-US" altLang="zh-CN">
+                <a:sym typeface="+mn-ea"/>
+              </a:rPr>
+              <a:t>pg_dump dbname &gt; dbname-backup.sql</a:t>
+            </a:r>
+            <a:endParaRPr lang="en-US" altLang="zh-CN">
+              <a:sym typeface="+mn-ea"/>
+            </a:endParaRPr>
+          </a:p>
+          <a:p>
+            <a:pPr lvl="1"/>
+            <a:r>
+              <a:rPr lang="en-US" altLang="zh-CN"/>
+              <a:t>Reload</a:t>
+            </a:r>
+            <a:endParaRPr lang="en-US" altLang="zh-CN"/>
+          </a:p>
+          <a:p>
+            <a:pPr lvl="2"/>
+            <a:r>
+              <a:rPr lang="en-US" altLang="zh-CN"/>
+              <a:t>psql -d newdb -f db.sql</a:t>
+            </a:r>
+            <a:endParaRPr lang="en-US" altLang="zh-CN"/>
+          </a:p>
+        </p:txBody>
+      </p:sp>
+    </p:spTree>
+    <p:custDataLst>
+      <p:tags r:id="rId1"/>
+    </p:custDataLst>
+  </p:cSld>
+  <p:clrMapOvr>
+    <a:masterClrMapping/>
+  </p:clrMapOvr>
+</p:sld>
+</file>
+
+<file path=ppt/slides/slide6.xml><?xml version="1.0" encoding="utf-8"?>
+<p:sld xmlns:a="http://schemas.openxmlformats.org/drawingml/2006/main" xmlns:r="http://schemas.openxmlformats.org/officeDocument/2006/relationships" xmlns:p="http://schemas.openxmlformats.org/presentationml/2006/main">
+  <p:cSld>
+    <p:spTree>
+      <p:nvGrpSpPr>
+        <p:cNvPr id="1" name=""/>
+        <p:cNvGrpSpPr/>
+        <p:nvPr/>
+      </p:nvGrpSpPr>
+      <p:grpSpPr/>
+      <p:sp>
+        <p:nvSpPr>
+          <p:cNvPr id="2" name="标题 1"/>
+          <p:cNvSpPr>
+            <a:spLocks noGrp="1"/>
+          </p:cNvSpPr>
+          <p:nvPr>
+            <p:ph type="title"/>
+          </p:nvPr>
+        </p:nvSpPr>
+        <p:spPr/>
+        <p:txBody>
+          <a:bodyPr/>
+          <a:p>
+            <a:r>
+              <a:rPr lang="en-US" altLang="zh-CN"/>
+              <a:t>DB Migration</a:t>
+            </a:r>
+            <a:endParaRPr lang="en-US" altLang="zh-CN"/>
+          </a:p>
+        </p:txBody>
+      </p:sp>
+      <p:sp>
+        <p:nvSpPr>
+          <p:cNvPr id="3" name="内容占位符 2"/>
+          <p:cNvSpPr>
+            <a:spLocks noGrp="1"/>
+          </p:cNvSpPr>
+          <p:nvPr>
+            <p:ph idx="1"/>
+          </p:nvPr>
+        </p:nvSpPr>
+        <p:spPr>
+          <a:xfrm>
+            <a:off x="838200" y="1211580"/>
+            <a:ext cx="7191375" cy="4549140"/>
+          </a:xfrm>
+        </p:spPr>
+        <p:txBody>
+          <a:bodyPr/>
+          <a:p>
+            <a:pPr lvl="0"/>
+            <a:r>
+              <a:rPr lang="en-US" altLang="zh-CN" sz="2400">
+                <a:sym typeface="+mn-ea"/>
+              </a:rPr>
+              <a:t>Migrate from sqlite</a:t>
+            </a:r>
+            <a:endParaRPr lang="en-US" altLang="zh-CN" sz="2400"/>
+          </a:p>
+          <a:p>
+            <a:pPr lvl="1"/>
+            <a:r>
+              <a:rPr lang="en-US" altLang="zh-CN" sz="2400">
+                <a:sym typeface="+mn-ea"/>
+              </a:rPr>
+              <a:t>reference: https://pgloader.readthedocs.io/en/latest/ref/sqlite.html</a:t>
+            </a:r>
+            <a:endParaRPr lang="en-US" altLang="zh-CN" sz="2400"/>
+          </a:p>
+          <a:p>
+            <a:pPr lvl="1"/>
+            <a:r>
+              <a:rPr lang="en-US" altLang="zh-CN" sz="2400">
+                <a:sym typeface="+mn-ea"/>
+              </a:rPr>
+              <a:t>sudo apt install pgloader</a:t>
+            </a:r>
+            <a:endParaRPr lang="en-US" altLang="zh-CN" sz="2400"/>
+          </a:p>
+          <a:p>
+            <a:pPr lvl="1"/>
+            <a:r>
+              <a:rPr lang="en-US" altLang="zh-CN" sz="2400">
+                <a:sym typeface="+mn-ea"/>
+              </a:rPr>
+              <a:t>create a file migrate.pgloader</a:t>
+            </a:r>
+            <a:endParaRPr lang="en-US" altLang="zh-CN"/>
+          </a:p>
+        </p:txBody>
+      </p:sp>
+      <p:sp>
+        <p:nvSpPr>
+          <p:cNvPr id="4" name="文本框 3"/>
+          <p:cNvSpPr txBox="1"/>
+          <p:nvPr/>
+        </p:nvSpPr>
+        <p:spPr>
+          <a:xfrm>
+            <a:off x="8250555" y="1474470"/>
+            <a:ext cx="3600450" cy="2461260"/>
+          </a:xfrm>
+          <a:prstGeom prst="rect">
+            <a:avLst/>
+          </a:prstGeom>
+          <a:noFill/>
+          <a:ln>
+            <a:solidFill>
+              <a:srgbClr val="FFC000"/>
+            </a:solidFill>
+          </a:ln>
+        </p:spPr>
+        <p:txBody>
+          <a:bodyPr wrap="square" rtlCol="0">
+            <a:spAutoFit/>
+          </a:bodyPr>
+          <a:p>
+            <a:pPr algn="ctr"/>
+            <a:r>
+              <a:rPr lang="en-US" altLang="zh-CN" sz="1400"/>
+              <a:t>migrate.pgloader</a:t>
+            </a:r>
+            <a:endParaRPr lang="en-US" altLang="zh-CN" sz="1400"/>
+          </a:p>
+          <a:p>
+            <a:pPr algn="ctr"/>
+            <a:endParaRPr lang="zh-CN" altLang="en-US" sz="1400"/>
+          </a:p>
+          <a:p>
+            <a:r>
+              <a:rPr lang="zh-CN" altLang="en-US" sz="1400"/>
+              <a:t>load database</a:t>
+            </a:r>
+            <a:endParaRPr lang="zh-CN" altLang="en-US" sz="1400"/>
+          </a:p>
+          <a:p>
+            <a:r>
+              <a:rPr lang="zh-CN" altLang="en-US" sz="1400"/>
+              <a:t>    from 'latest-sqlite-file.db'</a:t>
+            </a:r>
+            <a:endParaRPr lang="zh-CN" altLang="en-US" sz="1400"/>
+          </a:p>
+          <a:p>
+            <a:r>
+              <a:rPr lang="zh-CN" altLang="en-US" sz="1400"/>
+              <a:t>    into postgresql:///new_db_name</a:t>
+            </a:r>
+            <a:endParaRPr lang="zh-CN" altLang="en-US" sz="1400"/>
+          </a:p>
+          <a:p>
+            <a:endParaRPr lang="zh-CN" altLang="en-US" sz="1400"/>
+          </a:p>
+          <a:p>
+            <a:r>
+              <a:rPr lang="zh-CN" altLang="en-US" sz="1400"/>
+              <a:t>with include drop, quote identifiers, create tables, create indexes, reset sequences</a:t>
+            </a:r>
+            <a:endParaRPr lang="zh-CN" altLang="en-US" sz="1400"/>
+          </a:p>
+          <a:p>
+            <a:endParaRPr lang="zh-CN" altLang="en-US" sz="1400"/>
+          </a:p>
+          <a:p>
+            <a:r>
+              <a:rPr lang="zh-CN" altLang="en-US" sz="1400"/>
+              <a:t>set work_mem to '16MB', maintenance_work_mem to '512 MB';</a:t>
+            </a:r>
+            <a:endParaRPr lang="zh-CN" altLang="en-US" sz="1400"/>
           </a:p>
         </p:txBody>
       </p:sp>
@@ -3750,6 +4748,30 @@
 <file path=ppt/tags/tag1.xml><?xml version="1.0" encoding="utf-8"?>
 <p:tagLst xmlns:p="http://schemas.openxmlformats.org/presentationml/2006/main">
   <p:tag name="KSO_WM_TAG_VERSION" val="1.0"/>
+  <p:tag name="KSO_WM_TEMPLATE_CATEGORY" val="custom"/>
+  <p:tag name="KSO_WM_TEMPLATE_INDEX" val="160402"/>
+</p:tagLst>
+</file>
+
+<file path=ppt/tags/tag10.xml><?xml version="1.0" encoding="utf-8"?>
+<p:tagLst xmlns:p="http://schemas.openxmlformats.org/presentationml/2006/main">
+  <p:tag name="KSO_WM_BEAUTIFY_FLAG" val="#wm#"/>
+  <p:tag name="KSO_WM_TEMPLATE_CATEGORY" val="custom"/>
+  <p:tag name="KSO_WM_TEMPLATE_INDEX" val="160402"/>
+</p:tagLst>
+</file>
+
+<file path=ppt/tags/tag11.xml><?xml version="1.0" encoding="utf-8"?>
+<p:tagLst xmlns:p="http://schemas.openxmlformats.org/presentationml/2006/main">
+  <p:tag name="KSO_WM_BEAUTIFY_FLAG" val="#wm#"/>
+  <p:tag name="KSO_WM_TEMPLATE_CATEGORY" val="custom"/>
+  <p:tag name="KSO_WM_TEMPLATE_INDEX" val="160402"/>
+</p:tagLst>
+</file>
+
+<file path=ppt/tags/tag12.xml><?xml version="1.0" encoding="utf-8"?>
+<p:tagLst xmlns:p="http://schemas.openxmlformats.org/presentationml/2006/main">
+  <p:tag name="KSO_WM_BEAUTIFY_FLAG" val="#wm#"/>
   <p:tag name="KSO_WM_TEMPLATE_CATEGORY" val="custom"/>
   <p:tag name="KSO_WM_TEMPLATE_INDEX" val="160402"/>
 </p:tagLst>
@@ -3841,6 +4863,22 @@
 </file>
 
 <file path=ppt/tags/tag7.xml><?xml version="1.0" encoding="utf-8"?>
+<p:tagLst xmlns:p="http://schemas.openxmlformats.org/presentationml/2006/main">
+  <p:tag name="KSO_WM_UNIT_TABLE_BEAUTIFY" val="smartTable{66b7b698-fbae-41fb-bc40-e680ffeaffa4}"/>
+  <p:tag name="TABLE_ENDDRAG_ORIGIN_RECT" val="846*361"/>
+  <p:tag name="TABLE_ENDDRAG_RECT" val="55*95*846*361"/>
+</p:tagLst>
+</file>
+
+<file path=ppt/tags/tag8.xml><?xml version="1.0" encoding="utf-8"?>
+<p:tagLst xmlns:p="http://schemas.openxmlformats.org/presentationml/2006/main">
+  <p:tag name="KSO_WM_BEAUTIFY_FLAG" val="#wm#"/>
+  <p:tag name="KSO_WM_TEMPLATE_CATEGORY" val="custom"/>
+  <p:tag name="KSO_WM_TEMPLATE_INDEX" val="160402"/>
+</p:tagLst>
+</file>
+
+<file path=ppt/tags/tag9.xml><?xml version="1.0" encoding="utf-8"?>
 <p:tagLst xmlns:p="http://schemas.openxmlformats.org/presentationml/2006/main">
   <p:tag name="KSO_WM_BEAUTIFY_FLAG" val="#wm#"/>
   <p:tag name="KSO_WM_TEMPLATE_CATEGORY" val="custom"/>

--- a/Misc/DB-Notes.pptx
+++ b/Misc/DB-Notes.pptx
@@ -5,10 +5,10 @@
     <p:sldMasterId id="2147483648" r:id="rId1"/>
   </p:sldMasterIdLst>
   <p:notesMasterIdLst>
-    <p:notesMasterId r:id="rId9"/>
+    <p:notesMasterId r:id="rId12"/>
   </p:notesMasterIdLst>
   <p:handoutMasterIdLst>
-    <p:handoutMasterId r:id="rId10"/>
+    <p:handoutMasterId r:id="rId13"/>
   </p:handoutMasterIdLst>
   <p:sldIdLst>
     <p:sldId id="409" r:id="rId3"/>
@@ -16,7 +16,10 @@
     <p:sldId id="411" r:id="rId5"/>
     <p:sldId id="413" r:id="rId6"/>
     <p:sldId id="415" r:id="rId7"/>
-    <p:sldId id="412" r:id="rId8"/>
+    <p:sldId id="418" r:id="rId8"/>
+    <p:sldId id="412" r:id="rId9"/>
+    <p:sldId id="417" r:id="rId10"/>
+    <p:sldId id="419" r:id="rId11"/>
   </p:sldIdLst>
   <p:sldSz cx="12192000" cy="6858000"/>
   <p:notesSz cx="6858000" cy="9144000"/>
@@ -3653,12 +3656,14 @@
         </p:nvSpPr>
         <p:spPr>
           <a:xfrm>
-            <a:off x="1524000" y="5468880"/>
-            <a:ext cx="9144000" cy="376237"/>
+            <a:off x="1524000" y="5468620"/>
+            <a:ext cx="9144000" cy="786130"/>
           </a:xfrm>
         </p:spPr>
         <p:txBody>
-          <a:bodyPr/>
+          <a:bodyPr>
+            <a:normAutofit fontScale="90000" lnSpcReduction="20000"/>
+          </a:bodyPr>
           <a:p>
             <a:r>
               <a:rPr lang="en-US" altLang="zh-CN"/>
@@ -3669,7 +3674,7 @@
           <a:p>
             <a:r>
               <a:rPr lang="en-US" altLang="zh-CN"/>
-              <a:t>Last updated: 3/28/2020</a:t>
+              <a:t>Last updated: 9/29/2021</a:t>
             </a:r>
             <a:endParaRPr lang="en-US" altLang="zh-CN"/>
           </a:p>
@@ -3756,7 +3761,7 @@
         </p:nvGraphicFramePr>
         <p:xfrm>
           <a:off x="706755" y="1209675"/>
-          <a:ext cx="10744200" cy="4597400"/>
+          <a:ext cx="10744200" cy="4815205"/>
         </p:xfrm>
         <a:graphic>
           <a:graphicData uri="http://schemas.openxmlformats.org/drawingml/2006/table">
@@ -3769,7 +3774,7 @@
                 <a:gridCol w="5113655"/>
                 <a:gridCol w="3581400"/>
               </a:tblGrid>
-              <a:tr h="919480">
+              <a:tr h="426720">
                 <a:tc>
                   <a:txBody>
                     <a:bodyPr/>
@@ -3819,7 +3824,7 @@
                   <a:tcPr anchor="ctr" anchorCtr="0"/>
                 </a:tc>
               </a:tr>
-              <a:tr h="919480">
+              <a:tr h="640080">
                 <a:tc>
                   <a:txBody>
                     <a:bodyPr/>
@@ -3827,7 +3832,11 @@
                       <a:pPr algn="l">
                         <a:buNone/>
                       </a:pPr>
-                      <a:endParaRPr lang="zh-CN" altLang="en-US"/>
+                      <a:r>
+                        <a:rPr lang="en-US" altLang="zh-CN"/>
+                        <a:t>Select records</a:t>
+                      </a:r>
+                      <a:endParaRPr lang="en-US" altLang="zh-CN"/>
                     </a:p>
                   </a:txBody>
                   <a:tcPr/>
@@ -3843,7 +3852,7 @@
                         <a:rPr lang="en-US" altLang="zh-CN" sz="1800">
                           <a:sym typeface="+mn-ea"/>
                         </a:rPr>
-                        <a:t>select distinct {column-name} from {table-name}</a:t>
+                        <a:t>select distinct {column-name} from {table-name} order by id desc limit 10</a:t>
                       </a:r>
                       <a:endParaRPr lang="zh-CN" altLang="en-US"/>
                     </a:p>
@@ -3863,7 +3872,7 @@
                   <a:tcPr/>
                 </a:tc>
               </a:tr>
-              <a:tr h="919480">
+              <a:tr h="640080">
                 <a:tc>
                   <a:txBody>
                     <a:bodyPr/>
@@ -3911,7 +3920,7 @@
                   <a:tcPr/>
                 </a:tc>
               </a:tr>
-              <a:tr h="919480">
+              <a:tr h="426720">
                 <a:tc>
                   <a:txBody>
                     <a:bodyPr/>
@@ -3937,7 +3946,7 @@
                       </a:pPr>
                       <a:r>
                         <a:rPr lang="en-US" altLang="zh-CN"/>
-                        <a:t>drop table {table_name}</a:t>
+                        <a:t>drop table “{table_name}”</a:t>
                       </a:r>
                       <a:endParaRPr lang="en-US" altLang="zh-CN"/>
                     </a:p>
@@ -3957,7 +3966,7 @@
                   <a:tcPr/>
                 </a:tc>
               </a:tr>
-              <a:tr h="919480">
+              <a:tr h="640080">
                 <a:tc>
                   <a:txBody>
                     <a:bodyPr/>
@@ -4003,6 +4012,174 @@
                   <a:tcPr/>
                 </a:tc>
               </a:tr>
+              <a:tr h="426085">
+                <a:tc>
+                  <a:txBody>
+                    <a:bodyPr/>
+                    <a:p>
+                      <a:pPr algn="l">
+                        <a:buNone/>
+                      </a:pPr>
+                      <a:r>
+                        <a:rPr lang="en-US" altLang="zh-CN"/>
+                        <a:t>Remove a DB</a:t>
+                      </a:r>
+                      <a:endParaRPr lang="en-US" altLang="zh-CN"/>
+                    </a:p>
+                  </a:txBody>
+                  <a:tcPr/>
+                </a:tc>
+                <a:tc>
+                  <a:txBody>
+                    <a:bodyPr/>
+                    <a:p>
+                      <a:pPr algn="l">
+                        <a:buNone/>
+                      </a:pPr>
+                      <a:r>
+                        <a:rPr lang="en-US" altLang="zh-CN"/>
+                        <a:t>drop database {db_name}</a:t>
+                      </a:r>
+                      <a:endParaRPr lang="en-US" altLang="zh-CN"/>
+                    </a:p>
+                  </a:txBody>
+                  <a:tcPr/>
+                </a:tc>
+                <a:tc>
+                  <a:txBody>
+                    <a:bodyPr/>
+                    <a:p>
+                      <a:pPr algn="l">
+                        <a:buNone/>
+                      </a:pPr>
+                      <a:endParaRPr lang="zh-CN" altLang="en-US"/>
+                    </a:p>
+                  </a:txBody>
+                  <a:tcPr/>
+                </a:tc>
+              </a:tr>
+              <a:tr h="1188720">
+                <a:tc>
+                  <a:txBody>
+                    <a:bodyPr/>
+                    <a:p>
+                      <a:pPr algn="l">
+                        <a:buNone/>
+                      </a:pPr>
+                      <a:r>
+                        <a:rPr lang="en-US" altLang="zh-CN"/>
+                        <a:t>Add record</a:t>
+                      </a:r>
+                      <a:endParaRPr lang="en-US" altLang="zh-CN"/>
+                    </a:p>
+                  </a:txBody>
+                  <a:tcPr/>
+                </a:tc>
+                <a:tc>
+                  <a:txBody>
+                    <a:bodyPr/>
+                    <a:p>
+                      <a:pPr algn="l">
+                        <a:buNone/>
+                      </a:pPr>
+                      <a:r>
+                        <a:rPr lang="en-US" altLang="zh-CN"/>
+                        <a:t>INSERT INTO {table_name}</a:t>
+                      </a:r>
+                      <a:endParaRPr lang="en-US" altLang="zh-CN"/>
+                    </a:p>
+                    <a:p>
+                      <a:pPr algn="l">
+                        <a:buNone/>
+                      </a:pPr>
+                      <a:r>
+                        <a:rPr lang="en-US" altLang="zh-CN"/>
+                        <a:t>VALUES (value1, value2, value3...);</a:t>
+                      </a:r>
+                      <a:endParaRPr lang="en-US" altLang="zh-CN"/>
+                    </a:p>
+                    <a:p>
+                      <a:pPr algn="l">
+                        <a:buNone/>
+                      </a:pPr>
+                      <a:r>
+                        <a:rPr lang="en-US" altLang="zh-CN"/>
+                        <a:t>INSERT INTO table_name(column1, column2...)</a:t>
+                      </a:r>
+                      <a:endParaRPr lang="en-US" altLang="zh-CN"/>
+                    </a:p>
+                    <a:p>
+                      <a:pPr algn="l">
+                        <a:buNone/>
+                      </a:pPr>
+                      <a:r>
+                        <a:rPr lang="en-US" altLang="zh-CN"/>
+                        <a:t>VALUES (value1, value2...);</a:t>
+                      </a:r>
+                      <a:endParaRPr lang="en-US" altLang="zh-CN"/>
+                    </a:p>
+                  </a:txBody>
+                  <a:tcPr/>
+                </a:tc>
+                <a:tc>
+                  <a:txBody>
+                    <a:bodyPr/>
+                    <a:p>
+                      <a:pPr algn="l">
+                        <a:buNone/>
+                      </a:pPr>
+                      <a:endParaRPr lang="zh-CN" altLang="en-US"/>
+                    </a:p>
+                  </a:txBody>
+                  <a:tcPr/>
+                </a:tc>
+              </a:tr>
+              <a:tr h="426720">
+                <a:tc>
+                  <a:txBody>
+                    <a:bodyPr/>
+                    <a:p>
+                      <a:pPr algn="l">
+                        <a:buNone/>
+                      </a:pPr>
+                      <a:r>
+                        <a:rPr lang="en-US" altLang="zh-CN"/>
+                        <a:t>Delete record</a:t>
+                      </a:r>
+                      <a:endParaRPr lang="en-US" altLang="zh-CN"/>
+                    </a:p>
+                  </a:txBody>
+                  <a:tcPr/>
+                </a:tc>
+                <a:tc>
+                  <a:txBody>
+                    <a:bodyPr/>
+                    <a:p>
+                      <a:pPr algn="l">
+                        <a:buNone/>
+                      </a:pPr>
+                      <a:r>
+                        <a:rPr lang="en-US" altLang="zh-CN"/>
+                        <a:t>delete from {table_name} where id=1;</a:t>
+                      </a:r>
+                      <a:endParaRPr lang="en-US" altLang="zh-CN"/>
+                    </a:p>
+                  </a:txBody>
+                  <a:tcPr/>
+                </a:tc>
+                <a:tc>
+                  <a:txBody>
+                    <a:bodyPr/>
+                    <a:p>
+                      <a:pPr algn="l">
+                        <a:buNone/>
+                      </a:pPr>
+                      <a:endParaRPr lang="zh-CN" altLang="en-US"/>
+                    </a:p>
+                  </a:txBody>
+                  <a:tcPr/>
+                </a:tc>
+              </a:tr>
             </a:tbl>
           </a:graphicData>
         </a:graphic>
@@ -4060,7 +4237,12 @@
             <p:ph idx="1"/>
           </p:nvPr>
         </p:nvSpPr>
-        <p:spPr/>
+        <p:spPr>
+          <a:xfrm>
+            <a:off x="838200" y="1211580"/>
+            <a:ext cx="5896610" cy="4549140"/>
+          </a:xfrm>
+        </p:spPr>
         <p:txBody>
           <a:bodyPr>
             <a:normAutofit fontScale="90000" lnSpcReduction="20000"/>
@@ -4081,6 +4263,14 @@
             <a:endParaRPr lang="en-US" altLang="zh-CN"/>
           </a:p>
           <a:p>
+            <a:pPr lvl="1"/>
+            <a:r>
+              <a:rPr lang="en-US" altLang="zh-CN"/>
+              <a:t>https://www.sqlite.org/lang_altertable.html</a:t>
+            </a:r>
+            <a:endParaRPr lang="en-US" altLang="zh-CN"/>
+          </a:p>
+          <a:p>
             <a:pPr lvl="0"/>
             <a:r>
               <a:rPr lang="en-US" altLang="zh-CN"/>
@@ -4124,7 +4314,7 @@
             <a:pPr lvl="1"/>
             <a:r>
               <a:rPr lang="en-US" altLang="zh-CN"/>
-              <a:t>.schema</a:t>
+              <a:t>.schema {table_name}</a:t>
             </a:r>
             <a:endParaRPr lang="en-US" altLang="zh-CN"/>
           </a:p>
@@ -4189,6 +4379,217 @@
             <a:r>
               <a:rPr lang="en-US" altLang="zh-CN"/>
               <a:t>select * from user;</a:t>
+            </a:r>
+            <a:endParaRPr lang="en-US" altLang="zh-CN"/>
+          </a:p>
+        </p:txBody>
+      </p:sp>
+      <p:sp>
+        <p:nvSpPr>
+          <p:cNvPr id="4" name="内容占位符 2"/>
+          <p:cNvSpPr>
+            <a:spLocks noGrp="1"/>
+          </p:cNvSpPr>
+          <p:nvPr/>
+        </p:nvSpPr>
+        <p:spPr>
+          <a:xfrm>
+            <a:off x="7269480" y="1154430"/>
+            <a:ext cx="4669790" cy="4549140"/>
+          </a:xfrm>
+          <a:prstGeom prst="rect">
+            <a:avLst/>
+          </a:prstGeom>
+        </p:spPr>
+        <p:txBody>
+          <a:bodyPr vert="horz" lIns="91440" tIns="45720" rIns="91440" bIns="45720" rtlCol="0">
+            <a:normAutofit/>
+          </a:bodyPr>
+          <a:lstStyle>
+            <a:lvl1pPr marL="342900" indent="-342900" algn="l" defTabSz="914400" rtl="0" eaLnBrk="1" latinLnBrk="0" hangingPunct="1">
+              <a:lnSpc>
+                <a:spcPct val="90000"/>
+              </a:lnSpc>
+              <a:spcBef>
+                <a:spcPts val="1000"/>
+              </a:spcBef>
+              <a:buFont typeface="黑体" panose="02010609060101010101" pitchFamily="49" charset="-122"/>
+              <a:buChar char="〉"/>
+              <a:defRPr sz="2400" kern="1200">
+                <a:solidFill>
+                  <a:schemeClr val="tx1"/>
+                </a:solidFill>
+                <a:latin typeface="+mn-lt"/>
+                <a:ea typeface="+mn-ea"/>
+                <a:cs typeface="+mn-cs"/>
+              </a:defRPr>
+            </a:lvl1pPr>
+            <a:lvl2pPr marL="800100" indent="-342900" algn="l" defTabSz="914400" rtl="0" eaLnBrk="1" latinLnBrk="0" hangingPunct="1">
+              <a:lnSpc>
+                <a:spcPct val="90000"/>
+              </a:lnSpc>
+              <a:spcBef>
+                <a:spcPts val="500"/>
+              </a:spcBef>
+              <a:buFont typeface="Arial" panose="020B0604020202020204" pitchFamily="34" charset="0"/>
+              <a:buChar char="•"/>
+              <a:defRPr sz="2000" kern="1200">
+                <a:solidFill>
+                  <a:schemeClr val="tx1"/>
+                </a:solidFill>
+                <a:latin typeface="+mn-lt"/>
+                <a:ea typeface="+mn-ea"/>
+                <a:cs typeface="+mn-cs"/>
+              </a:defRPr>
+            </a:lvl2pPr>
+            <a:lvl3pPr marL="1257300" indent="-342900" algn="l" defTabSz="914400" rtl="0" eaLnBrk="1" latinLnBrk="0" hangingPunct="1">
+              <a:lnSpc>
+                <a:spcPct val="90000"/>
+              </a:lnSpc>
+              <a:spcBef>
+                <a:spcPts val="500"/>
+              </a:spcBef>
+              <a:buFont typeface="Arial" panose="020B0604020202020204" pitchFamily="34" charset="0"/>
+              <a:buChar char="•"/>
+              <a:defRPr sz="1800" kern="1200">
+                <a:solidFill>
+                  <a:schemeClr val="tx1"/>
+                </a:solidFill>
+                <a:latin typeface="+mn-lt"/>
+                <a:ea typeface="+mn-ea"/>
+                <a:cs typeface="+mn-cs"/>
+              </a:defRPr>
+            </a:lvl3pPr>
+            <a:lvl4pPr marL="1657350" indent="-285750" algn="l" defTabSz="914400" rtl="0" eaLnBrk="1" latinLnBrk="0" hangingPunct="1">
+              <a:lnSpc>
+                <a:spcPct val="90000"/>
+              </a:lnSpc>
+              <a:spcBef>
+                <a:spcPts val="500"/>
+              </a:spcBef>
+              <a:buFont typeface="Arial" panose="020B0604020202020204" pitchFamily="34" charset="0"/>
+              <a:buChar char="•"/>
+              <a:defRPr sz="1800" kern="1200">
+                <a:solidFill>
+                  <a:schemeClr val="tx1"/>
+                </a:solidFill>
+                <a:latin typeface="+mn-lt"/>
+                <a:ea typeface="+mn-ea"/>
+                <a:cs typeface="+mn-cs"/>
+              </a:defRPr>
+            </a:lvl4pPr>
+            <a:lvl5pPr marL="2114550" indent="-285750" algn="l" defTabSz="914400" rtl="0" eaLnBrk="1" latinLnBrk="0" hangingPunct="1">
+              <a:lnSpc>
+                <a:spcPct val="90000"/>
+              </a:lnSpc>
+              <a:spcBef>
+                <a:spcPts val="500"/>
+              </a:spcBef>
+              <a:buFont typeface="Arial" panose="020B0604020202020204" pitchFamily="34" charset="0"/>
+              <a:buChar char="•"/>
+              <a:defRPr sz="1800" kern="1200">
+                <a:solidFill>
+                  <a:schemeClr val="tx1"/>
+                </a:solidFill>
+                <a:latin typeface="+mn-lt"/>
+                <a:ea typeface="+mn-ea"/>
+                <a:cs typeface="+mn-cs"/>
+              </a:defRPr>
+            </a:lvl5pPr>
+            <a:lvl6pPr marL="2514600" indent="-228600" algn="l" defTabSz="914400" rtl="0" eaLnBrk="1" latinLnBrk="0" hangingPunct="1">
+              <a:lnSpc>
+                <a:spcPct val="90000"/>
+              </a:lnSpc>
+              <a:spcBef>
+                <a:spcPts val="500"/>
+              </a:spcBef>
+              <a:buFont typeface="Arial" panose="020B0604020202020204" pitchFamily="34" charset="0"/>
+              <a:buChar char="•"/>
+              <a:defRPr sz="1800" kern="1200">
+                <a:solidFill>
+                  <a:schemeClr val="tx1"/>
+                </a:solidFill>
+                <a:latin typeface="+mn-lt"/>
+                <a:ea typeface="+mn-ea"/>
+                <a:cs typeface="+mn-cs"/>
+              </a:defRPr>
+            </a:lvl6pPr>
+            <a:lvl7pPr marL="2971800" indent="-228600" algn="l" defTabSz="914400" rtl="0" eaLnBrk="1" latinLnBrk="0" hangingPunct="1">
+              <a:lnSpc>
+                <a:spcPct val="90000"/>
+              </a:lnSpc>
+              <a:spcBef>
+                <a:spcPts val="500"/>
+              </a:spcBef>
+              <a:buFont typeface="Arial" panose="020B0604020202020204" pitchFamily="34" charset="0"/>
+              <a:buChar char="•"/>
+              <a:defRPr sz="1800" kern="1200">
+                <a:solidFill>
+                  <a:schemeClr val="tx1"/>
+                </a:solidFill>
+                <a:latin typeface="+mn-lt"/>
+                <a:ea typeface="+mn-ea"/>
+                <a:cs typeface="+mn-cs"/>
+              </a:defRPr>
+            </a:lvl7pPr>
+            <a:lvl8pPr marL="3429000" indent="-228600" algn="l" defTabSz="914400" rtl="0" eaLnBrk="1" latinLnBrk="0" hangingPunct="1">
+              <a:lnSpc>
+                <a:spcPct val="90000"/>
+              </a:lnSpc>
+              <a:spcBef>
+                <a:spcPts val="500"/>
+              </a:spcBef>
+              <a:buFont typeface="Arial" panose="020B0604020202020204" pitchFamily="34" charset="0"/>
+              <a:buChar char="•"/>
+              <a:defRPr sz="1800" kern="1200">
+                <a:solidFill>
+                  <a:schemeClr val="tx1"/>
+                </a:solidFill>
+                <a:latin typeface="+mn-lt"/>
+                <a:ea typeface="+mn-ea"/>
+                <a:cs typeface="+mn-cs"/>
+              </a:defRPr>
+            </a:lvl8pPr>
+            <a:lvl9pPr marL="3886200" indent="-228600" algn="l" defTabSz="914400" rtl="0" eaLnBrk="1" latinLnBrk="0" hangingPunct="1">
+              <a:lnSpc>
+                <a:spcPct val="90000"/>
+              </a:lnSpc>
+              <a:spcBef>
+                <a:spcPts val="500"/>
+              </a:spcBef>
+              <a:buFont typeface="Arial" panose="020B0604020202020204" pitchFamily="34" charset="0"/>
+              <a:buChar char="•"/>
+              <a:defRPr sz="1800" kern="1200">
+                <a:solidFill>
+                  <a:schemeClr val="tx1"/>
+                </a:solidFill>
+                <a:latin typeface="+mn-lt"/>
+                <a:ea typeface="+mn-ea"/>
+                <a:cs typeface="+mn-cs"/>
+              </a:defRPr>
+            </a:lvl9pPr>
+          </a:lstStyle>
+          <a:p>
+            <a:pPr lvl="1"/>
+            <a:r>
+              <a:rPr lang="en-US" altLang="zh-CN"/>
+              <a:t>Create table from csv</a:t>
+            </a:r>
+            <a:endParaRPr lang="en-US" altLang="zh-CN"/>
+          </a:p>
+          <a:p>
+            <a:pPr lvl="2"/>
+            <a:r>
+              <a:rPr lang="en-US" altLang="zh-CN"/>
+              <a:t>.mode csv</a:t>
+            </a:r>
+            <a:endParaRPr lang="en-US" altLang="zh-CN"/>
+          </a:p>
+          <a:p>
+            <a:pPr lvl="2"/>
+            <a:r>
+              <a:rPr lang="en-US" altLang="zh-CN"/>
+              <a:t>.import product.csv product</a:t>
             </a:r>
             <a:endParaRPr lang="en-US" altLang="zh-CN"/>
           </a:p>
@@ -4254,7 +4655,9 @@
           </a:xfrm>
         </p:spPr>
         <p:txBody>
-          <a:bodyPr/>
+          <a:bodyPr>
+            <a:normAutofit lnSpcReduction="10000"/>
+          </a:bodyPr>
           <a:p>
             <a:pPr lvl="0"/>
             <a:r>
@@ -4268,42 +4671,42 @@
           <a:p>
             <a:pPr lvl="1"/>
             <a:r>
-              <a:rPr lang="en-US" altLang="zh-CN" sz="2400">
+              <a:rPr lang="en-US" altLang="zh-CN">
                 <a:sym typeface="+mn-ea"/>
               </a:rPr>
               <a:t>BLOB -&gt; LargeBinary</a:t>
             </a:r>
-            <a:endParaRPr lang="en-US" altLang="zh-CN" sz="2400"/>
+            <a:endParaRPr lang="en-US" altLang="zh-CN"/>
           </a:p>
           <a:p>
             <a:pPr lvl="1"/>
             <a:r>
-              <a:rPr lang="en-US" altLang="zh-CN" sz="2400">
+              <a:rPr lang="en-US" altLang="zh-CN">
                 <a:sym typeface="+mn-ea"/>
               </a:rPr>
               <a:t>This result object does not return rows. It has been closed automatically.</a:t>
             </a:r>
-            <a:endParaRPr lang="en-US" altLang="zh-CN" sz="2400"/>
+            <a:endParaRPr lang="en-US" altLang="zh-CN"/>
           </a:p>
           <a:p>
             <a:pPr lvl="2"/>
             <a:r>
-              <a:rPr lang="en-US" altLang="zh-CN" sz="2400">
+              <a:rPr lang="en-US" altLang="zh-CN" sz="2000">
                 <a:sym typeface="+mn-ea"/>
               </a:rPr>
               <a:t>docker-compose.yml</a:t>
             </a:r>
-            <a:endParaRPr lang="en-US" altLang="zh-CN" sz="2400"/>
+            <a:endParaRPr lang="en-US" altLang="zh-CN" sz="2000"/>
           </a:p>
           <a:p>
             <a:pPr lvl="3"/>
             <a:r>
-              <a:rPr lang="en-US" altLang="zh-CN" sz="2400">
+              <a:rPr lang="en-US" altLang="zh-CN" sz="2000">
                 <a:sym typeface="+mn-ea"/>
               </a:rPr>
               <a:t>gunicorn remove “--preload” option</a:t>
             </a:r>
-            <a:endParaRPr lang="en-US" altLang="zh-CN" sz="2400">
+            <a:endParaRPr lang="en-US" altLang="zh-CN" sz="2000">
               <a:sym typeface="+mn-ea"/>
             </a:endParaRPr>
           </a:p>
@@ -4314,6 +4717,48 @@
                 <a:sym typeface="+mn-ea"/>
               </a:rPr>
               <a:t>psql</a:t>
+            </a:r>
+            <a:endParaRPr lang="en-US" altLang="zh-CN">
+              <a:sym typeface="+mn-ea"/>
+            </a:endParaRPr>
+          </a:p>
+          <a:p>
+            <a:pPr lvl="0"/>
+            <a:r>
+              <a:rPr lang="en-US" altLang="zh-CN"/>
+              <a:t>Docker</a:t>
+            </a:r>
+            <a:endParaRPr lang="en-US" altLang="zh-CN"/>
+          </a:p>
+          <a:p>
+            <a:pPr lvl="1"/>
+            <a:r>
+              <a:rPr lang="en-US" altLang="zh-CN"/>
+              <a:t>sudo docker exec -it fishpano_db_1 /bin/bash</a:t>
+            </a:r>
+            <a:endParaRPr lang="en-US" altLang="zh-CN"/>
+          </a:p>
+          <a:p>
+            <a:pPr lvl="1"/>
+            <a:r>
+              <a:rPr lang="en-US" altLang="zh-CN"/>
+              <a:t>run psql -U {username} {dbname}</a:t>
+            </a:r>
+            <a:endParaRPr lang="en-US" altLang="zh-CN"/>
+          </a:p>
+          <a:p>
+            <a:pPr lvl="0"/>
+            <a:r>
+              <a:rPr lang="en-US" altLang="zh-CN"/>
+              <a:t>Commands</a:t>
+            </a:r>
+            <a:endParaRPr lang="en-US" altLang="zh-CN"/>
+          </a:p>
+          <a:p>
+            <a:pPr lvl="1"/>
+            <a:r>
+              <a:rPr lang="en-US" altLang="zh-CN"/>
+              <a:t>dropdb</a:t>
             </a:r>
             <a:endParaRPr lang="en-US" altLang="zh-CN"/>
           </a:p>
@@ -4494,7 +4939,7 @@
         <p:spPr>
           <a:xfrm>
             <a:off x="838200" y="1211580"/>
-            <a:ext cx="6828790" cy="4549140"/>
+            <a:ext cx="10739755" cy="4549140"/>
           </a:xfrm>
         </p:spPr>
         <p:txBody>
@@ -4546,6 +4991,22 @@
             <a:r>
               <a:rPr lang="en-US" altLang="zh-CN"/>
               <a:t>psql -d newdb -f db.sql</a:t>
+            </a:r>
+            <a:endParaRPr lang="en-US" altLang="zh-CN"/>
+          </a:p>
+          <a:p>
+            <a:pPr lvl="0"/>
+            <a:r>
+              <a:rPr lang="en-US" altLang="zh-CN"/>
+              <a:t>Create table from CSV</a:t>
+            </a:r>
+            <a:endParaRPr lang="en-US" altLang="zh-CN"/>
+          </a:p>
+          <a:p>
+            <a:pPr lvl="1"/>
+            <a:r>
+              <a:rPr lang="en-US" altLang="zh-CN"/>
+              <a:t>COPY table_name FROM 'path/to/data.csv' DELIMITER ',' CSV HEADER;</a:t>
             </a:r>
             <a:endParaRPr lang="en-US" altLang="zh-CN"/>
           </a:p>
@@ -4587,8 +5048,115 @@
           <a:bodyPr/>
           <a:p>
             <a:r>
+              <a:rPr lang="en-US" altLang="zh-CN">
+                <a:sym typeface="+mn-ea"/>
+              </a:rPr>
+              <a:t>Sqlite-&gt;Postgresql - Sequel Gem</a:t>
+            </a:r>
+            <a:endParaRPr lang="zh-CN" altLang="en-US"/>
+          </a:p>
+        </p:txBody>
+      </p:sp>
+      <p:sp>
+        <p:nvSpPr>
+          <p:cNvPr id="3" name="内容占位符 2"/>
+          <p:cNvSpPr>
+            <a:spLocks noGrp="1"/>
+          </p:cNvSpPr>
+          <p:nvPr>
+            <p:ph idx="1"/>
+          </p:nvPr>
+        </p:nvSpPr>
+        <p:spPr/>
+        <p:txBody>
+          <a:bodyPr/>
+          <a:p>
+            <a:r>
               <a:rPr lang="en-US" altLang="zh-CN"/>
-              <a:t>DB Migration</a:t>
+              <a:t>Install</a:t>
+            </a:r>
+            <a:endParaRPr lang="en-US" altLang="zh-CN"/>
+          </a:p>
+          <a:p>
+            <a:pPr lvl="1"/>
+            <a:r>
+              <a:rPr lang="en-US" altLang="zh-CN"/>
+              <a:t>apt install ruby ruby2.5-dev libsqlite3-dev </a:t>
+            </a:r>
+            <a:endParaRPr lang="en-US" altLang="zh-CN"/>
+          </a:p>
+          <a:p>
+            <a:pPr lvl="1"/>
+            <a:r>
+              <a:rPr lang="en-US" altLang="zh-CN"/>
+              <a:t>gem install sequel sqlite3 pg</a:t>
+            </a:r>
+            <a:endParaRPr lang="en-US" altLang="zh-CN"/>
+          </a:p>
+          <a:p>
+            <a:pPr lvl="0"/>
+            <a:r>
+              <a:rPr lang="en-US" altLang="zh-CN"/>
+              <a:t>Use</a:t>
+            </a:r>
+            <a:endParaRPr lang="en-US" altLang="zh-CN"/>
+          </a:p>
+          <a:p>
+            <a:pPr lvl="1"/>
+            <a:r>
+              <a:rPr lang="en-US" altLang="zh-CN"/>
+              <a:t>sequel -C sqlite:/www/input.sqlite3 postgres://user@localhost/db</a:t>
+            </a:r>
+            <a:endParaRPr lang="en-US" altLang="zh-CN"/>
+          </a:p>
+          <a:p>
+            <a:pPr lvl="2"/>
+            <a:r>
+              <a:rPr lang="en-US" altLang="zh-CN"/>
+              <a:t># /www/input.sqlite3 is full path</a:t>
+            </a:r>
+            <a:endParaRPr lang="en-US" altLang="zh-CN"/>
+          </a:p>
+        </p:txBody>
+      </p:sp>
+    </p:spTree>
+    <p:custDataLst>
+      <p:tags r:id="rId1"/>
+    </p:custDataLst>
+  </p:cSld>
+  <p:clrMapOvr>
+    <a:masterClrMapping/>
+  </p:clrMapOvr>
+</p:sld>
+</file>
+
+<file path=ppt/slides/slide7.xml><?xml version="1.0" encoding="utf-8"?>
+<p:sld xmlns:a="http://schemas.openxmlformats.org/drawingml/2006/main" xmlns:r="http://schemas.openxmlformats.org/officeDocument/2006/relationships" xmlns:p="http://schemas.openxmlformats.org/presentationml/2006/main">
+  <p:cSld>
+    <p:spTree>
+      <p:nvGrpSpPr>
+        <p:cNvPr id="1" name=""/>
+        <p:cNvGrpSpPr/>
+        <p:nvPr/>
+      </p:nvGrpSpPr>
+      <p:grpSpPr/>
+      <p:sp>
+        <p:nvSpPr>
+          <p:cNvPr id="2" name="标题 1"/>
+          <p:cNvSpPr>
+            <a:spLocks noGrp="1"/>
+          </p:cNvSpPr>
+          <p:nvPr>
+            <p:ph type="title"/>
+          </p:nvPr>
+        </p:nvSpPr>
+        <p:spPr/>
+        <p:txBody>
+          <a:bodyPr/>
+          <a:p>
+            <a:r>
+              <a:rPr lang="en-US" altLang="zh-CN"/>
+              <a:t>Sqlite-&gt;Postgresql - Dump/Load</a:t>
             </a:r>
             <a:endParaRPr lang="en-US" altLang="zh-CN"/>
           </a:p>
@@ -4607,7 +5175,262 @@
         <p:spPr>
           <a:xfrm>
             <a:off x="838200" y="1211580"/>
-            <a:ext cx="7191375" cy="4549140"/>
+            <a:ext cx="10514965" cy="5316220"/>
+          </a:xfrm>
+        </p:spPr>
+        <p:txBody>
+          <a:bodyPr>
+            <a:normAutofit/>
+          </a:bodyPr>
+          <a:p>
+            <a:pPr lvl="0"/>
+            <a:r>
+              <a:rPr lang="en-US" altLang="zh-CN" sz="2000">
+                <a:sym typeface="+mn-ea"/>
+              </a:rPr>
+              <a:t>references</a:t>
+            </a:r>
+            <a:endParaRPr lang="en-US" altLang="zh-CN" sz="2000">
+              <a:sym typeface="+mn-ea"/>
+            </a:endParaRPr>
+          </a:p>
+          <a:p>
+            <a:pPr lvl="1"/>
+            <a:r>
+              <a:rPr lang="en-US" altLang="zh-CN" sz="1800">
+                <a:sym typeface="+mn-ea"/>
+              </a:rPr>
+              <a:t>https://stackoverflow.com/questions/4581727/convert-sqlite-sql-dump-file-to-postgresql</a:t>
+            </a:r>
+            <a:endParaRPr lang="en-US" altLang="zh-CN" sz="1800">
+              <a:sym typeface="+mn-ea"/>
+            </a:endParaRPr>
+          </a:p>
+          <a:p>
+            <a:pPr lvl="0"/>
+            <a:r>
+              <a:rPr lang="en-US" altLang="zh-CN" sz="2000">
+                <a:sym typeface="+mn-ea"/>
+              </a:rPr>
+              <a:t>Steps</a:t>
+            </a:r>
+            <a:endParaRPr lang="en-US" altLang="zh-CN" sz="2000">
+              <a:sym typeface="+mn-ea"/>
+            </a:endParaRPr>
+          </a:p>
+          <a:p>
+            <a:pPr lvl="1"/>
+            <a:r>
+              <a:rPr lang="en-US" altLang="zh-CN" sz="1800">
+                <a:sym typeface="+mn-ea"/>
+              </a:rPr>
+              <a:t>dump</a:t>
+            </a:r>
+            <a:endParaRPr lang="en-US" altLang="zh-CN" sz="1800">
+              <a:sym typeface="+mn-ea"/>
+            </a:endParaRPr>
+          </a:p>
+          <a:p>
+            <a:pPr lvl="2"/>
+            <a:r>
+              <a:rPr lang="en-US" altLang="zh-CN" sz="1600">
+                <a:sym typeface="+mn-ea"/>
+              </a:rPr>
+              <a:t>.dump &gt; ./sqlite-dumpfile.sql</a:t>
+            </a:r>
+            <a:endParaRPr lang="en-US" altLang="zh-CN" sz="1600">
+              <a:sym typeface="+mn-ea"/>
+            </a:endParaRPr>
+          </a:p>
+          <a:p>
+            <a:pPr lvl="1"/>
+            <a:r>
+              <a:rPr lang="en-US" altLang="zh-CN" sz="1800">
+                <a:sym typeface="+mn-ea"/>
+              </a:rPr>
+              <a:t>Modify</a:t>
+            </a:r>
+            <a:endParaRPr lang="en-US" altLang="zh-CN" sz="1800">
+              <a:sym typeface="+mn-ea"/>
+            </a:endParaRPr>
+          </a:p>
+          <a:p>
+            <a:pPr lvl="2"/>
+            <a:r>
+              <a:rPr lang="en-US" altLang="zh-CN" sz="1600">
+                <a:sym typeface="+mn-ea"/>
+              </a:rPr>
+              <a:t>id: change type from “int” to “serial”, remove “autoincrement”</a:t>
+            </a:r>
+            <a:endParaRPr lang="en-US" altLang="zh-CN" sz="1600">
+              <a:sym typeface="+mn-ea"/>
+            </a:endParaRPr>
+          </a:p>
+          <a:p>
+            <a:pPr lvl="2"/>
+            <a:r>
+              <a:rPr lang="en-US" altLang="zh-CN" sz="1600">
+                <a:sym typeface="+mn-ea"/>
+              </a:rPr>
+              <a:t>change “datetime” column to “timestamp”</a:t>
+            </a:r>
+            <a:endParaRPr lang="en-US" altLang="zh-CN" sz="1600">
+              <a:sym typeface="+mn-ea"/>
+            </a:endParaRPr>
+          </a:p>
+          <a:p>
+            <a:pPr lvl="2"/>
+            <a:r>
+              <a:rPr lang="en-US" altLang="zh-CN" sz="1600">
+                <a:sym typeface="+mn-ea"/>
+              </a:rPr>
+              <a:t>boolean “1”-&gt;”1::boolean”, “0”-&gt;”0::boolean”</a:t>
+            </a:r>
+            <a:endParaRPr lang="en-US" altLang="zh-CN" sz="1600">
+              <a:sym typeface="+mn-ea"/>
+            </a:endParaRPr>
+          </a:p>
+          <a:p>
+            <a:pPr lvl="2"/>
+            <a:r>
+              <a:rPr lang="en-US" altLang="zh-CN" sz="1600">
+                <a:sym typeface="+mn-ea"/>
+              </a:rPr>
+              <a:t>“blob” type -&gt; “bytea”</a:t>
+            </a:r>
+            <a:endParaRPr lang="en-US" altLang="zh-CN" sz="1600">
+              <a:sym typeface="+mn-ea"/>
+            </a:endParaRPr>
+          </a:p>
+          <a:p>
+            <a:pPr lvl="2"/>
+            <a:r>
+              <a:rPr lang="en-US" altLang="zh-CN" sz="1600">
+                <a:sym typeface="+mn-ea"/>
+              </a:rPr>
+              <a:t>foreign key: “set constraints all deferred” in begin/commit pair</a:t>
+            </a:r>
+            <a:endParaRPr lang="en-US" altLang="zh-CN" sz="1600">
+              <a:sym typeface="+mn-ea"/>
+            </a:endParaRPr>
+          </a:p>
+          <a:p>
+            <a:pPr lvl="1"/>
+            <a:r>
+              <a:rPr lang="en-US" altLang="zh-CN" sz="1800">
+                <a:sym typeface="+mn-ea"/>
+              </a:rPr>
+              <a:t>Load</a:t>
+            </a:r>
+            <a:endParaRPr lang="en-US" altLang="zh-CN" sz="1800">
+              <a:sym typeface="+mn-ea"/>
+            </a:endParaRPr>
+          </a:p>
+          <a:p>
+            <a:pPr lvl="2"/>
+            <a:r>
+              <a:rPr lang="en-US" altLang="zh-CN" sz="1600">
+                <a:sym typeface="+mn-ea"/>
+              </a:rPr>
+              <a:t>psql -d dbname -U username -W &lt; ./sqlite-dumpfile.sql</a:t>
+            </a:r>
+            <a:endParaRPr lang="en-US" altLang="zh-CN" sz="1600">
+              <a:sym typeface="+mn-ea"/>
+            </a:endParaRPr>
+          </a:p>
+          <a:p>
+            <a:pPr lvl="0"/>
+            <a:r>
+              <a:rPr lang="en-US" altLang="zh-CN" sz="2000">
+                <a:sym typeface="+mn-ea"/>
+              </a:rPr>
+              <a:t>Issues</a:t>
+            </a:r>
+            <a:endParaRPr lang="en-US" altLang="zh-CN" sz="2000">
+              <a:sym typeface="+mn-ea"/>
+            </a:endParaRPr>
+          </a:p>
+          <a:p>
+            <a:pPr lvl="1"/>
+            <a:r>
+              <a:rPr lang="en-US" altLang="zh-CN" sz="1800">
+                <a:sym typeface="+mn-ea"/>
+              </a:rPr>
+              <a:t>Too many manual steps</a:t>
+            </a:r>
+            <a:endParaRPr lang="en-US" altLang="zh-CN" sz="1800">
+              <a:sym typeface="+mn-ea"/>
+            </a:endParaRPr>
+          </a:p>
+          <a:p>
+            <a:pPr lvl="0"/>
+            <a:endParaRPr lang="en-US" altLang="zh-CN" sz="1800">
+              <a:sym typeface="+mn-ea"/>
+            </a:endParaRPr>
+          </a:p>
+        </p:txBody>
+      </p:sp>
+    </p:spTree>
+    <p:custDataLst>
+      <p:tags r:id="rId1"/>
+    </p:custDataLst>
+  </p:cSld>
+  <p:clrMapOvr>
+    <a:masterClrMapping/>
+  </p:clrMapOvr>
+</p:sld>
+</file>
+
+<file path=ppt/slides/slide8.xml><?xml version="1.0" encoding="utf-8"?>
+<p:sld xmlns:a="http://schemas.openxmlformats.org/drawingml/2006/main" xmlns:r="http://schemas.openxmlformats.org/officeDocument/2006/relationships" xmlns:p="http://schemas.openxmlformats.org/presentationml/2006/main">
+  <p:cSld>
+    <p:spTree>
+      <p:nvGrpSpPr>
+        <p:cNvPr id="1" name=""/>
+        <p:cNvGrpSpPr/>
+        <p:nvPr/>
+      </p:nvGrpSpPr>
+      <p:grpSpPr/>
+      <p:sp>
+        <p:nvSpPr>
+          <p:cNvPr id="2" name="标题 1"/>
+          <p:cNvSpPr>
+            <a:spLocks noGrp="1"/>
+          </p:cNvSpPr>
+          <p:nvPr>
+            <p:ph type="title"/>
+          </p:nvPr>
+        </p:nvSpPr>
+        <p:spPr/>
+        <p:txBody>
+          <a:bodyPr>
+            <a:normAutofit/>
+          </a:bodyPr>
+          <a:p>
+            <a:r>
+              <a:rPr lang="en-US" altLang="zh-CN">
+                <a:sym typeface="+mn-ea"/>
+              </a:rPr>
+              <a:t>Sqlite-&gt;Postgresql - PGLoader</a:t>
+            </a:r>
+            <a:endParaRPr lang="zh-CN" altLang="en-US"/>
+          </a:p>
+        </p:txBody>
+      </p:sp>
+      <p:sp>
+        <p:nvSpPr>
+          <p:cNvPr id="3" name="内容占位符 2"/>
+          <p:cNvSpPr>
+            <a:spLocks noGrp="1"/>
+          </p:cNvSpPr>
+          <p:nvPr>
+            <p:ph idx="1"/>
+          </p:nvPr>
+        </p:nvSpPr>
+        <p:spPr>
+          <a:xfrm>
+            <a:off x="838200" y="1211580"/>
+            <a:ext cx="7832725" cy="4549140"/>
           </a:xfrm>
         </p:spPr>
         <p:txBody>
@@ -4618,9 +5441,11 @@
               <a:rPr lang="en-US" altLang="zh-CN" sz="2400">
                 <a:sym typeface="+mn-ea"/>
               </a:rPr>
-              <a:t>Migrate from sqlite</a:t>
-            </a:r>
-            <a:endParaRPr lang="en-US" altLang="zh-CN" sz="2400"/>
+              <a:t>pgloader</a:t>
+            </a:r>
+            <a:endParaRPr lang="en-US" altLang="zh-CN" sz="2400">
+              <a:sym typeface="+mn-ea"/>
+            </a:endParaRPr>
           </a:p>
           <a:p>
             <a:pPr lvl="1"/>
@@ -4650,7 +5475,42 @@
               </a:rPr>
               <a:t>create a file migrate.pgloader</a:t>
             </a:r>
-            <a:endParaRPr lang="en-US" altLang="zh-CN"/>
+            <a:endParaRPr lang="en-US" altLang="zh-CN" sz="2400">
+              <a:sym typeface="+mn-ea"/>
+            </a:endParaRPr>
+          </a:p>
+          <a:p>
+            <a:pPr lvl="1"/>
+            <a:r>
+              <a:rPr lang="en-US" altLang="zh-CN" sz="2400">
+                <a:sym typeface="+mn-ea"/>
+              </a:rPr>
+              <a:t>pgloader --debug migrate.pgloader</a:t>
+            </a:r>
+            <a:endParaRPr lang="en-US" altLang="zh-CN" sz="2400"/>
+          </a:p>
+          <a:p>
+            <a:pPr lvl="1"/>
+            <a:r>
+              <a:rPr lang="en-US" altLang="zh-CN" sz="2400">
+                <a:sym typeface="+mn-ea"/>
+              </a:rPr>
+              <a:t>Issues:</a:t>
+            </a:r>
+            <a:endParaRPr lang="en-US" altLang="zh-CN" sz="2400"/>
+          </a:p>
+          <a:p>
+            <a:pPr lvl="2"/>
+            <a:r>
+              <a:rPr lang="en-US" altLang="zh-CN" sz="2400">
+                <a:sym typeface="+mn-ea"/>
+              </a:rPr>
+              <a:t>id cannot be created automatically</a:t>
+            </a:r>
+            <a:endParaRPr lang="en-US" altLang="zh-CN" sz="2400"/>
+          </a:p>
+          <a:p>
+            <a:endParaRPr lang="zh-CN" altLang="en-US"/>
           </a:p>
         </p:txBody>
       </p:sp>
@@ -4662,8 +5522,8 @@
         </p:nvSpPr>
         <p:spPr>
           <a:xfrm>
-            <a:off x="8250555" y="1474470"/>
-            <a:ext cx="3600450" cy="2461260"/>
+            <a:off x="8796020" y="1474470"/>
+            <a:ext cx="3054985" cy="2891790"/>
           </a:xfrm>
           <a:prstGeom prst="rect">
             <a:avLst/>
@@ -4731,6 +5591,213 @@
               <a:t>set work_mem to '16MB', maintenance_work_mem to '512 MB';</a:t>
             </a:r>
             <a:endParaRPr lang="zh-CN" altLang="en-US" sz="1400"/>
+          </a:p>
+        </p:txBody>
+      </p:sp>
+    </p:spTree>
+    <p:custDataLst>
+      <p:tags r:id="rId1"/>
+    </p:custDataLst>
+  </p:cSld>
+  <p:clrMapOvr>
+    <a:masterClrMapping/>
+  </p:clrMapOvr>
+</p:sld>
+</file>
+
+<file path=ppt/slides/slide9.xml><?xml version="1.0" encoding="utf-8"?>
+<p:sld xmlns:a="http://schemas.openxmlformats.org/drawingml/2006/main" xmlns:r="http://schemas.openxmlformats.org/officeDocument/2006/relationships" xmlns:p="http://schemas.openxmlformats.org/presentationml/2006/main">
+  <p:cSld>
+    <p:spTree>
+      <p:nvGrpSpPr>
+        <p:cNvPr id="1" name=""/>
+        <p:cNvGrpSpPr/>
+        <p:nvPr/>
+      </p:nvGrpSpPr>
+      <p:grpSpPr/>
+      <p:sp>
+        <p:nvSpPr>
+          <p:cNvPr id="2" name="标题 1"/>
+          <p:cNvSpPr>
+            <a:spLocks noGrp="1"/>
+          </p:cNvSpPr>
+          <p:nvPr>
+            <p:ph type="title"/>
+          </p:nvPr>
+        </p:nvSpPr>
+        <p:spPr/>
+        <p:txBody>
+          <a:bodyPr/>
+          <a:p>
+            <a:r>
+              <a:rPr lang="en-US" altLang="zh-CN"/>
+              <a:t>SQLite -&gt; Postgresql - Issues</a:t>
+            </a:r>
+            <a:endParaRPr lang="en-US" altLang="zh-CN"/>
+          </a:p>
+        </p:txBody>
+      </p:sp>
+      <p:sp>
+        <p:nvSpPr>
+          <p:cNvPr id="3" name="内容占位符 2"/>
+          <p:cNvSpPr>
+            <a:spLocks noGrp="1"/>
+          </p:cNvSpPr>
+          <p:nvPr>
+            <p:ph idx="1"/>
+          </p:nvPr>
+        </p:nvSpPr>
+        <p:spPr/>
+        <p:txBody>
+          <a:bodyPr/>
+          <a:p>
+            <a:pPr lvl="0"/>
+            <a:r>
+              <a:rPr lang="en-US" altLang="zh-CN" sz="2400">
+                <a:sym typeface="+mn-ea"/>
+              </a:rPr>
+              <a:t>Issues</a:t>
+            </a:r>
+            <a:endParaRPr lang="en-US" altLang="zh-CN" sz="2400"/>
+          </a:p>
+          <a:p>
+            <a:pPr lvl="1"/>
+            <a:r>
+              <a:rPr lang="en-US" altLang="zh-CN">
+                <a:sym typeface="+mn-ea"/>
+              </a:rPr>
+              <a:t>table name (“user”, “order”, ...) is reserved keyword</a:t>
+            </a:r>
+            <a:endParaRPr lang="en-US" altLang="zh-CN"/>
+          </a:p>
+          <a:p>
+            <a:pPr lvl="2"/>
+            <a:r>
+              <a:rPr lang="en-US" altLang="zh-CN">
+                <a:sym typeface="+mn-ea"/>
+              </a:rPr>
+              <a:t>rename table first before migration (change in DBeaver because of foreign key handling)</a:t>
+            </a:r>
+            <a:endParaRPr lang="en-US" altLang="zh-CN">
+              <a:sym typeface="+mn-ea"/>
+            </a:endParaRPr>
+          </a:p>
+          <a:p>
+            <a:pPr lvl="3"/>
+            <a:r>
+              <a:rPr lang="en-US" altLang="zh-CN" strike="sngStrike">
+                <a:solidFill>
+                  <a:schemeClr val="tx1"/>
+                </a:solidFill>
+                <a:uFillTx/>
+                <a:sym typeface="+mn-ea"/>
+              </a:rPr>
+              <a:t>alter table “user” rename to “registered_user”</a:t>
+            </a:r>
+            <a:endParaRPr lang="en-US" altLang="zh-CN" strike="sngStrike">
+              <a:solidFill>
+                <a:schemeClr val="tx1"/>
+              </a:solidFill>
+              <a:uFillTx/>
+              <a:sym typeface="+mn-ea"/>
+            </a:endParaRPr>
+          </a:p>
+          <a:p>
+            <a:pPr lvl="3"/>
+            <a:r>
+              <a:rPr lang="en-US" altLang="zh-CN" strike="sngStrike">
+                <a:solidFill>
+                  <a:schemeClr val="tx1"/>
+                </a:solidFill>
+                <a:uFillTx/>
+                <a:sym typeface="+mn-ea"/>
+              </a:rPr>
+              <a:t>alter table “order” rename to “customer_order”</a:t>
+            </a:r>
+            <a:endParaRPr lang="en-US" altLang="zh-CN" strike="sngStrike">
+              <a:solidFill>
+                <a:schemeClr val="tx1"/>
+              </a:solidFill>
+              <a:uFillTx/>
+              <a:sym typeface="+mn-ea"/>
+            </a:endParaRPr>
+          </a:p>
+          <a:p>
+            <a:pPr lvl="1"/>
+            <a:r>
+              <a:rPr lang="en-US" altLang="zh-CN">
+                <a:sym typeface="+mn-ea"/>
+              </a:rPr>
+              <a:t>user_id=-1</a:t>
+            </a:r>
+            <a:endParaRPr lang="en-US" altLang="zh-CN"/>
+          </a:p>
+          <a:p>
+            <a:pPr lvl="2"/>
+            <a:r>
+              <a:rPr lang="en-US" altLang="zh-CN">
+                <a:sym typeface="+mn-ea"/>
+              </a:rPr>
+              <a:t>It’s not allowed as it’s used as foreign key</a:t>
+            </a:r>
+            <a:endParaRPr lang="en-US" altLang="zh-CN">
+              <a:sym typeface="+mn-ea"/>
+            </a:endParaRPr>
+          </a:p>
+          <a:p>
+            <a:pPr lvl="2"/>
+            <a:r>
+              <a:rPr lang="en-US" altLang="zh-CN">
+                <a:sym typeface="+mn-ea"/>
+              </a:rPr>
+              <a:t>Update sqlite db first</a:t>
+            </a:r>
+            <a:endParaRPr lang="en-US" altLang="zh-CN">
+              <a:sym typeface="+mn-ea"/>
+            </a:endParaRPr>
+          </a:p>
+          <a:p>
+            <a:pPr lvl="1"/>
+            <a:r>
+              <a:rPr lang="en-US" altLang="zh-CN">
+                <a:sym typeface="+mn-ea"/>
+              </a:rPr>
+              <a:t>(psycopg2.OperationalError) lost synchronization with server: got message type "</a:t>
+            </a:r>
+            <a:endParaRPr lang="en-US" altLang="zh-CN">
+              <a:sym typeface="+mn-ea"/>
+            </a:endParaRPr>
+          </a:p>
+          <a:p>
+            <a:pPr lvl="2"/>
+            <a:r>
+              <a:rPr lang="en-US" altLang="zh-CN" sz="1800">
+                <a:sym typeface="+mn-ea"/>
+              </a:rPr>
+              <a:t>caused by “gunicorn --preload”</a:t>
+            </a:r>
+            <a:endParaRPr lang="en-US" altLang="zh-CN" sz="1800">
+              <a:sym typeface="+mn-ea"/>
+            </a:endParaRPr>
+          </a:p>
+          <a:p>
+            <a:pPr lvl="2"/>
+            <a:r>
+              <a:rPr lang="en-US" altLang="zh-CN" sz="1800">
+                <a:sym typeface="+mn-ea"/>
+              </a:rPr>
+              <a:t>solution: remove “--preload”</a:t>
+            </a:r>
+            <a:endParaRPr lang="en-US" altLang="zh-CN">
+              <a:sym typeface="+mn-ea"/>
+            </a:endParaRPr>
+          </a:p>
+          <a:p>
+            <a:pPr lvl="1"/>
+            <a:endParaRPr lang="en-US" altLang="zh-CN" sz="2665"/>
+          </a:p>
+          <a:p>
+            <a:endParaRPr lang="zh-CN" altLang="en-US"/>
           </a:p>
         </p:txBody>
       </p:sp>
@@ -4770,6 +5837,30 @@
 </file>
 
 <file path=ppt/tags/tag12.xml><?xml version="1.0" encoding="utf-8"?>
+<p:tagLst xmlns:p="http://schemas.openxmlformats.org/presentationml/2006/main">
+  <p:tag name="KSO_WM_BEAUTIFY_FLAG" val="#wm#"/>
+  <p:tag name="KSO_WM_TEMPLATE_CATEGORY" val="custom"/>
+  <p:tag name="KSO_WM_TEMPLATE_INDEX" val="160402"/>
+</p:tagLst>
+</file>
+
+<file path=ppt/tags/tag13.xml><?xml version="1.0" encoding="utf-8"?>
+<p:tagLst xmlns:p="http://schemas.openxmlformats.org/presentationml/2006/main">
+  <p:tag name="KSO_WM_BEAUTIFY_FLAG" val="#wm#"/>
+  <p:tag name="KSO_WM_TEMPLATE_CATEGORY" val="custom"/>
+  <p:tag name="KSO_WM_TEMPLATE_INDEX" val="160402"/>
+</p:tagLst>
+</file>
+
+<file path=ppt/tags/tag14.xml><?xml version="1.0" encoding="utf-8"?>
+<p:tagLst xmlns:p="http://schemas.openxmlformats.org/presentationml/2006/main">
+  <p:tag name="KSO_WM_BEAUTIFY_FLAG" val="#wm#"/>
+  <p:tag name="KSO_WM_TEMPLATE_CATEGORY" val="custom"/>
+  <p:tag name="KSO_WM_TEMPLATE_INDEX" val="160402"/>
+</p:tagLst>
+</file>
+
+<file path=ppt/tags/tag15.xml><?xml version="1.0" encoding="utf-8"?>
 <p:tagLst xmlns:p="http://schemas.openxmlformats.org/presentationml/2006/main">
   <p:tag name="KSO_WM_BEAUTIFY_FLAG" val="#wm#"/>
   <p:tag name="KSO_WM_TEMPLATE_CATEGORY" val="custom"/>
@@ -4865,8 +5956,8 @@
 <file path=ppt/tags/tag7.xml><?xml version="1.0" encoding="utf-8"?>
 <p:tagLst xmlns:p="http://schemas.openxmlformats.org/presentationml/2006/main">
   <p:tag name="KSO_WM_UNIT_TABLE_BEAUTIFY" val="smartTable{66b7b698-fbae-41fb-bc40-e680ffeaffa4}"/>
-  <p:tag name="TABLE_ENDDRAG_ORIGIN_RECT" val="846*361"/>
-  <p:tag name="TABLE_ENDDRAG_RECT" val="55*95*846*361"/>
+  <p:tag name="TABLE_ENDDRAG_ORIGIN_RECT" val="846*297"/>
+  <p:tag name="TABLE_ENDDRAG_RECT" val="55*95*846*297"/>
 </p:tagLst>
 </file>
 

--- a/Misc/DB-Notes.pptx
+++ b/Misc/DB-Notes.pptx
@@ -5,10 +5,10 @@
     <p:sldMasterId id="2147483648" r:id="rId1"/>
   </p:sldMasterIdLst>
   <p:notesMasterIdLst>
-    <p:notesMasterId r:id="rId12"/>
+    <p:notesMasterId r:id="rId13"/>
   </p:notesMasterIdLst>
   <p:handoutMasterIdLst>
-    <p:handoutMasterId r:id="rId13"/>
+    <p:handoutMasterId r:id="rId14"/>
   </p:handoutMasterIdLst>
   <p:sldIdLst>
     <p:sldId id="409" r:id="rId3"/>
@@ -20,6 +20,7 @@
     <p:sldId id="412" r:id="rId9"/>
     <p:sldId id="417" r:id="rId10"/>
     <p:sldId id="419" r:id="rId11"/>
+    <p:sldId id="422" r:id="rId12"/>
   </p:sldIdLst>
   <p:sldSz cx="12192000" cy="6858000"/>
   <p:notesSz cx="6858000" cy="9144000"/>
@@ -3674,7 +3675,7 @@
           <a:p>
             <a:r>
               <a:rPr lang="en-US" altLang="zh-CN"/>
-              <a:t>Last updated: 9/29/2021</a:t>
+              <a:t>Last updated: 3/15/2022</a:t>
             </a:r>
             <a:endParaRPr lang="en-US" altLang="zh-CN"/>
           </a:p>
@@ -3683,6 +3684,79 @@
     </p:spTree>
     <p:custDataLst>
       <p:tags r:id="rId3"/>
+    </p:custDataLst>
+  </p:cSld>
+  <p:clrMapOvr>
+    <a:masterClrMapping/>
+  </p:clrMapOvr>
+</p:sld>
+</file>
+
+<file path=ppt/slides/slide10.xml><?xml version="1.0" encoding="utf-8"?>
+<p:sld xmlns:a="http://schemas.openxmlformats.org/drawingml/2006/main" xmlns:r="http://schemas.openxmlformats.org/officeDocument/2006/relationships" xmlns:p="http://schemas.openxmlformats.org/presentationml/2006/main">
+  <p:cSld>
+    <p:spTree>
+      <p:nvGrpSpPr>
+        <p:cNvPr id="1" name=""/>
+        <p:cNvGrpSpPr/>
+        <p:nvPr/>
+      </p:nvGrpSpPr>
+      <p:grpSpPr/>
+      <p:sp>
+        <p:nvSpPr>
+          <p:cNvPr id="2" name="标题 1"/>
+          <p:cNvSpPr>
+            <a:spLocks noGrp="1"/>
+          </p:cNvSpPr>
+          <p:nvPr>
+            <p:ph type="title"/>
+          </p:nvPr>
+        </p:nvSpPr>
+        <p:spPr/>
+        <p:txBody>
+          <a:bodyPr/>
+          <a:p>
+            <a:r>
+              <a:rPr lang="en-US" altLang="zh-CN"/>
+              <a:t>Visualization</a:t>
+            </a:r>
+            <a:endParaRPr lang="en-US" altLang="zh-CN"/>
+          </a:p>
+        </p:txBody>
+      </p:sp>
+      <p:sp>
+        <p:nvSpPr>
+          <p:cNvPr id="3" name="内容占位符 2"/>
+          <p:cNvSpPr>
+            <a:spLocks noGrp="1"/>
+          </p:cNvSpPr>
+          <p:nvPr>
+            <p:ph idx="1"/>
+          </p:nvPr>
+        </p:nvSpPr>
+        <p:spPr/>
+        <p:txBody>
+          <a:bodyPr/>
+          <a:p>
+            <a:r>
+              <a:rPr lang="en-US" altLang="zh-CN"/>
+              <a:t>Grafana</a:t>
+            </a:r>
+            <a:endParaRPr lang="en-US" altLang="zh-CN"/>
+          </a:p>
+          <a:p>
+            <a:pPr lvl="1"/>
+            <a:r>
+              <a:rPr lang="en-US" altLang="zh-CN"/>
+              <a:t>https://medium.com/analytics-vidhya/grafana-with-postgresql-data-visualization-with-open-source-tool-36f5150fa290</a:t>
+            </a:r>
+            <a:endParaRPr lang="en-US" altLang="zh-CN"/>
+          </a:p>
+        </p:txBody>
+      </p:sp>
+    </p:spTree>
+    <p:custDataLst>
+      <p:tags r:id="rId1"/>
     </p:custDataLst>
   </p:cSld>
   <p:clrMapOvr>
@@ -3761,7 +3835,7 @@
         </p:nvGraphicFramePr>
         <p:xfrm>
           <a:off x="706755" y="1209675"/>
-          <a:ext cx="10744200" cy="4815205"/>
+          <a:ext cx="10744200" cy="5295900"/>
         </p:xfrm>
         <a:graphic>
           <a:graphicData uri="http://schemas.openxmlformats.org/drawingml/2006/table">
@@ -3774,7 +3848,7 @@
                 <a:gridCol w="5113655"/>
                 <a:gridCol w="3581400"/>
               </a:tblGrid>
-              <a:tr h="426720">
+              <a:tr h="365760">
                 <a:tc>
                   <a:txBody>
                     <a:bodyPr/>
@@ -3824,7 +3898,7 @@
                   <a:tcPr anchor="ctr" anchorCtr="0"/>
                 </a:tc>
               </a:tr>
-              <a:tr h="640080">
+              <a:tr h="731520">
                 <a:tc>
                   <a:txBody>
                     <a:bodyPr/>
@@ -3833,10 +3907,10 @@
                         <a:buNone/>
                       </a:pPr>
                       <a:r>
-                        <a:rPr lang="en-US" altLang="zh-CN"/>
+                        <a:rPr lang="en-US" altLang="zh-CN" sz="1400"/>
                         <a:t>Select records</a:t>
                       </a:r>
-                      <a:endParaRPr lang="en-US" altLang="zh-CN"/>
+                      <a:endParaRPr lang="en-US" altLang="zh-CN" sz="1400"/>
                     </a:p>
                   </a:txBody>
                   <a:tcPr/>
@@ -3849,42 +3923,14 @@
                         <a:buNone/>
                       </a:pPr>
                       <a:r>
-                        <a:rPr lang="en-US" altLang="zh-CN" sz="1800">
+                        <a:rPr lang="en-US" altLang="zh-CN" sz="1400">
                           <a:sym typeface="+mn-ea"/>
                         </a:rPr>
                         <a:t>select distinct {column-name} from {table-name} order by id desc limit 10</a:t>
                       </a:r>
-                      <a:endParaRPr lang="zh-CN" altLang="en-US"/>
-                    </a:p>
-                  </a:txBody>
-                  <a:tcPr/>
-                </a:tc>
-                <a:tc>
-                  <a:txBody>
-                    <a:bodyPr/>
-                    <a:p>
-                      <a:pPr algn="l">
-                        <a:buNone/>
-                      </a:pPr>
-                      <a:endParaRPr lang="zh-CN" altLang="en-US"/>
-                    </a:p>
-                  </a:txBody>
-                  <a:tcPr/>
-                </a:tc>
-              </a:tr>
-              <a:tr h="640080">
-                <a:tc>
-                  <a:txBody>
-                    <a:bodyPr/>
-                    <a:p>
-                      <a:pPr algn="l">
-                        <a:buNone/>
-                      </a:pPr>
-                      <a:r>
-                        <a:rPr lang="en-US" altLang="zh-CN"/>
-                        <a:t>Rename a table</a:t>
-                      </a:r>
-                      <a:endParaRPr lang="en-US" altLang="zh-CN"/>
+                      <a:endParaRPr lang="en-US" altLang="zh-CN" sz="1400">
+                        <a:sym typeface="+mn-ea"/>
+                      </a:endParaRPr>
                     </a:p>
                   </a:txBody>
                   <a:tcPr/>
@@ -3897,30 +3943,24 @@
                         <a:buNone/>
                       </a:pPr>
                       <a:r>
-                        <a:rPr lang="en-US" altLang="zh-CN" sz="1800">
-                          <a:sym typeface="+mn-ea"/>
-                        </a:rPr>
-                        <a:t>alter table {old_table_name} rename to {new_table_name}</a:t>
+                        <a:rPr lang="zh-CN" altLang="en-US" sz="1400"/>
+                        <a:t>select </a:t>
                       </a:r>
-                      <a:endParaRPr lang="zh-CN" altLang="en-US"/>
-                    </a:p>
-                  </a:txBody>
-                  <a:tcPr/>
-                </a:tc>
-                <a:tc>
-                  <a:txBody>
-                    <a:bodyPr/>
-                    <a:p>
-                      <a:pPr algn="l">
-                        <a:buNone/>
-                      </a:pPr>
-                      <a:endParaRPr lang="zh-CN" altLang="en-US"/>
+                      <a:r>
+                        <a:rPr lang="en-US" altLang="zh-CN" sz="1400"/>
+                        <a:t>id,</a:t>
+                      </a:r>
+                      <a:r>
+                        <a:rPr lang="zh-CN" altLang="en-US" sz="1400"/>
+                        <a:t>phone,jd_amount from registered_user where phone like '%18657141696%';</a:t>
+                      </a:r>
+                      <a:endParaRPr lang="zh-CN" altLang="en-US" sz="1400"/>
                     </a:p>
                   </a:txBody>
                   <a:tcPr/>
                 </a:tc>
               </a:tr>
-              <a:tr h="426720">
+              <a:tr h="388620">
                 <a:tc>
                   <a:txBody>
                     <a:bodyPr/>
@@ -3929,10 +3969,10 @@
                         <a:buNone/>
                       </a:pPr>
                       <a:r>
-                        <a:rPr lang="en-US" altLang="zh-CN"/>
-                        <a:t>Deleta a table</a:t>
+                        <a:rPr lang="en-US" altLang="zh-CN" sz="1400"/>
+                        <a:t>Rename a table</a:t>
                       </a:r>
-                      <a:endParaRPr lang="en-US" altLang="zh-CN"/>
+                      <a:endParaRPr lang="en-US" altLang="zh-CN" sz="1400"/>
                     </a:p>
                   </a:txBody>
                   <a:tcPr/>
@@ -3945,10 +3985,14 @@
                         <a:buNone/>
                       </a:pPr>
                       <a:r>
-                        <a:rPr lang="en-US" altLang="zh-CN"/>
-                        <a:t>drop table “{table_name}”</a:t>
+                        <a:rPr lang="en-US" altLang="zh-CN" sz="1400">
+                          <a:sym typeface="+mn-ea"/>
+                        </a:rPr>
+                        <a:t>alter table {old_table_name} rename to {new_table_name}</a:t>
                       </a:r>
-                      <a:endParaRPr lang="en-US" altLang="zh-CN"/>
+                      <a:endParaRPr lang="en-US" altLang="zh-CN" sz="1400">
+                        <a:sym typeface="+mn-ea"/>
+                      </a:endParaRPr>
                     </a:p>
                   </a:txBody>
                   <a:tcPr/>
@@ -3960,13 +4004,13 @@
                       <a:pPr algn="l">
                         <a:buNone/>
                       </a:pPr>
-                      <a:endParaRPr lang="zh-CN" altLang="en-US"/>
+                      <a:endParaRPr lang="zh-CN" altLang="en-US" sz="1400"/>
                     </a:p>
                   </a:txBody>
                   <a:tcPr/>
                 </a:tc>
               </a:tr>
-              <a:tr h="640080">
+              <a:tr h="304800">
                 <a:tc>
                   <a:txBody>
                     <a:bodyPr/>
@@ -3975,10 +4019,10 @@
                         <a:buNone/>
                       </a:pPr>
                       <a:r>
-                        <a:rPr lang="en-US" altLang="zh-CN"/>
-                        <a:t>Update record</a:t>
+                        <a:rPr lang="en-US" altLang="zh-CN" sz="1400"/>
+                        <a:t>Deleta a table</a:t>
                       </a:r>
-                      <a:endParaRPr lang="en-US" altLang="zh-CN"/>
+                      <a:endParaRPr lang="en-US" altLang="zh-CN" sz="1400"/>
                     </a:p>
                   </a:txBody>
                   <a:tcPr/>
@@ -3991,10 +4035,10 @@
                         <a:buNone/>
                       </a:pPr>
                       <a:r>
-                        <a:rPr lang="en-US" altLang="zh-CN"/>
-                        <a:t>update {table_name} set {col1}={value1} where {condition};</a:t>
+                        <a:rPr lang="en-US" altLang="zh-CN" sz="1400"/>
+                        <a:t>drop table “{table_name}”</a:t>
                       </a:r>
-                      <a:endParaRPr lang="en-US" altLang="zh-CN"/>
+                      <a:endParaRPr lang="en-US" altLang="zh-CN" sz="1400"/>
                     </a:p>
                   </a:txBody>
                   <a:tcPr/>
@@ -4006,13 +4050,13 @@
                       <a:pPr algn="l">
                         <a:buNone/>
                       </a:pPr>
-                      <a:endParaRPr lang="zh-CN" altLang="en-US"/>
+                      <a:endParaRPr lang="zh-CN" altLang="en-US" sz="1400"/>
                     </a:p>
                   </a:txBody>
                   <a:tcPr/>
                 </a:tc>
               </a:tr>
-              <a:tr h="426085">
+              <a:tr h="304800">
                 <a:tc>
                   <a:txBody>
                     <a:bodyPr/>
@@ -4021,10 +4065,10 @@
                         <a:buNone/>
                       </a:pPr>
                       <a:r>
-                        <a:rPr lang="en-US" altLang="zh-CN"/>
-                        <a:t>Remove a DB</a:t>
+                        <a:rPr lang="en-US" altLang="zh-CN" sz="1400"/>
+                        <a:t>Add a column</a:t>
                       </a:r>
-                      <a:endParaRPr lang="en-US" altLang="zh-CN"/>
+                      <a:endParaRPr lang="en-US" altLang="zh-CN" sz="1400"/>
                     </a:p>
                   </a:txBody>
                   <a:tcPr/>
@@ -4037,10 +4081,10 @@
                         <a:buNone/>
                       </a:pPr>
                       <a:r>
-                        <a:rPr lang="en-US" altLang="zh-CN"/>
-                        <a:t>drop database {db_name}</a:t>
+                        <a:rPr lang="en-US" altLang="zh-CN" sz="1400"/>
+                        <a:t>alter table {table_name} add {column_name} varchar NULL</a:t>
                       </a:r>
-                      <a:endParaRPr lang="en-US" altLang="zh-CN"/>
+                      <a:endParaRPr lang="en-US" altLang="zh-CN" sz="1400"/>
                     </a:p>
                   </a:txBody>
                   <a:tcPr/>
@@ -4052,13 +4096,13 @@
                       <a:pPr algn="l">
                         <a:buNone/>
                       </a:pPr>
-                      <a:endParaRPr lang="zh-CN" altLang="en-US"/>
+                      <a:endParaRPr lang="zh-CN" altLang="en-US" sz="1400"/>
                     </a:p>
                   </a:txBody>
                   <a:tcPr/>
                 </a:tc>
               </a:tr>
-              <a:tr h="1188720">
+              <a:tr h="304800">
                 <a:tc>
                   <a:txBody>
                     <a:bodyPr/>
@@ -4067,10 +4111,10 @@
                         <a:buNone/>
                       </a:pPr>
                       <a:r>
-                        <a:rPr lang="en-US" altLang="zh-CN"/>
-                        <a:t>Add record</a:t>
+                        <a:rPr lang="en-US" altLang="zh-CN" sz="1400"/>
+                        <a:t>Remove a column</a:t>
                       </a:r>
-                      <a:endParaRPr lang="en-US" altLang="zh-CN"/>
+                      <a:endParaRPr lang="en-US" altLang="zh-CN" sz="1400"/>
                     </a:p>
                   </a:txBody>
                   <a:tcPr/>
@@ -4083,40 +4127,10 @@
                         <a:buNone/>
                       </a:pPr>
                       <a:r>
-                        <a:rPr lang="en-US" altLang="zh-CN"/>
-                        <a:t>INSERT INTO {table_name}</a:t>
+                        <a:rPr lang="en-US" altLang="zh-CN" sz="1400"/>
+                        <a:t>alter table {table_name} drop column {column_name}</a:t>
                       </a:r>
-                      <a:endParaRPr lang="en-US" altLang="zh-CN"/>
-                    </a:p>
-                    <a:p>
-                      <a:pPr algn="l">
-                        <a:buNone/>
-                      </a:pPr>
-                      <a:r>
-                        <a:rPr lang="en-US" altLang="zh-CN"/>
-                        <a:t>VALUES (value1, value2, value3...);</a:t>
-                      </a:r>
-                      <a:endParaRPr lang="en-US" altLang="zh-CN"/>
-                    </a:p>
-                    <a:p>
-                      <a:pPr algn="l">
-                        <a:buNone/>
-                      </a:pPr>
-                      <a:r>
-                        <a:rPr lang="en-US" altLang="zh-CN"/>
-                        <a:t>INSERT INTO table_name(column1, column2...)</a:t>
-                      </a:r>
-                      <a:endParaRPr lang="en-US" altLang="zh-CN"/>
-                    </a:p>
-                    <a:p>
-                      <a:pPr algn="l">
-                        <a:buNone/>
-                      </a:pPr>
-                      <a:r>
-                        <a:rPr lang="en-US" altLang="zh-CN"/>
-                        <a:t>VALUES (value1, value2...);</a:t>
-                      </a:r>
-                      <a:endParaRPr lang="en-US" altLang="zh-CN"/>
+                      <a:endParaRPr lang="en-US" altLang="zh-CN" sz="1400"/>
                     </a:p>
                   </a:txBody>
                   <a:tcPr/>
@@ -4128,13 +4142,13 @@
                       <a:pPr algn="l">
                         <a:buNone/>
                       </a:pPr>
-                      <a:endParaRPr lang="zh-CN" altLang="en-US"/>
+                      <a:endParaRPr lang="zh-CN" altLang="en-US" sz="1400"/>
                     </a:p>
                   </a:txBody>
                   <a:tcPr/>
                 </a:tc>
               </a:tr>
-              <a:tr h="426720">
+              <a:tr h="304800">
                 <a:tc>
                   <a:txBody>
                     <a:bodyPr/>
@@ -4143,10 +4157,10 @@
                         <a:buNone/>
                       </a:pPr>
                       <a:r>
-                        <a:rPr lang="en-US" altLang="zh-CN"/>
-                        <a:t>Delete record</a:t>
+                        <a:rPr lang="en-US" altLang="zh-CN" sz="1400"/>
+                        <a:t>Modify a column</a:t>
                       </a:r>
-                      <a:endParaRPr lang="en-US" altLang="zh-CN"/>
+                      <a:endParaRPr lang="en-US" altLang="zh-CN" sz="1400"/>
                     </a:p>
                   </a:txBody>
                   <a:tcPr/>
@@ -4159,10 +4173,10 @@
                         <a:buNone/>
                       </a:pPr>
                       <a:r>
-                        <a:rPr lang="en-US" altLang="zh-CN"/>
-                        <a:t>delete from {table_name} where id=1;</a:t>
+                        <a:rPr lang="en-US" altLang="zh-CN" sz="1400"/>
+                        <a:t>alter table {table_name} modify column {column_name} {data_type}</a:t>
                       </a:r>
-                      <a:endParaRPr lang="en-US" altLang="zh-CN"/>
+                      <a:endParaRPr lang="en-US" altLang="zh-CN" sz="1400"/>
                     </a:p>
                   </a:txBody>
                   <a:tcPr/>
@@ -4174,7 +4188,273 @@
                       <a:pPr algn="l">
                         <a:buNone/>
                       </a:pPr>
-                      <a:endParaRPr lang="zh-CN" altLang="en-US"/>
+                      <a:endParaRPr lang="zh-CN" altLang="en-US" sz="1400"/>
+                    </a:p>
+                  </a:txBody>
+                  <a:tcPr/>
+                </a:tc>
+              </a:tr>
+              <a:tr h="304800">
+                <a:tc>
+                  <a:txBody>
+                    <a:bodyPr/>
+                    <a:p>
+                      <a:pPr algn="l">
+                        <a:buNone/>
+                      </a:pPr>
+                      <a:r>
+                        <a:rPr lang="en-US" altLang="zh-CN" sz="1400"/>
+                        <a:t>Modify a column (postgresql)</a:t>
+                      </a:r>
+                      <a:endParaRPr lang="en-US" altLang="zh-CN" sz="1400"/>
+                    </a:p>
+                  </a:txBody>
+                  <a:tcPr/>
+                </a:tc>
+                <a:tc>
+                  <a:txBody>
+                    <a:bodyPr/>
+                    <a:p>
+                      <a:pPr algn="l">
+                        <a:buNone/>
+                      </a:pPr>
+                      <a:r>
+                        <a:rPr lang="en-US" altLang="zh-CN" sz="1400">
+                          <a:sym typeface="+mn-ea"/>
+                        </a:rPr>
+                        <a:t>alter table {table_name} alter column {column_name} type {data_type}</a:t>
+                      </a:r>
+                      <a:endParaRPr lang="en-US" altLang="zh-CN" sz="1400"/>
+                    </a:p>
+                  </a:txBody>
+                  <a:tcPr/>
+                </a:tc>
+                <a:tc>
+                  <a:txBody>
+                    <a:bodyPr/>
+                    <a:p>
+                      <a:pPr algn="l">
+                        <a:buNone/>
+                      </a:pPr>
+                      <a:endParaRPr lang="zh-CN" altLang="en-US" sz="1400"/>
+                    </a:p>
+                  </a:txBody>
+                  <a:tcPr/>
+                </a:tc>
+              </a:tr>
+              <a:tr h="518160">
+                <a:tc>
+                  <a:txBody>
+                    <a:bodyPr/>
+                    <a:p>
+                      <a:pPr algn="l">
+                        <a:buNone/>
+                      </a:pPr>
+                      <a:r>
+                        <a:rPr lang="en-US" altLang="zh-CN" sz="1400"/>
+                        <a:t>Update record</a:t>
+                      </a:r>
+                      <a:endParaRPr lang="en-US" altLang="zh-CN" sz="1400"/>
+                    </a:p>
+                  </a:txBody>
+                  <a:tcPr/>
+                </a:tc>
+                <a:tc>
+                  <a:txBody>
+                    <a:bodyPr/>
+                    <a:p>
+                      <a:pPr algn="l">
+                        <a:buNone/>
+                      </a:pPr>
+                      <a:r>
+                        <a:rPr lang="en-US" altLang="zh-CN" sz="1400"/>
+                        <a:t>update {table_name} set {col1}={value1} where {condition};</a:t>
+                      </a:r>
+                      <a:endParaRPr lang="en-US" altLang="zh-CN" sz="1400"/>
+                    </a:p>
+                  </a:txBody>
+                  <a:tcPr/>
+                </a:tc>
+                <a:tc>
+                  <a:txBody>
+                    <a:bodyPr/>
+                    <a:p>
+                      <a:pPr algn="l">
+                        <a:buNone/>
+                      </a:pPr>
+                      <a:r>
+                        <a:rPr lang="zh-CN" altLang="en-US" sz="1400"/>
+                        <a:t>update registered_user set jd_amount=11 where id=5298;</a:t>
+                      </a:r>
+                      <a:endParaRPr lang="zh-CN" altLang="en-US" sz="1400"/>
+                    </a:p>
+                  </a:txBody>
+                  <a:tcPr/>
+                </a:tc>
+              </a:tr>
+              <a:tr h="304800">
+                <a:tc>
+                  <a:txBody>
+                    <a:bodyPr/>
+                    <a:p>
+                      <a:pPr algn="l">
+                        <a:buNone/>
+                      </a:pPr>
+                      <a:r>
+                        <a:rPr lang="en-US" altLang="zh-CN" sz="1400"/>
+                        <a:t>Remove a DB</a:t>
+                      </a:r>
+                      <a:endParaRPr lang="en-US" altLang="zh-CN" sz="1400"/>
+                    </a:p>
+                  </a:txBody>
+                  <a:tcPr/>
+                </a:tc>
+                <a:tc>
+                  <a:txBody>
+                    <a:bodyPr/>
+                    <a:p>
+                      <a:pPr algn="l">
+                        <a:buNone/>
+                      </a:pPr>
+                      <a:r>
+                        <a:rPr lang="en-US" altLang="zh-CN" sz="1400"/>
+                        <a:t>drop database {db_name}</a:t>
+                      </a:r>
+                      <a:endParaRPr lang="en-US" altLang="zh-CN" sz="1400"/>
+                    </a:p>
+                  </a:txBody>
+                  <a:tcPr/>
+                </a:tc>
+                <a:tc>
+                  <a:txBody>
+                    <a:bodyPr/>
+                    <a:p>
+                      <a:pPr algn="l">
+                        <a:buNone/>
+                      </a:pPr>
+                      <a:endParaRPr lang="zh-CN" altLang="en-US" sz="1400"/>
+                    </a:p>
+                  </a:txBody>
+                  <a:tcPr/>
+                </a:tc>
+              </a:tr>
+              <a:tr h="944880">
+                <a:tc>
+                  <a:txBody>
+                    <a:bodyPr/>
+                    <a:p>
+                      <a:pPr algn="l">
+                        <a:buNone/>
+                      </a:pPr>
+                      <a:r>
+                        <a:rPr lang="en-US" altLang="zh-CN" sz="1400"/>
+                        <a:t>Add record</a:t>
+                      </a:r>
+                      <a:endParaRPr lang="en-US" altLang="zh-CN" sz="1400"/>
+                    </a:p>
+                  </a:txBody>
+                  <a:tcPr/>
+                </a:tc>
+                <a:tc>
+                  <a:txBody>
+                    <a:bodyPr/>
+                    <a:p>
+                      <a:pPr algn="l">
+                        <a:buNone/>
+                      </a:pPr>
+                      <a:r>
+                        <a:rPr lang="en-US" altLang="zh-CN" sz="1400"/>
+                        <a:t>INSERT INTO {table_name}</a:t>
+                      </a:r>
+                      <a:endParaRPr lang="en-US" altLang="zh-CN" sz="1400"/>
+                    </a:p>
+                    <a:p>
+                      <a:pPr algn="l">
+                        <a:buNone/>
+                      </a:pPr>
+                      <a:r>
+                        <a:rPr lang="en-US" altLang="zh-CN" sz="1400"/>
+                        <a:t>VALUES (value1, value2, value3...);</a:t>
+                      </a:r>
+                      <a:endParaRPr lang="en-US" altLang="zh-CN" sz="1400"/>
+                    </a:p>
+                    <a:p>
+                      <a:pPr algn="l">
+                        <a:buNone/>
+                      </a:pPr>
+                      <a:r>
+                        <a:rPr lang="en-US" altLang="zh-CN" sz="1400"/>
+                        <a:t>INSERT INTO table_name(column1, column2...)</a:t>
+                      </a:r>
+                      <a:endParaRPr lang="en-US" altLang="zh-CN" sz="1400"/>
+                    </a:p>
+                    <a:p>
+                      <a:pPr algn="l">
+                        <a:buNone/>
+                      </a:pPr>
+                      <a:r>
+                        <a:rPr lang="en-US" altLang="zh-CN" sz="1400"/>
+                        <a:t>VALUES (value1, value2...);</a:t>
+                      </a:r>
+                      <a:endParaRPr lang="en-US" altLang="zh-CN" sz="1400"/>
+                    </a:p>
+                  </a:txBody>
+                  <a:tcPr/>
+                </a:tc>
+                <a:tc>
+                  <a:txBody>
+                    <a:bodyPr/>
+                    <a:p>
+                      <a:pPr algn="l">
+                        <a:buNone/>
+                      </a:pPr>
+                      <a:endParaRPr lang="zh-CN" altLang="en-US" sz="1400"/>
+                    </a:p>
+                  </a:txBody>
+                  <a:tcPr/>
+                </a:tc>
+              </a:tr>
+              <a:tr h="304800">
+                <a:tc>
+                  <a:txBody>
+                    <a:bodyPr/>
+                    <a:p>
+                      <a:pPr algn="l">
+                        <a:buNone/>
+                      </a:pPr>
+                      <a:r>
+                        <a:rPr lang="en-US" altLang="zh-CN" sz="1400"/>
+                        <a:t>Delete record</a:t>
+                      </a:r>
+                      <a:endParaRPr lang="en-US" altLang="zh-CN" sz="1400"/>
+                    </a:p>
+                  </a:txBody>
+                  <a:tcPr/>
+                </a:tc>
+                <a:tc>
+                  <a:txBody>
+                    <a:bodyPr/>
+                    <a:p>
+                      <a:pPr algn="l">
+                        <a:buNone/>
+                      </a:pPr>
+                      <a:r>
+                        <a:rPr lang="en-US" altLang="zh-CN" sz="1400"/>
+                        <a:t>delete from {table_name} where id=1;</a:t>
+                      </a:r>
+                      <a:endParaRPr lang="en-US" altLang="zh-CN" sz="1400"/>
+                    </a:p>
+                  </a:txBody>
+                  <a:tcPr/>
+                </a:tc>
+                <a:tc>
+                  <a:txBody>
+                    <a:bodyPr/>
+                    <a:p>
+                      <a:pPr algn="l">
+                        <a:buNone/>
+                      </a:pPr>
+                      <a:endParaRPr lang="zh-CN" altLang="en-US" sz="1400"/>
                     </a:p>
                   </a:txBody>
                   <a:tcPr/>
@@ -4758,7 +5038,15 @@
             <a:pPr lvl="1"/>
             <a:r>
               <a:rPr lang="en-US" altLang="zh-CN"/>
-              <a:t>dropdb</a:t>
+              <a:t>dropdb -U fishpano fishpano_db</a:t>
+            </a:r>
+            <a:endParaRPr lang="en-US" altLang="zh-CN"/>
+          </a:p>
+          <a:p>
+            <a:pPr lvl="1"/>
+            <a:r>
+              <a:rPr lang="en-US" altLang="zh-CN"/>
+              <a:t>createdb -U fishpano fishpano_db</a:t>
             </a:r>
             <a:endParaRPr lang="en-US" altLang="zh-CN"/>
           </a:p>
@@ -4773,7 +5061,7 @@
         <p:spPr>
           <a:xfrm>
             <a:off x="7861300" y="1424940"/>
-            <a:ext cx="3907790" cy="4246245"/>
+            <a:ext cx="3907790" cy="4523105"/>
           </a:xfrm>
           <a:prstGeom prst="rect">
             <a:avLst/>
@@ -4875,6 +5163,13 @@
             <a:r>
               <a:rPr lang="en-US" altLang="zh-CN"/>
               <a:t># select * from “{tablename}”;</a:t>
+            </a:r>
+            <a:endParaRPr lang="en-US" altLang="zh-CN"/>
+          </a:p>
+          <a:p>
+            <a:r>
+              <a:rPr lang="en-US" altLang="zh-CN"/>
+              <a:t># drop database {dbname}</a:t>
             </a:r>
             <a:endParaRPr lang="en-US" altLang="zh-CN"/>
           </a:p>
@@ -4979,6 +5274,30 @@
             </a:endParaRPr>
           </a:p>
           <a:p>
+            <a:pPr lvl="2"/>
+            <a:r>
+              <a:rPr lang="en-US" altLang="zh-CN">
+                <a:sym typeface="+mn-ea"/>
+              </a:rPr>
+              <a:t>pg_dump -U fishpano fishpano_db &gt;/tmp/20211221.pgdump</a:t>
+            </a:r>
+            <a:endParaRPr lang="en-US" altLang="zh-CN">
+              <a:sym typeface="+mn-ea"/>
+            </a:endParaRPr>
+          </a:p>
+          <a:p>
+            <a:pPr lvl="2"/>
+            <a:r>
+              <a:rPr lang="en-US" altLang="zh-CN">
+                <a:sym typeface="+mn-ea"/>
+              </a:rPr>
+              <a:t>sudo docker exec -t fishpano_db_1 pg_dump -U fishpano fishpano_db | gzip &gt;/tmp/20211221.pgdump.gz</a:t>
+            </a:r>
+            <a:endParaRPr lang="en-US" altLang="zh-CN">
+              <a:sym typeface="+mn-ea"/>
+            </a:endParaRPr>
+          </a:p>
+          <a:p>
             <a:pPr lvl="1"/>
             <a:r>
               <a:rPr lang="en-US" altLang="zh-CN"/>
@@ -4991,6 +5310,14 @@
             <a:r>
               <a:rPr lang="en-US" altLang="zh-CN"/>
               <a:t>psql -d newdb -f db.sql</a:t>
+            </a:r>
+            <a:endParaRPr lang="en-US" altLang="zh-CN"/>
+          </a:p>
+          <a:p>
+            <a:pPr lvl="2"/>
+            <a:r>
+              <a:rPr lang="en-US" altLang="zh-CN"/>
+              <a:t>psql -U fishpano fishpano_db &lt; {dumpfile}</a:t>
             </a:r>
             <a:endParaRPr lang="en-US" altLang="zh-CN"/>
           </a:p>
@@ -5861,6 +6188,14 @@
 </file>
 
 <file path=ppt/tags/tag15.xml><?xml version="1.0" encoding="utf-8"?>
+<p:tagLst xmlns:p="http://schemas.openxmlformats.org/presentationml/2006/main">
+  <p:tag name="KSO_WM_BEAUTIFY_FLAG" val="#wm#"/>
+  <p:tag name="KSO_WM_TEMPLATE_CATEGORY" val="custom"/>
+  <p:tag name="KSO_WM_TEMPLATE_INDEX" val="160402"/>
+</p:tagLst>
+</file>
+
+<file path=ppt/tags/tag16.xml><?xml version="1.0" encoding="utf-8"?>
 <p:tagLst xmlns:p="http://schemas.openxmlformats.org/presentationml/2006/main">
   <p:tag name="KSO_WM_BEAUTIFY_FLAG" val="#wm#"/>
   <p:tag name="KSO_WM_TEMPLATE_CATEGORY" val="custom"/>
@@ -5956,8 +6291,8 @@
 <file path=ppt/tags/tag7.xml><?xml version="1.0" encoding="utf-8"?>
 <p:tagLst xmlns:p="http://schemas.openxmlformats.org/presentationml/2006/main">
   <p:tag name="KSO_WM_UNIT_TABLE_BEAUTIFY" val="smartTable{66b7b698-fbae-41fb-bc40-e680ffeaffa4}"/>
-  <p:tag name="TABLE_ENDDRAG_ORIGIN_RECT" val="846*297"/>
-  <p:tag name="TABLE_ENDDRAG_RECT" val="55*95*846*297"/>
+  <p:tag name="TABLE_ENDDRAG_ORIGIN_RECT" val="846*255"/>
+  <p:tag name="TABLE_ENDDRAG_RECT" val="55*95*846*255"/>
 </p:tagLst>
 </file>
 

--- a/Misc/DB-Notes.pptx
+++ b/Misc/DB-Notes.pptx
@@ -5,10 +5,10 @@
     <p:sldMasterId id="2147483648" r:id="rId1"/>
   </p:sldMasterIdLst>
   <p:notesMasterIdLst>
-    <p:notesMasterId r:id="rId13"/>
+    <p:notesMasterId r:id="rId15"/>
   </p:notesMasterIdLst>
   <p:handoutMasterIdLst>
-    <p:handoutMasterId r:id="rId14"/>
+    <p:handoutMasterId r:id="rId16"/>
   </p:handoutMasterIdLst>
   <p:sldIdLst>
     <p:sldId id="409" r:id="rId3"/>
@@ -20,10 +20,15 @@
     <p:sldId id="412" r:id="rId9"/>
     <p:sldId id="417" r:id="rId10"/>
     <p:sldId id="419" r:id="rId11"/>
-    <p:sldId id="422" r:id="rId12"/>
+    <p:sldId id="423" r:id="rId12"/>
+    <p:sldId id="422" r:id="rId13"/>
+    <p:sldId id="425" r:id="rId14"/>
   </p:sldIdLst>
   <p:sldSz cx="12192000" cy="6858000"/>
   <p:notesSz cx="6858000" cy="9144000"/>
+  <p:custDataLst>
+    <p:tags r:id="rId20"/>
+  </p:custDataLst>
   <p:defaultTextStyle>
     <a:defPPr>
       <a:defRPr lang="zh-CN"/>
@@ -3718,6 +3723,152 @@
           <a:p>
             <a:r>
               <a:rPr lang="en-US" altLang="zh-CN"/>
+              <a:t>SQL Server</a:t>
+            </a:r>
+            <a:endParaRPr lang="en-US" altLang="zh-CN"/>
+          </a:p>
+        </p:txBody>
+      </p:sp>
+      <p:sp>
+        <p:nvSpPr>
+          <p:cNvPr id="3" name="内容占位符 2"/>
+          <p:cNvSpPr>
+            <a:spLocks noGrp="1"/>
+          </p:cNvSpPr>
+          <p:nvPr>
+            <p:ph idx="1"/>
+          </p:nvPr>
+        </p:nvSpPr>
+        <p:spPr>
+          <a:xfrm>
+            <a:off x="838200" y="1211580"/>
+            <a:ext cx="5163820" cy="4549140"/>
+          </a:xfrm>
+        </p:spPr>
+        <p:txBody>
+          <a:bodyPr/>
+          <a:p>
+            <a:r>
+              <a:rPr lang="en-US" altLang="zh-CN"/>
+              <a:t>References</a:t>
+            </a:r>
+            <a:endParaRPr lang="en-US" altLang="zh-CN"/>
+          </a:p>
+          <a:p>
+            <a:pPr lvl="1"/>
+            <a:r>
+              <a:rPr lang="en-US" altLang="zh-CN"/>
+              <a:t>http://statmap.co.uk/?page_id=9207</a:t>
+            </a:r>
+            <a:endParaRPr lang="en-US" altLang="zh-CN"/>
+          </a:p>
+          <a:p>
+            <a:pPr lvl="0"/>
+            <a:r>
+              <a:rPr lang="en-US" altLang="zh-CN" sz="2400"/>
+              <a:t>Export</a:t>
+            </a:r>
+            <a:endParaRPr lang="en-US" altLang="zh-CN" sz="2400"/>
+          </a:p>
+          <a:p>
+            <a:pPr lvl="1"/>
+            <a:endParaRPr lang="en-US" altLang="zh-CN"/>
+          </a:p>
+          <a:p>
+            <a:pPr lvl="0"/>
+            <a:endParaRPr lang="en-US" altLang="zh-CN"/>
+          </a:p>
+        </p:txBody>
+      </p:sp>
+      <p:pic>
+        <p:nvPicPr>
+          <p:cNvPr id="100" name="图片 99"/>
+          <p:cNvPicPr/>
+          <p:nvPr/>
+        </p:nvPicPr>
+        <p:blipFill>
+          <a:blip r:embed="rId1"/>
+          <a:stretch>
+            <a:fillRect/>
+          </a:stretch>
+        </p:blipFill>
+        <p:spPr>
+          <a:xfrm>
+            <a:off x="2537460" y="2960370"/>
+            <a:ext cx="3464560" cy="3388360"/>
+          </a:xfrm>
+          <a:prstGeom prst="rect">
+            <a:avLst/>
+          </a:prstGeom>
+          <a:noFill/>
+          <a:ln w="9525">
+            <a:noFill/>
+          </a:ln>
+        </p:spPr>
+      </p:pic>
+      <p:pic>
+        <p:nvPicPr>
+          <p:cNvPr id="101" name="图片 100"/>
+          <p:cNvPicPr/>
+          <p:nvPr/>
+        </p:nvPicPr>
+        <p:blipFill>
+          <a:blip r:embed="rId2"/>
+          <a:stretch>
+            <a:fillRect/>
+          </a:stretch>
+        </p:blipFill>
+        <p:spPr>
+          <a:xfrm>
+            <a:off x="6691630" y="2960370"/>
+            <a:ext cx="3660775" cy="3388360"/>
+          </a:xfrm>
+          <a:prstGeom prst="rect">
+            <a:avLst/>
+          </a:prstGeom>
+          <a:noFill/>
+          <a:ln w="9525">
+            <a:noFill/>
+          </a:ln>
+        </p:spPr>
+      </p:pic>
+    </p:spTree>
+    <p:custDataLst>
+      <p:tags r:id="rId3"/>
+    </p:custDataLst>
+  </p:cSld>
+  <p:clrMapOvr>
+    <a:masterClrMapping/>
+  </p:clrMapOvr>
+</p:sld>
+</file>
+
+<file path=ppt/slides/slide11.xml><?xml version="1.0" encoding="utf-8"?>
+<p:sld xmlns:a="http://schemas.openxmlformats.org/drawingml/2006/main" xmlns:r="http://schemas.openxmlformats.org/officeDocument/2006/relationships" xmlns:p="http://schemas.openxmlformats.org/presentationml/2006/main">
+  <p:cSld>
+    <p:spTree>
+      <p:nvGrpSpPr>
+        <p:cNvPr id="1" name=""/>
+        <p:cNvGrpSpPr/>
+        <p:nvPr/>
+      </p:nvGrpSpPr>
+      <p:grpSpPr/>
+      <p:sp>
+        <p:nvSpPr>
+          <p:cNvPr id="2" name="标题 1"/>
+          <p:cNvSpPr>
+            <a:spLocks noGrp="1"/>
+          </p:cNvSpPr>
+          <p:nvPr>
+            <p:ph type="title"/>
+          </p:nvPr>
+        </p:nvSpPr>
+        <p:spPr/>
+        <p:txBody>
+          <a:bodyPr/>
+          <a:p>
+            <a:r>
+              <a:rPr lang="en-US" altLang="zh-CN"/>
               <a:t>Visualization</a:t>
             </a:r>
             <a:endParaRPr lang="en-US" altLang="zh-CN"/>
@@ -3757,6 +3908,156 @@
     </p:spTree>
     <p:custDataLst>
       <p:tags r:id="rId1"/>
+    </p:custDataLst>
+  </p:cSld>
+  <p:clrMapOvr>
+    <a:masterClrMapping/>
+  </p:clrMapOvr>
+</p:sld>
+</file>
+
+<file path=ppt/slides/slide12.xml><?xml version="1.0" encoding="utf-8"?>
+<p:sld xmlns:a="http://schemas.openxmlformats.org/drawingml/2006/main" xmlns:r="http://schemas.openxmlformats.org/officeDocument/2006/relationships" xmlns:p="http://schemas.openxmlformats.org/presentationml/2006/main">
+  <p:cSld>
+    <p:spTree>
+      <p:nvGrpSpPr>
+        <p:cNvPr id="1" name=""/>
+        <p:cNvGrpSpPr/>
+        <p:nvPr/>
+      </p:nvGrpSpPr>
+      <p:grpSpPr/>
+      <p:sp>
+        <p:nvSpPr>
+          <p:cNvPr id="2" name="标题 1"/>
+          <p:cNvSpPr>
+            <a:spLocks noGrp="1"/>
+          </p:cNvSpPr>
+          <p:nvPr>
+            <p:ph type="title"/>
+          </p:nvPr>
+        </p:nvSpPr>
+        <p:spPr/>
+        <p:txBody>
+          <a:bodyPr/>
+          <a:p>
+            <a:r>
+              <a:rPr lang="en-US" altLang="zh-CN"/>
+              <a:t>DBeaver</a:t>
+            </a:r>
+            <a:endParaRPr lang="en-US" altLang="zh-CN"/>
+          </a:p>
+        </p:txBody>
+      </p:sp>
+      <p:sp>
+        <p:nvSpPr>
+          <p:cNvPr id="3" name="内容占位符 2"/>
+          <p:cNvSpPr>
+            <a:spLocks noGrp="1"/>
+          </p:cNvSpPr>
+          <p:nvPr>
+            <p:ph idx="1"/>
+          </p:nvPr>
+        </p:nvSpPr>
+        <p:spPr>
+          <a:xfrm>
+            <a:off x="838200" y="1211580"/>
+            <a:ext cx="5411470" cy="4549140"/>
+          </a:xfrm>
+        </p:spPr>
+        <p:txBody>
+          <a:bodyPr/>
+          <a:p>
+            <a:r>
+              <a:rPr lang="en-US" altLang="zh-CN"/>
+              <a:t>Export table structures</a:t>
+            </a:r>
+            <a:endParaRPr lang="en-US" altLang="zh-CN"/>
+          </a:p>
+          <a:p>
+            <a:pPr lvl="1"/>
+            <a:r>
+              <a:rPr lang="en-US" altLang="zh-CN"/>
+              <a:t>select tables</a:t>
+            </a:r>
+            <a:endParaRPr lang="en-US" altLang="zh-CN"/>
+          </a:p>
+          <a:p>
+            <a:pPr lvl="1"/>
+            <a:r>
+              <a:rPr lang="en-US" altLang="zh-CN"/>
+              <a:t>right click, “Generate SQL” -&gt;”DDL”</a:t>
+            </a:r>
+            <a:endParaRPr lang="en-US" altLang="zh-CN"/>
+          </a:p>
+          <a:p>
+            <a:pPr lvl="1"/>
+            <a:r>
+              <a:rPr lang="en-US" altLang="zh-CN"/>
+              <a:t>copy in the popup</a:t>
+            </a:r>
+            <a:endParaRPr lang="en-US" altLang="zh-CN"/>
+          </a:p>
+          <a:p>
+            <a:pPr lvl="1"/>
+            <a:endParaRPr lang="en-US" altLang="zh-CN"/>
+          </a:p>
+        </p:txBody>
+      </p:sp>
+      <p:pic>
+        <p:nvPicPr>
+          <p:cNvPr id="5" name="图片 4"/>
+          <p:cNvPicPr>
+            <a:picLocks noChangeAspect="1"/>
+          </p:cNvPicPr>
+          <p:nvPr>
+            <p:custDataLst>
+              <p:tags r:id="rId1"/>
+            </p:custDataLst>
+          </p:nvPr>
+        </p:nvPicPr>
+        <p:blipFill>
+          <a:blip r:embed="rId2"/>
+          <a:stretch>
+            <a:fillRect/>
+          </a:stretch>
+        </p:blipFill>
+        <p:spPr>
+          <a:xfrm>
+            <a:off x="6378575" y="616585"/>
+            <a:ext cx="2850515" cy="3323590"/>
+          </a:xfrm>
+          <a:prstGeom prst="rect">
+            <a:avLst/>
+          </a:prstGeom>
+        </p:spPr>
+      </p:pic>
+      <p:pic>
+        <p:nvPicPr>
+          <p:cNvPr id="6" name="图片 5"/>
+          <p:cNvPicPr>
+            <a:picLocks noChangeAspect="1"/>
+          </p:cNvPicPr>
+          <p:nvPr/>
+        </p:nvPicPr>
+        <p:blipFill>
+          <a:blip r:embed="rId3"/>
+          <a:stretch>
+            <a:fillRect/>
+          </a:stretch>
+        </p:blipFill>
+        <p:spPr>
+          <a:xfrm>
+            <a:off x="9408795" y="616585"/>
+            <a:ext cx="2605405" cy="2670175"/>
+          </a:xfrm>
+          <a:prstGeom prst="rect">
+            <a:avLst/>
+          </a:prstGeom>
+        </p:spPr>
+      </p:pic>
+    </p:spTree>
+    <p:custDataLst>
+      <p:tags r:id="rId4"/>
     </p:custDataLst>
   </p:cSld>
   <p:clrMapOvr>
@@ -3835,7 +4136,7 @@
         </p:nvGraphicFramePr>
         <p:xfrm>
           <a:off x="706755" y="1209675"/>
-          <a:ext cx="10744200" cy="5295900"/>
+          <a:ext cx="10744200" cy="5638800"/>
         </p:xfrm>
         <a:graphic>
           <a:graphicData uri="http://schemas.openxmlformats.org/drawingml/2006/table">
@@ -3845,8 +4146,8 @@
               </a:tblPr>
               <a:tblGrid>
                 <a:gridCol w="2049145"/>
-                <a:gridCol w="5113655"/>
-                <a:gridCol w="3581400"/>
+                <a:gridCol w="5335905"/>
+                <a:gridCol w="3359150"/>
               </a:tblGrid>
               <a:tr h="365760">
                 <a:tc>
@@ -3960,7 +4261,7 @@
                   <a:tcPr/>
                 </a:tc>
               </a:tr>
-              <a:tr h="388620">
+              <a:tr h="304800">
                 <a:tc>
                   <a:txBody>
                     <a:bodyPr/>
@@ -4056,7 +4357,7 @@
                   <a:tcPr/>
                 </a:tc>
               </a:tr>
-              <a:tr h="304800">
+              <a:tr h="518160">
                 <a:tc>
                   <a:txBody>
                     <a:bodyPr/>
@@ -4083,6 +4384,16 @@
                       <a:r>
                         <a:rPr lang="en-US" altLang="zh-CN" sz="1400"/>
                         <a:t>alter table {table_name} add {column_name} varchar NULL</a:t>
+                      </a:r>
+                      <a:endParaRPr lang="en-US" altLang="zh-CN" sz="1400"/>
+                    </a:p>
+                    <a:p>
+                      <a:pPr algn="l">
+                        <a:buNone/>
+                      </a:pPr>
+                      <a:r>
+                        <a:rPr lang="en-US" altLang="zh-CN" sz="1400"/>
+                        <a:t>alter table capture add time_called timestamp without time zone;</a:t>
                       </a:r>
                       <a:endParaRPr lang="en-US" altLang="zh-CN" sz="1400"/>
                     </a:p>
@@ -4148,7 +4459,7 @@
                   <a:tcPr/>
                 </a:tc>
               </a:tr>
-              <a:tr h="304800">
+              <a:tr h="518160">
                 <a:tc>
                   <a:txBody>
                     <a:bodyPr/>
@@ -4194,7 +4505,7 @@
                   <a:tcPr/>
                 </a:tc>
               </a:tr>
-              <a:tr h="304800">
+              <a:tr h="518160">
                 <a:tc>
                   <a:txBody>
                     <a:bodyPr/>
@@ -5234,11 +5545,13 @@
         <p:spPr>
           <a:xfrm>
             <a:off x="838200" y="1211580"/>
-            <a:ext cx="10739755" cy="4549140"/>
+            <a:ext cx="10739755" cy="3694430"/>
           </a:xfrm>
         </p:spPr>
         <p:txBody>
-          <a:bodyPr/>
+          <a:bodyPr>
+            <a:normAutofit lnSpcReduction="10000"/>
+          </a:bodyPr>
           <a:p>
             <a:pPr lvl="0"/>
             <a:r>
@@ -5339,9 +5652,188 @@
           </a:p>
         </p:txBody>
       </p:sp>
+      <p:graphicFrame>
+        <p:nvGraphicFramePr>
+          <p:cNvPr id="6" name="表格 5"/>
+          <p:cNvGraphicFramePr/>
+          <p:nvPr>
+            <p:custDataLst>
+              <p:tags r:id="rId1"/>
+            </p:custDataLst>
+          </p:nvPr>
+        </p:nvGraphicFramePr>
+        <p:xfrm>
+          <a:off x="903605" y="4733290"/>
+          <a:ext cx="10744200" cy="1268730"/>
+        </p:xfrm>
+        <a:graphic>
+          <a:graphicData uri="http://schemas.openxmlformats.org/drawingml/2006/table">
+            <a:tbl>
+              <a:tblPr firstRow="1" bandRow="1">
+                <a:tableStyleId>{5C22544A-7EE6-4342-B048-85BDC9FD1C3A}</a:tableStyleId>
+              </a:tblPr>
+              <a:tblGrid>
+                <a:gridCol w="2049145"/>
+                <a:gridCol w="5113655"/>
+                <a:gridCol w="3581400"/>
+              </a:tblGrid>
+              <a:tr h="365760">
+                <a:tc>
+                  <a:txBody>
+                    <a:bodyPr/>
+                    <a:p>
+                      <a:pPr algn="ctr">
+                        <a:buNone/>
+                      </a:pPr>
+                      <a:r>
+                        <a:rPr lang="en-US" altLang="zh-CN"/>
+                        <a:t>Purpose</a:t>
+                      </a:r>
+                      <a:endParaRPr lang="en-US" altLang="zh-CN"/>
+                    </a:p>
+                  </a:txBody>
+                  <a:tcPr anchor="ctr" anchorCtr="0"/>
+                </a:tc>
+                <a:tc>
+                  <a:txBody>
+                    <a:bodyPr/>
+                    <a:p>
+                      <a:pPr algn="ctr">
+                        <a:buNone/>
+                      </a:pPr>
+                      <a:r>
+                        <a:rPr lang="en-US" altLang="zh-CN"/>
+                        <a:t>Command</a:t>
+                      </a:r>
+                      <a:endParaRPr lang="en-US" altLang="zh-CN"/>
+                    </a:p>
+                  </a:txBody>
+                  <a:tcPr anchor="ctr" anchorCtr="0"/>
+                </a:tc>
+                <a:tc>
+                  <a:txBody>
+                    <a:bodyPr/>
+                    <a:p>
+                      <a:pPr algn="ctr">
+                        <a:buNone/>
+                      </a:pPr>
+                      <a:r>
+                        <a:rPr lang="en-US" altLang="zh-CN"/>
+                        <a:t>Note</a:t>
+                      </a:r>
+                      <a:endParaRPr lang="en-US" altLang="zh-CN"/>
+                    </a:p>
+                  </a:txBody>
+                  <a:tcPr anchor="ctr" anchorCtr="0"/>
+                </a:tc>
+              </a:tr>
+              <a:tr h="451485">
+                <a:tc>
+                  <a:txBody>
+                    <a:bodyPr/>
+                    <a:p>
+                      <a:pPr algn="l">
+                        <a:buNone/>
+                      </a:pPr>
+                      <a:r>
+                        <a:rPr lang="en-US" altLang="zh-CN" sz="1400"/>
+                        <a:t>Remove not null for column</a:t>
+                      </a:r>
+                      <a:endParaRPr lang="en-US" altLang="zh-CN" sz="1400"/>
+                    </a:p>
+                  </a:txBody>
+                  <a:tcPr/>
+                </a:tc>
+                <a:tc>
+                  <a:txBody>
+                    <a:bodyPr/>
+                    <a:p>
+                      <a:pPr algn="l">
+                        <a:buNone/>
+                      </a:pPr>
+                      <a:r>
+                        <a:rPr lang="en-US" altLang="zh-CN" sz="1400">
+                          <a:sym typeface="+mn-ea"/>
+                        </a:rPr>
+                        <a:t>alter table model3d alter column time_uploaded drop not null;</a:t>
+                      </a:r>
+                      <a:endParaRPr lang="en-US" altLang="zh-CN" sz="1400">
+                        <a:sym typeface="+mn-ea"/>
+                      </a:endParaRPr>
+                    </a:p>
+                  </a:txBody>
+                  <a:tcPr/>
+                </a:tc>
+                <a:tc>
+                  <a:txBody>
+                    <a:bodyPr/>
+                    <a:p>
+                      <a:pPr algn="l">
+                        <a:buNone/>
+                      </a:pPr>
+                      <a:endParaRPr lang="zh-CN" altLang="en-US" sz="1400"/>
+                    </a:p>
+                  </a:txBody>
+                  <a:tcPr/>
+                </a:tc>
+              </a:tr>
+              <a:tr h="451485">
+                <a:tc>
+                  <a:txBody>
+                    <a:bodyPr/>
+                    <a:p>
+                      <a:pPr algn="l">
+                        <a:buNone/>
+                      </a:pPr>
+                      <a:r>
+                        <a:rPr lang="en-US" altLang="zh-CN" sz="1400"/>
+                        <a:t>Add not null for column</a:t>
+                      </a:r>
+                      <a:endParaRPr lang="en-US" altLang="zh-CN" sz="1400"/>
+                    </a:p>
+                  </a:txBody>
+                  <a:tcPr/>
+                </a:tc>
+                <a:tc>
+                  <a:txBody>
+                    <a:bodyPr/>
+                    <a:p>
+                      <a:pPr algn="l">
+                        <a:buNone/>
+                      </a:pPr>
+                      <a:r>
+                        <a:rPr lang="en-US" altLang="zh-CN" sz="1400">
+                          <a:sym typeface="+mn-ea"/>
+                        </a:rPr>
+                        <a:t>alter table model3d alter column time_uploaded set not null;</a:t>
+                      </a:r>
+                      <a:endParaRPr lang="en-US" altLang="zh-CN" sz="1400">
+                        <a:sym typeface="+mn-ea"/>
+                      </a:endParaRPr>
+                    </a:p>
+                  </a:txBody>
+                  <a:tcPr/>
+                </a:tc>
+                <a:tc>
+                  <a:txBody>
+                    <a:bodyPr/>
+                    <a:p>
+                      <a:pPr algn="l">
+                        <a:buNone/>
+                      </a:pPr>
+                      <a:endParaRPr lang="zh-CN" altLang="en-US" sz="1400"/>
+                    </a:p>
+                  </a:txBody>
+                  <a:tcPr/>
+                </a:tc>
+              </a:tr>
+            </a:tbl>
+          </a:graphicData>
+        </a:graphic>
+      </p:graphicFrame>
     </p:spTree>
     <p:custDataLst>
-      <p:tags r:id="rId1"/>
+      <p:tags r:id="rId2"/>
     </p:custDataLst>
   </p:cSld>
   <p:clrMapOvr>
@@ -6157,9 +6649,9 @@
 
 <file path=ppt/tags/tag11.xml><?xml version="1.0" encoding="utf-8"?>
 <p:tagLst xmlns:p="http://schemas.openxmlformats.org/presentationml/2006/main">
-  <p:tag name="KSO_WM_BEAUTIFY_FLAG" val="#wm#"/>
-  <p:tag name="KSO_WM_TEMPLATE_CATEGORY" val="custom"/>
-  <p:tag name="KSO_WM_TEMPLATE_INDEX" val="160402"/>
+  <p:tag name="KSO_WM_UNIT_TABLE_BEAUTIFY" val="smartTable{66b7b698-fbae-41fb-bc40-e680ffeaffa4}"/>
+  <p:tag name="TABLE_ENDDRAG_ORIGIN_RECT" val="846*88"/>
+  <p:tag name="TABLE_ENDDRAG_RECT" val="78*402*846*88"/>
 </p:tagLst>
 </file>
 
@@ -6203,11 +6695,47 @@
 </p:tagLst>
 </file>
 
+<file path=ppt/tags/tag17.xml><?xml version="1.0" encoding="utf-8"?>
+<p:tagLst xmlns:p="http://schemas.openxmlformats.org/presentationml/2006/main">
+  <p:tag name="KSO_WM_BEAUTIFY_FLAG" val="#wm#"/>
+  <p:tag name="KSO_WM_TEMPLATE_CATEGORY" val="custom"/>
+  <p:tag name="KSO_WM_TEMPLATE_INDEX" val="160402"/>
+</p:tagLst>
+</file>
+
+<file path=ppt/tags/tag18.xml><?xml version="1.0" encoding="utf-8"?>
+<p:tagLst xmlns:p="http://schemas.openxmlformats.org/presentationml/2006/main">
+  <p:tag name="KSO_WM_BEAUTIFY_FLAG" val="#wm#"/>
+  <p:tag name="KSO_WM_TEMPLATE_CATEGORY" val="custom"/>
+  <p:tag name="KSO_WM_TEMPLATE_INDEX" val="160402"/>
+</p:tagLst>
+</file>
+
+<file path=ppt/tags/tag19.xml><?xml version="1.0" encoding="utf-8"?>
+<p:tagLst xmlns:p="http://schemas.openxmlformats.org/presentationml/2006/main">
+  <p:tag name="KSO_WM_UNIT_PLACING_PICTURE_USER_VIEWPORT" val="{&quot;height&quot;:10632,&quot;width&quot;:9120}"/>
+</p:tagLst>
+</file>
+
 <file path=ppt/tags/tag2.xml><?xml version="1.0" encoding="utf-8"?>
 <p:tagLst xmlns:p="http://schemas.openxmlformats.org/presentationml/2006/main">
   <p:tag name="KSO_WM_TAG_VERSION" val="1.0"/>
   <p:tag name="KSO_WM_TEMPLATE_CATEGORY" val="custom"/>
   <p:tag name="KSO_WM_TEMPLATE_INDEX" val="160402"/>
+</p:tagLst>
+</file>
+
+<file path=ppt/tags/tag20.xml><?xml version="1.0" encoding="utf-8"?>
+<p:tagLst xmlns:p="http://schemas.openxmlformats.org/presentationml/2006/main">
+  <p:tag name="KSO_WM_BEAUTIFY_FLAG" val="#wm#"/>
+  <p:tag name="KSO_WM_TEMPLATE_CATEGORY" val="custom"/>
+  <p:tag name="KSO_WM_TEMPLATE_INDEX" val="160402"/>
+</p:tagLst>
+</file>
+
+<file path=ppt/tags/tag21.xml><?xml version="1.0" encoding="utf-8"?>
+<p:tagLst xmlns:p="http://schemas.openxmlformats.org/presentationml/2006/main">
+  <p:tag name="COMMONDATA" val="eyJoZGlkIjoiODcwZjc5M2RmYzUwOWE5MjVkODVjZGMyZDUwOTRjYmEifQ=="/>
 </p:tagLst>
 </file>
 
@@ -6291,8 +6819,8 @@
 <file path=ppt/tags/tag7.xml><?xml version="1.0" encoding="utf-8"?>
 <p:tagLst xmlns:p="http://schemas.openxmlformats.org/presentationml/2006/main">
   <p:tag name="KSO_WM_UNIT_TABLE_BEAUTIFY" val="smartTable{66b7b698-fbae-41fb-bc40-e680ffeaffa4}"/>
-  <p:tag name="TABLE_ENDDRAG_ORIGIN_RECT" val="846*255"/>
-  <p:tag name="TABLE_ENDDRAG_RECT" val="55*95*846*255"/>
+  <p:tag name="TABLE_ENDDRAG_ORIGIN_RECT" val="846*309"/>
+  <p:tag name="TABLE_ENDDRAG_RECT" val="55*95*846*309"/>
 </p:tagLst>
 </file>
 

--- a/Misc/DB-Notes.pptx
+++ b/Misc/DB-Notes.pptx
@@ -5,10 +5,10 @@
     <p:sldMasterId id="2147483648" r:id="rId1"/>
   </p:sldMasterIdLst>
   <p:notesMasterIdLst>
-    <p:notesMasterId r:id="rId15"/>
+    <p:notesMasterId r:id="rId18"/>
   </p:notesMasterIdLst>
   <p:handoutMasterIdLst>
-    <p:handoutMasterId r:id="rId16"/>
+    <p:handoutMasterId r:id="rId19"/>
   </p:handoutMasterIdLst>
   <p:sldIdLst>
     <p:sldId id="409" r:id="rId3"/>
@@ -16,18 +16,21 @@
     <p:sldId id="411" r:id="rId5"/>
     <p:sldId id="413" r:id="rId6"/>
     <p:sldId id="415" r:id="rId7"/>
-    <p:sldId id="418" r:id="rId8"/>
-    <p:sldId id="412" r:id="rId9"/>
-    <p:sldId id="417" r:id="rId10"/>
-    <p:sldId id="419" r:id="rId11"/>
-    <p:sldId id="423" r:id="rId12"/>
-    <p:sldId id="422" r:id="rId13"/>
-    <p:sldId id="425" r:id="rId14"/>
+    <p:sldId id="428" r:id="rId8"/>
+    <p:sldId id="427" r:id="rId9"/>
+    <p:sldId id="426" r:id="rId10"/>
+    <p:sldId id="418" r:id="rId11"/>
+    <p:sldId id="412" r:id="rId12"/>
+    <p:sldId id="417" r:id="rId13"/>
+    <p:sldId id="419" r:id="rId14"/>
+    <p:sldId id="423" r:id="rId15"/>
+    <p:sldId id="422" r:id="rId16"/>
+    <p:sldId id="425" r:id="rId17"/>
   </p:sldIdLst>
   <p:sldSz cx="12192000" cy="6858000"/>
   <p:notesSz cx="6858000" cy="9144000"/>
   <p:custDataLst>
-    <p:tags r:id="rId20"/>
+    <p:tags r:id="rId23"/>
   </p:custDataLst>
   <p:defaultTextStyle>
     <a:defPPr>
@@ -3723,6 +3726,688 @@
           <a:p>
             <a:r>
               <a:rPr lang="en-US" altLang="zh-CN"/>
+              <a:t>Sqlite-&gt;Postgresql - Dump/Load</a:t>
+            </a:r>
+            <a:endParaRPr lang="en-US" altLang="zh-CN"/>
+          </a:p>
+        </p:txBody>
+      </p:sp>
+      <p:sp>
+        <p:nvSpPr>
+          <p:cNvPr id="3" name="内容占位符 2"/>
+          <p:cNvSpPr>
+            <a:spLocks noGrp="1"/>
+          </p:cNvSpPr>
+          <p:nvPr>
+            <p:ph idx="1"/>
+          </p:nvPr>
+        </p:nvSpPr>
+        <p:spPr>
+          <a:xfrm>
+            <a:off x="838200" y="1211580"/>
+            <a:ext cx="10514965" cy="5316220"/>
+          </a:xfrm>
+        </p:spPr>
+        <p:txBody>
+          <a:bodyPr>
+            <a:normAutofit/>
+          </a:bodyPr>
+          <a:p>
+            <a:pPr lvl="0"/>
+            <a:r>
+              <a:rPr lang="en-US" altLang="zh-CN" sz="2000">
+                <a:sym typeface="+mn-ea"/>
+              </a:rPr>
+              <a:t>references</a:t>
+            </a:r>
+            <a:endParaRPr lang="en-US" altLang="zh-CN" sz="2000">
+              <a:sym typeface="+mn-ea"/>
+            </a:endParaRPr>
+          </a:p>
+          <a:p>
+            <a:pPr lvl="1"/>
+            <a:r>
+              <a:rPr lang="en-US" altLang="zh-CN" sz="1800">
+                <a:sym typeface="+mn-ea"/>
+              </a:rPr>
+              <a:t>https://stackoverflow.com/questions/4581727/convert-sqlite-sql-dump-file-to-postgresql</a:t>
+            </a:r>
+            <a:endParaRPr lang="en-US" altLang="zh-CN" sz="1800">
+              <a:sym typeface="+mn-ea"/>
+            </a:endParaRPr>
+          </a:p>
+          <a:p>
+            <a:pPr lvl="0"/>
+            <a:r>
+              <a:rPr lang="en-US" altLang="zh-CN" sz="2000">
+                <a:sym typeface="+mn-ea"/>
+              </a:rPr>
+              <a:t>Steps</a:t>
+            </a:r>
+            <a:endParaRPr lang="en-US" altLang="zh-CN" sz="2000">
+              <a:sym typeface="+mn-ea"/>
+            </a:endParaRPr>
+          </a:p>
+          <a:p>
+            <a:pPr lvl="1"/>
+            <a:r>
+              <a:rPr lang="en-US" altLang="zh-CN" sz="1800">
+                <a:sym typeface="+mn-ea"/>
+              </a:rPr>
+              <a:t>dump</a:t>
+            </a:r>
+            <a:endParaRPr lang="en-US" altLang="zh-CN" sz="1800">
+              <a:sym typeface="+mn-ea"/>
+            </a:endParaRPr>
+          </a:p>
+          <a:p>
+            <a:pPr lvl="2"/>
+            <a:r>
+              <a:rPr lang="en-US" altLang="zh-CN" sz="1600">
+                <a:sym typeface="+mn-ea"/>
+              </a:rPr>
+              <a:t>.dump &gt; ./sqlite-dumpfile.sql</a:t>
+            </a:r>
+            <a:endParaRPr lang="en-US" altLang="zh-CN" sz="1600">
+              <a:sym typeface="+mn-ea"/>
+            </a:endParaRPr>
+          </a:p>
+          <a:p>
+            <a:pPr lvl="1"/>
+            <a:r>
+              <a:rPr lang="en-US" altLang="zh-CN" sz="1800">
+                <a:sym typeface="+mn-ea"/>
+              </a:rPr>
+              <a:t>Modify</a:t>
+            </a:r>
+            <a:endParaRPr lang="en-US" altLang="zh-CN" sz="1800">
+              <a:sym typeface="+mn-ea"/>
+            </a:endParaRPr>
+          </a:p>
+          <a:p>
+            <a:pPr lvl="2"/>
+            <a:r>
+              <a:rPr lang="en-US" altLang="zh-CN" sz="1600">
+                <a:sym typeface="+mn-ea"/>
+              </a:rPr>
+              <a:t>id: change type from “int” to “serial”, remove “autoincrement”</a:t>
+            </a:r>
+            <a:endParaRPr lang="en-US" altLang="zh-CN" sz="1600">
+              <a:sym typeface="+mn-ea"/>
+            </a:endParaRPr>
+          </a:p>
+          <a:p>
+            <a:pPr lvl="2"/>
+            <a:r>
+              <a:rPr lang="en-US" altLang="zh-CN" sz="1600">
+                <a:sym typeface="+mn-ea"/>
+              </a:rPr>
+              <a:t>change “datetime” column to “timestamp”</a:t>
+            </a:r>
+            <a:endParaRPr lang="en-US" altLang="zh-CN" sz="1600">
+              <a:sym typeface="+mn-ea"/>
+            </a:endParaRPr>
+          </a:p>
+          <a:p>
+            <a:pPr lvl="2"/>
+            <a:r>
+              <a:rPr lang="en-US" altLang="zh-CN" sz="1600">
+                <a:sym typeface="+mn-ea"/>
+              </a:rPr>
+              <a:t>boolean “1”-&gt;”1::boolean”, “0”-&gt;”0::boolean”</a:t>
+            </a:r>
+            <a:endParaRPr lang="en-US" altLang="zh-CN" sz="1600">
+              <a:sym typeface="+mn-ea"/>
+            </a:endParaRPr>
+          </a:p>
+          <a:p>
+            <a:pPr lvl="2"/>
+            <a:r>
+              <a:rPr lang="en-US" altLang="zh-CN" sz="1600">
+                <a:sym typeface="+mn-ea"/>
+              </a:rPr>
+              <a:t>“blob” type -&gt; “bytea”</a:t>
+            </a:r>
+            <a:endParaRPr lang="en-US" altLang="zh-CN" sz="1600">
+              <a:sym typeface="+mn-ea"/>
+            </a:endParaRPr>
+          </a:p>
+          <a:p>
+            <a:pPr lvl="2"/>
+            <a:r>
+              <a:rPr lang="en-US" altLang="zh-CN" sz="1600">
+                <a:sym typeface="+mn-ea"/>
+              </a:rPr>
+              <a:t>foreign key: “set constraints all deferred” in begin/commit pair</a:t>
+            </a:r>
+            <a:endParaRPr lang="en-US" altLang="zh-CN" sz="1600">
+              <a:sym typeface="+mn-ea"/>
+            </a:endParaRPr>
+          </a:p>
+          <a:p>
+            <a:pPr lvl="1"/>
+            <a:r>
+              <a:rPr lang="en-US" altLang="zh-CN" sz="1800">
+                <a:sym typeface="+mn-ea"/>
+              </a:rPr>
+              <a:t>Load</a:t>
+            </a:r>
+            <a:endParaRPr lang="en-US" altLang="zh-CN" sz="1800">
+              <a:sym typeface="+mn-ea"/>
+            </a:endParaRPr>
+          </a:p>
+          <a:p>
+            <a:pPr lvl="2"/>
+            <a:r>
+              <a:rPr lang="en-US" altLang="zh-CN" sz="1600">
+                <a:sym typeface="+mn-ea"/>
+              </a:rPr>
+              <a:t>psql -d dbname -U username -W &lt; ./sqlite-dumpfile.sql</a:t>
+            </a:r>
+            <a:endParaRPr lang="en-US" altLang="zh-CN" sz="1600">
+              <a:sym typeface="+mn-ea"/>
+            </a:endParaRPr>
+          </a:p>
+          <a:p>
+            <a:pPr lvl="0"/>
+            <a:r>
+              <a:rPr lang="en-US" altLang="zh-CN" sz="2000">
+                <a:sym typeface="+mn-ea"/>
+              </a:rPr>
+              <a:t>Issues</a:t>
+            </a:r>
+            <a:endParaRPr lang="en-US" altLang="zh-CN" sz="2000">
+              <a:sym typeface="+mn-ea"/>
+            </a:endParaRPr>
+          </a:p>
+          <a:p>
+            <a:pPr lvl="1"/>
+            <a:r>
+              <a:rPr lang="en-US" altLang="zh-CN" sz="1800">
+                <a:sym typeface="+mn-ea"/>
+              </a:rPr>
+              <a:t>Too many manual steps</a:t>
+            </a:r>
+            <a:endParaRPr lang="en-US" altLang="zh-CN" sz="1800">
+              <a:sym typeface="+mn-ea"/>
+            </a:endParaRPr>
+          </a:p>
+          <a:p>
+            <a:pPr lvl="0"/>
+            <a:endParaRPr lang="en-US" altLang="zh-CN" sz="1800">
+              <a:sym typeface="+mn-ea"/>
+            </a:endParaRPr>
+          </a:p>
+        </p:txBody>
+      </p:sp>
+    </p:spTree>
+    <p:custDataLst>
+      <p:tags r:id="rId1"/>
+    </p:custDataLst>
+  </p:cSld>
+  <p:clrMapOvr>
+    <a:masterClrMapping/>
+  </p:clrMapOvr>
+</p:sld>
+</file>
+
+<file path=ppt/slides/slide11.xml><?xml version="1.0" encoding="utf-8"?>
+<p:sld xmlns:a="http://schemas.openxmlformats.org/drawingml/2006/main" xmlns:r="http://schemas.openxmlformats.org/officeDocument/2006/relationships" xmlns:p="http://schemas.openxmlformats.org/presentationml/2006/main">
+  <p:cSld>
+    <p:spTree>
+      <p:nvGrpSpPr>
+        <p:cNvPr id="1" name=""/>
+        <p:cNvGrpSpPr/>
+        <p:nvPr/>
+      </p:nvGrpSpPr>
+      <p:grpSpPr/>
+      <p:sp>
+        <p:nvSpPr>
+          <p:cNvPr id="2" name="标题 1"/>
+          <p:cNvSpPr>
+            <a:spLocks noGrp="1"/>
+          </p:cNvSpPr>
+          <p:nvPr>
+            <p:ph type="title"/>
+          </p:nvPr>
+        </p:nvSpPr>
+        <p:spPr/>
+        <p:txBody>
+          <a:bodyPr>
+            <a:normAutofit/>
+          </a:bodyPr>
+          <a:p>
+            <a:r>
+              <a:rPr lang="en-US" altLang="zh-CN">
+                <a:sym typeface="+mn-ea"/>
+              </a:rPr>
+              <a:t>Sqlite-&gt;Postgresql - PGLoader</a:t>
+            </a:r>
+            <a:endParaRPr lang="zh-CN" altLang="en-US"/>
+          </a:p>
+        </p:txBody>
+      </p:sp>
+      <p:sp>
+        <p:nvSpPr>
+          <p:cNvPr id="3" name="内容占位符 2"/>
+          <p:cNvSpPr>
+            <a:spLocks noGrp="1"/>
+          </p:cNvSpPr>
+          <p:nvPr>
+            <p:ph idx="1"/>
+          </p:nvPr>
+        </p:nvSpPr>
+        <p:spPr>
+          <a:xfrm>
+            <a:off x="838200" y="1211580"/>
+            <a:ext cx="7832725" cy="4549140"/>
+          </a:xfrm>
+        </p:spPr>
+        <p:txBody>
+          <a:bodyPr/>
+          <a:p>
+            <a:pPr lvl="0"/>
+            <a:r>
+              <a:rPr lang="en-US" altLang="zh-CN" sz="2400">
+                <a:sym typeface="+mn-ea"/>
+              </a:rPr>
+              <a:t>pgloader</a:t>
+            </a:r>
+            <a:endParaRPr lang="en-US" altLang="zh-CN" sz="2400">
+              <a:sym typeface="+mn-ea"/>
+            </a:endParaRPr>
+          </a:p>
+          <a:p>
+            <a:pPr lvl="1"/>
+            <a:r>
+              <a:rPr lang="en-US" altLang="zh-CN" sz="2400">
+                <a:sym typeface="+mn-ea"/>
+              </a:rPr>
+              <a:t>reference: https://pgloader.readthedocs.io/en/latest/ref/sqlite.html</a:t>
+            </a:r>
+            <a:endParaRPr lang="en-US" altLang="zh-CN" sz="2400"/>
+          </a:p>
+          <a:p>
+            <a:pPr lvl="1"/>
+            <a:r>
+              <a:rPr lang="en-US" altLang="zh-CN" sz="2400">
+                <a:sym typeface="+mn-ea"/>
+              </a:rPr>
+              <a:t>sudo apt install pgloader</a:t>
+            </a:r>
+            <a:endParaRPr lang="en-US" altLang="zh-CN" sz="2400"/>
+          </a:p>
+          <a:p>
+            <a:pPr lvl="1"/>
+            <a:r>
+              <a:rPr lang="en-US" altLang="zh-CN" sz="2400">
+                <a:sym typeface="+mn-ea"/>
+              </a:rPr>
+              <a:t>create a file migrate.pgloader</a:t>
+            </a:r>
+            <a:endParaRPr lang="en-US" altLang="zh-CN" sz="2400">
+              <a:sym typeface="+mn-ea"/>
+            </a:endParaRPr>
+          </a:p>
+          <a:p>
+            <a:pPr lvl="1"/>
+            <a:r>
+              <a:rPr lang="en-US" altLang="zh-CN" sz="2400">
+                <a:sym typeface="+mn-ea"/>
+              </a:rPr>
+              <a:t>pgloader --debug migrate.pgloader</a:t>
+            </a:r>
+            <a:endParaRPr lang="en-US" altLang="zh-CN" sz="2400"/>
+          </a:p>
+          <a:p>
+            <a:pPr lvl="1"/>
+            <a:r>
+              <a:rPr lang="en-US" altLang="zh-CN" sz="2400">
+                <a:sym typeface="+mn-ea"/>
+              </a:rPr>
+              <a:t>Issues:</a:t>
+            </a:r>
+            <a:endParaRPr lang="en-US" altLang="zh-CN" sz="2400"/>
+          </a:p>
+          <a:p>
+            <a:pPr lvl="2"/>
+            <a:r>
+              <a:rPr lang="en-US" altLang="zh-CN" sz="2400">
+                <a:sym typeface="+mn-ea"/>
+              </a:rPr>
+              <a:t>id cannot be created automatically</a:t>
+            </a:r>
+            <a:endParaRPr lang="en-US" altLang="zh-CN" sz="2400"/>
+          </a:p>
+          <a:p>
+            <a:endParaRPr lang="zh-CN" altLang="en-US"/>
+          </a:p>
+        </p:txBody>
+      </p:sp>
+      <p:sp>
+        <p:nvSpPr>
+          <p:cNvPr id="4" name="文本框 3"/>
+          <p:cNvSpPr txBox="1"/>
+          <p:nvPr/>
+        </p:nvSpPr>
+        <p:spPr>
+          <a:xfrm>
+            <a:off x="8796020" y="1474470"/>
+            <a:ext cx="3054985" cy="2891790"/>
+          </a:xfrm>
+          <a:prstGeom prst="rect">
+            <a:avLst/>
+          </a:prstGeom>
+          <a:noFill/>
+          <a:ln>
+            <a:solidFill>
+              <a:srgbClr val="FFC000"/>
+            </a:solidFill>
+          </a:ln>
+        </p:spPr>
+        <p:txBody>
+          <a:bodyPr wrap="square" rtlCol="0">
+            <a:spAutoFit/>
+          </a:bodyPr>
+          <a:p>
+            <a:pPr algn="ctr"/>
+            <a:r>
+              <a:rPr lang="en-US" altLang="zh-CN" sz="1400"/>
+              <a:t>migrate.pgloader</a:t>
+            </a:r>
+            <a:endParaRPr lang="en-US" altLang="zh-CN" sz="1400"/>
+          </a:p>
+          <a:p>
+            <a:pPr algn="ctr"/>
+            <a:endParaRPr lang="zh-CN" altLang="en-US" sz="1400"/>
+          </a:p>
+          <a:p>
+            <a:r>
+              <a:rPr lang="zh-CN" altLang="en-US" sz="1400"/>
+              <a:t>load database</a:t>
+            </a:r>
+            <a:endParaRPr lang="zh-CN" altLang="en-US" sz="1400"/>
+          </a:p>
+          <a:p>
+            <a:r>
+              <a:rPr lang="zh-CN" altLang="en-US" sz="1400"/>
+              <a:t>    from 'latest-sqlite-file.db'</a:t>
+            </a:r>
+            <a:endParaRPr lang="zh-CN" altLang="en-US" sz="1400"/>
+          </a:p>
+          <a:p>
+            <a:r>
+              <a:rPr lang="zh-CN" altLang="en-US" sz="1400"/>
+              <a:t>    into postgresql:///new_db_name</a:t>
+            </a:r>
+            <a:endParaRPr lang="zh-CN" altLang="en-US" sz="1400"/>
+          </a:p>
+          <a:p>
+            <a:endParaRPr lang="zh-CN" altLang="en-US" sz="1400"/>
+          </a:p>
+          <a:p>
+            <a:r>
+              <a:rPr lang="zh-CN" altLang="en-US" sz="1400"/>
+              <a:t>with include drop, quote identifiers, create tables, create indexes, reset sequences</a:t>
+            </a:r>
+            <a:endParaRPr lang="zh-CN" altLang="en-US" sz="1400"/>
+          </a:p>
+          <a:p>
+            <a:endParaRPr lang="zh-CN" altLang="en-US" sz="1400"/>
+          </a:p>
+          <a:p>
+            <a:r>
+              <a:rPr lang="zh-CN" altLang="en-US" sz="1400"/>
+              <a:t>set work_mem to '16MB', maintenance_work_mem to '512 MB';</a:t>
+            </a:r>
+            <a:endParaRPr lang="zh-CN" altLang="en-US" sz="1400"/>
+          </a:p>
+        </p:txBody>
+      </p:sp>
+    </p:spTree>
+    <p:custDataLst>
+      <p:tags r:id="rId1"/>
+    </p:custDataLst>
+  </p:cSld>
+  <p:clrMapOvr>
+    <a:masterClrMapping/>
+  </p:clrMapOvr>
+</p:sld>
+</file>
+
+<file path=ppt/slides/slide12.xml><?xml version="1.0" encoding="utf-8"?>
+<p:sld xmlns:a="http://schemas.openxmlformats.org/drawingml/2006/main" xmlns:r="http://schemas.openxmlformats.org/officeDocument/2006/relationships" xmlns:p="http://schemas.openxmlformats.org/presentationml/2006/main">
+  <p:cSld>
+    <p:spTree>
+      <p:nvGrpSpPr>
+        <p:cNvPr id="1" name=""/>
+        <p:cNvGrpSpPr/>
+        <p:nvPr/>
+      </p:nvGrpSpPr>
+      <p:grpSpPr/>
+      <p:sp>
+        <p:nvSpPr>
+          <p:cNvPr id="2" name="标题 1"/>
+          <p:cNvSpPr>
+            <a:spLocks noGrp="1"/>
+          </p:cNvSpPr>
+          <p:nvPr>
+            <p:ph type="title"/>
+          </p:nvPr>
+        </p:nvSpPr>
+        <p:spPr/>
+        <p:txBody>
+          <a:bodyPr/>
+          <a:p>
+            <a:r>
+              <a:rPr lang="en-US" altLang="zh-CN"/>
+              <a:t>SQLite -&gt; Postgresql - Issues</a:t>
+            </a:r>
+            <a:endParaRPr lang="en-US" altLang="zh-CN"/>
+          </a:p>
+        </p:txBody>
+      </p:sp>
+      <p:sp>
+        <p:nvSpPr>
+          <p:cNvPr id="3" name="内容占位符 2"/>
+          <p:cNvSpPr>
+            <a:spLocks noGrp="1"/>
+          </p:cNvSpPr>
+          <p:nvPr>
+            <p:ph idx="1"/>
+          </p:nvPr>
+        </p:nvSpPr>
+        <p:spPr/>
+        <p:txBody>
+          <a:bodyPr/>
+          <a:p>
+            <a:pPr lvl="0"/>
+            <a:r>
+              <a:rPr lang="en-US" altLang="zh-CN" sz="2400">
+                <a:sym typeface="+mn-ea"/>
+              </a:rPr>
+              <a:t>Issues</a:t>
+            </a:r>
+            <a:endParaRPr lang="en-US" altLang="zh-CN" sz="2400"/>
+          </a:p>
+          <a:p>
+            <a:pPr lvl="1"/>
+            <a:r>
+              <a:rPr lang="en-US" altLang="zh-CN">
+                <a:sym typeface="+mn-ea"/>
+              </a:rPr>
+              <a:t>table name (“user”, “order”, ...) is reserved keyword</a:t>
+            </a:r>
+            <a:endParaRPr lang="en-US" altLang="zh-CN"/>
+          </a:p>
+          <a:p>
+            <a:pPr lvl="2"/>
+            <a:r>
+              <a:rPr lang="en-US" altLang="zh-CN">
+                <a:sym typeface="+mn-ea"/>
+              </a:rPr>
+              <a:t>rename table first before migration (change in DBeaver because of foreign key handling)</a:t>
+            </a:r>
+            <a:endParaRPr lang="en-US" altLang="zh-CN">
+              <a:sym typeface="+mn-ea"/>
+            </a:endParaRPr>
+          </a:p>
+          <a:p>
+            <a:pPr lvl="3"/>
+            <a:r>
+              <a:rPr lang="en-US" altLang="zh-CN" strike="sngStrike">
+                <a:solidFill>
+                  <a:schemeClr val="tx1"/>
+                </a:solidFill>
+                <a:uFillTx/>
+                <a:sym typeface="+mn-ea"/>
+              </a:rPr>
+              <a:t>alter table “user” rename to “registered_user”</a:t>
+            </a:r>
+            <a:endParaRPr lang="en-US" altLang="zh-CN" strike="sngStrike">
+              <a:solidFill>
+                <a:schemeClr val="tx1"/>
+              </a:solidFill>
+              <a:uFillTx/>
+              <a:sym typeface="+mn-ea"/>
+            </a:endParaRPr>
+          </a:p>
+          <a:p>
+            <a:pPr lvl="3"/>
+            <a:r>
+              <a:rPr lang="en-US" altLang="zh-CN" strike="sngStrike">
+                <a:solidFill>
+                  <a:schemeClr val="tx1"/>
+                </a:solidFill>
+                <a:uFillTx/>
+                <a:sym typeface="+mn-ea"/>
+              </a:rPr>
+              <a:t>alter table “order” rename to “customer_order”</a:t>
+            </a:r>
+            <a:endParaRPr lang="en-US" altLang="zh-CN" strike="sngStrike">
+              <a:solidFill>
+                <a:schemeClr val="tx1"/>
+              </a:solidFill>
+              <a:uFillTx/>
+              <a:sym typeface="+mn-ea"/>
+            </a:endParaRPr>
+          </a:p>
+          <a:p>
+            <a:pPr lvl="1"/>
+            <a:r>
+              <a:rPr lang="en-US" altLang="zh-CN">
+                <a:sym typeface="+mn-ea"/>
+              </a:rPr>
+              <a:t>user_id=-1</a:t>
+            </a:r>
+            <a:endParaRPr lang="en-US" altLang="zh-CN"/>
+          </a:p>
+          <a:p>
+            <a:pPr lvl="2"/>
+            <a:r>
+              <a:rPr lang="en-US" altLang="zh-CN">
+                <a:sym typeface="+mn-ea"/>
+              </a:rPr>
+              <a:t>It’s not allowed as it’s used as foreign key</a:t>
+            </a:r>
+            <a:endParaRPr lang="en-US" altLang="zh-CN">
+              <a:sym typeface="+mn-ea"/>
+            </a:endParaRPr>
+          </a:p>
+          <a:p>
+            <a:pPr lvl="2"/>
+            <a:r>
+              <a:rPr lang="en-US" altLang="zh-CN">
+                <a:sym typeface="+mn-ea"/>
+              </a:rPr>
+              <a:t>Update sqlite db first</a:t>
+            </a:r>
+            <a:endParaRPr lang="en-US" altLang="zh-CN">
+              <a:sym typeface="+mn-ea"/>
+            </a:endParaRPr>
+          </a:p>
+          <a:p>
+            <a:pPr lvl="1"/>
+            <a:r>
+              <a:rPr lang="en-US" altLang="zh-CN">
+                <a:sym typeface="+mn-ea"/>
+              </a:rPr>
+              <a:t>(psycopg2.OperationalError) lost synchronization with server: got message type "</a:t>
+            </a:r>
+            <a:endParaRPr lang="en-US" altLang="zh-CN">
+              <a:sym typeface="+mn-ea"/>
+            </a:endParaRPr>
+          </a:p>
+          <a:p>
+            <a:pPr lvl="2"/>
+            <a:r>
+              <a:rPr lang="en-US" altLang="zh-CN" sz="1800">
+                <a:sym typeface="+mn-ea"/>
+              </a:rPr>
+              <a:t>caused by “gunicorn --preload”</a:t>
+            </a:r>
+            <a:endParaRPr lang="en-US" altLang="zh-CN" sz="1800">
+              <a:sym typeface="+mn-ea"/>
+            </a:endParaRPr>
+          </a:p>
+          <a:p>
+            <a:pPr lvl="2"/>
+            <a:r>
+              <a:rPr lang="en-US" altLang="zh-CN" sz="1800">
+                <a:sym typeface="+mn-ea"/>
+              </a:rPr>
+              <a:t>solution: remove “--preload”</a:t>
+            </a:r>
+            <a:endParaRPr lang="en-US" altLang="zh-CN">
+              <a:sym typeface="+mn-ea"/>
+            </a:endParaRPr>
+          </a:p>
+          <a:p>
+            <a:pPr lvl="1"/>
+            <a:endParaRPr lang="en-US" altLang="zh-CN" sz="2665"/>
+          </a:p>
+          <a:p>
+            <a:endParaRPr lang="zh-CN" altLang="en-US"/>
+          </a:p>
+        </p:txBody>
+      </p:sp>
+    </p:spTree>
+    <p:custDataLst>
+      <p:tags r:id="rId1"/>
+    </p:custDataLst>
+  </p:cSld>
+  <p:clrMapOvr>
+    <a:masterClrMapping/>
+  </p:clrMapOvr>
+</p:sld>
+</file>
+
+<file path=ppt/slides/slide13.xml><?xml version="1.0" encoding="utf-8"?>
+<p:sld xmlns:a="http://schemas.openxmlformats.org/drawingml/2006/main" xmlns:r="http://schemas.openxmlformats.org/officeDocument/2006/relationships" xmlns:p="http://schemas.openxmlformats.org/presentationml/2006/main">
+  <p:cSld>
+    <p:spTree>
+      <p:nvGrpSpPr>
+        <p:cNvPr id="1" name=""/>
+        <p:cNvGrpSpPr/>
+        <p:nvPr/>
+      </p:nvGrpSpPr>
+      <p:grpSpPr/>
+      <p:sp>
+        <p:nvSpPr>
+          <p:cNvPr id="2" name="标题 1"/>
+          <p:cNvSpPr>
+            <a:spLocks noGrp="1"/>
+          </p:cNvSpPr>
+          <p:nvPr>
+            <p:ph type="title"/>
+          </p:nvPr>
+        </p:nvSpPr>
+        <p:spPr/>
+        <p:txBody>
+          <a:bodyPr/>
+          <a:p>
+            <a:r>
+              <a:rPr lang="en-US" altLang="zh-CN"/>
               <a:t>SQL Server</a:t>
             </a:r>
             <a:endParaRPr lang="en-US" altLang="zh-CN"/>
@@ -3843,7 +4528,7 @@
 </p:sld>
 </file>
 
-<file path=ppt/slides/slide11.xml><?xml version="1.0" encoding="utf-8"?>
+<file path=ppt/slides/slide14.xml><?xml version="1.0" encoding="utf-8"?>
 <p:sld xmlns:a="http://schemas.openxmlformats.org/drawingml/2006/main" xmlns:r="http://schemas.openxmlformats.org/officeDocument/2006/relationships" xmlns:p="http://schemas.openxmlformats.org/presentationml/2006/main">
   <p:cSld>
     <p:spTree>
@@ -3916,7 +4601,7 @@
 </p:sld>
 </file>
 
-<file path=ppt/slides/slide12.xml><?xml version="1.0" encoding="utf-8"?>
+<file path=ppt/slides/slide15.xml><?xml version="1.0" encoding="utf-8"?>
 <p:sld xmlns:a="http://schemas.openxmlformats.org/drawingml/2006/main" xmlns:r="http://schemas.openxmlformats.org/officeDocument/2006/relationships" xmlns:p="http://schemas.openxmlformats.org/presentationml/2006/main">
   <p:cSld>
     <p:spTree>
@@ -5247,8 +5932,32 @@
         </p:spPr>
         <p:txBody>
           <a:bodyPr>
-            <a:normAutofit lnSpcReduction="10000"/>
+            <a:normAutofit fontScale="90000" lnSpcReduction="20000"/>
           </a:bodyPr>
+          <a:p>
+            <a:pPr lvl="0"/>
+            <a:r>
+              <a:rPr lang="en-US" altLang="zh-CN" sz="2400">
+                <a:sym typeface="+mn-ea"/>
+              </a:rPr>
+              <a:t>References</a:t>
+            </a:r>
+            <a:endParaRPr lang="en-US" altLang="zh-CN" sz="2400">
+              <a:sym typeface="+mn-ea"/>
+            </a:endParaRPr>
+          </a:p>
+          <a:p>
+            <a:pPr lvl="1"/>
+            <a:r>
+              <a:rPr lang="en-US" altLang="zh-CN" sz="2000">
+                <a:sym typeface="+mn-ea"/>
+              </a:rPr>
+              <a:t>https://www.postgresql.org/docs/current/admin.html</a:t>
+            </a:r>
+            <a:endParaRPr lang="en-US" altLang="zh-CN" sz="2000">
+              <a:sym typeface="+mn-ea"/>
+            </a:endParaRPr>
+          </a:p>
           <a:p>
             <a:pPr lvl="0"/>
             <a:r>
@@ -5569,6 +6278,18 @@
                 <a:sym typeface="+mn-ea"/>
               </a:rPr>
               <a:t>Dump</a:t>
+            </a:r>
+            <a:endParaRPr lang="en-US" altLang="zh-CN">
+              <a:sym typeface="+mn-ea"/>
+            </a:endParaRPr>
+          </a:p>
+          <a:p>
+            <a:pPr lvl="2"/>
+            <a:r>
+              <a:rPr lang="en-US" altLang="zh-CN">
+                <a:sym typeface="+mn-ea"/>
+              </a:rPr>
+              <a:t>apt install postgresql</a:t>
             </a:r>
             <a:endParaRPr lang="en-US" altLang="zh-CN">
               <a:sym typeface="+mn-ea"/>
@@ -5867,12 +6588,10 @@
           <a:bodyPr/>
           <a:p>
             <a:r>
-              <a:rPr lang="en-US" altLang="zh-CN">
-                <a:sym typeface="+mn-ea"/>
-              </a:rPr>
-              <a:t>Sqlite-&gt;Postgresql - Sequel Gem</a:t>
-            </a:r>
-            <a:endParaRPr lang="zh-CN" altLang="en-US"/>
+              <a:rPr lang="en-US" altLang="zh-CN"/>
+              <a:t>Postgresql - pgAdmin</a:t>
+            </a:r>
+            <a:endParaRPr lang="en-US" altLang="zh-CN"/>
           </a:p>
         </p:txBody>
       </p:sp>
@@ -5892,7 +6611,7 @@
           <a:p>
             <a:r>
               <a:rPr lang="en-US" altLang="zh-CN"/>
-              <a:t>Install</a:t>
+              <a:t>References</a:t>
             </a:r>
             <a:endParaRPr lang="en-US" altLang="zh-CN"/>
           </a:p>
@@ -5900,7 +6619,7 @@
             <a:pPr lvl="1"/>
             <a:r>
               <a:rPr lang="en-US" altLang="zh-CN"/>
-              <a:t>apt install ruby ruby2.5-dev libsqlite3-dev </a:t>
+              <a:t>https://www.pgadmin.org/</a:t>
             </a:r>
             <a:endParaRPr lang="en-US" altLang="zh-CN"/>
           </a:p>
@@ -5908,7 +6627,7 @@
             <a:pPr lvl="1"/>
             <a:r>
               <a:rPr lang="en-US" altLang="zh-CN"/>
-              <a:t>gem install sequel sqlite3 pg</a:t>
+              <a:t>https://www.pgadmin.org/download/</a:t>
             </a:r>
             <a:endParaRPr lang="en-US" altLang="zh-CN"/>
           </a:p>
@@ -5916,23 +6635,7 @@
             <a:pPr lvl="0"/>
             <a:r>
               <a:rPr lang="en-US" altLang="zh-CN"/>
-              <a:t>Use</a:t>
-            </a:r>
-            <a:endParaRPr lang="en-US" altLang="zh-CN"/>
-          </a:p>
-          <a:p>
-            <a:pPr lvl="1"/>
-            <a:r>
-              <a:rPr lang="en-US" altLang="zh-CN"/>
-              <a:t>sequel -C sqlite:/www/input.sqlite3 postgres://user@localhost/db</a:t>
-            </a:r>
-            <a:endParaRPr lang="en-US" altLang="zh-CN"/>
-          </a:p>
-          <a:p>
-            <a:pPr lvl="2"/>
-            <a:r>
-              <a:rPr lang="en-US" altLang="zh-CN"/>
-              <a:t># /www/input.sqlite3 is full path</a:t>
+              <a:t>Usage</a:t>
             </a:r>
             <a:endParaRPr lang="en-US" altLang="zh-CN"/>
           </a:p>
@@ -5975,7 +6678,7 @@
           <a:p>
             <a:r>
               <a:rPr lang="en-US" altLang="zh-CN"/>
-              <a:t>Sqlite-&gt;Postgresql - Dump/Load</a:t>
+              <a:t>Postgresql - Internal</a:t>
             </a:r>
             <a:endParaRPr lang="en-US" altLang="zh-CN"/>
           </a:p>
@@ -5991,201 +6694,55 @@
             <p:ph idx="1"/>
           </p:nvPr>
         </p:nvSpPr>
-        <p:spPr>
-          <a:xfrm>
-            <a:off x="838200" y="1211580"/>
-            <a:ext cx="10514965" cy="5316220"/>
-          </a:xfrm>
-        </p:spPr>
-        <p:txBody>
-          <a:bodyPr>
-            <a:normAutofit/>
-          </a:bodyPr>
+        <p:spPr/>
+        <p:txBody>
+          <a:bodyPr/>
+          <a:p>
+            <a:r>
+              <a:rPr lang="en-US" altLang="zh-CN"/>
+              <a:t>Basic</a:t>
+            </a:r>
+            <a:endParaRPr lang="en-US" altLang="zh-CN"/>
+          </a:p>
+          <a:p>
+            <a:pPr lvl="1"/>
+            <a:r>
+              <a:rPr lang="en-US" altLang="zh-CN"/>
+              <a:t>All data is located in base/</a:t>
+            </a:r>
+            <a:endParaRPr lang="en-US" altLang="zh-CN"/>
+          </a:p>
+          <a:p>
+            <a:pPr lvl="1"/>
+            <a:r>
+              <a:rPr lang="en-US" altLang="zh-CN"/>
+              <a:t>Every relation has a relfilenode</a:t>
+            </a:r>
+            <a:endParaRPr lang="en-US" altLang="zh-CN"/>
+          </a:p>
+          <a:p>
+            <a:pPr lvl="1"/>
+            <a:r>
+              <a:rPr lang="en-US" altLang="zh-CN"/>
+              <a:t>base/&lt;db oid&gt;/&lt;relfilenode&gt;</a:t>
+            </a:r>
+            <a:endParaRPr lang="en-US" altLang="zh-CN"/>
+          </a:p>
           <a:p>
             <a:pPr lvl="0"/>
             <a:r>
-              <a:rPr lang="en-US" altLang="zh-CN" sz="2000">
-                <a:sym typeface="+mn-ea"/>
-              </a:rPr>
-              <a:t>references</a:t>
-            </a:r>
-            <a:endParaRPr lang="en-US" altLang="zh-CN" sz="2000">
-              <a:sym typeface="+mn-ea"/>
-            </a:endParaRPr>
+              <a:rPr lang="en-US" altLang="zh-CN"/>
+              <a:t>Commands</a:t>
+            </a:r>
+            <a:endParaRPr lang="en-US" altLang="zh-CN"/>
           </a:p>
           <a:p>
             <a:pPr lvl="1"/>
             <a:r>
-              <a:rPr lang="en-US" altLang="zh-CN" sz="1800">
-                <a:sym typeface="+mn-ea"/>
-              </a:rPr>
-              <a:t>https://stackoverflow.com/questions/4581727/convert-sqlite-sql-dump-file-to-postgresql</a:t>
-            </a:r>
-            <a:endParaRPr lang="en-US" altLang="zh-CN" sz="1800">
-              <a:sym typeface="+mn-ea"/>
-            </a:endParaRPr>
-          </a:p>
-          <a:p>
-            <a:pPr lvl="0"/>
-            <a:r>
-              <a:rPr lang="en-US" altLang="zh-CN" sz="2000">
-                <a:sym typeface="+mn-ea"/>
-              </a:rPr>
-              <a:t>Steps</a:t>
-            </a:r>
-            <a:endParaRPr lang="en-US" altLang="zh-CN" sz="2000">
-              <a:sym typeface="+mn-ea"/>
-            </a:endParaRPr>
-          </a:p>
-          <a:p>
-            <a:pPr lvl="1"/>
-            <a:r>
-              <a:rPr lang="en-US" altLang="zh-CN" sz="1800">
-                <a:sym typeface="+mn-ea"/>
-              </a:rPr>
-              <a:t>dump</a:t>
-            </a:r>
-            <a:endParaRPr lang="en-US" altLang="zh-CN" sz="1800">
-              <a:sym typeface="+mn-ea"/>
-            </a:endParaRPr>
-          </a:p>
-          <a:p>
-            <a:pPr lvl="2"/>
-            <a:r>
-              <a:rPr lang="en-US" altLang="zh-CN" sz="1600">
-                <a:sym typeface="+mn-ea"/>
-              </a:rPr>
-              <a:t>.dump &gt; ./sqlite-dumpfile.sql</a:t>
-            </a:r>
-            <a:endParaRPr lang="en-US" altLang="zh-CN" sz="1600">
-              <a:sym typeface="+mn-ea"/>
-            </a:endParaRPr>
-          </a:p>
-          <a:p>
-            <a:pPr lvl="1"/>
-            <a:r>
-              <a:rPr lang="en-US" altLang="zh-CN" sz="1800">
-                <a:sym typeface="+mn-ea"/>
-              </a:rPr>
-              <a:t>Modify</a:t>
-            </a:r>
-            <a:endParaRPr lang="en-US" altLang="zh-CN" sz="1800">
-              <a:sym typeface="+mn-ea"/>
-            </a:endParaRPr>
-          </a:p>
-          <a:p>
-            <a:pPr lvl="2"/>
-            <a:r>
-              <a:rPr lang="en-US" altLang="zh-CN" sz="1600">
-                <a:sym typeface="+mn-ea"/>
-              </a:rPr>
-              <a:t>id: change type from “int” to “serial”, remove “autoincrement”</a:t>
-            </a:r>
-            <a:endParaRPr lang="en-US" altLang="zh-CN" sz="1600">
-              <a:sym typeface="+mn-ea"/>
-            </a:endParaRPr>
-          </a:p>
-          <a:p>
-            <a:pPr lvl="2"/>
-            <a:r>
-              <a:rPr lang="en-US" altLang="zh-CN" sz="1600">
-                <a:sym typeface="+mn-ea"/>
-              </a:rPr>
-              <a:t>change “datetime” column to “timestamp”</a:t>
-            </a:r>
-            <a:endParaRPr lang="en-US" altLang="zh-CN" sz="1600">
-              <a:sym typeface="+mn-ea"/>
-            </a:endParaRPr>
-          </a:p>
-          <a:p>
-            <a:pPr lvl="2"/>
-            <a:r>
-              <a:rPr lang="en-US" altLang="zh-CN" sz="1600">
-                <a:sym typeface="+mn-ea"/>
-              </a:rPr>
-              <a:t>boolean “1”-&gt;”1::boolean”, “0”-&gt;”0::boolean”</a:t>
-            </a:r>
-            <a:endParaRPr lang="en-US" altLang="zh-CN" sz="1600">
-              <a:sym typeface="+mn-ea"/>
-            </a:endParaRPr>
-          </a:p>
-          <a:p>
-            <a:pPr lvl="2"/>
-            <a:r>
-              <a:rPr lang="en-US" altLang="zh-CN" sz="1600">
-                <a:sym typeface="+mn-ea"/>
-              </a:rPr>
-              <a:t>“blob” type -&gt; “bytea”</a:t>
-            </a:r>
-            <a:endParaRPr lang="en-US" altLang="zh-CN" sz="1600">
-              <a:sym typeface="+mn-ea"/>
-            </a:endParaRPr>
-          </a:p>
-          <a:p>
-            <a:pPr lvl="2"/>
-            <a:r>
-              <a:rPr lang="en-US" altLang="zh-CN" sz="1600">
-                <a:sym typeface="+mn-ea"/>
-              </a:rPr>
-              <a:t>foreign key: “set constraints all deferred” in begin/commit pair</a:t>
-            </a:r>
-            <a:endParaRPr lang="en-US" altLang="zh-CN" sz="1600">
-              <a:sym typeface="+mn-ea"/>
-            </a:endParaRPr>
-          </a:p>
-          <a:p>
-            <a:pPr lvl="1"/>
-            <a:r>
-              <a:rPr lang="en-US" altLang="zh-CN" sz="1800">
-                <a:sym typeface="+mn-ea"/>
-              </a:rPr>
-              <a:t>Load</a:t>
-            </a:r>
-            <a:endParaRPr lang="en-US" altLang="zh-CN" sz="1800">
-              <a:sym typeface="+mn-ea"/>
-            </a:endParaRPr>
-          </a:p>
-          <a:p>
-            <a:pPr lvl="2"/>
-            <a:r>
-              <a:rPr lang="en-US" altLang="zh-CN" sz="1600">
-                <a:sym typeface="+mn-ea"/>
-              </a:rPr>
-              <a:t>psql -d dbname -U username -W &lt; ./sqlite-dumpfile.sql</a:t>
-            </a:r>
-            <a:endParaRPr lang="en-US" altLang="zh-CN" sz="1600">
-              <a:sym typeface="+mn-ea"/>
-            </a:endParaRPr>
-          </a:p>
-          <a:p>
-            <a:pPr lvl="0"/>
-            <a:r>
-              <a:rPr lang="en-US" altLang="zh-CN" sz="2000">
-                <a:sym typeface="+mn-ea"/>
-              </a:rPr>
-              <a:t>Issues</a:t>
-            </a:r>
-            <a:endParaRPr lang="en-US" altLang="zh-CN" sz="2000">
-              <a:sym typeface="+mn-ea"/>
-            </a:endParaRPr>
-          </a:p>
-          <a:p>
-            <a:pPr lvl="1"/>
-            <a:r>
-              <a:rPr lang="en-US" altLang="zh-CN" sz="1800">
-                <a:sym typeface="+mn-ea"/>
-              </a:rPr>
-              <a:t>Too many manual steps</a:t>
-            </a:r>
-            <a:endParaRPr lang="en-US" altLang="zh-CN" sz="1800">
-              <a:sym typeface="+mn-ea"/>
-            </a:endParaRPr>
-          </a:p>
-          <a:p>
-            <a:pPr lvl="0"/>
-            <a:endParaRPr lang="en-US" altLang="zh-CN" sz="1800">
-              <a:sym typeface="+mn-ea"/>
-            </a:endParaRPr>
+              <a:rPr lang="en-US" altLang="zh-CN"/>
+              <a:t>explain analyze select * from model3d;</a:t>
+            </a:r>
+            <a:endParaRPr lang="en-US" altLang="zh-CN"/>
           </a:p>
         </p:txBody>
       </p:sp>
@@ -6222,17 +6779,13 @@
         </p:nvSpPr>
         <p:spPr/>
         <p:txBody>
-          <a:bodyPr>
-            <a:normAutofit/>
-          </a:bodyPr>
-          <a:p>
-            <a:r>
-              <a:rPr lang="en-US" altLang="zh-CN">
-                <a:sym typeface="+mn-ea"/>
-              </a:rPr>
-              <a:t>Sqlite-&gt;Postgresql - PGLoader</a:t>
-            </a:r>
-            <a:endParaRPr lang="zh-CN" altLang="en-US"/>
+          <a:bodyPr/>
+          <a:p>
+            <a:r>
+              <a:rPr lang="en-US" altLang="zh-CN"/>
+              <a:t>Postgresql - Recover Data</a:t>
+            </a:r>
+            <a:endParaRPr lang="en-US" altLang="zh-CN"/>
           </a:p>
         </p:txBody>
       </p:sp>
@@ -6249,173 +6802,177 @@
         <p:spPr>
           <a:xfrm>
             <a:off x="838200" y="1211580"/>
-            <a:ext cx="7832725" cy="4549140"/>
+            <a:ext cx="6172835" cy="5318760"/>
           </a:xfrm>
         </p:spPr>
         <p:txBody>
-          <a:bodyPr/>
+          <a:bodyPr>
+            <a:normAutofit fontScale="60000"/>
+          </a:bodyPr>
+          <a:p>
+            <a:r>
+              <a:rPr lang="en-US" altLang="zh-CN"/>
+              <a:t>Refer</a:t>
+            </a:r>
+            <a:endParaRPr lang="en-US" altLang="zh-CN"/>
+          </a:p>
+          <a:p>
+            <a:pPr lvl="1"/>
+            <a:r>
+              <a:rPr lang="en-US" altLang="zh-CN"/>
+              <a:t>https://www.postgresql.org/message-id/20050117195609.GA93502@winnie.fuhr.org</a:t>
+            </a:r>
+            <a:endParaRPr lang="en-US" altLang="zh-CN"/>
+          </a:p>
           <a:p>
             <a:pPr lvl="0"/>
             <a:r>
-              <a:rPr lang="en-US" altLang="zh-CN" sz="2400">
-                <a:sym typeface="+mn-ea"/>
-              </a:rPr>
-              <a:t>pgloader</a:t>
-            </a:r>
-            <a:endParaRPr lang="en-US" altLang="zh-CN" sz="2400">
-              <a:sym typeface="+mn-ea"/>
-            </a:endParaRPr>
+              <a:rPr lang="en-US" altLang="zh-CN"/>
+              <a:t>WAL (Write-Ahead-Logging)</a:t>
+            </a:r>
+            <a:endParaRPr lang="en-US" altLang="zh-CN"/>
           </a:p>
           <a:p>
             <a:pPr lvl="1"/>
             <a:r>
-              <a:rPr lang="en-US" altLang="zh-CN" sz="2400">
-                <a:sym typeface="+mn-ea"/>
-              </a:rPr>
-              <a:t>reference: https://pgloader.readthedocs.io/en/latest/ref/sqlite.html</a:t>
-            </a:r>
-            <a:endParaRPr lang="en-US" altLang="zh-CN" sz="2400"/>
+              <a:rPr lang="en-US" altLang="zh-CN" sz="2000"/>
+              <a:t>_data/pg_wal/</a:t>
+            </a:r>
+            <a:endParaRPr lang="en-US" altLang="zh-CN"/>
+          </a:p>
+          <a:p>
+            <a:pPr lvl="0"/>
+            <a:r>
+              <a:rPr lang="en-US" altLang="zh-CN"/>
+              <a:t>PITR (Point In Time Recovery)	</a:t>
+            </a:r>
+            <a:endParaRPr lang="en-US" altLang="zh-CN"/>
+          </a:p>
+          <a:p>
+            <a:pPr lvl="0"/>
+            <a:r>
+              <a:rPr lang="en-US" altLang="zh-CN"/>
+              <a:t>Steps</a:t>
+            </a:r>
+            <a:endParaRPr lang="en-US" altLang="zh-CN"/>
           </a:p>
           <a:p>
             <a:pPr lvl="1"/>
             <a:r>
-              <a:rPr lang="en-US" altLang="zh-CN" sz="2400">
-                <a:sym typeface="+mn-ea"/>
-              </a:rPr>
-              <a:t>sudo apt install pgloader</a:t>
-            </a:r>
-            <a:endParaRPr lang="en-US" altLang="zh-CN" sz="2400"/>
+              <a:rPr lang="en-US" altLang="zh-CN"/>
+              <a:t>Back up all the files related in db</a:t>
+            </a:r>
+            <a:endParaRPr lang="en-US" altLang="zh-CN"/>
           </a:p>
           <a:p>
             <a:pPr lvl="1"/>
             <a:r>
-              <a:rPr lang="en-US" altLang="zh-CN" sz="2400">
-                <a:sym typeface="+mn-ea"/>
-              </a:rPr>
-              <a:t>create a file migrate.pgloader</a:t>
-            </a:r>
-            <a:endParaRPr lang="en-US" altLang="zh-CN" sz="2400">
-              <a:sym typeface="+mn-ea"/>
-            </a:endParaRPr>
+              <a:rPr lang="en-US" altLang="zh-CN"/>
+              <a:t>pg_basebackup</a:t>
+            </a:r>
+            <a:endParaRPr lang="en-US" altLang="zh-CN"/>
+          </a:p>
+          <a:p>
+            <a:pPr lvl="2"/>
+            <a:r>
+              <a:rPr lang="en-US" altLang="zh-CN"/>
+              <a:t>sudo docker exec -u root -it model3d_db_1 pg_basebackup -h 127.0.0.1 -U model3d -p 5432 -Ft -Pv -Xf -z -Z5 -D ../backup/</a:t>
+            </a:r>
+            <a:endParaRPr lang="en-US" altLang="zh-CN"/>
           </a:p>
           <a:p>
             <a:pPr lvl="1"/>
             <a:r>
-              <a:rPr lang="en-US" altLang="zh-CN" sz="2400">
-                <a:sym typeface="+mn-ea"/>
-              </a:rPr>
-              <a:t>pgloader --debug migrate.pgloader</a:t>
-            </a:r>
-            <a:endParaRPr lang="en-US" altLang="zh-CN" sz="2400"/>
+              <a:rPr lang="en-US" altLang="zh-CN"/>
+              <a:t>SELECT oid FROM pg_database WHERE datname = current_database();</a:t>
+            </a:r>
+            <a:endParaRPr lang="en-US" altLang="zh-CN"/>
+          </a:p>
+          <a:p>
+            <a:pPr lvl="2"/>
+            <a:r>
+              <a:rPr lang="en-US" altLang="zh-CN" sz="1800"/>
+              <a:t>oid</a:t>
+            </a:r>
+            <a:endParaRPr lang="en-US" altLang="zh-CN" sz="1800"/>
           </a:p>
           <a:p>
             <a:pPr lvl="1"/>
             <a:r>
-              <a:rPr lang="en-US" altLang="zh-CN" sz="2400">
-                <a:sym typeface="+mn-ea"/>
-              </a:rPr>
-              <a:t>Issues:</a:t>
-            </a:r>
-            <a:endParaRPr lang="en-US" altLang="zh-CN" sz="2400"/>
+              <a:rPr lang="en-US" altLang="zh-CN"/>
+              <a:t>SELECT relfilenode, reltoastrelid FROM pg_class WHERE relname = 'table_name';</a:t>
+            </a:r>
+            <a:endParaRPr lang="en-US" altLang="zh-CN"/>
           </a:p>
           <a:p>
             <a:pPr lvl="2"/>
             <a:r>
-              <a:rPr lang="en-US" altLang="zh-CN" sz="2400">
-                <a:sym typeface="+mn-ea"/>
-              </a:rPr>
-              <a:t>id cannot be created automatically</a:t>
-            </a:r>
-            <a:endParaRPr lang="en-US" altLang="zh-CN" sz="2400"/>
-          </a:p>
-          <a:p>
-            <a:endParaRPr lang="zh-CN" altLang="en-US"/>
-          </a:p>
-        </p:txBody>
-      </p:sp>
-      <p:sp>
-        <p:nvSpPr>
-          <p:cNvPr id="4" name="文本框 3"/>
-          <p:cNvSpPr txBox="1"/>
+              <a:rPr lang="en-US" altLang="zh-CN" sz="1800"/>
+              <a:t>relfilenode | reltoastrelid</a:t>
+            </a:r>
+            <a:endParaRPr lang="en-US" altLang="zh-CN" sz="1800"/>
+          </a:p>
+          <a:p>
+            <a:pPr lvl="2"/>
+            <a:r>
+              <a:rPr lang="en-US" altLang="zh-CN"/>
+              <a:t>The table's main file is $PGDATA/base/26492/36008 (also 36008.1, 36008.2, etc. if they exist).</a:t>
+            </a:r>
+            <a:endParaRPr lang="en-US" altLang="zh-CN"/>
+          </a:p>
+          <a:p>
+            <a:pPr lvl="1"/>
+            <a:r>
+              <a:rPr lang="en-US" altLang="zh-CN"/>
+              <a:t>SELECT relname, relfilenode FROM pg_class WHERE oid = {reltoastrelid};</a:t>
+            </a:r>
+            <a:endParaRPr lang="en-US" altLang="zh-CN"/>
+          </a:p>
+          <a:p>
+            <a:pPr lvl="2"/>
+            <a:r>
+              <a:rPr lang="en-US" altLang="zh-CN"/>
+              <a:t> relname     | relfilenode</a:t>
+            </a:r>
+            <a:endParaRPr lang="en-US" altLang="zh-CN"/>
+          </a:p>
+          <a:p>
+            <a:pPr lvl="2"/>
+            <a:r>
+              <a:rPr lang="en-US" altLang="zh-CN"/>
+              <a:t>The table's TOAST data is in $PGDATA/base/26492/36011*.</a:t>
+            </a:r>
+            <a:endParaRPr lang="en-US" altLang="zh-CN"/>
+          </a:p>
+        </p:txBody>
+      </p:sp>
+      <p:pic>
+        <p:nvPicPr>
+          <p:cNvPr id="4" name="图片 3"/>
+          <p:cNvPicPr>
+            <a:picLocks noChangeAspect="1"/>
+          </p:cNvPicPr>
           <p:nvPr/>
-        </p:nvSpPr>
+        </p:nvPicPr>
+        <p:blipFill>
+          <a:blip r:embed="rId1"/>
+          <a:stretch>
+            <a:fillRect/>
+          </a:stretch>
+        </p:blipFill>
         <p:spPr>
           <a:xfrm>
-            <a:off x="8796020" y="1474470"/>
-            <a:ext cx="3054985" cy="2891790"/>
+            <a:off x="7178675" y="1271905"/>
+            <a:ext cx="4722495" cy="2380615"/>
           </a:xfrm>
           <a:prstGeom prst="rect">
             <a:avLst/>
           </a:prstGeom>
-          <a:noFill/>
-          <a:ln>
-            <a:solidFill>
-              <a:srgbClr val="FFC000"/>
-            </a:solidFill>
-          </a:ln>
         </p:spPr>
-        <p:txBody>
-          <a:bodyPr wrap="square" rtlCol="0">
-            <a:spAutoFit/>
-          </a:bodyPr>
-          <a:p>
-            <a:pPr algn="ctr"/>
-            <a:r>
-              <a:rPr lang="en-US" altLang="zh-CN" sz="1400"/>
-              <a:t>migrate.pgloader</a:t>
-            </a:r>
-            <a:endParaRPr lang="en-US" altLang="zh-CN" sz="1400"/>
-          </a:p>
-          <a:p>
-            <a:pPr algn="ctr"/>
-            <a:endParaRPr lang="zh-CN" altLang="en-US" sz="1400"/>
-          </a:p>
-          <a:p>
-            <a:r>
-              <a:rPr lang="zh-CN" altLang="en-US" sz="1400"/>
-              <a:t>load database</a:t>
-            </a:r>
-            <a:endParaRPr lang="zh-CN" altLang="en-US" sz="1400"/>
-          </a:p>
-          <a:p>
-            <a:r>
-              <a:rPr lang="zh-CN" altLang="en-US" sz="1400"/>
-              <a:t>    from 'latest-sqlite-file.db'</a:t>
-            </a:r>
-            <a:endParaRPr lang="zh-CN" altLang="en-US" sz="1400"/>
-          </a:p>
-          <a:p>
-            <a:r>
-              <a:rPr lang="zh-CN" altLang="en-US" sz="1400"/>
-              <a:t>    into postgresql:///new_db_name</a:t>
-            </a:r>
-            <a:endParaRPr lang="zh-CN" altLang="en-US" sz="1400"/>
-          </a:p>
-          <a:p>
-            <a:endParaRPr lang="zh-CN" altLang="en-US" sz="1400"/>
-          </a:p>
-          <a:p>
-            <a:r>
-              <a:rPr lang="zh-CN" altLang="en-US" sz="1400"/>
-              <a:t>with include drop, quote identifiers, create tables, create indexes, reset sequences</a:t>
-            </a:r>
-            <a:endParaRPr lang="zh-CN" altLang="en-US" sz="1400"/>
-          </a:p>
-          <a:p>
-            <a:endParaRPr lang="zh-CN" altLang="en-US" sz="1400"/>
-          </a:p>
-          <a:p>
-            <a:r>
-              <a:rPr lang="zh-CN" altLang="en-US" sz="1400"/>
-              <a:t>set work_mem to '16MB', maintenance_work_mem to '512 MB';</a:t>
-            </a:r>
-            <a:endParaRPr lang="zh-CN" altLang="en-US" sz="1400"/>
-          </a:p>
-        </p:txBody>
-      </p:sp>
+      </p:pic>
     </p:spTree>
     <p:custDataLst>
-      <p:tags r:id="rId1"/>
+      <p:tags r:id="rId2"/>
     </p:custDataLst>
   </p:cSld>
   <p:clrMapOvr>
@@ -6449,174 +7006,74 @@
           <a:bodyPr/>
           <a:p>
             <a:r>
-              <a:rPr lang="en-US" altLang="zh-CN"/>
-              <a:t>SQLite -&gt; Postgresql - Issues</a:t>
-            </a:r>
-            <a:endParaRPr lang="en-US" altLang="zh-CN"/>
-          </a:p>
-        </p:txBody>
-      </p:sp>
-      <p:sp>
-        <p:nvSpPr>
-          <p:cNvPr id="3" name="内容占位符 2"/>
-          <p:cNvSpPr>
-            <a:spLocks noGrp="1"/>
-          </p:cNvSpPr>
-          <p:nvPr>
-            <p:ph idx="1"/>
-          </p:nvPr>
-        </p:nvSpPr>
-        <p:spPr/>
-        <p:txBody>
-          <a:bodyPr/>
-          <a:p>
-            <a:pPr lvl="0"/>
-            <a:r>
-              <a:rPr lang="en-US" altLang="zh-CN" sz="2400">
-                <a:sym typeface="+mn-ea"/>
-              </a:rPr>
-              <a:t>Issues</a:t>
-            </a:r>
-            <a:endParaRPr lang="en-US" altLang="zh-CN" sz="2400"/>
-          </a:p>
-          <a:p>
-            <a:pPr lvl="1"/>
-            <a:r>
               <a:rPr lang="en-US" altLang="zh-CN">
                 <a:sym typeface="+mn-ea"/>
               </a:rPr>
-              <a:t>table name (“user”, “order”, ...) is reserved keyword</a:t>
+              <a:t>Sqlite-&gt;Postgresql - Sequel Gem</a:t>
+            </a:r>
+            <a:endParaRPr lang="zh-CN" altLang="en-US"/>
+          </a:p>
+        </p:txBody>
+      </p:sp>
+      <p:sp>
+        <p:nvSpPr>
+          <p:cNvPr id="3" name="内容占位符 2"/>
+          <p:cNvSpPr>
+            <a:spLocks noGrp="1"/>
+          </p:cNvSpPr>
+          <p:nvPr>
+            <p:ph idx="1"/>
+          </p:nvPr>
+        </p:nvSpPr>
+        <p:spPr/>
+        <p:txBody>
+          <a:bodyPr/>
+          <a:p>
+            <a:r>
+              <a:rPr lang="en-US" altLang="zh-CN"/>
+              <a:t>Install</a:t>
+            </a:r>
+            <a:endParaRPr lang="en-US" altLang="zh-CN"/>
+          </a:p>
+          <a:p>
+            <a:pPr lvl="1"/>
+            <a:r>
+              <a:rPr lang="en-US" altLang="zh-CN"/>
+              <a:t>apt install ruby ruby2.5-dev libsqlite3-dev </a:t>
+            </a:r>
+            <a:endParaRPr lang="en-US" altLang="zh-CN"/>
+          </a:p>
+          <a:p>
+            <a:pPr lvl="1"/>
+            <a:r>
+              <a:rPr lang="en-US" altLang="zh-CN"/>
+              <a:t>gem install sequel sqlite3 pg</a:t>
+            </a:r>
+            <a:endParaRPr lang="en-US" altLang="zh-CN"/>
+          </a:p>
+          <a:p>
+            <a:pPr lvl="0"/>
+            <a:r>
+              <a:rPr lang="en-US" altLang="zh-CN"/>
+              <a:t>Use</a:t>
+            </a:r>
+            <a:endParaRPr lang="en-US" altLang="zh-CN"/>
+          </a:p>
+          <a:p>
+            <a:pPr lvl="1"/>
+            <a:r>
+              <a:rPr lang="en-US" altLang="zh-CN"/>
+              <a:t>sequel -C sqlite:/www/input.sqlite3 postgres://user@localhost/db</a:t>
             </a:r>
             <a:endParaRPr lang="en-US" altLang="zh-CN"/>
           </a:p>
           <a:p>
             <a:pPr lvl="2"/>
             <a:r>
-              <a:rPr lang="en-US" altLang="zh-CN">
-                <a:sym typeface="+mn-ea"/>
-              </a:rPr>
-              <a:t>rename table first before migration (change in DBeaver because of foreign key handling)</a:t>
-            </a:r>
-            <a:endParaRPr lang="en-US" altLang="zh-CN">
-              <a:sym typeface="+mn-ea"/>
-            </a:endParaRPr>
-          </a:p>
-          <a:p>
-            <a:pPr lvl="3"/>
-            <a:r>
-              <a:rPr lang="en-US" altLang="zh-CN" strike="sngStrike">
-                <a:solidFill>
-                  <a:schemeClr val="tx1"/>
-                </a:solidFill>
-                <a:uFillTx/>
-                <a:sym typeface="+mn-ea"/>
-              </a:rPr>
-              <a:t>alter table “user” rename to “registered_user”</a:t>
-            </a:r>
-            <a:endParaRPr lang="en-US" altLang="zh-CN" strike="sngStrike">
-              <a:solidFill>
-                <a:schemeClr val="tx1"/>
-              </a:solidFill>
-              <a:uFillTx/>
-              <a:sym typeface="+mn-ea"/>
-            </a:endParaRPr>
-          </a:p>
-          <a:p>
-            <a:pPr lvl="3"/>
-            <a:r>
-              <a:rPr lang="en-US" altLang="zh-CN" strike="sngStrike">
-                <a:solidFill>
-                  <a:schemeClr val="tx1"/>
-                </a:solidFill>
-                <a:uFillTx/>
-                <a:sym typeface="+mn-ea"/>
-              </a:rPr>
-              <a:t>alter table “order” rename to “customer_order”</a:t>
-            </a:r>
-            <a:endParaRPr lang="en-US" altLang="zh-CN" strike="sngStrike">
-              <a:solidFill>
-                <a:schemeClr val="tx1"/>
-              </a:solidFill>
-              <a:uFillTx/>
-              <a:sym typeface="+mn-ea"/>
-            </a:endParaRPr>
-          </a:p>
-          <a:p>
-            <a:pPr lvl="1"/>
-            <a:r>
-              <a:rPr lang="en-US" altLang="zh-CN">
-                <a:sym typeface="+mn-ea"/>
-              </a:rPr>
-              <a:t>user_id=-1</a:t>
-            </a:r>
-            <a:endParaRPr lang="en-US" altLang="zh-CN"/>
-          </a:p>
-          <a:p>
-            <a:pPr lvl="2"/>
-            <a:r>
-              <a:rPr lang="en-US" altLang="zh-CN">
-                <a:sym typeface="+mn-ea"/>
-              </a:rPr>
-              <a:t>It’s not allowed as it’s used as foreign key</a:t>
-            </a:r>
-            <a:endParaRPr lang="en-US" altLang="zh-CN">
-              <a:sym typeface="+mn-ea"/>
-            </a:endParaRPr>
-          </a:p>
-          <a:p>
-            <a:pPr lvl="2"/>
-            <a:r>
-              <a:rPr lang="en-US" altLang="zh-CN">
-                <a:sym typeface="+mn-ea"/>
-              </a:rPr>
-              <a:t>Update sqlite db first</a:t>
-            </a:r>
-            <a:endParaRPr lang="en-US" altLang="zh-CN">
-              <a:sym typeface="+mn-ea"/>
-            </a:endParaRPr>
-          </a:p>
-          <a:p>
-            <a:pPr lvl="1"/>
-            <a:r>
-              <a:rPr lang="en-US" altLang="zh-CN">
-                <a:sym typeface="+mn-ea"/>
-              </a:rPr>
-              <a:t>(psycopg2.OperationalError) lost synchronization with server: got message type "</a:t>
-            </a:r>
-            <a:endParaRPr lang="en-US" altLang="zh-CN">
-              <a:sym typeface="+mn-ea"/>
-            </a:endParaRPr>
-          </a:p>
-          <a:p>
-            <a:pPr lvl="2"/>
-            <a:r>
-              <a:rPr lang="en-US" altLang="zh-CN" sz="1800">
-                <a:sym typeface="+mn-ea"/>
-              </a:rPr>
-              <a:t>caused by “gunicorn --preload”</a:t>
-            </a:r>
-            <a:endParaRPr lang="en-US" altLang="zh-CN" sz="1800">
-              <a:sym typeface="+mn-ea"/>
-            </a:endParaRPr>
-          </a:p>
-          <a:p>
-            <a:pPr lvl="2"/>
-            <a:r>
-              <a:rPr lang="en-US" altLang="zh-CN" sz="1800">
-                <a:sym typeface="+mn-ea"/>
-              </a:rPr>
-              <a:t>solution: remove “--preload”</a:t>
-            </a:r>
-            <a:endParaRPr lang="en-US" altLang="zh-CN">
-              <a:sym typeface="+mn-ea"/>
-            </a:endParaRPr>
-          </a:p>
-          <a:p>
-            <a:pPr lvl="1"/>
-            <a:endParaRPr lang="en-US" altLang="zh-CN" sz="2665"/>
-          </a:p>
-          <a:p>
-            <a:endParaRPr lang="zh-CN" altLang="en-US"/>
+              <a:rPr lang="en-US" altLang="zh-CN"/>
+              <a:t># /www/input.sqlite3 is full path</a:t>
+            </a:r>
+            <a:endParaRPr lang="en-US" altLang="zh-CN"/>
           </a:p>
         </p:txBody>
       </p:sp>
@@ -6713,7 +7170,9 @@
 
 <file path=ppt/tags/tag19.xml><?xml version="1.0" encoding="utf-8"?>
 <p:tagLst xmlns:p="http://schemas.openxmlformats.org/presentationml/2006/main">
-  <p:tag name="KSO_WM_UNIT_PLACING_PICTURE_USER_VIEWPORT" val="{&quot;height&quot;:10632,&quot;width&quot;:9120}"/>
+  <p:tag name="KSO_WM_BEAUTIFY_FLAG" val="#wm#"/>
+  <p:tag name="KSO_WM_TEMPLATE_CATEGORY" val="custom"/>
+  <p:tag name="KSO_WM_TEMPLATE_INDEX" val="160402"/>
 </p:tagLst>
 </file>
 
@@ -6735,7 +7194,30 @@
 
 <file path=ppt/tags/tag21.xml><?xml version="1.0" encoding="utf-8"?>
 <p:tagLst xmlns:p="http://schemas.openxmlformats.org/presentationml/2006/main">
+  <p:tag name="KSO_WM_BEAUTIFY_FLAG" val="#wm#"/>
+  <p:tag name="KSO_WM_TEMPLATE_CATEGORY" val="custom"/>
+  <p:tag name="KSO_WM_TEMPLATE_INDEX" val="160402"/>
+</p:tagLst>
+</file>
+
+<file path=ppt/tags/tag22.xml><?xml version="1.0" encoding="utf-8"?>
+<p:tagLst xmlns:p="http://schemas.openxmlformats.org/presentationml/2006/main">
+  <p:tag name="KSO_WM_UNIT_PLACING_PICTURE_USER_VIEWPORT" val="{&quot;height&quot;:10632,&quot;width&quot;:9120}"/>
+</p:tagLst>
+</file>
+
+<file path=ppt/tags/tag23.xml><?xml version="1.0" encoding="utf-8"?>
+<p:tagLst xmlns:p="http://schemas.openxmlformats.org/presentationml/2006/main">
+  <p:tag name="KSO_WM_BEAUTIFY_FLAG" val="#wm#"/>
+  <p:tag name="KSO_WM_TEMPLATE_CATEGORY" val="custom"/>
+  <p:tag name="KSO_WM_TEMPLATE_INDEX" val="160402"/>
+</p:tagLst>
+</file>
+
+<file path=ppt/tags/tag24.xml><?xml version="1.0" encoding="utf-8"?>
+<p:tagLst xmlns:p="http://schemas.openxmlformats.org/presentationml/2006/main">
   <p:tag name="COMMONDATA" val="eyJoZGlkIjoiODcwZjc5M2RmYzUwOWE5MjVkODVjZGMyZDUwOTRjYmEifQ=="/>
+  <p:tag name="KSO_WPP_MARK_KEY" val="e2f632b4-0a6a-40c4-bafa-21f0d0b1ac36"/>
 </p:tagLst>
 </file>
 

--- a/Misc/DB-Notes.pptx
+++ b/Misc/DB-Notes.pptx
@@ -5,32 +5,34 @@
     <p:sldMasterId id="2147483648" r:id="rId1"/>
   </p:sldMasterIdLst>
   <p:notesMasterIdLst>
-    <p:notesMasterId r:id="rId18"/>
+    <p:notesMasterId r:id="rId20"/>
   </p:notesMasterIdLst>
   <p:handoutMasterIdLst>
-    <p:handoutMasterId r:id="rId19"/>
+    <p:handoutMasterId r:id="rId21"/>
   </p:handoutMasterIdLst>
   <p:sldIdLst>
     <p:sldId id="409" r:id="rId3"/>
     <p:sldId id="410" r:id="rId4"/>
     <p:sldId id="411" r:id="rId5"/>
-    <p:sldId id="413" r:id="rId6"/>
-    <p:sldId id="415" r:id="rId7"/>
-    <p:sldId id="428" r:id="rId8"/>
-    <p:sldId id="427" r:id="rId9"/>
-    <p:sldId id="426" r:id="rId10"/>
-    <p:sldId id="418" r:id="rId11"/>
-    <p:sldId id="412" r:id="rId12"/>
-    <p:sldId id="417" r:id="rId13"/>
-    <p:sldId id="419" r:id="rId14"/>
-    <p:sldId id="423" r:id="rId15"/>
-    <p:sldId id="422" r:id="rId16"/>
-    <p:sldId id="425" r:id="rId17"/>
+    <p:sldId id="439" r:id="rId6"/>
+    <p:sldId id="413" r:id="rId7"/>
+    <p:sldId id="415" r:id="rId8"/>
+    <p:sldId id="438" r:id="rId9"/>
+    <p:sldId id="428" r:id="rId10"/>
+    <p:sldId id="427" r:id="rId11"/>
+    <p:sldId id="426" r:id="rId12"/>
+    <p:sldId id="418" r:id="rId13"/>
+    <p:sldId id="412" r:id="rId14"/>
+    <p:sldId id="417" r:id="rId15"/>
+    <p:sldId id="419" r:id="rId16"/>
+    <p:sldId id="423" r:id="rId17"/>
+    <p:sldId id="422" r:id="rId18"/>
+    <p:sldId id="425" r:id="rId19"/>
   </p:sldIdLst>
   <p:sldSz cx="12192000" cy="6858000"/>
   <p:notesSz cx="6858000" cy="9144000"/>
   <p:custDataLst>
-    <p:tags r:id="rId23"/>
+    <p:tags r:id="rId25"/>
   </p:custDataLst>
   <p:defaultTextStyle>
     <a:defPPr>
@@ -127,6 +129,22 @@
       </a:defRPr>
     </a:lvl9pPr>
   </p:defaultTextStyle>
+  <p:extLst>
+    <p:ext uri="{EFAFB233-063F-42B5-8137-9DF3F51BA10A}">
+      <p15:sldGuideLst xmlns:p15="http://schemas.microsoft.com/office/powerpoint/2012/main">
+        <p15:guide id="1" orient="horz" pos="2196" userDrawn="1">
+          <p15:clr>
+            <a:srgbClr val="A4A3A4"/>
+          </p15:clr>
+        </p15:guide>
+        <p15:guide id="2" pos="3829" userDrawn="1">
+          <p15:clr>
+            <a:srgbClr val="A4A3A4"/>
+          </p15:clr>
+        </p15:guide>
+      </p15:sldGuideLst>
+    </p:ext>
+  </p:extLst>
 </p:presentation>
 </file>
 
@@ -3726,7 +3744,7 @@
           <a:p>
             <a:r>
               <a:rPr lang="en-US" altLang="zh-CN"/>
-              <a:t>Sqlite-&gt;Postgresql - Dump/Load</a:t>
+              <a:t>Postgresql - Recover Data</a:t>
             </a:r>
             <a:endParaRPr lang="en-US" altLang="zh-CN"/>
           </a:p>
@@ -3745,204 +3763,177 @@
         <p:spPr>
           <a:xfrm>
             <a:off x="838200" y="1211580"/>
-            <a:ext cx="10514965" cy="5316220"/>
+            <a:ext cx="6172835" cy="5318760"/>
           </a:xfrm>
         </p:spPr>
         <p:txBody>
           <a:bodyPr>
-            <a:normAutofit/>
+            <a:normAutofit fontScale="60000"/>
           </a:bodyPr>
           <a:p>
+            <a:r>
+              <a:rPr lang="en-US" altLang="zh-CN"/>
+              <a:t>Refer</a:t>
+            </a:r>
+            <a:endParaRPr lang="en-US" altLang="zh-CN"/>
+          </a:p>
+          <a:p>
+            <a:pPr lvl="1"/>
+            <a:r>
+              <a:rPr lang="en-US" altLang="zh-CN"/>
+              <a:t>https://www.postgresql.org/message-id/20050117195609.GA93502@winnie.fuhr.org</a:t>
+            </a:r>
+            <a:endParaRPr lang="en-US" altLang="zh-CN"/>
+          </a:p>
+          <a:p>
             <a:pPr lvl="0"/>
             <a:r>
-              <a:rPr lang="en-US" altLang="zh-CN" sz="2000">
-                <a:sym typeface="+mn-ea"/>
-              </a:rPr>
-              <a:t>references</a:t>
-            </a:r>
-            <a:endParaRPr lang="en-US" altLang="zh-CN" sz="2000">
-              <a:sym typeface="+mn-ea"/>
-            </a:endParaRPr>
+              <a:rPr lang="en-US" altLang="zh-CN"/>
+              <a:t>WAL (Write-Ahead-Logging)</a:t>
+            </a:r>
+            <a:endParaRPr lang="en-US" altLang="zh-CN"/>
           </a:p>
           <a:p>
             <a:pPr lvl="1"/>
             <a:r>
-              <a:rPr lang="en-US" altLang="zh-CN" sz="1800">
-                <a:sym typeface="+mn-ea"/>
-              </a:rPr>
-              <a:t>https://stackoverflow.com/questions/4581727/convert-sqlite-sql-dump-file-to-postgresql</a:t>
-            </a:r>
-            <a:endParaRPr lang="en-US" altLang="zh-CN" sz="1800">
-              <a:sym typeface="+mn-ea"/>
-            </a:endParaRPr>
+              <a:rPr lang="en-US" altLang="zh-CN" sz="2000"/>
+              <a:t>_data/pg_wal/</a:t>
+            </a:r>
+            <a:endParaRPr lang="en-US" altLang="zh-CN"/>
           </a:p>
           <a:p>
             <a:pPr lvl="0"/>
             <a:r>
-              <a:rPr lang="en-US" altLang="zh-CN" sz="2000">
-                <a:sym typeface="+mn-ea"/>
-              </a:rPr>
+              <a:rPr lang="en-US" altLang="zh-CN"/>
+              <a:t>PITR (Point In Time Recovery)	</a:t>
+            </a:r>
+            <a:endParaRPr lang="en-US" altLang="zh-CN"/>
+          </a:p>
+          <a:p>
+            <a:pPr lvl="0"/>
+            <a:r>
+              <a:rPr lang="en-US" altLang="zh-CN"/>
               <a:t>Steps</a:t>
             </a:r>
-            <a:endParaRPr lang="en-US" altLang="zh-CN" sz="2000">
-              <a:sym typeface="+mn-ea"/>
-            </a:endParaRPr>
+            <a:endParaRPr lang="en-US" altLang="zh-CN"/>
           </a:p>
           <a:p>
             <a:pPr lvl="1"/>
             <a:r>
-              <a:rPr lang="en-US" altLang="zh-CN" sz="1800">
-                <a:sym typeface="+mn-ea"/>
-              </a:rPr>
-              <a:t>dump</a:t>
-            </a:r>
-            <a:endParaRPr lang="en-US" altLang="zh-CN" sz="1800">
-              <a:sym typeface="+mn-ea"/>
-            </a:endParaRPr>
+              <a:rPr lang="en-US" altLang="zh-CN"/>
+              <a:t>Back up all the files related in db</a:t>
+            </a:r>
+            <a:endParaRPr lang="en-US" altLang="zh-CN"/>
+          </a:p>
+          <a:p>
+            <a:pPr lvl="1"/>
+            <a:r>
+              <a:rPr lang="en-US" altLang="zh-CN"/>
+              <a:t>pg_basebackup</a:t>
+            </a:r>
+            <a:endParaRPr lang="en-US" altLang="zh-CN"/>
           </a:p>
           <a:p>
             <a:pPr lvl="2"/>
             <a:r>
-              <a:rPr lang="en-US" altLang="zh-CN" sz="1600">
-                <a:sym typeface="+mn-ea"/>
-              </a:rPr>
-              <a:t>.dump &gt; ./sqlite-dumpfile.sql</a:t>
-            </a:r>
-            <a:endParaRPr lang="en-US" altLang="zh-CN" sz="1600">
-              <a:sym typeface="+mn-ea"/>
-            </a:endParaRPr>
+              <a:rPr lang="en-US" altLang="zh-CN"/>
+              <a:t>sudo docker exec -u root -it model3d_db_1 pg_basebackup -h 127.0.0.1 -U model3d -p 5432 -Ft -Pv -Xf -z -Z5 -D ../backup/</a:t>
+            </a:r>
+            <a:endParaRPr lang="en-US" altLang="zh-CN"/>
           </a:p>
           <a:p>
             <a:pPr lvl="1"/>
             <a:r>
-              <a:rPr lang="en-US" altLang="zh-CN" sz="1800">
-                <a:sym typeface="+mn-ea"/>
-              </a:rPr>
-              <a:t>Modify</a:t>
-            </a:r>
-            <a:endParaRPr lang="en-US" altLang="zh-CN" sz="1800">
-              <a:sym typeface="+mn-ea"/>
-            </a:endParaRPr>
+              <a:rPr lang="en-US" altLang="zh-CN"/>
+              <a:t>SELECT oid FROM pg_database WHERE datname = current_database();</a:t>
+            </a:r>
+            <a:endParaRPr lang="en-US" altLang="zh-CN"/>
           </a:p>
           <a:p>
             <a:pPr lvl="2"/>
             <a:r>
-              <a:rPr lang="en-US" altLang="zh-CN" sz="1600">
-                <a:sym typeface="+mn-ea"/>
-              </a:rPr>
-              <a:t>id: change type from “int” to “serial”, remove “autoincrement”</a:t>
-            </a:r>
-            <a:endParaRPr lang="en-US" altLang="zh-CN" sz="1600">
-              <a:sym typeface="+mn-ea"/>
-            </a:endParaRPr>
+              <a:rPr lang="en-US" altLang="zh-CN" sz="1800"/>
+              <a:t>oid</a:t>
+            </a:r>
+            <a:endParaRPr lang="en-US" altLang="zh-CN" sz="1800"/>
+          </a:p>
+          <a:p>
+            <a:pPr lvl="1"/>
+            <a:r>
+              <a:rPr lang="en-US" altLang="zh-CN"/>
+              <a:t>SELECT relfilenode, reltoastrelid FROM pg_class WHERE relname = 'table_name';</a:t>
+            </a:r>
+            <a:endParaRPr lang="en-US" altLang="zh-CN"/>
           </a:p>
           <a:p>
             <a:pPr lvl="2"/>
             <a:r>
-              <a:rPr lang="en-US" altLang="zh-CN" sz="1600">
-                <a:sym typeface="+mn-ea"/>
-              </a:rPr>
-              <a:t>change “datetime” column to “timestamp”</a:t>
-            </a:r>
-            <a:endParaRPr lang="en-US" altLang="zh-CN" sz="1600">
-              <a:sym typeface="+mn-ea"/>
-            </a:endParaRPr>
+              <a:rPr lang="en-US" altLang="zh-CN" sz="1800"/>
+              <a:t>relfilenode | reltoastrelid</a:t>
+            </a:r>
+            <a:endParaRPr lang="en-US" altLang="zh-CN" sz="1800"/>
           </a:p>
           <a:p>
             <a:pPr lvl="2"/>
             <a:r>
-              <a:rPr lang="en-US" altLang="zh-CN" sz="1600">
-                <a:sym typeface="+mn-ea"/>
-              </a:rPr>
-              <a:t>boolean “1”-&gt;”1::boolean”, “0”-&gt;”0::boolean”</a:t>
-            </a:r>
-            <a:endParaRPr lang="en-US" altLang="zh-CN" sz="1600">
-              <a:sym typeface="+mn-ea"/>
-            </a:endParaRPr>
+              <a:rPr lang="en-US" altLang="zh-CN"/>
+              <a:t>The table's main file is $PGDATA/base/26492/36008 (also 36008.1, 36008.2, etc. if they exist).</a:t>
+            </a:r>
+            <a:endParaRPr lang="en-US" altLang="zh-CN"/>
+          </a:p>
+          <a:p>
+            <a:pPr lvl="1"/>
+            <a:r>
+              <a:rPr lang="en-US" altLang="zh-CN"/>
+              <a:t>SELECT relname, relfilenode FROM pg_class WHERE oid = {reltoastrelid};</a:t>
+            </a:r>
+            <a:endParaRPr lang="en-US" altLang="zh-CN"/>
           </a:p>
           <a:p>
             <a:pPr lvl="2"/>
             <a:r>
-              <a:rPr lang="en-US" altLang="zh-CN" sz="1600">
-                <a:sym typeface="+mn-ea"/>
-              </a:rPr>
-              <a:t>“blob” type -&gt; “bytea”</a:t>
-            </a:r>
-            <a:endParaRPr lang="en-US" altLang="zh-CN" sz="1600">
-              <a:sym typeface="+mn-ea"/>
-            </a:endParaRPr>
+              <a:rPr lang="en-US" altLang="zh-CN"/>
+              <a:t> relname     | relfilenode</a:t>
+            </a:r>
+            <a:endParaRPr lang="en-US" altLang="zh-CN"/>
           </a:p>
           <a:p>
             <a:pPr lvl="2"/>
             <a:r>
-              <a:rPr lang="en-US" altLang="zh-CN" sz="1600">
-                <a:sym typeface="+mn-ea"/>
-              </a:rPr>
-              <a:t>foreign key: “set constraints all deferred” in begin/commit pair</a:t>
-            </a:r>
-            <a:endParaRPr lang="en-US" altLang="zh-CN" sz="1600">
-              <a:sym typeface="+mn-ea"/>
-            </a:endParaRPr>
-          </a:p>
-          <a:p>
-            <a:pPr lvl="1"/>
-            <a:r>
-              <a:rPr lang="en-US" altLang="zh-CN" sz="1800">
-                <a:sym typeface="+mn-ea"/>
-              </a:rPr>
-              <a:t>Load</a:t>
-            </a:r>
-            <a:endParaRPr lang="en-US" altLang="zh-CN" sz="1800">
-              <a:sym typeface="+mn-ea"/>
-            </a:endParaRPr>
-          </a:p>
-          <a:p>
-            <a:pPr lvl="2"/>
-            <a:r>
-              <a:rPr lang="en-US" altLang="zh-CN" sz="1600">
-                <a:sym typeface="+mn-ea"/>
-              </a:rPr>
-              <a:t>psql -d dbname -U username -W &lt; ./sqlite-dumpfile.sql</a:t>
-            </a:r>
-            <a:endParaRPr lang="en-US" altLang="zh-CN" sz="1600">
-              <a:sym typeface="+mn-ea"/>
-            </a:endParaRPr>
-          </a:p>
-          <a:p>
-            <a:pPr lvl="0"/>
-            <a:r>
-              <a:rPr lang="en-US" altLang="zh-CN" sz="2000">
-                <a:sym typeface="+mn-ea"/>
-              </a:rPr>
-              <a:t>Issues</a:t>
-            </a:r>
-            <a:endParaRPr lang="en-US" altLang="zh-CN" sz="2000">
-              <a:sym typeface="+mn-ea"/>
-            </a:endParaRPr>
-          </a:p>
-          <a:p>
-            <a:pPr lvl="1"/>
-            <a:r>
-              <a:rPr lang="en-US" altLang="zh-CN" sz="1800">
-                <a:sym typeface="+mn-ea"/>
-              </a:rPr>
-              <a:t>Too many manual steps</a:t>
-            </a:r>
-            <a:endParaRPr lang="en-US" altLang="zh-CN" sz="1800">
-              <a:sym typeface="+mn-ea"/>
-            </a:endParaRPr>
-          </a:p>
-          <a:p>
-            <a:pPr lvl="0"/>
-            <a:endParaRPr lang="en-US" altLang="zh-CN" sz="1800">
-              <a:sym typeface="+mn-ea"/>
-            </a:endParaRPr>
-          </a:p>
-        </p:txBody>
-      </p:sp>
+              <a:rPr lang="en-US" altLang="zh-CN"/>
+              <a:t>The table's TOAST data is in $PGDATA/base/26492/36011*.</a:t>
+            </a:r>
+            <a:endParaRPr lang="en-US" altLang="zh-CN"/>
+          </a:p>
+        </p:txBody>
+      </p:sp>
+      <p:pic>
+        <p:nvPicPr>
+          <p:cNvPr id="4" name="图片 3"/>
+          <p:cNvPicPr>
+            <a:picLocks noChangeAspect="1"/>
+          </p:cNvPicPr>
+          <p:nvPr/>
+        </p:nvPicPr>
+        <p:blipFill>
+          <a:blip r:embed="rId1"/>
+          <a:stretch>
+            <a:fillRect/>
+          </a:stretch>
+        </p:blipFill>
+        <p:spPr>
+          <a:xfrm>
+            <a:off x="7178675" y="1271905"/>
+            <a:ext cx="4722495" cy="2380615"/>
+          </a:xfrm>
+          <a:prstGeom prst="rect">
+            <a:avLst/>
+          </a:prstGeom>
+        </p:spPr>
+      </p:pic>
     </p:spTree>
     <p:custDataLst>
-      <p:tags r:id="rId1"/>
+      <p:tags r:id="rId2"/>
     </p:custDataLst>
   </p:cSld>
   <p:clrMapOvr>
@@ -3973,15 +3964,13 @@
         </p:nvSpPr>
         <p:spPr/>
         <p:txBody>
-          <a:bodyPr>
-            <a:normAutofit/>
-          </a:bodyPr>
+          <a:bodyPr/>
           <a:p>
             <a:r>
               <a:rPr lang="en-US" altLang="zh-CN">
                 <a:sym typeface="+mn-ea"/>
               </a:rPr>
-              <a:t>Sqlite-&gt;Postgresql - PGLoader</a:t>
+              <a:t>Sqlite-&gt;Postgresql - Sequel Gem</a:t>
             </a:r>
             <a:endParaRPr lang="zh-CN" altLang="en-US"/>
           </a:p>
@@ -3997,170 +3986,55 @@
             <p:ph idx="1"/>
           </p:nvPr>
         </p:nvSpPr>
-        <p:spPr>
-          <a:xfrm>
-            <a:off x="838200" y="1211580"/>
-            <a:ext cx="7832725" cy="4549140"/>
-          </a:xfrm>
-        </p:spPr>
+        <p:spPr/>
         <p:txBody>
           <a:bodyPr/>
           <a:p>
+            <a:r>
+              <a:rPr lang="en-US" altLang="zh-CN"/>
+              <a:t>Install</a:t>
+            </a:r>
+            <a:endParaRPr lang="en-US" altLang="zh-CN"/>
+          </a:p>
+          <a:p>
+            <a:pPr lvl="1"/>
+            <a:r>
+              <a:rPr lang="en-US" altLang="zh-CN"/>
+              <a:t>apt install ruby ruby2.5-dev libsqlite3-dev </a:t>
+            </a:r>
+            <a:endParaRPr lang="en-US" altLang="zh-CN"/>
+          </a:p>
+          <a:p>
+            <a:pPr lvl="1"/>
+            <a:r>
+              <a:rPr lang="en-US" altLang="zh-CN"/>
+              <a:t>gem install sequel sqlite3 pg</a:t>
+            </a:r>
+            <a:endParaRPr lang="en-US" altLang="zh-CN"/>
+          </a:p>
+          <a:p>
             <a:pPr lvl="0"/>
             <a:r>
-              <a:rPr lang="en-US" altLang="zh-CN" sz="2400">
-                <a:sym typeface="+mn-ea"/>
-              </a:rPr>
-              <a:t>pgloader</a:t>
-            </a:r>
-            <a:endParaRPr lang="en-US" altLang="zh-CN" sz="2400">
-              <a:sym typeface="+mn-ea"/>
-            </a:endParaRPr>
+              <a:rPr lang="en-US" altLang="zh-CN"/>
+              <a:t>Use</a:t>
+            </a:r>
+            <a:endParaRPr lang="en-US" altLang="zh-CN"/>
           </a:p>
           <a:p>
             <a:pPr lvl="1"/>
             <a:r>
-              <a:rPr lang="en-US" altLang="zh-CN" sz="2400">
-                <a:sym typeface="+mn-ea"/>
-              </a:rPr>
-              <a:t>reference: https://pgloader.readthedocs.io/en/latest/ref/sqlite.html</a:t>
-            </a:r>
-            <a:endParaRPr lang="en-US" altLang="zh-CN" sz="2400"/>
-          </a:p>
-          <a:p>
-            <a:pPr lvl="1"/>
-            <a:r>
-              <a:rPr lang="en-US" altLang="zh-CN" sz="2400">
-                <a:sym typeface="+mn-ea"/>
-              </a:rPr>
-              <a:t>sudo apt install pgloader</a:t>
-            </a:r>
-            <a:endParaRPr lang="en-US" altLang="zh-CN" sz="2400"/>
-          </a:p>
-          <a:p>
-            <a:pPr lvl="1"/>
-            <a:r>
-              <a:rPr lang="en-US" altLang="zh-CN" sz="2400">
-                <a:sym typeface="+mn-ea"/>
-              </a:rPr>
-              <a:t>create a file migrate.pgloader</a:t>
-            </a:r>
-            <a:endParaRPr lang="en-US" altLang="zh-CN" sz="2400">
-              <a:sym typeface="+mn-ea"/>
-            </a:endParaRPr>
-          </a:p>
-          <a:p>
-            <a:pPr lvl="1"/>
-            <a:r>
-              <a:rPr lang="en-US" altLang="zh-CN" sz="2400">
-                <a:sym typeface="+mn-ea"/>
-              </a:rPr>
-              <a:t>pgloader --debug migrate.pgloader</a:t>
-            </a:r>
-            <a:endParaRPr lang="en-US" altLang="zh-CN" sz="2400"/>
-          </a:p>
-          <a:p>
-            <a:pPr lvl="1"/>
-            <a:r>
-              <a:rPr lang="en-US" altLang="zh-CN" sz="2400">
-                <a:sym typeface="+mn-ea"/>
-              </a:rPr>
-              <a:t>Issues:</a:t>
-            </a:r>
-            <a:endParaRPr lang="en-US" altLang="zh-CN" sz="2400"/>
+              <a:rPr lang="en-US" altLang="zh-CN"/>
+              <a:t>sequel -C sqlite:/www/input.sqlite3 postgres://user@localhost/db</a:t>
+            </a:r>
+            <a:endParaRPr lang="en-US" altLang="zh-CN"/>
           </a:p>
           <a:p>
             <a:pPr lvl="2"/>
             <a:r>
-              <a:rPr lang="en-US" altLang="zh-CN" sz="2400">
-                <a:sym typeface="+mn-ea"/>
-              </a:rPr>
-              <a:t>id cannot be created automatically</a:t>
-            </a:r>
-            <a:endParaRPr lang="en-US" altLang="zh-CN" sz="2400"/>
-          </a:p>
-          <a:p>
-            <a:endParaRPr lang="zh-CN" altLang="en-US"/>
-          </a:p>
-        </p:txBody>
-      </p:sp>
-      <p:sp>
-        <p:nvSpPr>
-          <p:cNvPr id="4" name="文本框 3"/>
-          <p:cNvSpPr txBox="1"/>
-          <p:nvPr/>
-        </p:nvSpPr>
-        <p:spPr>
-          <a:xfrm>
-            <a:off x="8796020" y="1474470"/>
-            <a:ext cx="3054985" cy="2891790"/>
-          </a:xfrm>
-          <a:prstGeom prst="rect">
-            <a:avLst/>
-          </a:prstGeom>
-          <a:noFill/>
-          <a:ln>
-            <a:solidFill>
-              <a:srgbClr val="FFC000"/>
-            </a:solidFill>
-          </a:ln>
-        </p:spPr>
-        <p:txBody>
-          <a:bodyPr wrap="square" rtlCol="0">
-            <a:spAutoFit/>
-          </a:bodyPr>
-          <a:p>
-            <a:pPr algn="ctr"/>
-            <a:r>
-              <a:rPr lang="en-US" altLang="zh-CN" sz="1400"/>
-              <a:t>migrate.pgloader</a:t>
-            </a:r>
-            <a:endParaRPr lang="en-US" altLang="zh-CN" sz="1400"/>
-          </a:p>
-          <a:p>
-            <a:pPr algn="ctr"/>
-            <a:endParaRPr lang="zh-CN" altLang="en-US" sz="1400"/>
-          </a:p>
-          <a:p>
-            <a:r>
-              <a:rPr lang="zh-CN" altLang="en-US" sz="1400"/>
-              <a:t>load database</a:t>
-            </a:r>
-            <a:endParaRPr lang="zh-CN" altLang="en-US" sz="1400"/>
-          </a:p>
-          <a:p>
-            <a:r>
-              <a:rPr lang="zh-CN" altLang="en-US" sz="1400"/>
-              <a:t>    from 'latest-sqlite-file.db'</a:t>
-            </a:r>
-            <a:endParaRPr lang="zh-CN" altLang="en-US" sz="1400"/>
-          </a:p>
-          <a:p>
-            <a:r>
-              <a:rPr lang="zh-CN" altLang="en-US" sz="1400"/>
-              <a:t>    into postgresql:///new_db_name</a:t>
-            </a:r>
-            <a:endParaRPr lang="zh-CN" altLang="en-US" sz="1400"/>
-          </a:p>
-          <a:p>
-            <a:endParaRPr lang="zh-CN" altLang="en-US" sz="1400"/>
-          </a:p>
-          <a:p>
-            <a:r>
-              <a:rPr lang="zh-CN" altLang="en-US" sz="1400"/>
-              <a:t>with include drop, quote identifiers, create tables, create indexes, reset sequences</a:t>
-            </a:r>
-            <a:endParaRPr lang="zh-CN" altLang="en-US" sz="1400"/>
-          </a:p>
-          <a:p>
-            <a:endParaRPr lang="zh-CN" altLang="en-US" sz="1400"/>
-          </a:p>
-          <a:p>
-            <a:r>
-              <a:rPr lang="zh-CN" altLang="en-US" sz="1400"/>
-              <a:t>set work_mem to '16MB', maintenance_work_mem to '512 MB';</a:t>
-            </a:r>
-            <a:endParaRPr lang="zh-CN" altLang="en-US" sz="1400"/>
+              <a:rPr lang="en-US" altLang="zh-CN"/>
+              <a:t># /www/input.sqlite3 is full path</a:t>
+            </a:r>
+            <a:endParaRPr lang="en-US" altLang="zh-CN"/>
           </a:p>
         </p:txBody>
       </p:sp>
@@ -4201,7 +4075,7 @@
           <a:p>
             <a:r>
               <a:rPr lang="en-US" altLang="zh-CN"/>
-              <a:t>SQLite -&gt; Postgresql - Issues</a:t>
+              <a:t>Sqlite-&gt;Postgresql - Dump/Load</a:t>
             </a:r>
             <a:endParaRPr lang="en-US" altLang="zh-CN"/>
           </a:p>
@@ -4217,157 +4091,201 @@
             <p:ph idx="1"/>
           </p:nvPr>
         </p:nvSpPr>
-        <p:spPr/>
-        <p:txBody>
-          <a:bodyPr/>
+        <p:spPr>
+          <a:xfrm>
+            <a:off x="838200" y="1211580"/>
+            <a:ext cx="10514965" cy="5316220"/>
+          </a:xfrm>
+        </p:spPr>
+        <p:txBody>
+          <a:bodyPr>
+            <a:normAutofit/>
+          </a:bodyPr>
           <a:p>
             <a:pPr lvl="0"/>
             <a:r>
-              <a:rPr lang="en-US" altLang="zh-CN" sz="2400">
+              <a:rPr lang="en-US" altLang="zh-CN" sz="2000">
+                <a:sym typeface="+mn-ea"/>
+              </a:rPr>
+              <a:t>references</a:t>
+            </a:r>
+            <a:endParaRPr lang="en-US" altLang="zh-CN" sz="2000">
+              <a:sym typeface="+mn-ea"/>
+            </a:endParaRPr>
+          </a:p>
+          <a:p>
+            <a:pPr lvl="1"/>
+            <a:r>
+              <a:rPr lang="en-US" altLang="zh-CN" sz="1800">
+                <a:sym typeface="+mn-ea"/>
+              </a:rPr>
+              <a:t>https://stackoverflow.com/questions/4581727/convert-sqlite-sql-dump-file-to-postgresql</a:t>
+            </a:r>
+            <a:endParaRPr lang="en-US" altLang="zh-CN" sz="1800">
+              <a:sym typeface="+mn-ea"/>
+            </a:endParaRPr>
+          </a:p>
+          <a:p>
+            <a:pPr lvl="0"/>
+            <a:r>
+              <a:rPr lang="en-US" altLang="zh-CN" sz="2000">
+                <a:sym typeface="+mn-ea"/>
+              </a:rPr>
+              <a:t>Steps</a:t>
+            </a:r>
+            <a:endParaRPr lang="en-US" altLang="zh-CN" sz="2000">
+              <a:sym typeface="+mn-ea"/>
+            </a:endParaRPr>
+          </a:p>
+          <a:p>
+            <a:pPr lvl="1"/>
+            <a:r>
+              <a:rPr lang="en-US" altLang="zh-CN" sz="1800">
+                <a:sym typeface="+mn-ea"/>
+              </a:rPr>
+              <a:t>dump</a:t>
+            </a:r>
+            <a:endParaRPr lang="en-US" altLang="zh-CN" sz="1800">
+              <a:sym typeface="+mn-ea"/>
+            </a:endParaRPr>
+          </a:p>
+          <a:p>
+            <a:pPr lvl="2"/>
+            <a:r>
+              <a:rPr lang="en-US" altLang="zh-CN" sz="1600">
+                <a:sym typeface="+mn-ea"/>
+              </a:rPr>
+              <a:t>.dump &gt; ./sqlite-dumpfile.sql</a:t>
+            </a:r>
+            <a:endParaRPr lang="en-US" altLang="zh-CN" sz="1600">
+              <a:sym typeface="+mn-ea"/>
+            </a:endParaRPr>
+          </a:p>
+          <a:p>
+            <a:pPr lvl="1"/>
+            <a:r>
+              <a:rPr lang="en-US" altLang="zh-CN" sz="1800">
+                <a:sym typeface="+mn-ea"/>
+              </a:rPr>
+              <a:t>Modify</a:t>
+            </a:r>
+            <a:endParaRPr lang="en-US" altLang="zh-CN" sz="1800">
+              <a:sym typeface="+mn-ea"/>
+            </a:endParaRPr>
+          </a:p>
+          <a:p>
+            <a:pPr lvl="2"/>
+            <a:r>
+              <a:rPr lang="en-US" altLang="zh-CN" sz="1600">
+                <a:sym typeface="+mn-ea"/>
+              </a:rPr>
+              <a:t>id: change type from “int” to “serial”, remove “autoincrement”</a:t>
+            </a:r>
+            <a:endParaRPr lang="en-US" altLang="zh-CN" sz="1600">
+              <a:sym typeface="+mn-ea"/>
+            </a:endParaRPr>
+          </a:p>
+          <a:p>
+            <a:pPr lvl="2"/>
+            <a:r>
+              <a:rPr lang="en-US" altLang="zh-CN" sz="1600">
+                <a:sym typeface="+mn-ea"/>
+              </a:rPr>
+              <a:t>change “datetime” column to “timestamp”</a:t>
+            </a:r>
+            <a:endParaRPr lang="en-US" altLang="zh-CN" sz="1600">
+              <a:sym typeface="+mn-ea"/>
+            </a:endParaRPr>
+          </a:p>
+          <a:p>
+            <a:pPr lvl="2"/>
+            <a:r>
+              <a:rPr lang="en-US" altLang="zh-CN" sz="1600">
+                <a:sym typeface="+mn-ea"/>
+              </a:rPr>
+              <a:t>boolean “1”-&gt;”1::boolean”, “0”-&gt;”0::boolean”</a:t>
+            </a:r>
+            <a:endParaRPr lang="en-US" altLang="zh-CN" sz="1600">
+              <a:sym typeface="+mn-ea"/>
+            </a:endParaRPr>
+          </a:p>
+          <a:p>
+            <a:pPr lvl="2"/>
+            <a:r>
+              <a:rPr lang="en-US" altLang="zh-CN" sz="1600">
+                <a:sym typeface="+mn-ea"/>
+              </a:rPr>
+              <a:t>“blob” type -&gt; “bytea”</a:t>
+            </a:r>
+            <a:endParaRPr lang="en-US" altLang="zh-CN" sz="1600">
+              <a:sym typeface="+mn-ea"/>
+            </a:endParaRPr>
+          </a:p>
+          <a:p>
+            <a:pPr lvl="2"/>
+            <a:r>
+              <a:rPr lang="en-US" altLang="zh-CN" sz="1600">
+                <a:sym typeface="+mn-ea"/>
+              </a:rPr>
+              <a:t>foreign key: “set constraints all deferred” in begin/commit pair</a:t>
+            </a:r>
+            <a:endParaRPr lang="en-US" altLang="zh-CN" sz="1600">
+              <a:sym typeface="+mn-ea"/>
+            </a:endParaRPr>
+          </a:p>
+          <a:p>
+            <a:pPr lvl="1"/>
+            <a:r>
+              <a:rPr lang="en-US" altLang="zh-CN" sz="1800">
+                <a:sym typeface="+mn-ea"/>
+              </a:rPr>
+              <a:t>Load</a:t>
+            </a:r>
+            <a:endParaRPr lang="en-US" altLang="zh-CN" sz="1800">
+              <a:sym typeface="+mn-ea"/>
+            </a:endParaRPr>
+          </a:p>
+          <a:p>
+            <a:pPr lvl="2"/>
+            <a:r>
+              <a:rPr lang="en-US" altLang="zh-CN" sz="1600">
+                <a:sym typeface="+mn-ea"/>
+              </a:rPr>
+              <a:t>psql -d dbname -U username -W &lt; ./sqlite-dumpfile.sql</a:t>
+            </a:r>
+            <a:endParaRPr lang="en-US" altLang="zh-CN" sz="1600">
+              <a:sym typeface="+mn-ea"/>
+            </a:endParaRPr>
+          </a:p>
+          <a:p>
+            <a:pPr lvl="0"/>
+            <a:r>
+              <a:rPr lang="en-US" altLang="zh-CN" sz="2000">
                 <a:sym typeface="+mn-ea"/>
               </a:rPr>
               <a:t>Issues</a:t>
             </a:r>
-            <a:endParaRPr lang="en-US" altLang="zh-CN" sz="2400"/>
-          </a:p>
-          <a:p>
-            <a:pPr lvl="1"/>
-            <a:r>
-              <a:rPr lang="en-US" altLang="zh-CN">
-                <a:sym typeface="+mn-ea"/>
-              </a:rPr>
-              <a:t>table name (“user”, “order”, ...) is reserved keyword</a:t>
-            </a:r>
-            <a:endParaRPr lang="en-US" altLang="zh-CN"/>
-          </a:p>
-          <a:p>
-            <a:pPr lvl="2"/>
-            <a:r>
-              <a:rPr lang="en-US" altLang="zh-CN">
-                <a:sym typeface="+mn-ea"/>
-              </a:rPr>
-              <a:t>rename table first before migration (change in DBeaver because of foreign key handling)</a:t>
-            </a:r>
-            <a:endParaRPr lang="en-US" altLang="zh-CN">
+            <a:endParaRPr lang="en-US" altLang="zh-CN" sz="2000">
               <a:sym typeface="+mn-ea"/>
             </a:endParaRPr>
           </a:p>
           <a:p>
-            <a:pPr lvl="3"/>
-            <a:r>
-              <a:rPr lang="en-US" altLang="zh-CN" strike="sngStrike">
-                <a:solidFill>
-                  <a:schemeClr val="tx1"/>
-                </a:solidFill>
-                <a:uFillTx/>
-                <a:sym typeface="+mn-ea"/>
-              </a:rPr>
-              <a:t>alter table “user” rename to “registered_user”</a:t>
-            </a:r>
-            <a:endParaRPr lang="en-US" altLang="zh-CN" strike="sngStrike">
-              <a:solidFill>
-                <a:schemeClr val="tx1"/>
-              </a:solidFill>
-              <a:uFillTx/>
-              <a:sym typeface="+mn-ea"/>
-            </a:endParaRPr>
-          </a:p>
-          <a:p>
-            <a:pPr lvl="3"/>
-            <a:r>
-              <a:rPr lang="en-US" altLang="zh-CN" strike="sngStrike">
-                <a:solidFill>
-                  <a:schemeClr val="tx1"/>
-                </a:solidFill>
-                <a:uFillTx/>
-                <a:sym typeface="+mn-ea"/>
-              </a:rPr>
-              <a:t>alter table “order” rename to “customer_order”</a:t>
-            </a:r>
-            <a:endParaRPr lang="en-US" altLang="zh-CN" strike="sngStrike">
-              <a:solidFill>
-                <a:schemeClr val="tx1"/>
-              </a:solidFill>
-              <a:uFillTx/>
-              <a:sym typeface="+mn-ea"/>
-            </a:endParaRPr>
-          </a:p>
-          <a:p>
             <a:pPr lvl="1"/>
-            <a:r>
-              <a:rPr lang="en-US" altLang="zh-CN">
-                <a:sym typeface="+mn-ea"/>
-              </a:rPr>
-              <a:t>user_id=-1</a:t>
-            </a:r>
-            <a:endParaRPr lang="en-US" altLang="zh-CN"/>
-          </a:p>
-          <a:p>
-            <a:pPr lvl="2"/>
-            <a:r>
-              <a:rPr lang="en-US" altLang="zh-CN">
-                <a:sym typeface="+mn-ea"/>
-              </a:rPr>
-              <a:t>It’s not allowed as it’s used as foreign key</a:t>
-            </a:r>
-            <a:endParaRPr lang="en-US" altLang="zh-CN">
-              <a:sym typeface="+mn-ea"/>
-            </a:endParaRPr>
-          </a:p>
-          <a:p>
-            <a:pPr lvl="2"/>
-            <a:r>
-              <a:rPr lang="en-US" altLang="zh-CN">
-                <a:sym typeface="+mn-ea"/>
-              </a:rPr>
-              <a:t>Update sqlite db first</a:t>
-            </a:r>
-            <a:endParaRPr lang="en-US" altLang="zh-CN">
-              <a:sym typeface="+mn-ea"/>
-            </a:endParaRPr>
-          </a:p>
-          <a:p>
-            <a:pPr lvl="1"/>
-            <a:r>
-              <a:rPr lang="en-US" altLang="zh-CN">
-                <a:sym typeface="+mn-ea"/>
-              </a:rPr>
-              <a:t>(psycopg2.OperationalError) lost synchronization with server: got message type "</a:t>
-            </a:r>
-            <a:endParaRPr lang="en-US" altLang="zh-CN">
-              <a:sym typeface="+mn-ea"/>
-            </a:endParaRPr>
-          </a:p>
-          <a:p>
-            <a:pPr lvl="2"/>
             <a:r>
               <a:rPr lang="en-US" altLang="zh-CN" sz="1800">
                 <a:sym typeface="+mn-ea"/>
               </a:rPr>
-              <a:t>caused by “gunicorn --preload”</a:t>
+              <a:t>Too many manual steps</a:t>
             </a:r>
             <a:endParaRPr lang="en-US" altLang="zh-CN" sz="1800">
               <a:sym typeface="+mn-ea"/>
             </a:endParaRPr>
           </a:p>
           <a:p>
-            <a:pPr lvl="2"/>
-            <a:r>
-              <a:rPr lang="en-US" altLang="zh-CN" sz="1800">
-                <a:sym typeface="+mn-ea"/>
-              </a:rPr>
-              <a:t>solution: remove “--preload”</a:t>
-            </a:r>
-            <a:endParaRPr lang="en-US" altLang="zh-CN">
+            <a:pPr lvl="0"/>
+            <a:endParaRPr lang="en-US" altLang="zh-CN" sz="1800">
               <a:sym typeface="+mn-ea"/>
             </a:endParaRPr>
-          </a:p>
-          <a:p>
-            <a:pPr lvl="1"/>
-            <a:endParaRPr lang="en-US" altLang="zh-CN" sz="2665"/>
-          </a:p>
-          <a:p>
-            <a:endParaRPr lang="zh-CN" altLang="en-US"/>
           </a:p>
         </p:txBody>
       </p:sp>
@@ -4383,6 +4301,437 @@
 </file>
 
 <file path=ppt/slides/slide13.xml><?xml version="1.0" encoding="utf-8"?>
+<p:sld xmlns:a="http://schemas.openxmlformats.org/drawingml/2006/main" xmlns:r="http://schemas.openxmlformats.org/officeDocument/2006/relationships" xmlns:p="http://schemas.openxmlformats.org/presentationml/2006/main">
+  <p:cSld>
+    <p:spTree>
+      <p:nvGrpSpPr>
+        <p:cNvPr id="1" name=""/>
+        <p:cNvGrpSpPr/>
+        <p:nvPr/>
+      </p:nvGrpSpPr>
+      <p:grpSpPr/>
+      <p:sp>
+        <p:nvSpPr>
+          <p:cNvPr id="2" name="标题 1"/>
+          <p:cNvSpPr>
+            <a:spLocks noGrp="1"/>
+          </p:cNvSpPr>
+          <p:nvPr>
+            <p:ph type="title"/>
+          </p:nvPr>
+        </p:nvSpPr>
+        <p:spPr/>
+        <p:txBody>
+          <a:bodyPr>
+            <a:normAutofit/>
+          </a:bodyPr>
+          <a:p>
+            <a:r>
+              <a:rPr lang="en-US" altLang="zh-CN">
+                <a:sym typeface="+mn-ea"/>
+              </a:rPr>
+              <a:t>Sqlite-&gt;Postgresql - PGLoader</a:t>
+            </a:r>
+            <a:endParaRPr lang="zh-CN" altLang="en-US"/>
+          </a:p>
+        </p:txBody>
+      </p:sp>
+      <p:sp>
+        <p:nvSpPr>
+          <p:cNvPr id="3" name="内容占位符 2"/>
+          <p:cNvSpPr>
+            <a:spLocks noGrp="1"/>
+          </p:cNvSpPr>
+          <p:nvPr>
+            <p:ph idx="1"/>
+          </p:nvPr>
+        </p:nvSpPr>
+        <p:spPr>
+          <a:xfrm>
+            <a:off x="838200" y="1211580"/>
+            <a:ext cx="7832725" cy="4549140"/>
+          </a:xfrm>
+        </p:spPr>
+        <p:txBody>
+          <a:bodyPr/>
+          <a:p>
+            <a:pPr lvl="0"/>
+            <a:r>
+              <a:rPr lang="en-US" altLang="zh-CN" sz="2400">
+                <a:sym typeface="+mn-ea"/>
+              </a:rPr>
+              <a:t>pgloader</a:t>
+            </a:r>
+            <a:endParaRPr lang="en-US" altLang="zh-CN" sz="2400">
+              <a:sym typeface="+mn-ea"/>
+            </a:endParaRPr>
+          </a:p>
+          <a:p>
+            <a:pPr lvl="1"/>
+            <a:r>
+              <a:rPr lang="en-US" altLang="zh-CN" sz="2400">
+                <a:sym typeface="+mn-ea"/>
+              </a:rPr>
+              <a:t>reference: https://pgloader.readthedocs.io/en/latest/ref/sqlite.html</a:t>
+            </a:r>
+            <a:endParaRPr lang="en-US" altLang="zh-CN" sz="2400"/>
+          </a:p>
+          <a:p>
+            <a:pPr lvl="1"/>
+            <a:r>
+              <a:rPr lang="en-US" altLang="zh-CN" sz="2400">
+                <a:sym typeface="+mn-ea"/>
+              </a:rPr>
+              <a:t>sudo apt install pgloader</a:t>
+            </a:r>
+            <a:endParaRPr lang="en-US" altLang="zh-CN" sz="2400"/>
+          </a:p>
+          <a:p>
+            <a:pPr lvl="1"/>
+            <a:r>
+              <a:rPr lang="en-US" altLang="zh-CN" sz="2400">
+                <a:sym typeface="+mn-ea"/>
+              </a:rPr>
+              <a:t>create a file migrate.pgloader</a:t>
+            </a:r>
+            <a:endParaRPr lang="en-US" altLang="zh-CN" sz="2400">
+              <a:sym typeface="+mn-ea"/>
+            </a:endParaRPr>
+          </a:p>
+          <a:p>
+            <a:pPr lvl="1"/>
+            <a:r>
+              <a:rPr lang="en-US" altLang="zh-CN" sz="2400">
+                <a:sym typeface="+mn-ea"/>
+              </a:rPr>
+              <a:t>pgloader --debug migrate.pgloader</a:t>
+            </a:r>
+            <a:endParaRPr lang="en-US" altLang="zh-CN" sz="2400"/>
+          </a:p>
+          <a:p>
+            <a:pPr lvl="1"/>
+            <a:r>
+              <a:rPr lang="en-US" altLang="zh-CN" sz="2400">
+                <a:sym typeface="+mn-ea"/>
+              </a:rPr>
+              <a:t>Issues:</a:t>
+            </a:r>
+            <a:endParaRPr lang="en-US" altLang="zh-CN" sz="2400"/>
+          </a:p>
+          <a:p>
+            <a:pPr lvl="2"/>
+            <a:r>
+              <a:rPr lang="en-US" altLang="zh-CN" sz="2400">
+                <a:sym typeface="+mn-ea"/>
+              </a:rPr>
+              <a:t>id cannot be created automatically</a:t>
+            </a:r>
+            <a:endParaRPr lang="en-US" altLang="zh-CN" sz="2400"/>
+          </a:p>
+          <a:p>
+            <a:endParaRPr lang="zh-CN" altLang="en-US"/>
+          </a:p>
+        </p:txBody>
+      </p:sp>
+      <p:sp>
+        <p:nvSpPr>
+          <p:cNvPr id="4" name="文本框 3"/>
+          <p:cNvSpPr txBox="1"/>
+          <p:nvPr/>
+        </p:nvSpPr>
+        <p:spPr>
+          <a:xfrm>
+            <a:off x="8796020" y="1474470"/>
+            <a:ext cx="3054985" cy="2891790"/>
+          </a:xfrm>
+          <a:prstGeom prst="rect">
+            <a:avLst/>
+          </a:prstGeom>
+          <a:noFill/>
+          <a:ln>
+            <a:solidFill>
+              <a:srgbClr val="FFC000"/>
+            </a:solidFill>
+          </a:ln>
+        </p:spPr>
+        <p:txBody>
+          <a:bodyPr wrap="square" rtlCol="0">
+            <a:spAutoFit/>
+          </a:bodyPr>
+          <a:p>
+            <a:pPr algn="ctr"/>
+            <a:r>
+              <a:rPr lang="en-US" altLang="zh-CN" sz="1400"/>
+              <a:t>migrate.pgloader</a:t>
+            </a:r>
+            <a:endParaRPr lang="en-US" altLang="zh-CN" sz="1400"/>
+          </a:p>
+          <a:p>
+            <a:pPr algn="ctr"/>
+            <a:endParaRPr lang="zh-CN" altLang="en-US" sz="1400"/>
+          </a:p>
+          <a:p>
+            <a:r>
+              <a:rPr lang="zh-CN" altLang="en-US" sz="1400"/>
+              <a:t>load database</a:t>
+            </a:r>
+            <a:endParaRPr lang="zh-CN" altLang="en-US" sz="1400"/>
+          </a:p>
+          <a:p>
+            <a:r>
+              <a:rPr lang="zh-CN" altLang="en-US" sz="1400"/>
+              <a:t>    from 'latest-sqlite-file.db'</a:t>
+            </a:r>
+            <a:endParaRPr lang="zh-CN" altLang="en-US" sz="1400"/>
+          </a:p>
+          <a:p>
+            <a:r>
+              <a:rPr lang="zh-CN" altLang="en-US" sz="1400"/>
+              <a:t>    into postgresql:///new_db_name</a:t>
+            </a:r>
+            <a:endParaRPr lang="zh-CN" altLang="en-US" sz="1400"/>
+          </a:p>
+          <a:p>
+            <a:endParaRPr lang="zh-CN" altLang="en-US" sz="1400"/>
+          </a:p>
+          <a:p>
+            <a:r>
+              <a:rPr lang="zh-CN" altLang="en-US" sz="1400"/>
+              <a:t>with include drop, quote identifiers, create tables, create indexes, reset sequences</a:t>
+            </a:r>
+            <a:endParaRPr lang="zh-CN" altLang="en-US" sz="1400"/>
+          </a:p>
+          <a:p>
+            <a:endParaRPr lang="zh-CN" altLang="en-US" sz="1400"/>
+          </a:p>
+          <a:p>
+            <a:r>
+              <a:rPr lang="zh-CN" altLang="en-US" sz="1400"/>
+              <a:t>set work_mem to '16MB', maintenance_work_mem to '512 MB';</a:t>
+            </a:r>
+            <a:endParaRPr lang="zh-CN" altLang="en-US" sz="1400"/>
+          </a:p>
+        </p:txBody>
+      </p:sp>
+    </p:spTree>
+    <p:custDataLst>
+      <p:tags r:id="rId1"/>
+    </p:custDataLst>
+  </p:cSld>
+  <p:clrMapOvr>
+    <a:masterClrMapping/>
+  </p:clrMapOvr>
+</p:sld>
+</file>
+
+<file path=ppt/slides/slide14.xml><?xml version="1.0" encoding="utf-8"?>
+<p:sld xmlns:a="http://schemas.openxmlformats.org/drawingml/2006/main" xmlns:r="http://schemas.openxmlformats.org/officeDocument/2006/relationships" xmlns:p="http://schemas.openxmlformats.org/presentationml/2006/main">
+  <p:cSld>
+    <p:spTree>
+      <p:nvGrpSpPr>
+        <p:cNvPr id="1" name=""/>
+        <p:cNvGrpSpPr/>
+        <p:nvPr/>
+      </p:nvGrpSpPr>
+      <p:grpSpPr/>
+      <p:sp>
+        <p:nvSpPr>
+          <p:cNvPr id="2" name="标题 1"/>
+          <p:cNvSpPr>
+            <a:spLocks noGrp="1"/>
+          </p:cNvSpPr>
+          <p:nvPr>
+            <p:ph type="title"/>
+          </p:nvPr>
+        </p:nvSpPr>
+        <p:spPr/>
+        <p:txBody>
+          <a:bodyPr/>
+          <a:p>
+            <a:r>
+              <a:rPr lang="en-US" altLang="zh-CN"/>
+              <a:t>SQLite -&gt; Postgresql - Issues</a:t>
+            </a:r>
+            <a:endParaRPr lang="en-US" altLang="zh-CN"/>
+          </a:p>
+        </p:txBody>
+      </p:sp>
+      <p:sp>
+        <p:nvSpPr>
+          <p:cNvPr id="3" name="内容占位符 2"/>
+          <p:cNvSpPr>
+            <a:spLocks noGrp="1"/>
+          </p:cNvSpPr>
+          <p:nvPr>
+            <p:ph idx="1"/>
+          </p:nvPr>
+        </p:nvSpPr>
+        <p:spPr/>
+        <p:txBody>
+          <a:bodyPr/>
+          <a:p>
+            <a:pPr lvl="0"/>
+            <a:r>
+              <a:rPr lang="en-US" altLang="zh-CN" sz="2400">
+                <a:sym typeface="+mn-ea"/>
+              </a:rPr>
+              <a:t>Issues</a:t>
+            </a:r>
+            <a:endParaRPr lang="en-US" altLang="zh-CN" sz="2400"/>
+          </a:p>
+          <a:p>
+            <a:pPr lvl="1"/>
+            <a:r>
+              <a:rPr lang="en-US" altLang="zh-CN">
+                <a:sym typeface="+mn-ea"/>
+              </a:rPr>
+              <a:t>table name (“user”, “order”, ...) is reserved keyword</a:t>
+            </a:r>
+            <a:endParaRPr lang="en-US" altLang="zh-CN"/>
+          </a:p>
+          <a:p>
+            <a:pPr lvl="2"/>
+            <a:r>
+              <a:rPr lang="en-US" altLang="zh-CN">
+                <a:sym typeface="+mn-ea"/>
+              </a:rPr>
+              <a:t>rename table first before migration (change in DBeaver because of foreign key handling)</a:t>
+            </a:r>
+            <a:endParaRPr lang="en-US" altLang="zh-CN">
+              <a:sym typeface="+mn-ea"/>
+            </a:endParaRPr>
+          </a:p>
+          <a:p>
+            <a:pPr lvl="3"/>
+            <a:r>
+              <a:rPr lang="en-US" altLang="zh-CN" strike="sngStrike">
+                <a:solidFill>
+                  <a:schemeClr val="tx1"/>
+                </a:solidFill>
+                <a:uFillTx/>
+                <a:sym typeface="+mn-ea"/>
+              </a:rPr>
+              <a:t>alter table “user” rename to “registered_user”</a:t>
+            </a:r>
+            <a:endParaRPr lang="en-US" altLang="zh-CN" strike="sngStrike">
+              <a:solidFill>
+                <a:schemeClr val="tx1"/>
+              </a:solidFill>
+              <a:uFillTx/>
+              <a:sym typeface="+mn-ea"/>
+            </a:endParaRPr>
+          </a:p>
+          <a:p>
+            <a:pPr lvl="3"/>
+            <a:r>
+              <a:rPr lang="en-US" altLang="zh-CN" strike="sngStrike">
+                <a:solidFill>
+                  <a:schemeClr val="tx1"/>
+                </a:solidFill>
+                <a:uFillTx/>
+                <a:sym typeface="+mn-ea"/>
+              </a:rPr>
+              <a:t>alter table “order” rename to “customer_order”</a:t>
+            </a:r>
+            <a:endParaRPr lang="en-US" altLang="zh-CN" strike="sngStrike">
+              <a:solidFill>
+                <a:schemeClr val="tx1"/>
+              </a:solidFill>
+              <a:uFillTx/>
+              <a:sym typeface="+mn-ea"/>
+            </a:endParaRPr>
+          </a:p>
+          <a:p>
+            <a:pPr lvl="1"/>
+            <a:r>
+              <a:rPr lang="en-US" altLang="zh-CN">
+                <a:sym typeface="+mn-ea"/>
+              </a:rPr>
+              <a:t>user_id=-1</a:t>
+            </a:r>
+            <a:endParaRPr lang="en-US" altLang="zh-CN"/>
+          </a:p>
+          <a:p>
+            <a:pPr lvl="2"/>
+            <a:r>
+              <a:rPr lang="en-US" altLang="zh-CN">
+                <a:sym typeface="+mn-ea"/>
+              </a:rPr>
+              <a:t>It’s not allowed as it’s used as foreign key</a:t>
+            </a:r>
+            <a:endParaRPr lang="en-US" altLang="zh-CN">
+              <a:sym typeface="+mn-ea"/>
+            </a:endParaRPr>
+          </a:p>
+          <a:p>
+            <a:pPr lvl="2"/>
+            <a:r>
+              <a:rPr lang="en-US" altLang="zh-CN">
+                <a:sym typeface="+mn-ea"/>
+              </a:rPr>
+              <a:t>Update sqlite db first</a:t>
+            </a:r>
+            <a:endParaRPr lang="en-US" altLang="zh-CN">
+              <a:sym typeface="+mn-ea"/>
+            </a:endParaRPr>
+          </a:p>
+          <a:p>
+            <a:pPr lvl="1"/>
+            <a:r>
+              <a:rPr lang="en-US" altLang="zh-CN">
+                <a:sym typeface="+mn-ea"/>
+              </a:rPr>
+              <a:t>(psycopg2.OperationalError) lost synchronization with server: got message type "</a:t>
+            </a:r>
+            <a:endParaRPr lang="en-US" altLang="zh-CN">
+              <a:sym typeface="+mn-ea"/>
+            </a:endParaRPr>
+          </a:p>
+          <a:p>
+            <a:pPr lvl="2"/>
+            <a:r>
+              <a:rPr lang="en-US" altLang="zh-CN" sz="1800">
+                <a:sym typeface="+mn-ea"/>
+              </a:rPr>
+              <a:t>caused by “gunicorn --preload”</a:t>
+            </a:r>
+            <a:endParaRPr lang="en-US" altLang="zh-CN" sz="1800">
+              <a:sym typeface="+mn-ea"/>
+            </a:endParaRPr>
+          </a:p>
+          <a:p>
+            <a:pPr lvl="2"/>
+            <a:r>
+              <a:rPr lang="en-US" altLang="zh-CN" sz="1800">
+                <a:sym typeface="+mn-ea"/>
+              </a:rPr>
+              <a:t>solution: remove “--preload”</a:t>
+            </a:r>
+            <a:endParaRPr lang="en-US" altLang="zh-CN">
+              <a:sym typeface="+mn-ea"/>
+            </a:endParaRPr>
+          </a:p>
+          <a:p>
+            <a:pPr lvl="1"/>
+            <a:endParaRPr lang="en-US" altLang="zh-CN" sz="2665"/>
+          </a:p>
+          <a:p>
+            <a:endParaRPr lang="zh-CN" altLang="en-US"/>
+          </a:p>
+        </p:txBody>
+      </p:sp>
+    </p:spTree>
+    <p:custDataLst>
+      <p:tags r:id="rId1"/>
+    </p:custDataLst>
+  </p:cSld>
+  <p:clrMapOvr>
+    <a:masterClrMapping/>
+  </p:clrMapOvr>
+</p:sld>
+</file>
+
+<file path=ppt/slides/slide15.xml><?xml version="1.0" encoding="utf-8"?>
 <p:sld xmlns:a="http://schemas.openxmlformats.org/drawingml/2006/main" xmlns:r="http://schemas.openxmlformats.org/officeDocument/2006/relationships" xmlns:p="http://schemas.openxmlformats.org/presentationml/2006/main">
   <p:cSld>
     <p:spTree>
@@ -4528,7 +4877,7 @@
 </p:sld>
 </file>
 
-<file path=ppt/slides/slide14.xml><?xml version="1.0" encoding="utf-8"?>
+<file path=ppt/slides/slide16.xml><?xml version="1.0" encoding="utf-8"?>
 <p:sld xmlns:a="http://schemas.openxmlformats.org/drawingml/2006/main" xmlns:r="http://schemas.openxmlformats.org/officeDocument/2006/relationships" xmlns:p="http://schemas.openxmlformats.org/presentationml/2006/main">
   <p:cSld>
     <p:spTree>
@@ -4601,7 +4950,7 @@
 </p:sld>
 </file>
 
-<file path=ppt/slides/slide15.xml><?xml version="1.0" encoding="utf-8"?>
+<file path=ppt/slides/slide17.xml><?xml version="1.0" encoding="utf-8"?>
 <p:sld xmlns:a="http://schemas.openxmlformats.org/drawingml/2006/main" xmlns:r="http://schemas.openxmlformats.org/officeDocument/2006/relationships" xmlns:p="http://schemas.openxmlformats.org/presentationml/2006/main">
   <p:cSld>
     <p:spTree>
@@ -4820,8 +5169,8 @@
           </p:nvPr>
         </p:nvGraphicFramePr>
         <p:xfrm>
-          <a:off x="706755" y="1209675"/>
-          <a:ext cx="10744200" cy="5638800"/>
+          <a:off x="706755" y="1007110"/>
+          <a:ext cx="10744200" cy="5693410"/>
         </p:xfrm>
         <a:graphic>
           <a:graphicData uri="http://schemas.openxmlformats.org/drawingml/2006/table">
@@ -4884,7 +5233,7 @@
                   <a:tcPr anchor="ctr" anchorCtr="0"/>
                 </a:tc>
               </a:tr>
-              <a:tr h="731520">
+              <a:tr h="640080">
                 <a:tc>
                   <a:txBody>
                     <a:bodyPr/>
@@ -4893,10 +5242,10 @@
                         <a:buNone/>
                       </a:pPr>
                       <a:r>
-                        <a:rPr lang="en-US" altLang="zh-CN" sz="1400"/>
+                        <a:rPr lang="en-US" altLang="zh-CN" sz="1200"/>
                         <a:t>Select records</a:t>
                       </a:r>
-                      <a:endParaRPr lang="en-US" altLang="zh-CN" sz="1400"/>
+                      <a:endParaRPr lang="en-US" altLang="zh-CN" sz="1200"/>
                     </a:p>
                   </a:txBody>
                   <a:tcPr/>
@@ -4909,12 +5258,12 @@
                         <a:buNone/>
                       </a:pPr>
                       <a:r>
-                        <a:rPr lang="en-US" altLang="zh-CN" sz="1400">
+                        <a:rPr lang="en-US" altLang="zh-CN" sz="1200">
                           <a:sym typeface="+mn-ea"/>
                         </a:rPr>
                         <a:t>select distinct {column-name} from {table-name} order by id desc limit 10</a:t>
                       </a:r>
-                      <a:endParaRPr lang="en-US" altLang="zh-CN" sz="1400">
+                      <a:endParaRPr lang="en-US" altLang="zh-CN" sz="1200">
                         <a:sym typeface="+mn-ea"/>
                       </a:endParaRPr>
                     </a:p>
@@ -4929,24 +5278,24 @@
                         <a:buNone/>
                       </a:pPr>
                       <a:r>
-                        <a:rPr lang="zh-CN" altLang="en-US" sz="1400"/>
+                        <a:rPr lang="zh-CN" altLang="en-US" sz="1200"/>
                         <a:t>select </a:t>
                       </a:r>
                       <a:r>
-                        <a:rPr lang="en-US" altLang="zh-CN" sz="1400"/>
+                        <a:rPr lang="en-US" altLang="zh-CN" sz="1200"/>
                         <a:t>id,</a:t>
                       </a:r>
                       <a:r>
-                        <a:rPr lang="zh-CN" altLang="en-US" sz="1400"/>
+                        <a:rPr lang="zh-CN" altLang="en-US" sz="1200"/>
                         <a:t>phone,jd_amount from registered_user where phone like '%18657141696%';</a:t>
                       </a:r>
-                      <a:endParaRPr lang="zh-CN" altLang="en-US" sz="1400"/>
+                      <a:endParaRPr lang="zh-CN" altLang="en-US" sz="1200"/>
                     </a:p>
                   </a:txBody>
                   <a:tcPr/>
                 </a:tc>
               </a:tr>
-              <a:tr h="304800">
+              <a:tr h="274320">
                 <a:tc>
                   <a:txBody>
                     <a:bodyPr/>
@@ -4955,10 +5304,10 @@
                         <a:buNone/>
                       </a:pPr>
                       <a:r>
-                        <a:rPr lang="en-US" altLang="zh-CN" sz="1400"/>
+                        <a:rPr lang="en-US" altLang="zh-CN" sz="1200"/>
                         <a:t>Rename a table</a:t>
                       </a:r>
-                      <a:endParaRPr lang="en-US" altLang="zh-CN" sz="1400"/>
+                      <a:endParaRPr lang="en-US" altLang="zh-CN" sz="1200"/>
                     </a:p>
                   </a:txBody>
                   <a:tcPr/>
@@ -4971,12 +5320,12 @@
                         <a:buNone/>
                       </a:pPr>
                       <a:r>
-                        <a:rPr lang="en-US" altLang="zh-CN" sz="1400">
+                        <a:rPr lang="en-US" altLang="zh-CN" sz="1200">
                           <a:sym typeface="+mn-ea"/>
                         </a:rPr>
                         <a:t>alter table {old_table_name} rename to {new_table_name}</a:t>
                       </a:r>
-                      <a:endParaRPr lang="en-US" altLang="zh-CN" sz="1400">
+                      <a:endParaRPr lang="en-US" altLang="zh-CN" sz="1200">
                         <a:sym typeface="+mn-ea"/>
                       </a:endParaRPr>
                     </a:p>
@@ -4990,13 +5339,13 @@
                       <a:pPr algn="l">
                         <a:buNone/>
                       </a:pPr>
-                      <a:endParaRPr lang="zh-CN" altLang="en-US" sz="1400"/>
+                      <a:endParaRPr lang="zh-CN" altLang="en-US" sz="1200"/>
                     </a:p>
                   </a:txBody>
                   <a:tcPr/>
                 </a:tc>
               </a:tr>
-              <a:tr h="304800">
+              <a:tr h="274320">
                 <a:tc>
                   <a:txBody>
                     <a:bodyPr/>
@@ -5005,10 +5354,10 @@
                         <a:buNone/>
                       </a:pPr>
                       <a:r>
-                        <a:rPr lang="en-US" altLang="zh-CN" sz="1400"/>
+                        <a:rPr lang="en-US" altLang="zh-CN" sz="1200"/>
                         <a:t>Deleta a table</a:t>
                       </a:r>
-                      <a:endParaRPr lang="en-US" altLang="zh-CN" sz="1400"/>
+                      <a:endParaRPr lang="en-US" altLang="zh-CN" sz="1200"/>
                     </a:p>
                   </a:txBody>
                   <a:tcPr/>
@@ -5021,10 +5370,10 @@
                         <a:buNone/>
                       </a:pPr>
                       <a:r>
-                        <a:rPr lang="en-US" altLang="zh-CN" sz="1400"/>
+                        <a:rPr lang="en-US" altLang="zh-CN" sz="1200"/>
                         <a:t>drop table “{table_name}”</a:t>
                       </a:r>
-                      <a:endParaRPr lang="en-US" altLang="zh-CN" sz="1400"/>
+                      <a:endParaRPr lang="en-US" altLang="zh-CN" sz="1200"/>
                     </a:p>
                   </a:txBody>
                   <a:tcPr/>
@@ -5036,13 +5385,13 @@
                       <a:pPr algn="l">
                         <a:buNone/>
                       </a:pPr>
-                      <a:endParaRPr lang="zh-CN" altLang="en-US" sz="1400"/>
+                      <a:endParaRPr lang="zh-CN" altLang="en-US" sz="1200"/>
                     </a:p>
                   </a:txBody>
                   <a:tcPr/>
                 </a:tc>
               </a:tr>
-              <a:tr h="518160">
+              <a:tr h="457200">
                 <a:tc>
                   <a:txBody>
                     <a:bodyPr/>
@@ -5051,10 +5400,10 @@
                         <a:buNone/>
                       </a:pPr>
                       <a:r>
-                        <a:rPr lang="en-US" altLang="zh-CN" sz="1400"/>
+                        <a:rPr lang="en-US" altLang="zh-CN" sz="1200"/>
                         <a:t>Add a column</a:t>
                       </a:r>
-                      <a:endParaRPr lang="en-US" altLang="zh-CN" sz="1400"/>
+                      <a:endParaRPr lang="en-US" altLang="zh-CN" sz="1200"/>
                     </a:p>
                   </a:txBody>
                   <a:tcPr/>
@@ -5067,20 +5416,20 @@
                         <a:buNone/>
                       </a:pPr>
                       <a:r>
-                        <a:rPr lang="en-US" altLang="zh-CN" sz="1400"/>
+                        <a:rPr lang="en-US" altLang="zh-CN" sz="1200"/>
                         <a:t>alter table {table_name} add {column_name} varchar NULL</a:t>
                       </a:r>
-                      <a:endParaRPr lang="en-US" altLang="zh-CN" sz="1400"/>
+                      <a:endParaRPr lang="en-US" altLang="zh-CN" sz="1200"/>
                     </a:p>
                     <a:p>
                       <a:pPr algn="l">
                         <a:buNone/>
                       </a:pPr>
                       <a:r>
-                        <a:rPr lang="en-US" altLang="zh-CN" sz="1400"/>
+                        <a:rPr lang="en-US" altLang="zh-CN" sz="1200"/>
                         <a:t>alter table capture add time_called timestamp without time zone;</a:t>
                       </a:r>
-                      <a:endParaRPr lang="en-US" altLang="zh-CN" sz="1400"/>
+                      <a:endParaRPr lang="en-US" altLang="zh-CN" sz="1200"/>
                     </a:p>
                   </a:txBody>
                   <a:tcPr/>
@@ -5092,13 +5441,13 @@
                       <a:pPr algn="l">
                         <a:buNone/>
                       </a:pPr>
-                      <a:endParaRPr lang="zh-CN" altLang="en-US" sz="1400"/>
+                      <a:endParaRPr lang="zh-CN" altLang="en-US" sz="1200"/>
                     </a:p>
                   </a:txBody>
                   <a:tcPr/>
                 </a:tc>
               </a:tr>
-              <a:tr h="304800">
+              <a:tr h="274320">
                 <a:tc>
                   <a:txBody>
                     <a:bodyPr/>
@@ -5107,10 +5456,10 @@
                         <a:buNone/>
                       </a:pPr>
                       <a:r>
-                        <a:rPr lang="en-US" altLang="zh-CN" sz="1400"/>
+                        <a:rPr lang="en-US" altLang="zh-CN" sz="1200"/>
                         <a:t>Remove a column</a:t>
                       </a:r>
-                      <a:endParaRPr lang="en-US" altLang="zh-CN" sz="1400"/>
+                      <a:endParaRPr lang="en-US" altLang="zh-CN" sz="1200"/>
                     </a:p>
                   </a:txBody>
                   <a:tcPr/>
@@ -5123,10 +5472,10 @@
                         <a:buNone/>
                       </a:pPr>
                       <a:r>
-                        <a:rPr lang="en-US" altLang="zh-CN" sz="1400"/>
+                        <a:rPr lang="en-US" altLang="zh-CN" sz="1200"/>
                         <a:t>alter table {table_name} drop column {column_name}</a:t>
                       </a:r>
-                      <a:endParaRPr lang="en-US" altLang="zh-CN" sz="1400"/>
+                      <a:endParaRPr lang="en-US" altLang="zh-CN" sz="1200"/>
                     </a:p>
                   </a:txBody>
                   <a:tcPr/>
@@ -5138,13 +5487,13 @@
                       <a:pPr algn="l">
                         <a:buNone/>
                       </a:pPr>
-                      <a:endParaRPr lang="zh-CN" altLang="en-US" sz="1400"/>
+                      <a:endParaRPr lang="zh-CN" altLang="en-US" sz="1200"/>
                     </a:p>
                   </a:txBody>
                   <a:tcPr/>
                 </a:tc>
               </a:tr>
-              <a:tr h="518160">
+              <a:tr h="274320">
                 <a:tc>
                   <a:txBody>
                     <a:bodyPr/>
@@ -5153,10 +5502,10 @@
                         <a:buNone/>
                       </a:pPr>
                       <a:r>
-                        <a:rPr lang="en-US" altLang="zh-CN" sz="1400"/>
-                        <a:t>Modify a column</a:t>
+                        <a:rPr lang="en-US" altLang="zh-CN" sz="1200"/>
+                        <a:t>Rename a column</a:t>
                       </a:r>
-                      <a:endParaRPr lang="en-US" altLang="zh-CN" sz="1400"/>
+                      <a:endParaRPr lang="en-US" altLang="zh-CN" sz="1200"/>
                     </a:p>
                   </a:txBody>
                   <a:tcPr/>
@@ -5169,10 +5518,20 @@
                         <a:buNone/>
                       </a:pPr>
                       <a:r>
-                        <a:rPr lang="en-US" altLang="zh-CN" sz="1400"/>
-                        <a:t>alter table {table_name} modify column {column_name} {data_type}</a:t>
+                        <a:rPr lang="en-US" altLang="zh-CN" sz="1200"/>
+                        <a:t>alter table </a:t>
                       </a:r>
-                      <a:endParaRPr lang="en-US" altLang="zh-CN" sz="1400"/>
+                      <a:r>
+                        <a:rPr lang="en-US" altLang="zh-CN" sz="1200">
+                          <a:sym typeface="+mn-ea"/>
+                        </a:rPr>
+                        <a:t>{table_name} </a:t>
+                      </a:r>
+                      <a:r>
+                        <a:rPr lang="en-US" altLang="zh-CN" sz="1200"/>
+                        <a:t>rename column {A} to {B}</a:t>
+                      </a:r>
+                      <a:endParaRPr lang="en-US" altLang="zh-CN" sz="1200"/>
                     </a:p>
                   </a:txBody>
                   <a:tcPr/>
@@ -5184,13 +5543,13 @@
                       <a:pPr algn="l">
                         <a:buNone/>
                       </a:pPr>
-                      <a:endParaRPr lang="zh-CN" altLang="en-US" sz="1400"/>
+                      <a:endParaRPr lang="zh-CN" altLang="en-US" sz="1200"/>
                     </a:p>
                   </a:txBody>
                   <a:tcPr/>
                 </a:tc>
               </a:tr>
-              <a:tr h="518160">
+              <a:tr h="389890">
                 <a:tc>
                   <a:txBody>
                     <a:bodyPr/>
@@ -5199,10 +5558,10 @@
                         <a:buNone/>
                       </a:pPr>
                       <a:r>
-                        <a:rPr lang="en-US" altLang="zh-CN" sz="1400"/>
-                        <a:t>Modify a column (postgresql)</a:t>
+                        <a:rPr lang="en-US" altLang="zh-CN" sz="1200"/>
+                        <a:t>Modify a column</a:t>
                       </a:r>
-                      <a:endParaRPr lang="en-US" altLang="zh-CN" sz="1400"/>
+                      <a:endParaRPr lang="en-US" altLang="zh-CN" sz="1200"/>
                     </a:p>
                   </a:txBody>
                   <a:tcPr/>
@@ -5215,12 +5574,10 @@
                         <a:buNone/>
                       </a:pPr>
                       <a:r>
-                        <a:rPr lang="en-US" altLang="zh-CN" sz="1400">
-                          <a:sym typeface="+mn-ea"/>
-                        </a:rPr>
-                        <a:t>alter table {table_name} alter column {column_name} type {data_type}</a:t>
+                        <a:rPr lang="en-US" altLang="zh-CN" sz="1200"/>
+                        <a:t>alter table {table_name} modify column {column_name} {data_type}</a:t>
                       </a:r>
-                      <a:endParaRPr lang="en-US" altLang="zh-CN" sz="1400"/>
+                      <a:endParaRPr lang="en-US" altLang="zh-CN" sz="1200"/>
                     </a:p>
                   </a:txBody>
                   <a:tcPr/>
@@ -5232,13 +5589,13 @@
                       <a:pPr algn="l">
                         <a:buNone/>
                       </a:pPr>
-                      <a:endParaRPr lang="zh-CN" altLang="en-US" sz="1400"/>
+                      <a:endParaRPr lang="zh-CN" altLang="en-US" sz="1200"/>
                     </a:p>
                   </a:txBody>
                   <a:tcPr/>
                 </a:tc>
               </a:tr>
-              <a:tr h="518160">
+              <a:tr h="457200">
                 <a:tc>
                   <a:txBody>
                     <a:bodyPr/>
@@ -5247,10 +5604,10 @@
                         <a:buNone/>
                       </a:pPr>
                       <a:r>
-                        <a:rPr lang="en-US" altLang="zh-CN" sz="1400"/>
-                        <a:t>Update record</a:t>
+                        <a:rPr lang="en-US" altLang="zh-CN" sz="1200"/>
+                        <a:t>Modify a column (postgresql)</a:t>
                       </a:r>
-                      <a:endParaRPr lang="en-US" altLang="zh-CN" sz="1400"/>
+                      <a:endParaRPr lang="en-US" altLang="zh-CN" sz="1200"/>
                     </a:p>
                   </a:txBody>
                   <a:tcPr/>
@@ -5263,10 +5620,44 @@
                         <a:buNone/>
                       </a:pPr>
                       <a:r>
-                        <a:rPr lang="en-US" altLang="zh-CN" sz="1400"/>
-                        <a:t>update {table_name} set {col1}={value1} where {condition};</a:t>
+                        <a:rPr lang="en-US" altLang="zh-CN" sz="1200">
+                          <a:sym typeface="+mn-ea"/>
+                        </a:rPr>
+                        <a:t>alter table {table_name} alter column {column_name} type {data_type}</a:t>
                       </a:r>
-                      <a:endParaRPr lang="en-US" altLang="zh-CN" sz="1400"/>
+                      <a:endParaRPr lang="en-US" altLang="zh-CN" sz="1200">
+                        <a:sym typeface="+mn-ea"/>
+                      </a:endParaRPr>
+                    </a:p>
+                  </a:txBody>
+                  <a:tcPr/>
+                </a:tc>
+                <a:tc>
+                  <a:txBody>
+                    <a:bodyPr/>
+                    <a:p>
+                      <a:pPr algn="l">
+                        <a:buNone/>
+                      </a:pPr>
+                      <a:endParaRPr lang="zh-CN" altLang="en-US" sz="1200"/>
+                    </a:p>
+                  </a:txBody>
+                  <a:tcPr/>
+                </a:tc>
+              </a:tr>
+              <a:tr h="457200">
+                <a:tc>
+                  <a:txBody>
+                    <a:bodyPr/>
+                    <a:p>
+                      <a:pPr algn="l">
+                        <a:buNone/>
+                      </a:pPr>
+                      <a:r>
+                        <a:rPr lang="en-US" altLang="zh-CN" sz="1200"/>
+                        <a:t>Modify a column to remove unique constraint</a:t>
+                      </a:r>
+                      <a:endParaRPr lang="en-US" altLang="zh-CN" sz="1200"/>
                     </a:p>
                   </a:txBody>
                   <a:tcPr/>
@@ -5279,28 +5670,14 @@
                         <a:buNone/>
                       </a:pPr>
                       <a:r>
-                        <a:rPr lang="zh-CN" altLang="en-US" sz="1400"/>
-                        <a:t>update registered_user set jd_amount=11 where id=5298;</a:t>
+                        <a:rPr lang="en-US" altLang="zh-CN" sz="1200">
+                          <a:sym typeface="+mn-ea"/>
+                        </a:rPr>
+                        <a:t>ALTER TABLE tbl_name DROP CONSTRAINT {constraint_name};</a:t>
                       </a:r>
-                      <a:endParaRPr lang="zh-CN" altLang="en-US" sz="1400"/>
-                    </a:p>
-                  </a:txBody>
-                  <a:tcPr/>
-                </a:tc>
-              </a:tr>
-              <a:tr h="304800">
-                <a:tc>
-                  <a:txBody>
-                    <a:bodyPr/>
-                    <a:p>
-                      <a:pPr algn="l">
-                        <a:buNone/>
-                      </a:pPr>
-                      <a:r>
-                        <a:rPr lang="en-US" altLang="zh-CN" sz="1400"/>
-                        <a:t>Remove a DB</a:t>
-                      </a:r>
-                      <a:endParaRPr lang="en-US" altLang="zh-CN" sz="1400"/>
+                      <a:endParaRPr lang="en-US" altLang="zh-CN" sz="1200">
+                        <a:sym typeface="+mn-ea"/>
+                      </a:endParaRPr>
                     </a:p>
                   </a:txBody>
                   <a:tcPr/>
@@ -5313,28 +5690,16 @@
                         <a:buNone/>
                       </a:pPr>
                       <a:r>
-                        <a:rPr lang="en-US" altLang="zh-CN" sz="1400"/>
-                        <a:t>drop database {db_name}</a:t>
+                        <a:rPr lang="en-US" altLang="zh-CN" sz="1200"/>
+                        <a:t>\d {table} to get constraint_name</a:t>
                       </a:r>
-                      <a:endParaRPr lang="en-US" altLang="zh-CN" sz="1400"/>
-                    </a:p>
-                  </a:txBody>
-                  <a:tcPr/>
-                </a:tc>
-                <a:tc>
-                  <a:txBody>
-                    <a:bodyPr/>
-                    <a:p>
-                      <a:pPr algn="l">
-                        <a:buNone/>
-                      </a:pPr>
-                      <a:endParaRPr lang="zh-CN" altLang="en-US" sz="1400"/>
+                      <a:endParaRPr lang="en-US" altLang="zh-CN" sz="1200"/>
                     </a:p>
                   </a:txBody>
                   <a:tcPr/>
                 </a:tc>
               </a:tr>
-              <a:tr h="944880">
+              <a:tr h="457200">
                 <a:tc>
                   <a:txBody>
                     <a:bodyPr/>
@@ -5343,10 +5708,10 @@
                         <a:buNone/>
                       </a:pPr>
                       <a:r>
-                        <a:rPr lang="en-US" altLang="zh-CN" sz="1400"/>
-                        <a:t>Add record</a:t>
+                        <a:rPr lang="en-US" altLang="zh-CN" sz="1200"/>
+                        <a:t>Update record</a:t>
                       </a:r>
-                      <a:endParaRPr lang="en-US" altLang="zh-CN" sz="1400"/>
+                      <a:endParaRPr lang="en-US" altLang="zh-CN" sz="1200"/>
                     </a:p>
                   </a:txBody>
                   <a:tcPr/>
@@ -5359,70 +5724,10 @@
                         <a:buNone/>
                       </a:pPr>
                       <a:r>
-                        <a:rPr lang="en-US" altLang="zh-CN" sz="1400"/>
-                        <a:t>INSERT INTO {table_name}</a:t>
+                        <a:rPr lang="en-US" altLang="zh-CN" sz="1200"/>
+                        <a:t>update {table_name} set {col1}={value1} where {condition};</a:t>
                       </a:r>
-                      <a:endParaRPr lang="en-US" altLang="zh-CN" sz="1400"/>
-                    </a:p>
-                    <a:p>
-                      <a:pPr algn="l">
-                        <a:buNone/>
-                      </a:pPr>
-                      <a:r>
-                        <a:rPr lang="en-US" altLang="zh-CN" sz="1400"/>
-                        <a:t>VALUES (value1, value2, value3...);</a:t>
-                      </a:r>
-                      <a:endParaRPr lang="en-US" altLang="zh-CN" sz="1400"/>
-                    </a:p>
-                    <a:p>
-                      <a:pPr algn="l">
-                        <a:buNone/>
-                      </a:pPr>
-                      <a:r>
-                        <a:rPr lang="en-US" altLang="zh-CN" sz="1400"/>
-                        <a:t>INSERT INTO table_name(column1, column2...)</a:t>
-                      </a:r>
-                      <a:endParaRPr lang="en-US" altLang="zh-CN" sz="1400"/>
-                    </a:p>
-                    <a:p>
-                      <a:pPr algn="l">
-                        <a:buNone/>
-                      </a:pPr>
-                      <a:r>
-                        <a:rPr lang="en-US" altLang="zh-CN" sz="1400"/>
-                        <a:t>VALUES (value1, value2...);</a:t>
-                      </a:r>
-                      <a:endParaRPr lang="en-US" altLang="zh-CN" sz="1400"/>
-                    </a:p>
-                  </a:txBody>
-                  <a:tcPr/>
-                </a:tc>
-                <a:tc>
-                  <a:txBody>
-                    <a:bodyPr/>
-                    <a:p>
-                      <a:pPr algn="l">
-                        <a:buNone/>
-                      </a:pPr>
-                      <a:endParaRPr lang="zh-CN" altLang="en-US" sz="1400"/>
-                    </a:p>
-                  </a:txBody>
-                  <a:tcPr/>
-                </a:tc>
-              </a:tr>
-              <a:tr h="304800">
-                <a:tc>
-                  <a:txBody>
-                    <a:bodyPr/>
-                    <a:p>
-                      <a:pPr algn="l">
-                        <a:buNone/>
-                      </a:pPr>
-                      <a:r>
-                        <a:rPr lang="en-US" altLang="zh-CN" sz="1400"/>
-                        <a:t>Delete record</a:t>
-                      </a:r>
-                      <a:endParaRPr lang="en-US" altLang="zh-CN" sz="1400"/>
+                      <a:endParaRPr lang="en-US" altLang="zh-CN" sz="1200"/>
                     </a:p>
                   </a:txBody>
                   <a:tcPr/>
@@ -5435,10 +5740,28 @@
                         <a:buNone/>
                       </a:pPr>
                       <a:r>
-                        <a:rPr lang="en-US" altLang="zh-CN" sz="1400"/>
-                        <a:t>delete from {table_name} where id=1;</a:t>
+                        <a:rPr lang="zh-CN" altLang="en-US" sz="1200"/>
+                        <a:t>update registered_user set jd_amount=11 where id=5298;</a:t>
                       </a:r>
-                      <a:endParaRPr lang="en-US" altLang="zh-CN" sz="1400"/>
+                      <a:endParaRPr lang="zh-CN" altLang="en-US" sz="1200"/>
+                    </a:p>
+                  </a:txBody>
+                  <a:tcPr/>
+                </a:tc>
+              </a:tr>
+              <a:tr h="274320">
+                <a:tc>
+                  <a:txBody>
+                    <a:bodyPr/>
+                    <a:p>
+                      <a:pPr algn="l">
+                        <a:buNone/>
+                      </a:pPr>
+                      <a:r>
+                        <a:rPr lang="en-US" altLang="zh-CN" sz="1200"/>
+                        <a:t>Remove a DB</a:t>
+                      </a:r>
+                      <a:endParaRPr lang="en-US" altLang="zh-CN" sz="1200"/>
                     </a:p>
                   </a:txBody>
                   <a:tcPr/>
@@ -5450,7 +5773,159 @@
                       <a:pPr algn="l">
                         <a:buNone/>
                       </a:pPr>
-                      <a:endParaRPr lang="zh-CN" altLang="en-US" sz="1400"/>
+                      <a:r>
+                        <a:rPr lang="en-US" altLang="zh-CN" sz="1200"/>
+                        <a:t>drop database {db_name}</a:t>
+                      </a:r>
+                      <a:endParaRPr lang="en-US" altLang="zh-CN" sz="1200"/>
+                    </a:p>
+                  </a:txBody>
+                  <a:tcPr/>
+                </a:tc>
+                <a:tc>
+                  <a:txBody>
+                    <a:bodyPr/>
+                    <a:p>
+                      <a:pPr algn="l">
+                        <a:buNone/>
+                      </a:pPr>
+                      <a:endParaRPr lang="zh-CN" altLang="en-US" sz="1200"/>
+                    </a:p>
+                  </a:txBody>
+                  <a:tcPr/>
+                </a:tc>
+              </a:tr>
+              <a:tr h="822960">
+                <a:tc>
+                  <a:txBody>
+                    <a:bodyPr/>
+                    <a:p>
+                      <a:pPr algn="l">
+                        <a:buNone/>
+                      </a:pPr>
+                      <a:r>
+                        <a:rPr lang="en-US" altLang="zh-CN" sz="1200"/>
+                        <a:t>Add record</a:t>
+                      </a:r>
+                      <a:endParaRPr lang="en-US" altLang="zh-CN" sz="1200"/>
+                    </a:p>
+                  </a:txBody>
+                  <a:tcPr/>
+                </a:tc>
+                <a:tc>
+                  <a:txBody>
+                    <a:bodyPr/>
+                    <a:p>
+                      <a:pPr algn="l">
+                        <a:buNone/>
+                      </a:pPr>
+                      <a:r>
+                        <a:rPr lang="en-US" altLang="zh-CN" sz="1200"/>
+                        <a:t>INSERT INTO {table_name}</a:t>
+                      </a:r>
+                      <a:endParaRPr lang="en-US" altLang="zh-CN" sz="1200"/>
+                    </a:p>
+                    <a:p>
+                      <a:pPr algn="l">
+                        <a:buNone/>
+                      </a:pPr>
+                      <a:r>
+                        <a:rPr lang="en-US" altLang="zh-CN" sz="1200"/>
+                        <a:t>VALUES (value1, value2, value3...);</a:t>
+                      </a:r>
+                      <a:endParaRPr lang="en-US" altLang="zh-CN" sz="1200"/>
+                    </a:p>
+                    <a:p>
+                      <a:pPr algn="l">
+                        <a:buNone/>
+                      </a:pPr>
+                      <a:r>
+                        <a:rPr lang="en-US" altLang="zh-CN" sz="1200"/>
+                        <a:t>INSERT INTO table_name(column1, column2...)</a:t>
+                      </a:r>
+                      <a:endParaRPr lang="en-US" altLang="zh-CN" sz="1200"/>
+                    </a:p>
+                    <a:p>
+                      <a:pPr algn="l">
+                        <a:buNone/>
+                      </a:pPr>
+                      <a:r>
+                        <a:rPr lang="en-US" altLang="zh-CN" sz="1200"/>
+                        <a:t>VALUES (value1, value2...);</a:t>
+                      </a:r>
+                      <a:endParaRPr lang="en-US" altLang="zh-CN" sz="1200"/>
+                    </a:p>
+                  </a:txBody>
+                  <a:tcPr/>
+                </a:tc>
+                <a:tc>
+                  <a:txBody>
+                    <a:bodyPr/>
+                    <a:p>
+                      <a:pPr algn="l">
+                        <a:buNone/>
+                      </a:pPr>
+                      <a:r>
+                        <a:rPr lang="zh-CN" altLang="en-US" sz="1200"/>
+                        <a:t>insert into product (name, full_name, unit_price) values ('tour_video_dewatermark', '漫游视频去</a:t>
+                      </a:r>
+                      <a:endParaRPr lang="zh-CN" altLang="en-US" sz="1200"/>
+                    </a:p>
+                    <a:p>
+                      <a:pPr algn="l">
+                        <a:buNone/>
+                      </a:pPr>
+                      <a:r>
+                        <a:rPr lang="zh-CN" altLang="en-US" sz="1200"/>
+                        <a:t>水印', '500');</a:t>
+                      </a:r>
+                      <a:endParaRPr lang="zh-CN" altLang="en-US" sz="1200"/>
+                    </a:p>
+                  </a:txBody>
+                  <a:tcPr/>
+                </a:tc>
+              </a:tr>
+              <a:tr h="274320">
+                <a:tc>
+                  <a:txBody>
+                    <a:bodyPr/>
+                    <a:p>
+                      <a:pPr algn="l">
+                        <a:buNone/>
+                      </a:pPr>
+                      <a:r>
+                        <a:rPr lang="en-US" altLang="zh-CN" sz="1200"/>
+                        <a:t>Delete record</a:t>
+                      </a:r>
+                      <a:endParaRPr lang="en-US" altLang="zh-CN" sz="1200"/>
+                    </a:p>
+                  </a:txBody>
+                  <a:tcPr/>
+                </a:tc>
+                <a:tc>
+                  <a:txBody>
+                    <a:bodyPr/>
+                    <a:p>
+                      <a:pPr algn="l">
+                        <a:buNone/>
+                      </a:pPr>
+                      <a:r>
+                        <a:rPr lang="en-US" altLang="zh-CN" sz="1200"/>
+                        <a:t>delete from {table_name} where id=1;</a:t>
+                      </a:r>
+                      <a:endParaRPr lang="en-US" altLang="zh-CN" sz="1200"/>
+                    </a:p>
+                  </a:txBody>
+                  <a:tcPr/>
+                </a:tc>
+                <a:tc>
+                  <a:txBody>
+                    <a:bodyPr/>
+                    <a:p>
+                      <a:pPr algn="l">
+                        <a:buNone/>
+                      </a:pPr>
+                      <a:endParaRPr lang="zh-CN" altLang="en-US" sz="1200"/>
                     </a:p>
                   </a:txBody>
                   <a:tcPr/>
@@ -5894,7 +6369,7 @@
       <p:grpSpPr/>
       <p:sp>
         <p:nvSpPr>
-          <p:cNvPr id="2" name="标题 1"/>
+          <p:cNvPr id="4" name="标题 3"/>
           <p:cNvSpPr>
             <a:spLocks noGrp="1"/>
           </p:cNvSpPr>
@@ -5908,293 +6383,27 @@
           <a:p>
             <a:r>
               <a:rPr lang="en-US" altLang="zh-CN"/>
-              <a:t>Postgresql</a:t>
-            </a:r>
-            <a:endParaRPr lang="en-US" altLang="zh-CN"/>
-          </a:p>
-        </p:txBody>
-      </p:sp>
-      <p:sp>
-        <p:nvSpPr>
-          <p:cNvPr id="3" name="内容占位符 2"/>
-          <p:cNvSpPr>
-            <a:spLocks noGrp="1"/>
-          </p:cNvSpPr>
-          <p:nvPr>
-            <p:ph idx="1"/>
-          </p:nvPr>
-        </p:nvSpPr>
-        <p:spPr>
-          <a:xfrm>
-            <a:off x="838200" y="1211580"/>
-            <a:ext cx="6779260" cy="4549140"/>
-          </a:xfrm>
-        </p:spPr>
-        <p:txBody>
-          <a:bodyPr>
-            <a:normAutofit fontScale="90000" lnSpcReduction="20000"/>
-          </a:bodyPr>
-          <a:p>
-            <a:pPr lvl="0"/>
-            <a:r>
-              <a:rPr lang="en-US" altLang="zh-CN" sz="2400">
-                <a:sym typeface="+mn-ea"/>
-              </a:rPr>
-              <a:t>References</a:t>
-            </a:r>
-            <a:endParaRPr lang="en-US" altLang="zh-CN" sz="2400">
-              <a:sym typeface="+mn-ea"/>
-            </a:endParaRPr>
-          </a:p>
-          <a:p>
-            <a:pPr lvl="1"/>
-            <a:r>
-              <a:rPr lang="en-US" altLang="zh-CN" sz="2000">
-                <a:sym typeface="+mn-ea"/>
-              </a:rPr>
-              <a:t>https://www.postgresql.org/docs/current/admin.html</a:t>
-            </a:r>
-            <a:endParaRPr lang="en-US" altLang="zh-CN" sz="2000">
-              <a:sym typeface="+mn-ea"/>
-            </a:endParaRPr>
-          </a:p>
-          <a:p>
-            <a:pPr lvl="0"/>
-            <a:r>
-              <a:rPr lang="en-US" altLang="zh-CN" sz="2400">
-                <a:sym typeface="+mn-ea"/>
-              </a:rPr>
-              <a:t>FAQ</a:t>
-            </a:r>
-            <a:endParaRPr lang="en-US" altLang="zh-CN" sz="2400"/>
-          </a:p>
-          <a:p>
-            <a:pPr lvl="1"/>
-            <a:r>
-              <a:rPr lang="en-US" altLang="zh-CN">
-                <a:sym typeface="+mn-ea"/>
-              </a:rPr>
-              <a:t>BLOB -&gt; LargeBinary</a:t>
-            </a:r>
-            <a:endParaRPr lang="en-US" altLang="zh-CN"/>
-          </a:p>
-          <a:p>
-            <a:pPr lvl="1"/>
-            <a:r>
-              <a:rPr lang="en-US" altLang="zh-CN">
-                <a:sym typeface="+mn-ea"/>
-              </a:rPr>
-              <a:t>This result object does not return rows. It has been closed automatically.</a:t>
-            </a:r>
-            <a:endParaRPr lang="en-US" altLang="zh-CN"/>
-          </a:p>
-          <a:p>
-            <a:pPr lvl="2"/>
-            <a:r>
-              <a:rPr lang="en-US" altLang="zh-CN" sz="2000">
-                <a:sym typeface="+mn-ea"/>
-              </a:rPr>
-              <a:t>docker-compose.yml</a:t>
-            </a:r>
-            <a:endParaRPr lang="en-US" altLang="zh-CN" sz="2000"/>
-          </a:p>
-          <a:p>
-            <a:pPr lvl="3"/>
-            <a:r>
-              <a:rPr lang="en-US" altLang="zh-CN" sz="2000">
-                <a:sym typeface="+mn-ea"/>
-              </a:rPr>
-              <a:t>gunicorn remove “--preload” option</a:t>
-            </a:r>
-            <a:endParaRPr lang="en-US" altLang="zh-CN" sz="2000">
-              <a:sym typeface="+mn-ea"/>
-            </a:endParaRPr>
-          </a:p>
-          <a:p>
-            <a:pPr lvl="0"/>
-            <a:r>
-              <a:rPr lang="en-US" altLang="zh-CN">
-                <a:sym typeface="+mn-ea"/>
-              </a:rPr>
-              <a:t>psql</a:t>
-            </a:r>
-            <a:endParaRPr lang="en-US" altLang="zh-CN">
-              <a:sym typeface="+mn-ea"/>
-            </a:endParaRPr>
-          </a:p>
-          <a:p>
-            <a:pPr lvl="0"/>
-            <a:r>
-              <a:rPr lang="en-US" altLang="zh-CN"/>
-              <a:t>Docker</a:t>
-            </a:r>
-            <a:endParaRPr lang="en-US" altLang="zh-CN"/>
-          </a:p>
-          <a:p>
-            <a:pPr lvl="1"/>
-            <a:r>
-              <a:rPr lang="en-US" altLang="zh-CN"/>
-              <a:t>sudo docker exec -it fishpano_db_1 /bin/bash</a:t>
-            </a:r>
-            <a:endParaRPr lang="en-US" altLang="zh-CN"/>
-          </a:p>
-          <a:p>
-            <a:pPr lvl="1"/>
-            <a:r>
-              <a:rPr lang="en-US" altLang="zh-CN"/>
-              <a:t>run psql -U {username} {dbname}</a:t>
-            </a:r>
-            <a:endParaRPr lang="en-US" altLang="zh-CN"/>
-          </a:p>
-          <a:p>
-            <a:pPr lvl="0"/>
-            <a:r>
-              <a:rPr lang="en-US" altLang="zh-CN"/>
-              <a:t>Commands</a:t>
-            </a:r>
-            <a:endParaRPr lang="en-US" altLang="zh-CN"/>
-          </a:p>
-          <a:p>
-            <a:pPr lvl="1"/>
-            <a:r>
-              <a:rPr lang="en-US" altLang="zh-CN"/>
-              <a:t>dropdb -U fishpano fishpano_db</a:t>
-            </a:r>
-            <a:endParaRPr lang="en-US" altLang="zh-CN"/>
-          </a:p>
-          <a:p>
-            <a:pPr lvl="1"/>
-            <a:r>
-              <a:rPr lang="en-US" altLang="zh-CN"/>
-              <a:t>createdb -U fishpano fishpano_db</a:t>
-            </a:r>
-            <a:endParaRPr lang="en-US" altLang="zh-CN"/>
-          </a:p>
-        </p:txBody>
-      </p:sp>
-      <p:sp>
-        <p:nvSpPr>
-          <p:cNvPr id="4" name="文本框 3"/>
-          <p:cNvSpPr txBox="1"/>
-          <p:nvPr/>
-        </p:nvSpPr>
-        <p:spPr>
-          <a:xfrm>
-            <a:off x="7861300" y="1424940"/>
-            <a:ext cx="3907790" cy="4523105"/>
-          </a:xfrm>
-          <a:prstGeom prst="rect">
-            <a:avLst/>
-          </a:prstGeom>
-          <a:noFill/>
-          <a:ln>
-            <a:solidFill>
-              <a:srgbClr val="FFC000"/>
-            </a:solidFill>
-          </a:ln>
-        </p:spPr>
-        <p:txBody>
-          <a:bodyPr wrap="square" rtlCol="0">
-            <a:spAutoFit/>
-          </a:bodyPr>
-          <a:p>
-            <a:r>
-              <a:rPr lang="en-US" altLang="zh-CN"/>
-              <a:t>sudo service postgresql restart</a:t>
-            </a:r>
-            <a:endParaRPr lang="en-US" altLang="zh-CN"/>
-          </a:p>
-          <a:p>
-            <a:r>
-              <a:rPr lang="en-US" altLang="zh-CN"/>
-              <a:t>sudo -u postgres psql</a:t>
-            </a:r>
-            <a:endParaRPr lang="en-US" altLang="zh-CN"/>
-          </a:p>
-          <a:p>
-            <a:r>
-              <a:rPr lang="en-US" altLang="zh-CN"/>
-              <a:t>psql -U {username} {dbname}</a:t>
-            </a:r>
-            <a:endParaRPr lang="en-US" altLang="zh-CN"/>
-          </a:p>
-          <a:p>
-            <a:endParaRPr lang="en-US" altLang="zh-CN"/>
-          </a:p>
-          <a:p>
-            <a:r>
-              <a:rPr lang="en-US" altLang="zh-CN"/>
-              <a:t>postgresql Commands:</a:t>
-            </a:r>
-            <a:endParaRPr lang="en-US" altLang="zh-CN"/>
-          </a:p>
-          <a:p>
-            <a:r>
-              <a:rPr lang="en-US" altLang="zh-CN"/>
-              <a:t># \q	// quit interactive terminal</a:t>
-            </a:r>
-            <a:endParaRPr lang="en-US" altLang="zh-CN"/>
-          </a:p>
-          <a:p>
-            <a:r>
-              <a:rPr lang="en-US" altLang="zh-CN"/>
-              <a:t># create database {dbname};</a:t>
-            </a:r>
-            <a:endParaRPr lang="en-US" altLang="zh-CN"/>
-          </a:p>
-          <a:p>
-            <a:r>
-              <a:rPr lang="en-US" altLang="zh-CN"/>
-              <a:t># \l	// list databases</a:t>
-            </a:r>
-            <a:endParaRPr lang="en-US" altLang="zh-CN"/>
-          </a:p>
-          <a:p>
-            <a:r>
-              <a:rPr lang="en-US" altLang="zh-CN">
-                <a:sym typeface="+mn-ea"/>
-              </a:rPr>
-              <a:t># \c {dbname}	// connect db</a:t>
-            </a:r>
-            <a:endParaRPr lang="en-US" altLang="zh-CN"/>
-          </a:p>
-          <a:p>
-            <a:r>
-              <a:rPr lang="en-US" altLang="zh-CN"/>
-              <a:t># \dt	// display tables</a:t>
-            </a:r>
-            <a:endParaRPr lang="en-US" altLang="zh-CN"/>
-          </a:p>
-          <a:p>
-            <a:r>
-              <a:rPr lang="en-US" altLang="zh-CN"/>
-              <a:t># \d {tablename}	// display columes in table</a:t>
-            </a:r>
-            <a:endParaRPr lang="en-US" altLang="zh-CN"/>
-          </a:p>
-          <a:p>
-            <a:r>
-              <a:rPr lang="en-US" altLang="zh-CN"/>
-              <a:t># table {tablename}</a:t>
-            </a:r>
-            <a:endParaRPr lang="en-US" altLang="zh-CN"/>
-          </a:p>
-          <a:p>
-            <a:r>
-              <a:rPr lang="en-US" altLang="zh-CN"/>
-              <a:t># select * from “{tablename}”;</a:t>
-            </a:r>
-            <a:endParaRPr lang="en-US" altLang="zh-CN"/>
-          </a:p>
-          <a:p>
-            <a:r>
-              <a:rPr lang="en-US" altLang="zh-CN"/>
-              <a:t># drop database {dbname}</a:t>
-            </a:r>
-            <a:endParaRPr lang="en-US" altLang="zh-CN"/>
-          </a:p>
-          <a:p>
-            <a:endParaRPr lang="en-US" altLang="zh-CN"/>
+              <a:t>PostgreSql</a:t>
+            </a:r>
+            <a:endParaRPr lang="en-US" altLang="zh-CN"/>
+          </a:p>
+        </p:txBody>
+      </p:sp>
+      <p:sp>
+        <p:nvSpPr>
+          <p:cNvPr id="5" name="文本占位符 4"/>
+          <p:cNvSpPr>
+            <a:spLocks noGrp="1"/>
+          </p:cNvSpPr>
+          <p:nvPr>
+            <p:ph type="body" idx="1"/>
+          </p:nvPr>
+        </p:nvSpPr>
+        <p:spPr/>
+        <p:txBody>
+          <a:bodyPr/>
+          <a:p>
+            <a:endParaRPr lang="zh-CN" altLang="en-US"/>
           </a:p>
         </p:txBody>
       </p:sp>
@@ -6235,7 +6444,334 @@
           <a:p>
             <a:r>
               <a:rPr lang="en-US" altLang="zh-CN"/>
-              <a:t>Postgresql 2</a:t>
+              <a:t>Intro</a:t>
+            </a:r>
+            <a:endParaRPr lang="en-US" altLang="zh-CN"/>
+          </a:p>
+        </p:txBody>
+      </p:sp>
+      <p:sp>
+        <p:nvSpPr>
+          <p:cNvPr id="3" name="内容占位符 2"/>
+          <p:cNvSpPr>
+            <a:spLocks noGrp="1"/>
+          </p:cNvSpPr>
+          <p:nvPr>
+            <p:ph idx="1"/>
+          </p:nvPr>
+        </p:nvSpPr>
+        <p:spPr>
+          <a:xfrm>
+            <a:off x="838200" y="1211580"/>
+            <a:ext cx="6779260" cy="4549140"/>
+          </a:xfrm>
+        </p:spPr>
+        <p:txBody>
+          <a:bodyPr>
+            <a:normAutofit fontScale="90000" lnSpcReduction="20000"/>
+          </a:bodyPr>
+          <a:p>
+            <a:pPr lvl="0"/>
+            <a:r>
+              <a:rPr lang="en-US" altLang="zh-CN" sz="2400">
+                <a:sym typeface="+mn-ea"/>
+              </a:rPr>
+              <a:t>References</a:t>
+            </a:r>
+            <a:endParaRPr lang="en-US" altLang="zh-CN" sz="2400">
+              <a:sym typeface="+mn-ea"/>
+            </a:endParaRPr>
+          </a:p>
+          <a:p>
+            <a:pPr lvl="1"/>
+            <a:r>
+              <a:rPr lang="en-US" altLang="zh-CN" sz="2000">
+                <a:sym typeface="+mn-ea"/>
+              </a:rPr>
+              <a:t>https://www.postgresql.org/docs/current/admin.html</a:t>
+            </a:r>
+            <a:endParaRPr lang="en-US" altLang="zh-CN" sz="2000">
+              <a:sym typeface="+mn-ea"/>
+            </a:endParaRPr>
+          </a:p>
+          <a:p>
+            <a:pPr lvl="0"/>
+            <a:r>
+              <a:rPr lang="en-US" altLang="zh-CN" sz="2400">
+                <a:sym typeface="+mn-ea"/>
+              </a:rPr>
+              <a:t>FAQ</a:t>
+            </a:r>
+            <a:endParaRPr lang="en-US" altLang="zh-CN" sz="2400"/>
+          </a:p>
+          <a:p>
+            <a:pPr lvl="1"/>
+            <a:r>
+              <a:rPr lang="en-US" altLang="zh-CN">
+                <a:sym typeface="+mn-ea"/>
+              </a:rPr>
+              <a:t>BLOB -&gt; LargeBinary</a:t>
+            </a:r>
+            <a:endParaRPr lang="en-US" altLang="zh-CN"/>
+          </a:p>
+          <a:p>
+            <a:pPr lvl="1"/>
+            <a:r>
+              <a:rPr lang="en-US" altLang="zh-CN">
+                <a:sym typeface="+mn-ea"/>
+              </a:rPr>
+              <a:t>This result object does not return rows. It has been closed automatically.</a:t>
+            </a:r>
+            <a:endParaRPr lang="en-US" altLang="zh-CN"/>
+          </a:p>
+          <a:p>
+            <a:pPr lvl="2"/>
+            <a:r>
+              <a:rPr lang="en-US" altLang="zh-CN" sz="2000">
+                <a:sym typeface="+mn-ea"/>
+              </a:rPr>
+              <a:t>docker-compose.yml</a:t>
+            </a:r>
+            <a:endParaRPr lang="en-US" altLang="zh-CN" sz="2000"/>
+          </a:p>
+          <a:p>
+            <a:pPr lvl="3"/>
+            <a:r>
+              <a:rPr lang="en-US" altLang="zh-CN" sz="2000">
+                <a:sym typeface="+mn-ea"/>
+              </a:rPr>
+              <a:t>gunicorn remove “--preload” option</a:t>
+            </a:r>
+            <a:endParaRPr lang="en-US" altLang="zh-CN" sz="2000">
+              <a:sym typeface="+mn-ea"/>
+            </a:endParaRPr>
+          </a:p>
+          <a:p>
+            <a:pPr lvl="0"/>
+            <a:r>
+              <a:rPr lang="en-US" altLang="zh-CN">
+                <a:sym typeface="+mn-ea"/>
+              </a:rPr>
+              <a:t>psql</a:t>
+            </a:r>
+            <a:endParaRPr lang="en-US" altLang="zh-CN">
+              <a:sym typeface="+mn-ea"/>
+            </a:endParaRPr>
+          </a:p>
+          <a:p>
+            <a:pPr lvl="0"/>
+            <a:r>
+              <a:rPr lang="en-US" altLang="zh-CN"/>
+              <a:t>Docker</a:t>
+            </a:r>
+            <a:endParaRPr lang="en-US" altLang="zh-CN"/>
+          </a:p>
+          <a:p>
+            <a:pPr lvl="1"/>
+            <a:r>
+              <a:rPr lang="en-US" altLang="zh-CN"/>
+              <a:t>sudo docker exec -it fishpano_db_1 /bin/bash</a:t>
+            </a:r>
+            <a:endParaRPr lang="en-US" altLang="zh-CN"/>
+          </a:p>
+          <a:p>
+            <a:pPr lvl="1"/>
+            <a:r>
+              <a:rPr lang="en-US" altLang="zh-CN"/>
+              <a:t>run psql -U {username} {dbname}</a:t>
+            </a:r>
+            <a:endParaRPr lang="en-US" altLang="zh-CN"/>
+          </a:p>
+          <a:p>
+            <a:pPr lvl="0"/>
+            <a:r>
+              <a:rPr lang="en-US" altLang="zh-CN"/>
+              <a:t>Commands</a:t>
+            </a:r>
+            <a:endParaRPr lang="en-US" altLang="zh-CN"/>
+          </a:p>
+          <a:p>
+            <a:pPr lvl="1"/>
+            <a:r>
+              <a:rPr lang="en-US" altLang="zh-CN"/>
+              <a:t>dropdb -U fishpano fishpano_db</a:t>
+            </a:r>
+            <a:endParaRPr lang="en-US" altLang="zh-CN"/>
+          </a:p>
+          <a:p>
+            <a:pPr lvl="1"/>
+            <a:r>
+              <a:rPr lang="en-US" altLang="zh-CN"/>
+              <a:t>createdb -U fishpano fishpano_db</a:t>
+            </a:r>
+            <a:endParaRPr lang="en-US" altLang="zh-CN"/>
+          </a:p>
+        </p:txBody>
+      </p:sp>
+      <p:sp>
+        <p:nvSpPr>
+          <p:cNvPr id="4" name="文本框 3"/>
+          <p:cNvSpPr txBox="1"/>
+          <p:nvPr/>
+        </p:nvSpPr>
+        <p:spPr>
+          <a:xfrm>
+            <a:off x="7861300" y="1424940"/>
+            <a:ext cx="3907790" cy="4523105"/>
+          </a:xfrm>
+          <a:prstGeom prst="rect">
+            <a:avLst/>
+          </a:prstGeom>
+          <a:noFill/>
+          <a:ln>
+            <a:solidFill>
+              <a:srgbClr val="FFC000"/>
+            </a:solidFill>
+          </a:ln>
+        </p:spPr>
+        <p:txBody>
+          <a:bodyPr wrap="square" rtlCol="0">
+            <a:spAutoFit/>
+          </a:bodyPr>
+          <a:p>
+            <a:r>
+              <a:rPr lang="en-US" altLang="zh-CN"/>
+              <a:t>sudo service postgresql restart</a:t>
+            </a:r>
+            <a:endParaRPr lang="en-US" altLang="zh-CN"/>
+          </a:p>
+          <a:p>
+            <a:r>
+              <a:rPr lang="en-US" altLang="zh-CN"/>
+              <a:t>sudo -u postgres psql</a:t>
+            </a:r>
+            <a:endParaRPr lang="en-US" altLang="zh-CN"/>
+          </a:p>
+          <a:p>
+            <a:r>
+              <a:rPr lang="en-US" altLang="zh-CN"/>
+              <a:t>psql -U {username} {dbname}</a:t>
+            </a:r>
+            <a:endParaRPr lang="en-US" altLang="zh-CN"/>
+          </a:p>
+          <a:p>
+            <a:endParaRPr lang="en-US" altLang="zh-CN"/>
+          </a:p>
+          <a:p>
+            <a:r>
+              <a:rPr lang="en-US" altLang="zh-CN"/>
+              <a:t>postgresql Commands:</a:t>
+            </a:r>
+            <a:endParaRPr lang="en-US" altLang="zh-CN"/>
+          </a:p>
+          <a:p>
+            <a:r>
+              <a:rPr lang="en-US" altLang="zh-CN"/>
+              <a:t># \q	// quit interactive terminal</a:t>
+            </a:r>
+            <a:endParaRPr lang="en-US" altLang="zh-CN"/>
+          </a:p>
+          <a:p>
+            <a:r>
+              <a:rPr lang="en-US" altLang="zh-CN"/>
+              <a:t># create database {dbname};</a:t>
+            </a:r>
+            <a:endParaRPr lang="en-US" altLang="zh-CN"/>
+          </a:p>
+          <a:p>
+            <a:r>
+              <a:rPr lang="en-US" altLang="zh-CN"/>
+              <a:t># \l	// list databases</a:t>
+            </a:r>
+            <a:endParaRPr lang="en-US" altLang="zh-CN"/>
+          </a:p>
+          <a:p>
+            <a:r>
+              <a:rPr lang="en-US" altLang="zh-CN">
+                <a:sym typeface="+mn-ea"/>
+              </a:rPr>
+              <a:t># \c {dbname}	// connect db</a:t>
+            </a:r>
+            <a:endParaRPr lang="en-US" altLang="zh-CN"/>
+          </a:p>
+          <a:p>
+            <a:r>
+              <a:rPr lang="en-US" altLang="zh-CN"/>
+              <a:t># \dt	// display tables</a:t>
+            </a:r>
+            <a:endParaRPr lang="en-US" altLang="zh-CN"/>
+          </a:p>
+          <a:p>
+            <a:r>
+              <a:rPr lang="en-US" altLang="zh-CN"/>
+              <a:t># \d {tablename}	// display columes in table</a:t>
+            </a:r>
+            <a:endParaRPr lang="en-US" altLang="zh-CN"/>
+          </a:p>
+          <a:p>
+            <a:r>
+              <a:rPr lang="en-US" altLang="zh-CN"/>
+              <a:t># table {tablename}</a:t>
+            </a:r>
+            <a:endParaRPr lang="en-US" altLang="zh-CN"/>
+          </a:p>
+          <a:p>
+            <a:r>
+              <a:rPr lang="en-US" altLang="zh-CN"/>
+              <a:t># select * from “{tablename}”;</a:t>
+            </a:r>
+            <a:endParaRPr lang="en-US" altLang="zh-CN"/>
+          </a:p>
+          <a:p>
+            <a:r>
+              <a:rPr lang="en-US" altLang="zh-CN"/>
+              <a:t># drop database {dbname}</a:t>
+            </a:r>
+            <a:endParaRPr lang="en-US" altLang="zh-CN"/>
+          </a:p>
+          <a:p>
+            <a:endParaRPr lang="en-US" altLang="zh-CN"/>
+          </a:p>
+        </p:txBody>
+      </p:sp>
+    </p:spTree>
+    <p:custDataLst>
+      <p:tags r:id="rId1"/>
+    </p:custDataLst>
+  </p:cSld>
+  <p:clrMapOvr>
+    <a:masterClrMapping/>
+  </p:clrMapOvr>
+</p:sld>
+</file>
+
+<file path=ppt/slides/slide6.xml><?xml version="1.0" encoding="utf-8"?>
+<p:sld xmlns:a="http://schemas.openxmlformats.org/drawingml/2006/main" xmlns:r="http://schemas.openxmlformats.org/officeDocument/2006/relationships" xmlns:p="http://schemas.openxmlformats.org/presentationml/2006/main">
+  <p:cSld>
+    <p:spTree>
+      <p:nvGrpSpPr>
+        <p:cNvPr id="1" name=""/>
+        <p:cNvGrpSpPr/>
+        <p:nvPr/>
+      </p:nvGrpSpPr>
+      <p:grpSpPr/>
+      <p:sp>
+        <p:nvSpPr>
+          <p:cNvPr id="2" name="标题 1"/>
+          <p:cNvSpPr>
+            <a:spLocks noGrp="1"/>
+          </p:cNvSpPr>
+          <p:nvPr>
+            <p:ph type="title"/>
+          </p:nvPr>
+        </p:nvSpPr>
+        <p:spPr/>
+        <p:txBody>
+          <a:bodyPr/>
+          <a:p>
+            <a:r>
+              <a:rPr lang="en-US" altLang="zh-CN"/>
+              <a:t>Back up and Recover</a:t>
             </a:r>
             <a:endParaRPr lang="en-US" altLang="zh-CN"/>
           </a:p>
@@ -6259,7 +6795,7 @@
         </p:spPr>
         <p:txBody>
           <a:bodyPr>
-            <a:normAutofit lnSpcReduction="10000"/>
+            <a:normAutofit fontScale="70000"/>
           </a:bodyPr>
           <a:p>
             <a:pPr lvl="0"/>
@@ -6322,10 +6858,10 @@
           <a:p>
             <a:pPr lvl="2"/>
             <a:r>
-              <a:rPr lang="en-US" altLang="zh-CN">
+              <a:rPr lang="en-US" altLang="zh-CN" b="1">
                 <a:sym typeface="+mn-ea"/>
               </a:rPr>
-              <a:t>sudo docker exec -t fishpano_db_1 pg_dump -U fishpano fishpano_db | gzip &gt;/tmp/20211221.pgdump.gz</a:t>
+              <a:t>sudo docker compose exec db pg_dump -U fishpano fishpano_db | gzip &gt;/tmp/20211221.pgdump.gz</a:t>
             </a:r>
             <a:endParaRPr lang="en-US" altLang="zh-CN">
               <a:sym typeface="+mn-ea"/>
@@ -6351,9 +6887,41 @@
             <a:pPr lvl="2"/>
             <a:r>
               <a:rPr lang="en-US" altLang="zh-CN"/>
-              <a:t>psql -U fishpano fishpano_db &lt; {dumpfile}</a:t>
-            </a:r>
-            <a:endParaRPr lang="en-US" altLang="zh-CN"/>
+              <a:t>sudo docker compose exec db psql --username=fishai --dbname=fishai_db</a:t>
+            </a:r>
+            <a:endParaRPr lang="en-US" altLang="zh-CN"/>
+          </a:p>
+          <a:p>
+            <a:pPr lvl="2"/>
+            <a:r>
+              <a:rPr lang="en-US" altLang="zh-CN"/>
+              <a:t>psql -U fishpano fishpano_db &lt; {dumpfile}	</a:t>
+            </a:r>
+            <a:endParaRPr lang="en-US" altLang="zh-CN"/>
+          </a:p>
+          <a:p>
+            <a:pPr lvl="2"/>
+            <a:r>
+              <a:rPr lang="en-US" altLang="zh-CN" b="1">
+                <a:sym typeface="+mn-ea"/>
+              </a:rPr>
+              <a:t>sudo docker compose up -d db</a:t>
+            </a:r>
+            <a:endParaRPr lang="en-US" altLang="zh-CN" b="1">
+              <a:sym typeface="+mn-ea"/>
+            </a:endParaRPr>
+          </a:p>
+          <a:p>
+            <a:pPr lvl="2"/>
+            <a:r>
+              <a:rPr lang="en-US" altLang="zh-CN" b="1">
+                <a:sym typeface="+mn-ea"/>
+              </a:rPr>
+              <a:t>cat pgdump | sudo docker compose exec -T db psql -U fishpano fishpano_db</a:t>
+            </a:r>
+            <a:endParaRPr lang="en-US" altLang="zh-CN">
+              <a:sym typeface="+mn-ea"/>
+            </a:endParaRPr>
           </a:p>
           <a:p>
             <a:pPr lvl="0"/>
@@ -6384,7 +6952,7 @@
           </p:nvPr>
         </p:nvGraphicFramePr>
         <p:xfrm>
-          <a:off x="903605" y="4733290"/>
+          <a:off x="903605" y="4906010"/>
           <a:ext cx="10744200" cy="1268730"/>
         </p:xfrm>
         <a:graphic>
@@ -6563,95 +7131,6 @@
 </p:sld>
 </file>
 
-<file path=ppt/slides/slide6.xml><?xml version="1.0" encoding="utf-8"?>
-<p:sld xmlns:a="http://schemas.openxmlformats.org/drawingml/2006/main" xmlns:r="http://schemas.openxmlformats.org/officeDocument/2006/relationships" xmlns:p="http://schemas.openxmlformats.org/presentationml/2006/main">
-  <p:cSld>
-    <p:spTree>
-      <p:nvGrpSpPr>
-        <p:cNvPr id="1" name=""/>
-        <p:cNvGrpSpPr/>
-        <p:nvPr/>
-      </p:nvGrpSpPr>
-      <p:grpSpPr/>
-      <p:sp>
-        <p:nvSpPr>
-          <p:cNvPr id="2" name="标题 1"/>
-          <p:cNvSpPr>
-            <a:spLocks noGrp="1"/>
-          </p:cNvSpPr>
-          <p:nvPr>
-            <p:ph type="title"/>
-          </p:nvPr>
-        </p:nvSpPr>
-        <p:spPr/>
-        <p:txBody>
-          <a:bodyPr/>
-          <a:p>
-            <a:r>
-              <a:rPr lang="en-US" altLang="zh-CN"/>
-              <a:t>Postgresql - pgAdmin</a:t>
-            </a:r>
-            <a:endParaRPr lang="en-US" altLang="zh-CN"/>
-          </a:p>
-        </p:txBody>
-      </p:sp>
-      <p:sp>
-        <p:nvSpPr>
-          <p:cNvPr id="3" name="内容占位符 2"/>
-          <p:cNvSpPr>
-            <a:spLocks noGrp="1"/>
-          </p:cNvSpPr>
-          <p:nvPr>
-            <p:ph idx="1"/>
-          </p:nvPr>
-        </p:nvSpPr>
-        <p:spPr/>
-        <p:txBody>
-          <a:bodyPr/>
-          <a:p>
-            <a:r>
-              <a:rPr lang="en-US" altLang="zh-CN"/>
-              <a:t>References</a:t>
-            </a:r>
-            <a:endParaRPr lang="en-US" altLang="zh-CN"/>
-          </a:p>
-          <a:p>
-            <a:pPr lvl="1"/>
-            <a:r>
-              <a:rPr lang="en-US" altLang="zh-CN"/>
-              <a:t>https://www.pgadmin.org/</a:t>
-            </a:r>
-            <a:endParaRPr lang="en-US" altLang="zh-CN"/>
-          </a:p>
-          <a:p>
-            <a:pPr lvl="1"/>
-            <a:r>
-              <a:rPr lang="en-US" altLang="zh-CN"/>
-              <a:t>https://www.pgadmin.org/download/</a:t>
-            </a:r>
-            <a:endParaRPr lang="en-US" altLang="zh-CN"/>
-          </a:p>
-          <a:p>
-            <a:pPr lvl="0"/>
-            <a:r>
-              <a:rPr lang="en-US" altLang="zh-CN"/>
-              <a:t>Usage</a:t>
-            </a:r>
-            <a:endParaRPr lang="en-US" altLang="zh-CN"/>
-          </a:p>
-        </p:txBody>
-      </p:sp>
-    </p:spTree>
-    <p:custDataLst>
-      <p:tags r:id="rId1"/>
-    </p:custDataLst>
-  </p:cSld>
-  <p:clrMapOvr>
-    <a:masterClrMapping/>
-  </p:clrMapOvr>
-</p:sld>
-</file>
-
 <file path=ppt/slides/slide7.xml><?xml version="1.0" encoding="utf-8"?>
 <p:sld xmlns:a="http://schemas.openxmlformats.org/drawingml/2006/main" xmlns:r="http://schemas.openxmlformats.org/officeDocument/2006/relationships" xmlns:p="http://schemas.openxmlformats.org/presentationml/2006/main">
   <p:cSld>
@@ -6678,7 +7157,7 @@
           <a:p>
             <a:r>
               <a:rPr lang="en-US" altLang="zh-CN"/>
-              <a:t>Postgresql - Internal</a:t>
+              <a:t>Misc</a:t>
             </a:r>
             <a:endParaRPr lang="en-US" altLang="zh-CN"/>
           </a:p>
@@ -6700,7 +7179,7 @@
           <a:p>
             <a:r>
               <a:rPr lang="en-US" altLang="zh-CN"/>
-              <a:t>Basic</a:t>
+              <a:t>Execute a sql file</a:t>
             </a:r>
             <a:endParaRPr lang="en-US" altLang="zh-CN"/>
           </a:p>
@@ -6708,7 +7187,15 @@
             <a:pPr lvl="1"/>
             <a:r>
               <a:rPr lang="en-US" altLang="zh-CN"/>
-              <a:t>All data is located in base/</a:t>
+              <a:t>psql -h hostname -d database_name -U user_name -p 5432 -a -q -f filepath</a:t>
+            </a:r>
+            <a:endParaRPr lang="en-US" altLang="zh-CN"/>
+          </a:p>
+          <a:p>
+            <a:pPr lvl="0"/>
+            <a:r>
+              <a:rPr lang="en-US" altLang="zh-CN"/>
+              <a:t>Dump a table as sql inserts</a:t>
             </a:r>
             <a:endParaRPr lang="en-US" altLang="zh-CN"/>
           </a:p>
@@ -6716,31 +7203,7 @@
             <a:pPr lvl="1"/>
             <a:r>
               <a:rPr lang="en-US" altLang="zh-CN"/>
-              <a:t>Every relation has a relfilenode</a:t>
-            </a:r>
-            <a:endParaRPr lang="en-US" altLang="zh-CN"/>
-          </a:p>
-          <a:p>
-            <a:pPr lvl="1"/>
-            <a:r>
-              <a:rPr lang="en-US" altLang="zh-CN"/>
-              <a:t>base/&lt;db oid&gt;/&lt;relfilenode&gt;</a:t>
-            </a:r>
-            <a:endParaRPr lang="en-US" altLang="zh-CN"/>
-          </a:p>
-          <a:p>
-            <a:pPr lvl="0"/>
-            <a:r>
-              <a:rPr lang="en-US" altLang="zh-CN"/>
-              <a:t>Commands</a:t>
-            </a:r>
-            <a:endParaRPr lang="en-US" altLang="zh-CN"/>
-          </a:p>
-          <a:p>
-            <a:pPr lvl="1"/>
-            <a:r>
-              <a:rPr lang="en-US" altLang="zh-CN"/>
-              <a:t>explain analyze select * from model3d;</a:t>
+              <a:t>pg_dump  -h localhost -p 5432 -U user -W --table="table-name" --data-only --column-inserts database-name &gt; table.sql</a:t>
             </a:r>
             <a:endParaRPr lang="en-US" altLang="zh-CN"/>
           </a:p>
@@ -6783,7 +7246,7 @@
           <a:p>
             <a:r>
               <a:rPr lang="en-US" altLang="zh-CN"/>
-              <a:t>Postgresql - Recover Data</a:t>
+              <a:t>Postgresql - pgAdmin</a:t>
             </a:r>
             <a:endParaRPr lang="en-US" altLang="zh-CN"/>
           </a:p>
@@ -6799,20 +7262,13 @@
             <p:ph idx="1"/>
           </p:nvPr>
         </p:nvSpPr>
-        <p:spPr>
-          <a:xfrm>
-            <a:off x="838200" y="1211580"/>
-            <a:ext cx="6172835" cy="5318760"/>
-          </a:xfrm>
-        </p:spPr>
-        <p:txBody>
-          <a:bodyPr>
-            <a:normAutofit fontScale="60000"/>
-          </a:bodyPr>
-          <a:p>
-            <a:r>
-              <a:rPr lang="en-US" altLang="zh-CN"/>
-              <a:t>Refer</a:t>
+        <p:spPr/>
+        <p:txBody>
+          <a:bodyPr/>
+          <a:p>
+            <a:r>
+              <a:rPr lang="en-US" altLang="zh-CN"/>
+              <a:t>References</a:t>
             </a:r>
             <a:endParaRPr lang="en-US" altLang="zh-CN"/>
           </a:p>
@@ -6820,7 +7276,15 @@
             <a:pPr lvl="1"/>
             <a:r>
               <a:rPr lang="en-US" altLang="zh-CN"/>
-              <a:t>https://www.postgresql.org/message-id/20050117195609.GA93502@winnie.fuhr.org</a:t>
+              <a:t>https://www.pgadmin.org/</a:t>
+            </a:r>
+            <a:endParaRPr lang="en-US" altLang="zh-CN"/>
+          </a:p>
+          <a:p>
+            <a:pPr lvl="1"/>
+            <a:r>
+              <a:rPr lang="en-US" altLang="zh-CN"/>
+              <a:t>https://www.pgadmin.org/download/</a:t>
             </a:r>
             <a:endParaRPr lang="en-US" altLang="zh-CN"/>
           </a:p>
@@ -6828,151 +7292,15 @@
             <a:pPr lvl="0"/>
             <a:r>
               <a:rPr lang="en-US" altLang="zh-CN"/>
-              <a:t>WAL (Write-Ahead-Logging)</a:t>
-            </a:r>
-            <a:endParaRPr lang="en-US" altLang="zh-CN"/>
-          </a:p>
-          <a:p>
-            <a:pPr lvl="1"/>
-            <a:r>
-              <a:rPr lang="en-US" altLang="zh-CN" sz="2000"/>
-              <a:t>_data/pg_wal/</a:t>
-            </a:r>
-            <a:endParaRPr lang="en-US" altLang="zh-CN"/>
-          </a:p>
-          <a:p>
-            <a:pPr lvl="0"/>
-            <a:r>
-              <a:rPr lang="en-US" altLang="zh-CN"/>
-              <a:t>PITR (Point In Time Recovery)	</a:t>
-            </a:r>
-            <a:endParaRPr lang="en-US" altLang="zh-CN"/>
-          </a:p>
-          <a:p>
-            <a:pPr lvl="0"/>
-            <a:r>
-              <a:rPr lang="en-US" altLang="zh-CN"/>
-              <a:t>Steps</a:t>
-            </a:r>
-            <a:endParaRPr lang="en-US" altLang="zh-CN"/>
-          </a:p>
-          <a:p>
-            <a:pPr lvl="1"/>
-            <a:r>
-              <a:rPr lang="en-US" altLang="zh-CN"/>
-              <a:t>Back up all the files related in db</a:t>
-            </a:r>
-            <a:endParaRPr lang="en-US" altLang="zh-CN"/>
-          </a:p>
-          <a:p>
-            <a:pPr lvl="1"/>
-            <a:r>
-              <a:rPr lang="en-US" altLang="zh-CN"/>
-              <a:t>pg_basebackup</a:t>
-            </a:r>
-            <a:endParaRPr lang="en-US" altLang="zh-CN"/>
-          </a:p>
-          <a:p>
-            <a:pPr lvl="2"/>
-            <a:r>
-              <a:rPr lang="en-US" altLang="zh-CN"/>
-              <a:t>sudo docker exec -u root -it model3d_db_1 pg_basebackup -h 127.0.0.1 -U model3d -p 5432 -Ft -Pv -Xf -z -Z5 -D ../backup/</a:t>
-            </a:r>
-            <a:endParaRPr lang="en-US" altLang="zh-CN"/>
-          </a:p>
-          <a:p>
-            <a:pPr lvl="1"/>
-            <a:r>
-              <a:rPr lang="en-US" altLang="zh-CN"/>
-              <a:t>SELECT oid FROM pg_database WHERE datname = current_database();</a:t>
-            </a:r>
-            <a:endParaRPr lang="en-US" altLang="zh-CN"/>
-          </a:p>
-          <a:p>
-            <a:pPr lvl="2"/>
-            <a:r>
-              <a:rPr lang="en-US" altLang="zh-CN" sz="1800"/>
-              <a:t>oid</a:t>
-            </a:r>
-            <a:endParaRPr lang="en-US" altLang="zh-CN" sz="1800"/>
-          </a:p>
-          <a:p>
-            <a:pPr lvl="1"/>
-            <a:r>
-              <a:rPr lang="en-US" altLang="zh-CN"/>
-              <a:t>SELECT relfilenode, reltoastrelid FROM pg_class WHERE relname = 'table_name';</a:t>
-            </a:r>
-            <a:endParaRPr lang="en-US" altLang="zh-CN"/>
-          </a:p>
-          <a:p>
-            <a:pPr lvl="2"/>
-            <a:r>
-              <a:rPr lang="en-US" altLang="zh-CN" sz="1800"/>
-              <a:t>relfilenode | reltoastrelid</a:t>
-            </a:r>
-            <a:endParaRPr lang="en-US" altLang="zh-CN" sz="1800"/>
-          </a:p>
-          <a:p>
-            <a:pPr lvl="2"/>
-            <a:r>
-              <a:rPr lang="en-US" altLang="zh-CN"/>
-              <a:t>The table's main file is $PGDATA/base/26492/36008 (also 36008.1, 36008.2, etc. if they exist).</a:t>
-            </a:r>
-            <a:endParaRPr lang="en-US" altLang="zh-CN"/>
-          </a:p>
-          <a:p>
-            <a:pPr lvl="1"/>
-            <a:r>
-              <a:rPr lang="en-US" altLang="zh-CN"/>
-              <a:t>SELECT relname, relfilenode FROM pg_class WHERE oid = {reltoastrelid};</a:t>
-            </a:r>
-            <a:endParaRPr lang="en-US" altLang="zh-CN"/>
-          </a:p>
-          <a:p>
-            <a:pPr lvl="2"/>
-            <a:r>
-              <a:rPr lang="en-US" altLang="zh-CN"/>
-              <a:t> relname     | relfilenode</a:t>
-            </a:r>
-            <a:endParaRPr lang="en-US" altLang="zh-CN"/>
-          </a:p>
-          <a:p>
-            <a:pPr lvl="2"/>
-            <a:r>
-              <a:rPr lang="en-US" altLang="zh-CN"/>
-              <a:t>The table's TOAST data is in $PGDATA/base/26492/36011*.</a:t>
-            </a:r>
-            <a:endParaRPr lang="en-US" altLang="zh-CN"/>
-          </a:p>
-        </p:txBody>
-      </p:sp>
-      <p:pic>
-        <p:nvPicPr>
-          <p:cNvPr id="4" name="图片 3"/>
-          <p:cNvPicPr>
-            <a:picLocks noChangeAspect="1"/>
-          </p:cNvPicPr>
-          <p:nvPr/>
-        </p:nvPicPr>
-        <p:blipFill>
-          <a:blip r:embed="rId1"/>
-          <a:stretch>
-            <a:fillRect/>
-          </a:stretch>
-        </p:blipFill>
-        <p:spPr>
-          <a:xfrm>
-            <a:off x="7178675" y="1271905"/>
-            <a:ext cx="4722495" cy="2380615"/>
-          </a:xfrm>
-          <a:prstGeom prst="rect">
-            <a:avLst/>
-          </a:prstGeom>
-        </p:spPr>
-      </p:pic>
+              <a:t>Usage</a:t>
+            </a:r>
+            <a:endParaRPr lang="en-US" altLang="zh-CN"/>
+          </a:p>
+        </p:txBody>
+      </p:sp>
     </p:spTree>
     <p:custDataLst>
-      <p:tags r:id="rId2"/>
+      <p:tags r:id="rId1"/>
     </p:custDataLst>
   </p:cSld>
   <p:clrMapOvr>
@@ -7006,12 +7334,10 @@
           <a:bodyPr/>
           <a:p>
             <a:r>
-              <a:rPr lang="en-US" altLang="zh-CN">
-                <a:sym typeface="+mn-ea"/>
-              </a:rPr>
-              <a:t>Sqlite-&gt;Postgresql - Sequel Gem</a:t>
-            </a:r>
-            <a:endParaRPr lang="zh-CN" altLang="en-US"/>
+              <a:rPr lang="en-US" altLang="zh-CN"/>
+              <a:t>Postgresql - Internal</a:t>
+            </a:r>
+            <a:endParaRPr lang="en-US" altLang="zh-CN"/>
           </a:p>
         </p:txBody>
       </p:sp>
@@ -7031,7 +7357,7 @@
           <a:p>
             <a:r>
               <a:rPr lang="en-US" altLang="zh-CN"/>
-              <a:t>Install</a:t>
+              <a:t>Basic</a:t>
             </a:r>
             <a:endParaRPr lang="en-US" altLang="zh-CN"/>
           </a:p>
@@ -7039,7 +7365,7 @@
             <a:pPr lvl="1"/>
             <a:r>
               <a:rPr lang="en-US" altLang="zh-CN"/>
-              <a:t>apt install ruby ruby2.5-dev libsqlite3-dev </a:t>
+              <a:t>All data is located in base/</a:t>
             </a:r>
             <a:endParaRPr lang="en-US" altLang="zh-CN"/>
           </a:p>
@@ -7047,7 +7373,15 @@
             <a:pPr lvl="1"/>
             <a:r>
               <a:rPr lang="en-US" altLang="zh-CN"/>
-              <a:t>gem install sequel sqlite3 pg</a:t>
+              <a:t>Every relation has a relfilenode</a:t>
+            </a:r>
+            <a:endParaRPr lang="en-US" altLang="zh-CN"/>
+          </a:p>
+          <a:p>
+            <a:pPr lvl="1"/>
+            <a:r>
+              <a:rPr lang="en-US" altLang="zh-CN"/>
+              <a:t>base/&lt;db oid&gt;/&lt;relfilenode&gt;</a:t>
             </a:r>
             <a:endParaRPr lang="en-US" altLang="zh-CN"/>
           </a:p>
@@ -7055,7 +7389,7 @@
             <a:pPr lvl="0"/>
             <a:r>
               <a:rPr lang="en-US" altLang="zh-CN"/>
-              <a:t>Use</a:t>
+              <a:t>Commands</a:t>
             </a:r>
             <a:endParaRPr lang="en-US" altLang="zh-CN"/>
           </a:p>
@@ -7063,15 +7397,7 @@
             <a:pPr lvl="1"/>
             <a:r>
               <a:rPr lang="en-US" altLang="zh-CN"/>
-              <a:t>sequel -C sqlite:/www/input.sqlite3 postgres://user@localhost/db</a:t>
-            </a:r>
-            <a:endParaRPr lang="en-US" altLang="zh-CN"/>
-          </a:p>
-          <a:p>
-            <a:pPr lvl="2"/>
-            <a:r>
-              <a:rPr lang="en-US" altLang="zh-CN"/>
-              <a:t># /www/input.sqlite3 is full path</a:t>
+              <a:t>explain analyze select * from model3d;</a:t>
             </a:r>
             <a:endParaRPr lang="en-US" altLang="zh-CN"/>
           </a:p>
@@ -7106,17 +7432,17 @@
 
 <file path=ppt/tags/tag11.xml><?xml version="1.0" encoding="utf-8"?>
 <p:tagLst xmlns:p="http://schemas.openxmlformats.org/presentationml/2006/main">
-  <p:tag name="KSO_WM_UNIT_TABLE_BEAUTIFY" val="smartTable{66b7b698-fbae-41fb-bc40-e680ffeaffa4}"/>
-  <p:tag name="TABLE_ENDDRAG_ORIGIN_RECT" val="846*88"/>
-  <p:tag name="TABLE_ENDDRAG_RECT" val="78*402*846*88"/>
+  <p:tag name="KSO_WM_BEAUTIFY_FLAG" val="#wm#"/>
+  <p:tag name="KSO_WM_TEMPLATE_CATEGORY" val="custom"/>
+  <p:tag name="KSO_WM_TEMPLATE_INDEX" val="160402"/>
 </p:tagLst>
 </file>
 
 <file path=ppt/tags/tag12.xml><?xml version="1.0" encoding="utf-8"?>
 <p:tagLst xmlns:p="http://schemas.openxmlformats.org/presentationml/2006/main">
-  <p:tag name="KSO_WM_BEAUTIFY_FLAG" val="#wm#"/>
-  <p:tag name="KSO_WM_TEMPLATE_CATEGORY" val="custom"/>
-  <p:tag name="KSO_WM_TEMPLATE_INDEX" val="160402"/>
+  <p:tag name="KSO_WM_UNIT_TABLE_BEAUTIFY" val="smartTable{66b7b698-fbae-41fb-bc40-e680ffeaffa4}"/>
+  <p:tag name="TABLE_ENDDRAG_ORIGIN_RECT" val="846*88"/>
+  <p:tag name="TABLE_ENDDRAG_RECT" val="78*402*846*88"/>
 </p:tagLst>
 </file>
 
@@ -7202,7 +7528,9 @@
 
 <file path=ppt/tags/tag22.xml><?xml version="1.0" encoding="utf-8"?>
 <p:tagLst xmlns:p="http://schemas.openxmlformats.org/presentationml/2006/main">
-  <p:tag name="KSO_WM_UNIT_PLACING_PICTURE_USER_VIEWPORT" val="{&quot;height&quot;:10632,&quot;width&quot;:9120}"/>
+  <p:tag name="KSO_WM_BEAUTIFY_FLAG" val="#wm#"/>
+  <p:tag name="KSO_WM_TEMPLATE_CATEGORY" val="custom"/>
+  <p:tag name="KSO_WM_TEMPLATE_INDEX" val="160402"/>
 </p:tagLst>
 </file>
 
@@ -7216,7 +7544,21 @@
 
 <file path=ppt/tags/tag24.xml><?xml version="1.0" encoding="utf-8"?>
 <p:tagLst xmlns:p="http://schemas.openxmlformats.org/presentationml/2006/main">
-  <p:tag name="COMMONDATA" val="eyJoZGlkIjoiODcwZjc5M2RmYzUwOWE5MjVkODVjZGMyZDUwOTRjYmEifQ=="/>
+  <p:tag name="KSO_WM_UNIT_PLACING_PICTURE_USER_VIEWPORT" val="{&quot;height&quot;:10632,&quot;width&quot;:9120}"/>
+</p:tagLst>
+</file>
+
+<file path=ppt/tags/tag25.xml><?xml version="1.0" encoding="utf-8"?>
+<p:tagLst xmlns:p="http://schemas.openxmlformats.org/presentationml/2006/main">
+  <p:tag name="KSO_WM_BEAUTIFY_FLAG" val="#wm#"/>
+  <p:tag name="KSO_WM_TEMPLATE_CATEGORY" val="custom"/>
+  <p:tag name="KSO_WM_TEMPLATE_INDEX" val="160402"/>
+</p:tagLst>
+</file>
+
+<file path=ppt/tags/tag26.xml><?xml version="1.0" encoding="utf-8"?>
+<p:tagLst xmlns:p="http://schemas.openxmlformats.org/presentationml/2006/main">
+  <p:tag name="COMMONDATA" val="eyJoZGlkIjoiYjRhZjQ5NWVmZmQxNmM3NmNkNDYxNWRmNzNmMjA1ZDAifQ=="/>
   <p:tag name="KSO_WPP_MARK_KEY" val="e2f632b4-0a6a-40c4-bafa-21f0d0b1ac36"/>
 </p:tagLst>
 </file>
@@ -7301,8 +7643,8 @@
 <file path=ppt/tags/tag7.xml><?xml version="1.0" encoding="utf-8"?>
 <p:tagLst xmlns:p="http://schemas.openxmlformats.org/presentationml/2006/main">
   <p:tag name="KSO_WM_UNIT_TABLE_BEAUTIFY" val="smartTable{66b7b698-fbae-41fb-bc40-e680ffeaffa4}"/>
-  <p:tag name="TABLE_ENDDRAG_ORIGIN_RECT" val="846*309"/>
-  <p:tag name="TABLE_ENDDRAG_RECT" val="55*95*846*309"/>
+  <p:tag name="TABLE_ENDDRAG_ORIGIN_RECT" val="846*334"/>
+  <p:tag name="TABLE_ENDDRAG_RECT" val="55*95*846*334"/>
 </p:tagLst>
 </file>
 

--- a/Misc/DB-Notes.pptx
+++ b/Misc/DB-Notes.pptx
@@ -132,12 +132,12 @@
   <p:extLst>
     <p:ext uri="{EFAFB233-063F-42B5-8137-9DF3F51BA10A}">
       <p15:sldGuideLst xmlns:p15="http://schemas.microsoft.com/office/powerpoint/2012/main">
-        <p15:guide id="1" orient="horz" pos="2196" userDrawn="1">
+        <p15:guide id="1" orient="horz" pos="2160" userDrawn="1">
           <p15:clr>
             <a:srgbClr val="A4A3A4"/>
           </p15:clr>
         </p15:guide>
-        <p15:guide id="2" pos="3829" userDrawn="1">
+        <p15:guide id="2" pos="3840" userDrawn="1">
           <p15:clr>
             <a:srgbClr val="A4A3A4"/>
           </p15:clr>
@@ -5170,7 +5170,7 @@
         </p:nvGraphicFramePr>
         <p:xfrm>
           <a:off x="706755" y="1007110"/>
-          <a:ext cx="10744200" cy="5693410"/>
+          <a:ext cx="10744200" cy="5904865"/>
         </p:xfrm>
         <a:graphic>
           <a:graphicData uri="http://schemas.openxmlformats.org/drawingml/2006/table">
@@ -5346,7 +5346,7 @@
                 </a:tc>
               </a:tr>
               <a:tr h="274320">
-                <a:tc>
+                <a:tc rowSpan="2">
                   <a:txBody>
                     <a:bodyPr/>
                     <a:p>
@@ -5385,7 +5385,48 @@
                       <a:pPr algn="l">
                         <a:buNone/>
                       </a:pPr>
-                      <a:endParaRPr lang="zh-CN" altLang="en-US" sz="1200"/>
+                      <a:r>
+                        <a:rPr lang="en-US" altLang="zh-CN" sz="1200"/>
+                        <a:t>Delete table, data, and table structure</a:t>
+                      </a:r>
+                      <a:endParaRPr lang="en-US" altLang="zh-CN" sz="1200"/>
+                    </a:p>
+                  </a:txBody>
+                  <a:tcPr/>
+                </a:tc>
+              </a:tr>
+              <a:tr h="274320">
+                <a:tc vMerge="1">
+                  <a:tcPr/>
+                </a:tc>
+                <a:tc>
+                  <a:txBody>
+                    <a:bodyPr/>
+                    <a:p>
+                      <a:pPr algn="l">
+                        <a:buNone/>
+                      </a:pPr>
+                      <a:r>
+                        <a:rPr lang="en-US" altLang="zh-CN" sz="1200"/>
+                        <a:t>truncate table {table_name}</a:t>
+                      </a:r>
+                      <a:endParaRPr lang="en-US" altLang="zh-CN" sz="1200"/>
+                    </a:p>
+                  </a:txBody>
+                  <a:tcPr/>
+                </a:tc>
+                <a:tc>
+                  <a:txBody>
+                    <a:bodyPr/>
+                    <a:p>
+                      <a:pPr algn="l">
+                        <a:buNone/>
+                      </a:pPr>
+                      <a:r>
+                        <a:rPr lang="en-US" altLang="zh-CN" sz="1200"/>
+                        <a:t>Delete all data, keep table structure</a:t>
+                      </a:r>
+                      <a:endParaRPr lang="en-US" altLang="zh-CN" sz="1200"/>
                     </a:p>
                   </a:txBody>
                   <a:tcPr/>
@@ -5549,7 +5590,7 @@
                   <a:tcPr/>
                 </a:tc>
               </a:tr>
-              <a:tr h="389890">
+              <a:tr h="327025">
                 <a:tc>
                   <a:txBody>
                     <a:bodyPr/>
@@ -5996,7 +6037,7 @@
         </p:spPr>
         <p:txBody>
           <a:bodyPr>
-            <a:normAutofit fontScale="90000" lnSpcReduction="20000"/>
+            <a:normAutofit fontScale="70000"/>
           </a:bodyPr>
           <a:p>
             <a:r>
@@ -6033,7 +6074,15 @@
             <a:pPr lvl="1"/>
             <a:r>
               <a:rPr lang="en-US" altLang="zh-CN"/>
-              <a:t>download from https://sqlite.org/download.html</a:t>
+              <a:t>download </a:t>
+            </a:r>
+            <a:r>
+              <a:rPr lang="en-US" altLang="zh-CN" b="1"/>
+              <a:t>sqlite3 </a:t>
+            </a:r>
+            <a:r>
+              <a:rPr lang="en-US" altLang="zh-CN"/>
+              <a:t>from https://sqlite.org/download.html</a:t>
             </a:r>
             <a:endParaRPr lang="en-US" altLang="zh-CN"/>
           </a:p>
@@ -7642,9 +7691,9 @@
 
 <file path=ppt/tags/tag7.xml><?xml version="1.0" encoding="utf-8"?>
 <p:tagLst xmlns:p="http://schemas.openxmlformats.org/presentationml/2006/main">
-  <p:tag name="KSO_WM_UNIT_TABLE_BEAUTIFY" val="smartTable{66b7b698-fbae-41fb-bc40-e680ffeaffa4}"/>
-  <p:tag name="TABLE_ENDDRAG_ORIGIN_RECT" val="846*334"/>
-  <p:tag name="TABLE_ENDDRAG_RECT" val="55*95*846*334"/>
+  <p:tag name="KSO_WM_UNIT_TABLE_BEAUTIFY" val="smartTable{835e0e89-7ef4-461d-bfd9-37fecb30a1e6}"/>
+  <p:tag name="TABLE_ENDDRAG_ORIGIN_RECT" val="846*394"/>
+  <p:tag name="TABLE_ENDDRAG_RECT" val="55*79*846*394"/>
 </p:tagLst>
 </file>
 

--- a/Misc/DB-Notes.pptx
+++ b/Misc/DB-Notes.pptx
@@ -5,10 +5,10 @@
     <p:sldMasterId id="2147483648" r:id="rId1"/>
   </p:sldMasterIdLst>
   <p:notesMasterIdLst>
-    <p:notesMasterId r:id="rId20"/>
+    <p:notesMasterId r:id="rId27"/>
   </p:notesMasterIdLst>
   <p:handoutMasterIdLst>
-    <p:handoutMasterId r:id="rId21"/>
+    <p:handoutMasterId r:id="rId28"/>
   </p:handoutMasterIdLst>
   <p:sldIdLst>
     <p:sldId id="409" r:id="rId3"/>
@@ -25,14 +25,21 @@
     <p:sldId id="412" r:id="rId14"/>
     <p:sldId id="417" r:id="rId15"/>
     <p:sldId id="419" r:id="rId16"/>
-    <p:sldId id="423" r:id="rId17"/>
-    <p:sldId id="422" r:id="rId18"/>
-    <p:sldId id="425" r:id="rId19"/>
+    <p:sldId id="453" r:id="rId17"/>
+    <p:sldId id="423" r:id="rId18"/>
+    <p:sldId id="457" r:id="rId19"/>
+    <p:sldId id="455" r:id="rId20"/>
+    <p:sldId id="456" r:id="rId21"/>
+    <p:sldId id="463" r:id="rId22"/>
+    <p:sldId id="464" r:id="rId23"/>
+    <p:sldId id="454" r:id="rId24"/>
+    <p:sldId id="422" r:id="rId25"/>
+    <p:sldId id="425" r:id="rId26"/>
   </p:sldIdLst>
   <p:sldSz cx="12192000" cy="6858000"/>
   <p:notesSz cx="6858000" cy="9144000"/>
   <p:custDataLst>
-    <p:tags r:id="rId25"/>
+    <p:tags r:id="rId32"/>
   </p:custDataLst>
   <p:defaultTextStyle>
     <a:defPPr>
@@ -132,7 +139,7 @@
   <p:extLst>
     <p:ext uri="{EFAFB233-063F-42B5-8137-9DF3F51BA10A}">
       <p15:sldGuideLst xmlns:p15="http://schemas.microsoft.com/office/powerpoint/2012/main">
-        <p15:guide id="1" orient="horz" pos="2160" userDrawn="1">
+        <p15:guide id="1" orient="horz" pos="2196" userDrawn="1">
           <p15:clr>
             <a:srgbClr val="A4A3A4"/>
           </p15:clr>
@@ -4743,6 +4750,67 @@
       <p:grpSpPr/>
       <p:sp>
         <p:nvSpPr>
+          <p:cNvPr id="4" name="标题 3"/>
+          <p:cNvSpPr>
+            <a:spLocks noGrp="1"/>
+          </p:cNvSpPr>
+          <p:nvPr>
+            <p:ph type="title"/>
+          </p:nvPr>
+        </p:nvSpPr>
+        <p:spPr/>
+        <p:txBody>
+          <a:bodyPr/>
+          <a:p>
+            <a:r>
+              <a:rPr lang="en-US" altLang="zh-CN"/>
+              <a:t>SQL Server</a:t>
+            </a:r>
+            <a:endParaRPr lang="en-US" altLang="zh-CN"/>
+          </a:p>
+        </p:txBody>
+      </p:sp>
+      <p:sp>
+        <p:nvSpPr>
+          <p:cNvPr id="5" name="文本占位符 4"/>
+          <p:cNvSpPr>
+            <a:spLocks noGrp="1"/>
+          </p:cNvSpPr>
+          <p:nvPr>
+            <p:ph type="body" idx="1"/>
+          </p:nvPr>
+        </p:nvSpPr>
+        <p:spPr/>
+        <p:txBody>
+          <a:bodyPr/>
+          <a:p>
+            <a:endParaRPr lang="zh-CN" altLang="en-US"/>
+          </a:p>
+        </p:txBody>
+      </p:sp>
+    </p:spTree>
+    <p:custDataLst>
+      <p:tags r:id="rId1"/>
+    </p:custDataLst>
+  </p:cSld>
+  <p:clrMapOvr>
+    <a:masterClrMapping/>
+  </p:clrMapOvr>
+</p:sld>
+</file>
+
+<file path=ppt/slides/slide16.xml><?xml version="1.0" encoding="utf-8"?>
+<p:sld xmlns:a="http://schemas.openxmlformats.org/drawingml/2006/main" xmlns:r="http://schemas.openxmlformats.org/officeDocument/2006/relationships" xmlns:p="http://schemas.openxmlformats.org/presentationml/2006/main">
+  <p:cSld>
+    <p:spTree>
+      <p:nvGrpSpPr>
+        <p:cNvPr id="1" name=""/>
+        <p:cNvGrpSpPr/>
+        <p:nvPr/>
+      </p:nvGrpSpPr>
+      <p:grpSpPr/>
+      <p:sp>
+        <p:nvSpPr>
           <p:cNvPr id="2" name="标题 1"/>
           <p:cNvSpPr>
             <a:spLocks noGrp="1"/>
@@ -4877,7 +4945,7 @@
 </p:sld>
 </file>
 
-<file path=ppt/slides/slide16.xml><?xml version="1.0" encoding="utf-8"?>
+<file path=ppt/slides/slide17.xml><?xml version="1.0" encoding="utf-8"?>
 <p:sld xmlns:a="http://schemas.openxmlformats.org/drawingml/2006/main" xmlns:r="http://schemas.openxmlformats.org/officeDocument/2006/relationships" xmlns:p="http://schemas.openxmlformats.org/presentationml/2006/main">
   <p:cSld>
     <p:spTree>
@@ -4899,33 +4967,35 @@
         </p:nvSpPr>
         <p:spPr/>
         <p:txBody>
+          <a:bodyPr>
+            <a:normAutofit fontScale="90000"/>
+          </a:bodyPr>
+          <a:p>
+            <a:r>
+              <a:rPr lang="en-US" altLang="zh-CN"/>
+              <a:t>SSMS (SQL Server Management Studio)</a:t>
+            </a:r>
+            <a:endParaRPr lang="en-US" altLang="zh-CN"/>
+          </a:p>
+        </p:txBody>
+      </p:sp>
+      <p:sp>
+        <p:nvSpPr>
+          <p:cNvPr id="3" name="内容占位符 2"/>
+          <p:cNvSpPr>
+            <a:spLocks noGrp="1"/>
+          </p:cNvSpPr>
+          <p:nvPr>
+            <p:ph idx="1"/>
+          </p:nvPr>
+        </p:nvSpPr>
+        <p:spPr/>
+        <p:txBody>
           <a:bodyPr/>
           <a:p>
             <a:r>
               <a:rPr lang="en-US" altLang="zh-CN"/>
-              <a:t>Visualization</a:t>
-            </a:r>
-            <a:endParaRPr lang="en-US" altLang="zh-CN"/>
-          </a:p>
-        </p:txBody>
-      </p:sp>
-      <p:sp>
-        <p:nvSpPr>
-          <p:cNvPr id="3" name="内容占位符 2"/>
-          <p:cNvSpPr>
-            <a:spLocks noGrp="1"/>
-          </p:cNvSpPr>
-          <p:nvPr>
-            <p:ph idx="1"/>
-          </p:nvPr>
-        </p:nvSpPr>
-        <p:spPr/>
-        <p:txBody>
-          <a:bodyPr/>
-          <a:p>
-            <a:r>
-              <a:rPr lang="en-US" altLang="zh-CN"/>
-              <a:t>Grafana</a:t>
+              <a:t>References</a:t>
             </a:r>
             <a:endParaRPr lang="en-US" altLang="zh-CN"/>
           </a:p>
@@ -4933,7 +5003,7 @@
             <a:pPr lvl="1"/>
             <a:r>
               <a:rPr lang="en-US" altLang="zh-CN"/>
-              <a:t>https://medium.com/analytics-vidhya/grafana-with-postgresql-data-visualization-with-open-source-tool-36f5150fa290</a:t>
+              <a:t>https://learn.microsoft.com/zh-cn/sql/ssms/download-sql-server-management-studio-ssms?view=sql-server-ver16&amp;redirectedfrom=MSDN</a:t>
             </a:r>
             <a:endParaRPr lang="en-US" altLang="zh-CN"/>
           </a:p>
@@ -4950,7 +5020,1453 @@
 </p:sld>
 </file>
 
-<file path=ppt/slides/slide17.xml><?xml version="1.0" encoding="utf-8"?>
+<file path=ppt/slides/slide18.xml><?xml version="1.0" encoding="utf-8"?>
+<p:sld xmlns:a="http://schemas.openxmlformats.org/drawingml/2006/main" xmlns:r="http://schemas.openxmlformats.org/officeDocument/2006/relationships" xmlns:p="http://schemas.openxmlformats.org/presentationml/2006/main">
+  <p:cSld>
+    <p:spTree>
+      <p:nvGrpSpPr>
+        <p:cNvPr id="1" name=""/>
+        <p:cNvGrpSpPr/>
+        <p:nvPr/>
+      </p:nvGrpSpPr>
+      <p:grpSpPr/>
+      <p:sp>
+        <p:nvSpPr>
+          <p:cNvPr id="2" name="标题 1"/>
+          <p:cNvSpPr>
+            <a:spLocks noGrp="1"/>
+          </p:cNvSpPr>
+          <p:nvPr>
+            <p:ph type="title"/>
+          </p:nvPr>
+        </p:nvSpPr>
+        <p:spPr/>
+        <p:txBody>
+          <a:bodyPr/>
+          <a:p>
+            <a:r>
+              <a:rPr lang="en-US" altLang="zh-CN"/>
+              <a:t>Connect from Ubuntu 20</a:t>
+            </a:r>
+            <a:endParaRPr lang="en-US" altLang="zh-CN"/>
+          </a:p>
+        </p:txBody>
+      </p:sp>
+      <p:sp>
+        <p:nvSpPr>
+          <p:cNvPr id="3" name="内容占位符 2"/>
+          <p:cNvSpPr>
+            <a:spLocks noGrp="1"/>
+          </p:cNvSpPr>
+          <p:nvPr>
+            <p:ph idx="1"/>
+          </p:nvPr>
+        </p:nvSpPr>
+        <p:spPr/>
+        <p:txBody>
+          <a:bodyPr/>
+          <a:p>
+            <a:r>
+              <a:rPr lang="en-US" altLang="zh-CN"/>
+              <a:t>References</a:t>
+            </a:r>
+            <a:endParaRPr lang="en-US" altLang="zh-CN"/>
+          </a:p>
+          <a:p>
+            <a:pPr lvl="1"/>
+            <a:r>
+              <a:rPr lang="en-US" altLang="zh-CN"/>
+              <a:t>https://learn.microsoft.com/en-us/sql/linux/sql-server-linux-setup-tools?tabs=ubuntu-install&amp;view=sql-server-ver16#ubuntu</a:t>
+            </a:r>
+            <a:endParaRPr lang="en-US" altLang="zh-CN"/>
+          </a:p>
+          <a:p>
+            <a:r>
+              <a:rPr lang="en-US" altLang="zh-CN"/>
+              <a:t>Commands</a:t>
+            </a:r>
+            <a:endParaRPr lang="en-US" altLang="zh-CN"/>
+          </a:p>
+          <a:p>
+            <a:pPr lvl="1"/>
+            <a:r>
+              <a:rPr lang="en-US" altLang="zh-CN"/>
+              <a:t>curl https://packages.microsoft.com/keys/microsoft.asc | sudo tee /etc/apt/trusted.gpg.d/microsoft.asc	// Import the public repository GPG keys</a:t>
+            </a:r>
+            <a:endParaRPr lang="en-US" altLang="zh-CN"/>
+          </a:p>
+          <a:p>
+            <a:pPr lvl="1"/>
+            <a:r>
+              <a:rPr lang="en-US" altLang="zh-CN"/>
+              <a:t>curl https://packages.microsoft.com/config/ubuntu/20.04/prod.list | sudo tee /etc/apt/sources.list.d/mssql-release.list	// Register repository</a:t>
+            </a:r>
+            <a:endParaRPr lang="en-US" altLang="zh-CN"/>
+          </a:p>
+          <a:p>
+            <a:pPr lvl="1"/>
+            <a:r>
+              <a:rPr lang="en-US" altLang="zh-CN"/>
+              <a:t>sudo apt-get update</a:t>
+            </a:r>
+            <a:endParaRPr lang="en-US" altLang="zh-CN"/>
+          </a:p>
+          <a:p>
+            <a:pPr lvl="1"/>
+            <a:r>
+              <a:rPr lang="en-US" altLang="zh-CN"/>
+              <a:t>sudo apt-get install mssql-tools18 unixodbc-dev</a:t>
+            </a:r>
+            <a:endParaRPr lang="en-US" altLang="zh-CN"/>
+          </a:p>
+          <a:p>
+            <a:pPr lvl="1"/>
+            <a:r>
+              <a:rPr lang="en-US" altLang="zh-CN"/>
+              <a:t>echo 'export PATH="$PATH:/opt/mssql-tools18/bin"' &gt;&gt; ~/.bashrc</a:t>
+            </a:r>
+            <a:endParaRPr lang="en-US" altLang="zh-CN"/>
+          </a:p>
+          <a:p>
+            <a:pPr lvl="1"/>
+            <a:r>
+              <a:rPr lang="en-US" altLang="zh-CN"/>
+              <a:t>source ~/.bashrc</a:t>
+            </a:r>
+            <a:endParaRPr lang="en-US" altLang="zh-CN"/>
+          </a:p>
+          <a:p>
+            <a:pPr lvl="1"/>
+            <a:r>
+              <a:rPr lang="en-US" altLang="zh-CN"/>
+              <a:t>sqlcmd -?</a:t>
+            </a:r>
+            <a:endParaRPr lang="en-US" altLang="zh-CN"/>
+          </a:p>
+          <a:p>
+            <a:pPr lvl="1"/>
+            <a:endParaRPr lang="en-US" altLang="zh-CN"/>
+          </a:p>
+          <a:p>
+            <a:pPr lvl="1"/>
+            <a:endParaRPr lang="en-US" altLang="zh-CN"/>
+          </a:p>
+        </p:txBody>
+      </p:sp>
+    </p:spTree>
+    <p:custDataLst>
+      <p:tags r:id="rId1"/>
+    </p:custDataLst>
+  </p:cSld>
+  <p:clrMapOvr>
+    <a:masterClrMapping/>
+  </p:clrMapOvr>
+</p:sld>
+</file>
+
+<file path=ppt/slides/slide19.xml><?xml version="1.0" encoding="utf-8"?>
+<p:sld xmlns:a="http://schemas.openxmlformats.org/drawingml/2006/main" xmlns:r="http://schemas.openxmlformats.org/officeDocument/2006/relationships" xmlns:p="http://schemas.openxmlformats.org/presentationml/2006/main">
+  <p:cSld>
+    <p:spTree>
+      <p:nvGrpSpPr>
+        <p:cNvPr id="1" name=""/>
+        <p:cNvGrpSpPr/>
+        <p:nvPr/>
+      </p:nvGrpSpPr>
+      <p:grpSpPr/>
+      <p:sp>
+        <p:nvSpPr>
+          <p:cNvPr id="2" name="标题 1"/>
+          <p:cNvSpPr>
+            <a:spLocks noGrp="1"/>
+          </p:cNvSpPr>
+          <p:nvPr>
+            <p:ph type="title"/>
+          </p:nvPr>
+        </p:nvSpPr>
+        <p:spPr/>
+        <p:txBody>
+          <a:bodyPr/>
+          <a:p>
+            <a:r>
+              <a:rPr lang="en-US" altLang="zh-CN"/>
+              <a:t>sqlcmd</a:t>
+            </a:r>
+            <a:endParaRPr lang="en-US" altLang="zh-CN"/>
+          </a:p>
+        </p:txBody>
+      </p:sp>
+      <p:sp>
+        <p:nvSpPr>
+          <p:cNvPr id="3" name="内容占位符 2"/>
+          <p:cNvSpPr>
+            <a:spLocks noGrp="1"/>
+          </p:cNvSpPr>
+          <p:nvPr>
+            <p:ph idx="1"/>
+          </p:nvPr>
+        </p:nvSpPr>
+        <p:spPr/>
+        <p:txBody>
+          <a:bodyPr/>
+          <a:p>
+            <a:r>
+              <a:rPr lang="en-US" altLang="zh-CN"/>
+              <a:t>Commands</a:t>
+            </a:r>
+            <a:endParaRPr lang="en-US" altLang="zh-CN"/>
+          </a:p>
+          <a:p>
+            <a:pPr lvl="1"/>
+            <a:r>
+              <a:rPr lang="en-US" altLang="zh-CN"/>
+              <a:t>sqlcmd -S tcp:&lt;computer name&gt;,&lt;port number&gt;</a:t>
+            </a:r>
+            <a:endParaRPr lang="en-US" altLang="zh-CN"/>
+          </a:p>
+        </p:txBody>
+      </p:sp>
+    </p:spTree>
+    <p:custDataLst>
+      <p:tags r:id="rId1"/>
+    </p:custDataLst>
+  </p:cSld>
+  <p:clrMapOvr>
+    <a:masterClrMapping/>
+  </p:clrMapOvr>
+</p:sld>
+</file>
+
+<file path=ppt/slides/slide2.xml><?xml version="1.0" encoding="utf-8"?>
+<p:sld xmlns:a="http://schemas.openxmlformats.org/drawingml/2006/main" xmlns:r="http://schemas.openxmlformats.org/officeDocument/2006/relationships" xmlns:p="http://schemas.openxmlformats.org/presentationml/2006/main">
+  <p:cSld>
+    <p:spTree>
+      <p:nvGrpSpPr>
+        <p:cNvPr id="1" name=""/>
+        <p:cNvGrpSpPr/>
+        <p:nvPr/>
+      </p:nvGrpSpPr>
+      <p:grpSpPr/>
+      <p:sp>
+        <p:nvSpPr>
+          <p:cNvPr id="2" name="标题 1"/>
+          <p:cNvSpPr>
+            <a:spLocks noGrp="1"/>
+          </p:cNvSpPr>
+          <p:nvPr>
+            <p:ph type="title"/>
+          </p:nvPr>
+        </p:nvSpPr>
+        <p:spPr/>
+        <p:txBody>
+          <a:bodyPr/>
+          <a:p>
+            <a:r>
+              <a:rPr lang="en-US" altLang="zh-CN"/>
+              <a:t>SQL</a:t>
+            </a:r>
+            <a:endParaRPr lang="en-US" altLang="zh-CN"/>
+          </a:p>
+        </p:txBody>
+      </p:sp>
+      <p:sp>
+        <p:nvSpPr>
+          <p:cNvPr id="3" name="内容占位符 2"/>
+          <p:cNvSpPr>
+            <a:spLocks noGrp="1"/>
+          </p:cNvSpPr>
+          <p:nvPr>
+            <p:ph idx="1"/>
+          </p:nvPr>
+        </p:nvSpPr>
+        <p:spPr>
+          <a:xfrm>
+            <a:off x="838200" y="1211580"/>
+            <a:ext cx="10515600" cy="1035050"/>
+          </a:xfrm>
+        </p:spPr>
+        <p:txBody>
+          <a:bodyPr/>
+          <a:p>
+            <a:endParaRPr lang="en-US" altLang="zh-CN"/>
+          </a:p>
+          <a:p>
+            <a:endParaRPr lang="en-US" altLang="zh-CN"/>
+          </a:p>
+        </p:txBody>
+      </p:sp>
+      <p:graphicFrame>
+        <p:nvGraphicFramePr>
+          <p:cNvPr id="4" name="表格 3"/>
+          <p:cNvGraphicFramePr/>
+          <p:nvPr>
+            <p:custDataLst>
+              <p:tags r:id="rId1"/>
+            </p:custDataLst>
+          </p:nvPr>
+        </p:nvGraphicFramePr>
+        <p:xfrm>
+          <a:off x="706755" y="1007110"/>
+          <a:ext cx="10744200" cy="5073650"/>
+        </p:xfrm>
+        <a:graphic>
+          <a:graphicData uri="http://schemas.openxmlformats.org/drawingml/2006/table">
+            <a:tbl>
+              <a:tblPr firstRow="1" bandRow="1">
+                <a:tableStyleId>{5C22544A-7EE6-4342-B048-85BDC9FD1C3A}</a:tableStyleId>
+              </a:tblPr>
+              <a:tblGrid>
+                <a:gridCol w="2001520"/>
+                <a:gridCol w="5383530"/>
+                <a:gridCol w="3359150"/>
+              </a:tblGrid>
+              <a:tr h="365760">
+                <a:tc>
+                  <a:txBody>
+                    <a:bodyPr/>
+                    <a:p>
+                      <a:pPr algn="ctr">
+                        <a:buNone/>
+                      </a:pPr>
+                      <a:r>
+                        <a:rPr lang="en-US" altLang="zh-CN"/>
+                        <a:t>Purpose</a:t>
+                      </a:r>
+                      <a:endParaRPr lang="en-US" altLang="zh-CN"/>
+                    </a:p>
+                  </a:txBody>
+                  <a:tcPr anchor="ctr" anchorCtr="0"/>
+                </a:tc>
+                <a:tc>
+                  <a:txBody>
+                    <a:bodyPr/>
+                    <a:p>
+                      <a:pPr algn="ctr">
+                        <a:buNone/>
+                      </a:pPr>
+                      <a:r>
+                        <a:rPr lang="en-US" altLang="zh-CN"/>
+                        <a:t>Command</a:t>
+                      </a:r>
+                      <a:endParaRPr lang="en-US" altLang="zh-CN"/>
+                    </a:p>
+                  </a:txBody>
+                  <a:tcPr anchor="ctr" anchorCtr="0"/>
+                </a:tc>
+                <a:tc>
+                  <a:txBody>
+                    <a:bodyPr/>
+                    <a:p>
+                      <a:pPr algn="ctr">
+                        <a:buNone/>
+                      </a:pPr>
+                      <a:r>
+                        <a:rPr lang="en-US" altLang="zh-CN"/>
+                        <a:t>Note</a:t>
+                      </a:r>
+                      <a:endParaRPr lang="en-US" altLang="zh-CN"/>
+                    </a:p>
+                  </a:txBody>
+                  <a:tcPr anchor="ctr" anchorCtr="0"/>
+                </a:tc>
+              </a:tr>
+              <a:tr h="452755">
+                <a:tc>
+                  <a:txBody>
+                    <a:bodyPr/>
+                    <a:p>
+                      <a:pPr algn="l">
+                        <a:buNone/>
+                      </a:pPr>
+                      <a:r>
+                        <a:rPr lang="en-US" altLang="zh-CN" sz="1000"/>
+                        <a:t>Select records</a:t>
+                      </a:r>
+                      <a:endParaRPr lang="en-US" altLang="zh-CN" sz="1000"/>
+                    </a:p>
+                  </a:txBody>
+                  <a:tcPr/>
+                </a:tc>
+                <a:tc>
+                  <a:txBody>
+                    <a:bodyPr/>
+                    <a:p>
+                      <a:pPr algn="l">
+                        <a:buNone/>
+                      </a:pPr>
+                      <a:r>
+                        <a:rPr lang="en-US" altLang="zh-CN" sz="1000">
+                          <a:sym typeface="+mn-ea"/>
+                        </a:rPr>
+                        <a:t>select distinct {column-name} from {table-name} order by id desc limit 10</a:t>
+                      </a:r>
+                      <a:endParaRPr lang="en-US" altLang="zh-CN" sz="1000">
+                        <a:sym typeface="+mn-ea"/>
+                      </a:endParaRPr>
+                    </a:p>
+                  </a:txBody>
+                  <a:tcPr/>
+                </a:tc>
+                <a:tc>
+                  <a:txBody>
+                    <a:bodyPr/>
+                    <a:p>
+                      <a:pPr algn="l">
+                        <a:buNone/>
+                      </a:pPr>
+                      <a:r>
+                        <a:rPr lang="zh-CN" altLang="en-US" sz="1000"/>
+                        <a:t>select </a:t>
+                      </a:r>
+                      <a:r>
+                        <a:rPr lang="en-US" altLang="zh-CN" sz="1000"/>
+                        <a:t>id,</a:t>
+                      </a:r>
+                      <a:r>
+                        <a:rPr lang="zh-CN" altLang="en-US" sz="1000"/>
+                        <a:t>phone,jd_amount from registered_user where phone like '%18657141696%';</a:t>
+                      </a:r>
+                      <a:endParaRPr lang="zh-CN" altLang="en-US" sz="1000"/>
+                    </a:p>
+                  </a:txBody>
+                  <a:tcPr/>
+                </a:tc>
+              </a:tr>
+              <a:tr h="243840">
+                <a:tc>
+                  <a:txBody>
+                    <a:bodyPr/>
+                    <a:p>
+                      <a:pPr algn="l">
+                        <a:buNone/>
+                      </a:pPr>
+                      <a:r>
+                        <a:rPr lang="en-US" altLang="zh-CN" sz="1000"/>
+                        <a:t>Rename a table</a:t>
+                      </a:r>
+                      <a:endParaRPr lang="en-US" altLang="zh-CN" sz="1000"/>
+                    </a:p>
+                  </a:txBody>
+                  <a:tcPr/>
+                </a:tc>
+                <a:tc>
+                  <a:txBody>
+                    <a:bodyPr/>
+                    <a:p>
+                      <a:pPr algn="l">
+                        <a:buNone/>
+                      </a:pPr>
+                      <a:r>
+                        <a:rPr lang="en-US" altLang="zh-CN" sz="1000">
+                          <a:sym typeface="+mn-ea"/>
+                        </a:rPr>
+                        <a:t>alter table {old_table_name} rename to {new_table_name}</a:t>
+                      </a:r>
+                      <a:endParaRPr lang="en-US" altLang="zh-CN" sz="1000">
+                        <a:sym typeface="+mn-ea"/>
+                      </a:endParaRPr>
+                    </a:p>
+                  </a:txBody>
+                  <a:tcPr/>
+                </a:tc>
+                <a:tc>
+                  <a:txBody>
+                    <a:bodyPr/>
+                    <a:p>
+                      <a:pPr algn="l">
+                        <a:buNone/>
+                      </a:pPr>
+                      <a:endParaRPr lang="zh-CN" altLang="en-US" sz="1000"/>
+                    </a:p>
+                  </a:txBody>
+                  <a:tcPr/>
+                </a:tc>
+              </a:tr>
+              <a:tr h="243840">
+                <a:tc rowSpan="2">
+                  <a:txBody>
+                    <a:bodyPr/>
+                    <a:p>
+                      <a:pPr algn="l">
+                        <a:buNone/>
+                      </a:pPr>
+                      <a:r>
+                        <a:rPr lang="en-US" altLang="zh-CN" sz="1000"/>
+                        <a:t>Deleta a table</a:t>
+                      </a:r>
+                      <a:endParaRPr lang="en-US" altLang="zh-CN" sz="1000"/>
+                    </a:p>
+                  </a:txBody>
+                  <a:tcPr/>
+                </a:tc>
+                <a:tc>
+                  <a:txBody>
+                    <a:bodyPr/>
+                    <a:p>
+                      <a:pPr algn="l">
+                        <a:buNone/>
+                      </a:pPr>
+                      <a:r>
+                        <a:rPr lang="en-US" altLang="zh-CN" sz="1000"/>
+                        <a:t>drop table “{table_name}”</a:t>
+                      </a:r>
+                      <a:endParaRPr lang="en-US" altLang="zh-CN" sz="1000"/>
+                    </a:p>
+                  </a:txBody>
+                  <a:tcPr/>
+                </a:tc>
+                <a:tc>
+                  <a:txBody>
+                    <a:bodyPr/>
+                    <a:p>
+                      <a:pPr algn="l">
+                        <a:buNone/>
+                      </a:pPr>
+                      <a:r>
+                        <a:rPr lang="en-US" altLang="zh-CN" sz="1000"/>
+                        <a:t>Delete table, data, and table structure</a:t>
+                      </a:r>
+                      <a:endParaRPr lang="en-US" altLang="zh-CN" sz="1000"/>
+                    </a:p>
+                  </a:txBody>
+                  <a:tcPr/>
+                </a:tc>
+              </a:tr>
+              <a:tr h="243840">
+                <a:tc vMerge="1">
+                  <a:tcPr/>
+                </a:tc>
+                <a:tc>
+                  <a:txBody>
+                    <a:bodyPr/>
+                    <a:p>
+                      <a:pPr algn="l">
+                        <a:buNone/>
+                      </a:pPr>
+                      <a:r>
+                        <a:rPr lang="en-US" altLang="zh-CN" sz="1000"/>
+                        <a:t>truncate table {table_name}</a:t>
+                      </a:r>
+                      <a:endParaRPr lang="en-US" altLang="zh-CN" sz="1000"/>
+                    </a:p>
+                  </a:txBody>
+                  <a:tcPr/>
+                </a:tc>
+                <a:tc>
+                  <a:txBody>
+                    <a:bodyPr/>
+                    <a:p>
+                      <a:pPr algn="l">
+                        <a:buNone/>
+                      </a:pPr>
+                      <a:r>
+                        <a:rPr lang="en-US" altLang="zh-CN" sz="1000"/>
+                        <a:t>Delete all data, keep table structure</a:t>
+                      </a:r>
+                      <a:endParaRPr lang="en-US" altLang="zh-CN" sz="1000"/>
+                    </a:p>
+                  </a:txBody>
+                  <a:tcPr/>
+                </a:tc>
+              </a:tr>
+              <a:tr h="396240">
+                <a:tc>
+                  <a:txBody>
+                    <a:bodyPr/>
+                    <a:p>
+                      <a:pPr algn="l">
+                        <a:buNone/>
+                      </a:pPr>
+                      <a:r>
+                        <a:rPr lang="en-US" altLang="zh-CN" sz="1000"/>
+                        <a:t>Add a column</a:t>
+                      </a:r>
+                      <a:endParaRPr lang="en-US" altLang="zh-CN" sz="1000"/>
+                    </a:p>
+                  </a:txBody>
+                  <a:tcPr/>
+                </a:tc>
+                <a:tc>
+                  <a:txBody>
+                    <a:bodyPr/>
+                    <a:p>
+                      <a:pPr algn="l">
+                        <a:buNone/>
+                      </a:pPr>
+                      <a:r>
+                        <a:rPr lang="en-US" altLang="zh-CN" sz="1000"/>
+                        <a:t>alter table {table_name} add {column_name} varchar NULL</a:t>
+                      </a:r>
+                      <a:endParaRPr lang="en-US" altLang="zh-CN" sz="1000"/>
+                    </a:p>
+                    <a:p>
+                      <a:pPr algn="l">
+                        <a:buNone/>
+                      </a:pPr>
+                      <a:r>
+                        <a:rPr lang="en-US" altLang="zh-CN" sz="1000"/>
+                        <a:t>alter table capture add time_called timestamp without time zone;</a:t>
+                      </a:r>
+                      <a:endParaRPr lang="en-US" altLang="zh-CN" sz="1000"/>
+                    </a:p>
+                  </a:txBody>
+                  <a:tcPr/>
+                </a:tc>
+                <a:tc>
+                  <a:txBody>
+                    <a:bodyPr/>
+                    <a:p>
+                      <a:pPr algn="l">
+                        <a:buNone/>
+                      </a:pPr>
+                      <a:endParaRPr lang="zh-CN" altLang="en-US" sz="1000"/>
+                    </a:p>
+                  </a:txBody>
+                  <a:tcPr/>
+                </a:tc>
+              </a:tr>
+              <a:tr h="243840">
+                <a:tc>
+                  <a:txBody>
+                    <a:bodyPr/>
+                    <a:p>
+                      <a:pPr algn="l">
+                        <a:buNone/>
+                      </a:pPr>
+                      <a:r>
+                        <a:rPr lang="en-US" altLang="zh-CN" sz="1000"/>
+                        <a:t>Remove a column</a:t>
+                      </a:r>
+                      <a:endParaRPr lang="en-US" altLang="zh-CN" sz="1000"/>
+                    </a:p>
+                  </a:txBody>
+                  <a:tcPr/>
+                </a:tc>
+                <a:tc>
+                  <a:txBody>
+                    <a:bodyPr/>
+                    <a:p>
+                      <a:pPr algn="l">
+                        <a:buNone/>
+                      </a:pPr>
+                      <a:r>
+                        <a:rPr lang="en-US" altLang="zh-CN" sz="1000"/>
+                        <a:t>alter table {table_name} drop column {column_name}</a:t>
+                      </a:r>
+                      <a:endParaRPr lang="en-US" altLang="zh-CN" sz="1000"/>
+                    </a:p>
+                  </a:txBody>
+                  <a:tcPr/>
+                </a:tc>
+                <a:tc>
+                  <a:txBody>
+                    <a:bodyPr/>
+                    <a:p>
+                      <a:pPr algn="l">
+                        <a:buNone/>
+                      </a:pPr>
+                      <a:endParaRPr lang="zh-CN" altLang="en-US" sz="1000"/>
+                    </a:p>
+                  </a:txBody>
+                  <a:tcPr/>
+                </a:tc>
+              </a:tr>
+              <a:tr h="243840">
+                <a:tc>
+                  <a:txBody>
+                    <a:bodyPr/>
+                    <a:p>
+                      <a:pPr algn="l">
+                        <a:buNone/>
+                      </a:pPr>
+                      <a:r>
+                        <a:rPr lang="en-US" altLang="zh-CN" sz="1000"/>
+                        <a:t>Rename a column</a:t>
+                      </a:r>
+                      <a:endParaRPr lang="en-US" altLang="zh-CN" sz="1000"/>
+                    </a:p>
+                  </a:txBody>
+                  <a:tcPr/>
+                </a:tc>
+                <a:tc>
+                  <a:txBody>
+                    <a:bodyPr/>
+                    <a:p>
+                      <a:pPr algn="l">
+                        <a:buNone/>
+                      </a:pPr>
+                      <a:r>
+                        <a:rPr lang="en-US" altLang="zh-CN" sz="1000"/>
+                        <a:t>alter table </a:t>
+                      </a:r>
+                      <a:r>
+                        <a:rPr lang="en-US" altLang="zh-CN" sz="1000">
+                          <a:sym typeface="+mn-ea"/>
+                        </a:rPr>
+                        <a:t>{table_name} </a:t>
+                      </a:r>
+                      <a:r>
+                        <a:rPr lang="en-US" altLang="zh-CN" sz="1000"/>
+                        <a:t>rename column {A} to {B}</a:t>
+                      </a:r>
+                      <a:endParaRPr lang="en-US" altLang="zh-CN" sz="1000"/>
+                    </a:p>
+                  </a:txBody>
+                  <a:tcPr/>
+                </a:tc>
+                <a:tc>
+                  <a:txBody>
+                    <a:bodyPr/>
+                    <a:p>
+                      <a:pPr algn="l">
+                        <a:buNone/>
+                      </a:pPr>
+                      <a:endParaRPr lang="zh-CN" altLang="en-US" sz="1000"/>
+                    </a:p>
+                  </a:txBody>
+                  <a:tcPr/>
+                </a:tc>
+              </a:tr>
+              <a:tr h="243840">
+                <a:tc>
+                  <a:txBody>
+                    <a:bodyPr/>
+                    <a:p>
+                      <a:pPr algn="l">
+                        <a:buNone/>
+                      </a:pPr>
+                      <a:r>
+                        <a:rPr lang="en-US" altLang="zh-CN" sz="1000"/>
+                        <a:t>Modify a column</a:t>
+                      </a:r>
+                      <a:endParaRPr lang="en-US" altLang="zh-CN" sz="1000"/>
+                    </a:p>
+                  </a:txBody>
+                  <a:tcPr/>
+                </a:tc>
+                <a:tc>
+                  <a:txBody>
+                    <a:bodyPr/>
+                    <a:p>
+                      <a:pPr algn="l">
+                        <a:buNone/>
+                      </a:pPr>
+                      <a:r>
+                        <a:rPr lang="en-US" altLang="zh-CN" sz="1000"/>
+                        <a:t>alter table {table_name} modify column {column_name} {data_type}</a:t>
+                      </a:r>
+                      <a:endParaRPr lang="en-US" altLang="zh-CN" sz="1000"/>
+                    </a:p>
+                  </a:txBody>
+                  <a:tcPr/>
+                </a:tc>
+                <a:tc>
+                  <a:txBody>
+                    <a:bodyPr/>
+                    <a:p>
+                      <a:pPr algn="l">
+                        <a:buNone/>
+                      </a:pPr>
+                      <a:endParaRPr lang="zh-CN" altLang="en-US" sz="1000"/>
+                    </a:p>
+                  </a:txBody>
+                  <a:tcPr/>
+                </a:tc>
+              </a:tr>
+              <a:tr h="323215">
+                <a:tc>
+                  <a:txBody>
+                    <a:bodyPr/>
+                    <a:p>
+                      <a:pPr algn="l">
+                        <a:buNone/>
+                      </a:pPr>
+                      <a:r>
+                        <a:rPr lang="en-US" altLang="zh-CN" sz="1000"/>
+                        <a:t>Modify a column (postgresql)</a:t>
+                      </a:r>
+                      <a:endParaRPr lang="en-US" altLang="zh-CN" sz="1000"/>
+                    </a:p>
+                  </a:txBody>
+                  <a:tcPr/>
+                </a:tc>
+                <a:tc>
+                  <a:txBody>
+                    <a:bodyPr/>
+                    <a:p>
+                      <a:pPr algn="l">
+                        <a:buNone/>
+                      </a:pPr>
+                      <a:r>
+                        <a:rPr lang="en-US" altLang="zh-CN" sz="1000">
+                          <a:sym typeface="+mn-ea"/>
+                        </a:rPr>
+                        <a:t>alter table {table_name} alter column {column_name} type {data_type}</a:t>
+                      </a:r>
+                      <a:endParaRPr lang="en-US" altLang="zh-CN" sz="1000">
+                        <a:sym typeface="+mn-ea"/>
+                      </a:endParaRPr>
+                    </a:p>
+                  </a:txBody>
+                  <a:tcPr/>
+                </a:tc>
+                <a:tc>
+                  <a:txBody>
+                    <a:bodyPr/>
+                    <a:p>
+                      <a:pPr algn="l">
+                        <a:buNone/>
+                      </a:pPr>
+                      <a:endParaRPr lang="zh-CN" altLang="en-US" sz="1000"/>
+                    </a:p>
+                  </a:txBody>
+                  <a:tcPr/>
+                </a:tc>
+              </a:tr>
+              <a:tr h="396240">
+                <a:tc>
+                  <a:txBody>
+                    <a:bodyPr/>
+                    <a:p>
+                      <a:pPr algn="l">
+                        <a:buNone/>
+                      </a:pPr>
+                      <a:r>
+                        <a:rPr lang="en-US" altLang="zh-CN" sz="1000"/>
+                        <a:t>Modify a column to remove unique constraint</a:t>
+                      </a:r>
+                      <a:endParaRPr lang="en-US" altLang="zh-CN" sz="1000"/>
+                    </a:p>
+                  </a:txBody>
+                  <a:tcPr/>
+                </a:tc>
+                <a:tc>
+                  <a:txBody>
+                    <a:bodyPr/>
+                    <a:p>
+                      <a:pPr algn="l">
+                        <a:buNone/>
+                      </a:pPr>
+                      <a:r>
+                        <a:rPr lang="en-US" altLang="zh-CN" sz="1000">
+                          <a:sym typeface="+mn-ea"/>
+                        </a:rPr>
+                        <a:t>ALTER TABLE tbl_name DROP CONSTRAINT {constraint_name};</a:t>
+                      </a:r>
+                      <a:endParaRPr lang="en-US" altLang="zh-CN" sz="1000">
+                        <a:sym typeface="+mn-ea"/>
+                      </a:endParaRPr>
+                    </a:p>
+                  </a:txBody>
+                  <a:tcPr/>
+                </a:tc>
+                <a:tc>
+                  <a:txBody>
+                    <a:bodyPr/>
+                    <a:p>
+                      <a:pPr algn="l">
+                        <a:buNone/>
+                      </a:pPr>
+                      <a:r>
+                        <a:rPr lang="en-US" altLang="zh-CN" sz="1000"/>
+                        <a:t>\d {table} to get constraint_name</a:t>
+                      </a:r>
+                      <a:endParaRPr lang="en-US" altLang="zh-CN" sz="1000"/>
+                    </a:p>
+                  </a:txBody>
+                  <a:tcPr/>
+                </a:tc>
+              </a:tr>
+              <a:tr h="396240">
+                <a:tc>
+                  <a:txBody>
+                    <a:bodyPr/>
+                    <a:p>
+                      <a:pPr algn="l">
+                        <a:buNone/>
+                      </a:pPr>
+                      <a:r>
+                        <a:rPr lang="en-US" altLang="zh-CN" sz="1000"/>
+                        <a:t>Update record</a:t>
+                      </a:r>
+                      <a:endParaRPr lang="en-US" altLang="zh-CN" sz="1000"/>
+                    </a:p>
+                  </a:txBody>
+                  <a:tcPr/>
+                </a:tc>
+                <a:tc>
+                  <a:txBody>
+                    <a:bodyPr/>
+                    <a:p>
+                      <a:pPr algn="l">
+                        <a:buNone/>
+                      </a:pPr>
+                      <a:r>
+                        <a:rPr lang="en-US" altLang="zh-CN" sz="1000"/>
+                        <a:t>update {table_name} set {col1}={value1} where {condition};</a:t>
+                      </a:r>
+                      <a:endParaRPr lang="en-US" altLang="zh-CN" sz="1000"/>
+                    </a:p>
+                  </a:txBody>
+                  <a:tcPr/>
+                </a:tc>
+                <a:tc>
+                  <a:txBody>
+                    <a:bodyPr/>
+                    <a:p>
+                      <a:pPr algn="l">
+                        <a:buNone/>
+                      </a:pPr>
+                      <a:r>
+                        <a:rPr lang="zh-CN" altLang="en-US" sz="1000"/>
+                        <a:t>update registered_user set jd_amount=11 where id=5298;</a:t>
+                      </a:r>
+                      <a:endParaRPr lang="zh-CN" altLang="en-US" sz="1000"/>
+                    </a:p>
+                  </a:txBody>
+                  <a:tcPr/>
+                </a:tc>
+              </a:tr>
+              <a:tr h="243840">
+                <a:tc>
+                  <a:txBody>
+                    <a:bodyPr/>
+                    <a:p>
+                      <a:pPr algn="l">
+                        <a:buNone/>
+                      </a:pPr>
+                      <a:r>
+                        <a:rPr lang="en-US" altLang="zh-CN" sz="1000"/>
+                        <a:t>Create a DB</a:t>
+                      </a:r>
+                      <a:endParaRPr lang="en-US" altLang="zh-CN" sz="1000"/>
+                    </a:p>
+                  </a:txBody>
+                  <a:tcPr/>
+                </a:tc>
+                <a:tc>
+                  <a:txBody>
+                    <a:bodyPr/>
+                    <a:p>
+                      <a:pPr algn="l">
+                        <a:buNone/>
+                      </a:pPr>
+                      <a:r>
+                        <a:rPr lang="en-US" altLang="zh-CN" sz="1000"/>
+                        <a:t>create database {db_name}</a:t>
+                      </a:r>
+                      <a:endParaRPr lang="en-US" altLang="zh-CN" sz="1000"/>
+                    </a:p>
+                  </a:txBody>
+                  <a:tcPr/>
+                </a:tc>
+                <a:tc>
+                  <a:txBody>
+                    <a:bodyPr/>
+                    <a:p>
+                      <a:pPr algn="l">
+                        <a:buNone/>
+                      </a:pPr>
+                      <a:endParaRPr lang="zh-CN" altLang="en-US" sz="1000"/>
+                    </a:p>
+                  </a:txBody>
+                  <a:tcPr/>
+                </a:tc>
+              </a:tr>
+              <a:tr h="243840">
+                <a:tc>
+                  <a:txBody>
+                    <a:bodyPr/>
+                    <a:p>
+                      <a:pPr algn="l">
+                        <a:buNone/>
+                      </a:pPr>
+                      <a:r>
+                        <a:rPr lang="en-US" altLang="zh-CN" sz="1000"/>
+                        <a:t>Remove a DB</a:t>
+                      </a:r>
+                      <a:endParaRPr lang="en-US" altLang="zh-CN" sz="1000"/>
+                    </a:p>
+                  </a:txBody>
+                  <a:tcPr/>
+                </a:tc>
+                <a:tc>
+                  <a:txBody>
+                    <a:bodyPr/>
+                    <a:p>
+                      <a:pPr algn="l">
+                        <a:buNone/>
+                      </a:pPr>
+                      <a:r>
+                        <a:rPr lang="en-US" altLang="zh-CN" sz="1000"/>
+                        <a:t>drop database {db_name}</a:t>
+                      </a:r>
+                      <a:endParaRPr lang="en-US" altLang="zh-CN" sz="1000"/>
+                    </a:p>
+                  </a:txBody>
+                  <a:tcPr/>
+                </a:tc>
+                <a:tc>
+                  <a:txBody>
+                    <a:bodyPr/>
+                    <a:p>
+                      <a:pPr algn="l">
+                        <a:buNone/>
+                      </a:pPr>
+                      <a:endParaRPr lang="zh-CN" altLang="en-US" sz="1000"/>
+                    </a:p>
+                  </a:txBody>
+                  <a:tcPr/>
+                </a:tc>
+              </a:tr>
+              <a:tr h="548640">
+                <a:tc>
+                  <a:txBody>
+                    <a:bodyPr/>
+                    <a:p>
+                      <a:pPr algn="l">
+                        <a:buNone/>
+                      </a:pPr>
+                      <a:r>
+                        <a:rPr lang="en-US" altLang="zh-CN" sz="1000"/>
+                        <a:t>Add record</a:t>
+                      </a:r>
+                      <a:endParaRPr lang="en-US" altLang="zh-CN" sz="1000"/>
+                    </a:p>
+                  </a:txBody>
+                  <a:tcPr/>
+                </a:tc>
+                <a:tc>
+                  <a:txBody>
+                    <a:bodyPr/>
+                    <a:p>
+                      <a:pPr algn="l">
+                        <a:buNone/>
+                      </a:pPr>
+                      <a:r>
+                        <a:rPr lang="en-US" altLang="zh-CN" sz="1000"/>
+                        <a:t>INSERT INTO {table_name} VALUES (value1, value2, value3...);</a:t>
+                      </a:r>
+                      <a:endParaRPr lang="en-US" altLang="zh-CN" sz="1000"/>
+                    </a:p>
+                    <a:p>
+                      <a:pPr algn="l">
+                        <a:buNone/>
+                      </a:pPr>
+                      <a:r>
+                        <a:rPr lang="en-US" altLang="zh-CN" sz="1000"/>
+                        <a:t>INSERT INTO table_name(column1, column2...) VALUES (value1, value2...);</a:t>
+                      </a:r>
+                      <a:endParaRPr lang="en-US" altLang="zh-CN" sz="1000"/>
+                    </a:p>
+                  </a:txBody>
+                  <a:tcPr/>
+                </a:tc>
+                <a:tc>
+                  <a:txBody>
+                    <a:bodyPr/>
+                    <a:p>
+                      <a:pPr algn="l">
+                        <a:buNone/>
+                      </a:pPr>
+                      <a:r>
+                        <a:rPr lang="zh-CN" altLang="en-US" sz="1000"/>
+                        <a:t>insert into product (name, full_name, unit_price) values ('tour_video_dewatermark', '漫游视频去</a:t>
+                      </a:r>
+                      <a:endParaRPr lang="zh-CN" altLang="en-US" sz="1000"/>
+                    </a:p>
+                    <a:p>
+                      <a:pPr algn="l">
+                        <a:buNone/>
+                      </a:pPr>
+                      <a:r>
+                        <a:rPr lang="zh-CN" altLang="en-US" sz="1000"/>
+                        <a:t>水印', '500');</a:t>
+                      </a:r>
+                      <a:endParaRPr lang="zh-CN" altLang="en-US" sz="1000"/>
+                    </a:p>
+                  </a:txBody>
+                  <a:tcPr/>
+                </a:tc>
+              </a:tr>
+              <a:tr h="243840">
+                <a:tc>
+                  <a:txBody>
+                    <a:bodyPr/>
+                    <a:p>
+                      <a:pPr algn="l">
+                        <a:buNone/>
+                      </a:pPr>
+                      <a:r>
+                        <a:rPr lang="en-US" altLang="zh-CN" sz="1000"/>
+                        <a:t>Delete record</a:t>
+                      </a:r>
+                      <a:endParaRPr lang="en-US" altLang="zh-CN" sz="1000"/>
+                    </a:p>
+                  </a:txBody>
+                  <a:tcPr/>
+                </a:tc>
+                <a:tc>
+                  <a:txBody>
+                    <a:bodyPr/>
+                    <a:p>
+                      <a:pPr algn="l">
+                        <a:buNone/>
+                      </a:pPr>
+                      <a:r>
+                        <a:rPr lang="en-US" altLang="zh-CN" sz="1000"/>
+                        <a:t>delete from {table_name} where id=1;</a:t>
+                      </a:r>
+                      <a:endParaRPr lang="en-US" altLang="zh-CN" sz="1000"/>
+                    </a:p>
+                  </a:txBody>
+                  <a:tcPr/>
+                </a:tc>
+                <a:tc>
+                  <a:txBody>
+                    <a:bodyPr/>
+                    <a:p>
+                      <a:pPr algn="l">
+                        <a:buNone/>
+                      </a:pPr>
+                      <a:endParaRPr lang="zh-CN" altLang="en-US" sz="1000"/>
+                    </a:p>
+                  </a:txBody>
+                  <a:tcPr/>
+                </a:tc>
+              </a:tr>
+            </a:tbl>
+          </a:graphicData>
+        </a:graphic>
+      </p:graphicFrame>
+    </p:spTree>
+    <p:custDataLst>
+      <p:tags r:id="rId2"/>
+    </p:custDataLst>
+  </p:cSld>
+  <p:clrMapOvr>
+    <a:masterClrMapping/>
+  </p:clrMapOvr>
+</p:sld>
+</file>
+
+<file path=ppt/slides/slide20.xml><?xml version="1.0" encoding="utf-8"?>
+<p:sld xmlns:a="http://schemas.openxmlformats.org/drawingml/2006/main" xmlns:r="http://schemas.openxmlformats.org/officeDocument/2006/relationships" xmlns:p="http://schemas.openxmlformats.org/presentationml/2006/main">
+  <p:cSld>
+    <p:spTree>
+      <p:nvGrpSpPr>
+        <p:cNvPr id="1" name=""/>
+        <p:cNvGrpSpPr/>
+        <p:nvPr/>
+      </p:nvGrpSpPr>
+      <p:grpSpPr/>
+      <p:sp>
+        <p:nvSpPr>
+          <p:cNvPr id="4" name="标题 3"/>
+          <p:cNvSpPr>
+            <a:spLocks noGrp="1"/>
+          </p:cNvSpPr>
+          <p:nvPr>
+            <p:ph type="title"/>
+          </p:nvPr>
+        </p:nvSpPr>
+        <p:spPr/>
+        <p:txBody>
+          <a:bodyPr/>
+          <a:p>
+            <a:r>
+              <a:rPr lang="en-US" altLang="zh-CN"/>
+              <a:t>MySQL</a:t>
+            </a:r>
+            <a:endParaRPr lang="en-US" altLang="zh-CN"/>
+          </a:p>
+        </p:txBody>
+      </p:sp>
+      <p:sp>
+        <p:nvSpPr>
+          <p:cNvPr id="5" name="文本占位符 4"/>
+          <p:cNvSpPr>
+            <a:spLocks noGrp="1"/>
+          </p:cNvSpPr>
+          <p:nvPr>
+            <p:ph type="body" idx="1"/>
+          </p:nvPr>
+        </p:nvSpPr>
+        <p:spPr/>
+        <p:txBody>
+          <a:bodyPr/>
+          <a:p>
+            <a:endParaRPr lang="zh-CN" altLang="en-US"/>
+          </a:p>
+        </p:txBody>
+      </p:sp>
+    </p:spTree>
+    <p:custDataLst>
+      <p:tags r:id="rId1"/>
+    </p:custDataLst>
+  </p:cSld>
+  <p:clrMapOvr>
+    <a:masterClrMapping/>
+  </p:clrMapOvr>
+</p:sld>
+</file>
+
+<file path=ppt/slides/slide21.xml><?xml version="1.0" encoding="utf-8"?>
+<p:sld xmlns:a="http://schemas.openxmlformats.org/drawingml/2006/main" xmlns:r="http://schemas.openxmlformats.org/officeDocument/2006/relationships" xmlns:p="http://schemas.openxmlformats.org/presentationml/2006/main">
+  <p:cSld>
+    <p:spTree>
+      <p:nvGrpSpPr>
+        <p:cNvPr id="1" name=""/>
+        <p:cNvGrpSpPr/>
+        <p:nvPr/>
+      </p:nvGrpSpPr>
+      <p:grpSpPr/>
+      <p:sp>
+        <p:nvSpPr>
+          <p:cNvPr id="2" name="标题 1"/>
+          <p:cNvSpPr>
+            <a:spLocks noGrp="1"/>
+          </p:cNvSpPr>
+          <p:nvPr>
+            <p:ph type="title"/>
+          </p:nvPr>
+        </p:nvSpPr>
+        <p:spPr/>
+        <p:txBody>
+          <a:bodyPr/>
+          <a:p>
+            <a:r>
+              <a:rPr lang="en-US" altLang="zh-CN"/>
+              <a:t>Client</a:t>
+            </a:r>
+            <a:endParaRPr lang="en-US" altLang="zh-CN"/>
+          </a:p>
+        </p:txBody>
+      </p:sp>
+      <p:sp>
+        <p:nvSpPr>
+          <p:cNvPr id="3" name="内容占位符 2"/>
+          <p:cNvSpPr>
+            <a:spLocks noGrp="1"/>
+          </p:cNvSpPr>
+          <p:nvPr>
+            <p:ph idx="1"/>
+          </p:nvPr>
+        </p:nvSpPr>
+        <p:spPr/>
+        <p:txBody>
+          <a:bodyPr/>
+          <a:p>
+            <a:r>
+              <a:rPr lang="en-US" altLang="zh-CN"/>
+              <a:t>mycli</a:t>
+            </a:r>
+            <a:endParaRPr lang="en-US" altLang="zh-CN"/>
+          </a:p>
+          <a:p>
+            <a:pPr lvl="1"/>
+            <a:r>
+              <a:rPr lang="en-US" altLang="zh-CN"/>
+              <a:t>https://thevaluable.dev/mysql-command-line-tool-mycli/</a:t>
+            </a:r>
+            <a:endParaRPr lang="en-US" altLang="zh-CN"/>
+          </a:p>
+          <a:p>
+            <a:pPr lvl="1"/>
+            <a:r>
+              <a:rPr lang="en-US" altLang="zh-CN"/>
+              <a:t>pip install mycli</a:t>
+            </a:r>
+            <a:endParaRPr lang="en-US" altLang="zh-CN"/>
+          </a:p>
+          <a:p>
+            <a:pPr lvl="1"/>
+            <a:r>
+              <a:rPr lang="en-US" altLang="zh-CN"/>
+              <a:t>mycli -h localhost -u root -P 3306</a:t>
+            </a:r>
+            <a:endParaRPr lang="en-US" altLang="zh-CN"/>
+          </a:p>
+          <a:p>
+            <a:pPr lvl="1"/>
+            <a:r>
+              <a:rPr lang="en-US" altLang="zh-CN"/>
+              <a:t>Commands</a:t>
+            </a:r>
+            <a:endParaRPr lang="en-US" altLang="zh-CN"/>
+          </a:p>
+          <a:p>
+            <a:pPr lvl="2"/>
+            <a:r>
+              <a:rPr lang="en-US" altLang="zh-CN"/>
+              <a:t>show databases</a:t>
+            </a:r>
+            <a:endParaRPr lang="en-US" altLang="zh-CN"/>
+          </a:p>
+          <a:p>
+            <a:pPr lvl="2"/>
+            <a:r>
+              <a:rPr lang="en-US" altLang="zh-CN"/>
+              <a:t>\l	# list databases</a:t>
+            </a:r>
+            <a:endParaRPr lang="en-US" altLang="zh-CN"/>
+          </a:p>
+          <a:p>
+            <a:pPr lvl="2"/>
+            <a:r>
+              <a:rPr lang="en-US" altLang="zh-CN"/>
+              <a:t>\dt	# dump tables</a:t>
+            </a:r>
+            <a:endParaRPr lang="en-US" altLang="zh-CN"/>
+          </a:p>
+        </p:txBody>
+      </p:sp>
+    </p:spTree>
+    <p:custDataLst>
+      <p:tags r:id="rId1"/>
+    </p:custDataLst>
+  </p:cSld>
+  <p:clrMapOvr>
+    <a:masterClrMapping/>
+  </p:clrMapOvr>
+</p:sld>
+</file>
+
+<file path=ppt/slides/slide22.xml><?xml version="1.0" encoding="utf-8"?>
+<p:sld xmlns:a="http://schemas.openxmlformats.org/drawingml/2006/main" xmlns:r="http://schemas.openxmlformats.org/officeDocument/2006/relationships" xmlns:p="http://schemas.openxmlformats.org/presentationml/2006/main">
+  <p:cSld>
+    <p:spTree>
+      <p:nvGrpSpPr>
+        <p:cNvPr id="1" name=""/>
+        <p:cNvGrpSpPr/>
+        <p:nvPr/>
+      </p:nvGrpSpPr>
+      <p:grpSpPr/>
+      <p:sp>
+        <p:nvSpPr>
+          <p:cNvPr id="4" name="标题 3"/>
+          <p:cNvSpPr>
+            <a:spLocks noGrp="1"/>
+          </p:cNvSpPr>
+          <p:nvPr>
+            <p:ph type="title"/>
+          </p:nvPr>
+        </p:nvSpPr>
+        <p:spPr/>
+        <p:txBody>
+          <a:bodyPr/>
+          <a:p>
+            <a:r>
+              <a:rPr lang="en-US" altLang="zh-CN"/>
+              <a:t>Misc</a:t>
+            </a:r>
+            <a:endParaRPr lang="en-US" altLang="zh-CN"/>
+          </a:p>
+        </p:txBody>
+      </p:sp>
+      <p:sp>
+        <p:nvSpPr>
+          <p:cNvPr id="5" name="文本占位符 4"/>
+          <p:cNvSpPr>
+            <a:spLocks noGrp="1"/>
+          </p:cNvSpPr>
+          <p:nvPr>
+            <p:ph type="body" idx="1"/>
+          </p:nvPr>
+        </p:nvSpPr>
+        <p:spPr/>
+        <p:txBody>
+          <a:bodyPr/>
+          <a:p>
+            <a:endParaRPr lang="zh-CN" altLang="en-US"/>
+          </a:p>
+        </p:txBody>
+      </p:sp>
+    </p:spTree>
+    <p:custDataLst>
+      <p:tags r:id="rId1"/>
+    </p:custDataLst>
+  </p:cSld>
+  <p:clrMapOvr>
+    <a:masterClrMapping/>
+  </p:clrMapOvr>
+</p:sld>
+</file>
+
+<file path=ppt/slides/slide23.xml><?xml version="1.0" encoding="utf-8"?>
+<p:sld xmlns:a="http://schemas.openxmlformats.org/drawingml/2006/main" xmlns:r="http://schemas.openxmlformats.org/officeDocument/2006/relationships" xmlns:p="http://schemas.openxmlformats.org/presentationml/2006/main">
+  <p:cSld>
+    <p:spTree>
+      <p:nvGrpSpPr>
+        <p:cNvPr id="1" name=""/>
+        <p:cNvGrpSpPr/>
+        <p:nvPr/>
+      </p:nvGrpSpPr>
+      <p:grpSpPr/>
+      <p:sp>
+        <p:nvSpPr>
+          <p:cNvPr id="2" name="标题 1"/>
+          <p:cNvSpPr>
+            <a:spLocks noGrp="1"/>
+          </p:cNvSpPr>
+          <p:nvPr>
+            <p:ph type="title"/>
+          </p:nvPr>
+        </p:nvSpPr>
+        <p:spPr/>
+        <p:txBody>
+          <a:bodyPr/>
+          <a:p>
+            <a:r>
+              <a:rPr lang="en-US" altLang="zh-CN"/>
+              <a:t>Visualization</a:t>
+            </a:r>
+            <a:endParaRPr lang="en-US" altLang="zh-CN"/>
+          </a:p>
+        </p:txBody>
+      </p:sp>
+      <p:sp>
+        <p:nvSpPr>
+          <p:cNvPr id="3" name="内容占位符 2"/>
+          <p:cNvSpPr>
+            <a:spLocks noGrp="1"/>
+          </p:cNvSpPr>
+          <p:nvPr>
+            <p:ph idx="1"/>
+          </p:nvPr>
+        </p:nvSpPr>
+        <p:spPr/>
+        <p:txBody>
+          <a:bodyPr/>
+          <a:p>
+            <a:r>
+              <a:rPr lang="en-US" altLang="zh-CN"/>
+              <a:t>Grafana</a:t>
+            </a:r>
+            <a:endParaRPr lang="en-US" altLang="zh-CN"/>
+          </a:p>
+          <a:p>
+            <a:pPr lvl="1"/>
+            <a:r>
+              <a:rPr lang="en-US" altLang="zh-CN"/>
+              <a:t>https://medium.com/analytics-vidhya/grafana-with-postgresql-data-visualization-with-open-source-tool-36f5150fa290</a:t>
+            </a:r>
+            <a:endParaRPr lang="en-US" altLang="zh-CN"/>
+          </a:p>
+        </p:txBody>
+      </p:sp>
+    </p:spTree>
+    <p:custDataLst>
+      <p:tags r:id="rId1"/>
+    </p:custDataLst>
+  </p:cSld>
+  <p:clrMapOvr>
+    <a:masterClrMapping/>
+  </p:clrMapOvr>
+</p:sld>
+</file>
+
+<file path=ppt/slides/slide24.xml><?xml version="1.0" encoding="utf-8"?>
 <p:sld xmlns:a="http://schemas.openxmlformats.org/drawingml/2006/main" xmlns:r="http://schemas.openxmlformats.org/officeDocument/2006/relationships" xmlns:p="http://schemas.openxmlformats.org/presentationml/2006/main">
   <p:cSld>
     <p:spTree>
@@ -5100,893 +6616,6 @@
 </p:sld>
 </file>
 
-<file path=ppt/slides/slide2.xml><?xml version="1.0" encoding="utf-8"?>
-<p:sld xmlns:a="http://schemas.openxmlformats.org/drawingml/2006/main" xmlns:r="http://schemas.openxmlformats.org/officeDocument/2006/relationships" xmlns:p="http://schemas.openxmlformats.org/presentationml/2006/main">
-  <p:cSld>
-    <p:spTree>
-      <p:nvGrpSpPr>
-        <p:cNvPr id="1" name=""/>
-        <p:cNvGrpSpPr/>
-        <p:nvPr/>
-      </p:nvGrpSpPr>
-      <p:grpSpPr/>
-      <p:sp>
-        <p:nvSpPr>
-          <p:cNvPr id="2" name="标题 1"/>
-          <p:cNvSpPr>
-            <a:spLocks noGrp="1"/>
-          </p:cNvSpPr>
-          <p:nvPr>
-            <p:ph type="title"/>
-          </p:nvPr>
-        </p:nvSpPr>
-        <p:spPr/>
-        <p:txBody>
-          <a:bodyPr/>
-          <a:p>
-            <a:r>
-              <a:rPr lang="en-US" altLang="zh-CN"/>
-              <a:t>SQL</a:t>
-            </a:r>
-            <a:endParaRPr lang="en-US" altLang="zh-CN"/>
-          </a:p>
-        </p:txBody>
-      </p:sp>
-      <p:sp>
-        <p:nvSpPr>
-          <p:cNvPr id="3" name="内容占位符 2"/>
-          <p:cNvSpPr>
-            <a:spLocks noGrp="1"/>
-          </p:cNvSpPr>
-          <p:nvPr>
-            <p:ph idx="1"/>
-          </p:nvPr>
-        </p:nvSpPr>
-        <p:spPr>
-          <a:xfrm>
-            <a:off x="838200" y="1211580"/>
-            <a:ext cx="10515600" cy="1035050"/>
-          </a:xfrm>
-        </p:spPr>
-        <p:txBody>
-          <a:bodyPr/>
-          <a:p>
-            <a:endParaRPr lang="en-US" altLang="zh-CN"/>
-          </a:p>
-          <a:p>
-            <a:endParaRPr lang="en-US" altLang="zh-CN"/>
-          </a:p>
-        </p:txBody>
-      </p:sp>
-      <p:graphicFrame>
-        <p:nvGraphicFramePr>
-          <p:cNvPr id="4" name="表格 3"/>
-          <p:cNvGraphicFramePr/>
-          <p:nvPr>
-            <p:custDataLst>
-              <p:tags r:id="rId1"/>
-            </p:custDataLst>
-          </p:nvPr>
-        </p:nvGraphicFramePr>
-        <p:xfrm>
-          <a:off x="706755" y="1007110"/>
-          <a:ext cx="10744200" cy="5904865"/>
-        </p:xfrm>
-        <a:graphic>
-          <a:graphicData uri="http://schemas.openxmlformats.org/drawingml/2006/table">
-            <a:tbl>
-              <a:tblPr firstRow="1" bandRow="1">
-                <a:tableStyleId>{5C22544A-7EE6-4342-B048-85BDC9FD1C3A}</a:tableStyleId>
-              </a:tblPr>
-              <a:tblGrid>
-                <a:gridCol w="2049145"/>
-                <a:gridCol w="5335905"/>
-                <a:gridCol w="3359150"/>
-              </a:tblGrid>
-              <a:tr h="365760">
-                <a:tc>
-                  <a:txBody>
-                    <a:bodyPr/>
-                    <a:p>
-                      <a:pPr algn="ctr">
-                        <a:buNone/>
-                      </a:pPr>
-                      <a:r>
-                        <a:rPr lang="en-US" altLang="zh-CN"/>
-                        <a:t>Purpose</a:t>
-                      </a:r>
-                      <a:endParaRPr lang="en-US" altLang="zh-CN"/>
-                    </a:p>
-                  </a:txBody>
-                  <a:tcPr anchor="ctr" anchorCtr="0"/>
-                </a:tc>
-                <a:tc>
-                  <a:txBody>
-                    <a:bodyPr/>
-                    <a:p>
-                      <a:pPr algn="ctr">
-                        <a:buNone/>
-                      </a:pPr>
-                      <a:r>
-                        <a:rPr lang="en-US" altLang="zh-CN"/>
-                        <a:t>Command</a:t>
-                      </a:r>
-                      <a:endParaRPr lang="en-US" altLang="zh-CN"/>
-                    </a:p>
-                  </a:txBody>
-                  <a:tcPr anchor="ctr" anchorCtr="0"/>
-                </a:tc>
-                <a:tc>
-                  <a:txBody>
-                    <a:bodyPr/>
-                    <a:p>
-                      <a:pPr algn="ctr">
-                        <a:buNone/>
-                      </a:pPr>
-                      <a:r>
-                        <a:rPr lang="en-US" altLang="zh-CN"/>
-                        <a:t>Note</a:t>
-                      </a:r>
-                      <a:endParaRPr lang="en-US" altLang="zh-CN"/>
-                    </a:p>
-                  </a:txBody>
-                  <a:tcPr anchor="ctr" anchorCtr="0"/>
-                </a:tc>
-              </a:tr>
-              <a:tr h="640080">
-                <a:tc>
-                  <a:txBody>
-                    <a:bodyPr/>
-                    <a:p>
-                      <a:pPr algn="l">
-                        <a:buNone/>
-                      </a:pPr>
-                      <a:r>
-                        <a:rPr lang="en-US" altLang="zh-CN" sz="1200"/>
-                        <a:t>Select records</a:t>
-                      </a:r>
-                      <a:endParaRPr lang="en-US" altLang="zh-CN" sz="1200"/>
-                    </a:p>
-                  </a:txBody>
-                  <a:tcPr/>
-                </a:tc>
-                <a:tc>
-                  <a:txBody>
-                    <a:bodyPr/>
-                    <a:p>
-                      <a:pPr algn="l">
-                        <a:buNone/>
-                      </a:pPr>
-                      <a:r>
-                        <a:rPr lang="en-US" altLang="zh-CN" sz="1200">
-                          <a:sym typeface="+mn-ea"/>
-                        </a:rPr>
-                        <a:t>select distinct {column-name} from {table-name} order by id desc limit 10</a:t>
-                      </a:r>
-                      <a:endParaRPr lang="en-US" altLang="zh-CN" sz="1200">
-                        <a:sym typeface="+mn-ea"/>
-                      </a:endParaRPr>
-                    </a:p>
-                  </a:txBody>
-                  <a:tcPr/>
-                </a:tc>
-                <a:tc>
-                  <a:txBody>
-                    <a:bodyPr/>
-                    <a:p>
-                      <a:pPr algn="l">
-                        <a:buNone/>
-                      </a:pPr>
-                      <a:r>
-                        <a:rPr lang="zh-CN" altLang="en-US" sz="1200"/>
-                        <a:t>select </a:t>
-                      </a:r>
-                      <a:r>
-                        <a:rPr lang="en-US" altLang="zh-CN" sz="1200"/>
-                        <a:t>id,</a:t>
-                      </a:r>
-                      <a:r>
-                        <a:rPr lang="zh-CN" altLang="en-US" sz="1200"/>
-                        <a:t>phone,jd_amount from registered_user where phone like '%18657141696%';</a:t>
-                      </a:r>
-                      <a:endParaRPr lang="zh-CN" altLang="en-US" sz="1200"/>
-                    </a:p>
-                  </a:txBody>
-                  <a:tcPr/>
-                </a:tc>
-              </a:tr>
-              <a:tr h="274320">
-                <a:tc>
-                  <a:txBody>
-                    <a:bodyPr/>
-                    <a:p>
-                      <a:pPr algn="l">
-                        <a:buNone/>
-                      </a:pPr>
-                      <a:r>
-                        <a:rPr lang="en-US" altLang="zh-CN" sz="1200"/>
-                        <a:t>Rename a table</a:t>
-                      </a:r>
-                      <a:endParaRPr lang="en-US" altLang="zh-CN" sz="1200"/>
-                    </a:p>
-                  </a:txBody>
-                  <a:tcPr/>
-                </a:tc>
-                <a:tc>
-                  <a:txBody>
-                    <a:bodyPr/>
-                    <a:p>
-                      <a:pPr algn="l">
-                        <a:buNone/>
-                      </a:pPr>
-                      <a:r>
-                        <a:rPr lang="en-US" altLang="zh-CN" sz="1200">
-                          <a:sym typeface="+mn-ea"/>
-                        </a:rPr>
-                        <a:t>alter table {old_table_name} rename to {new_table_name}</a:t>
-                      </a:r>
-                      <a:endParaRPr lang="en-US" altLang="zh-CN" sz="1200">
-                        <a:sym typeface="+mn-ea"/>
-                      </a:endParaRPr>
-                    </a:p>
-                  </a:txBody>
-                  <a:tcPr/>
-                </a:tc>
-                <a:tc>
-                  <a:txBody>
-                    <a:bodyPr/>
-                    <a:p>
-                      <a:pPr algn="l">
-                        <a:buNone/>
-                      </a:pPr>
-                      <a:endParaRPr lang="zh-CN" altLang="en-US" sz="1200"/>
-                    </a:p>
-                  </a:txBody>
-                  <a:tcPr/>
-                </a:tc>
-              </a:tr>
-              <a:tr h="274320">
-                <a:tc rowSpan="2">
-                  <a:txBody>
-                    <a:bodyPr/>
-                    <a:p>
-                      <a:pPr algn="l">
-                        <a:buNone/>
-                      </a:pPr>
-                      <a:r>
-                        <a:rPr lang="en-US" altLang="zh-CN" sz="1200"/>
-                        <a:t>Deleta a table</a:t>
-                      </a:r>
-                      <a:endParaRPr lang="en-US" altLang="zh-CN" sz="1200"/>
-                    </a:p>
-                  </a:txBody>
-                  <a:tcPr/>
-                </a:tc>
-                <a:tc>
-                  <a:txBody>
-                    <a:bodyPr/>
-                    <a:p>
-                      <a:pPr algn="l">
-                        <a:buNone/>
-                      </a:pPr>
-                      <a:r>
-                        <a:rPr lang="en-US" altLang="zh-CN" sz="1200"/>
-                        <a:t>drop table “{table_name}”</a:t>
-                      </a:r>
-                      <a:endParaRPr lang="en-US" altLang="zh-CN" sz="1200"/>
-                    </a:p>
-                  </a:txBody>
-                  <a:tcPr/>
-                </a:tc>
-                <a:tc>
-                  <a:txBody>
-                    <a:bodyPr/>
-                    <a:p>
-                      <a:pPr algn="l">
-                        <a:buNone/>
-                      </a:pPr>
-                      <a:r>
-                        <a:rPr lang="en-US" altLang="zh-CN" sz="1200"/>
-                        <a:t>Delete table, data, and table structure</a:t>
-                      </a:r>
-                      <a:endParaRPr lang="en-US" altLang="zh-CN" sz="1200"/>
-                    </a:p>
-                  </a:txBody>
-                  <a:tcPr/>
-                </a:tc>
-              </a:tr>
-              <a:tr h="274320">
-                <a:tc vMerge="1">
-                  <a:tcPr/>
-                </a:tc>
-                <a:tc>
-                  <a:txBody>
-                    <a:bodyPr/>
-                    <a:p>
-                      <a:pPr algn="l">
-                        <a:buNone/>
-                      </a:pPr>
-                      <a:r>
-                        <a:rPr lang="en-US" altLang="zh-CN" sz="1200"/>
-                        <a:t>truncate table {table_name}</a:t>
-                      </a:r>
-                      <a:endParaRPr lang="en-US" altLang="zh-CN" sz="1200"/>
-                    </a:p>
-                  </a:txBody>
-                  <a:tcPr/>
-                </a:tc>
-                <a:tc>
-                  <a:txBody>
-                    <a:bodyPr/>
-                    <a:p>
-                      <a:pPr algn="l">
-                        <a:buNone/>
-                      </a:pPr>
-                      <a:r>
-                        <a:rPr lang="en-US" altLang="zh-CN" sz="1200"/>
-                        <a:t>Delete all data, keep table structure</a:t>
-                      </a:r>
-                      <a:endParaRPr lang="en-US" altLang="zh-CN" sz="1200"/>
-                    </a:p>
-                  </a:txBody>
-                  <a:tcPr/>
-                </a:tc>
-              </a:tr>
-              <a:tr h="457200">
-                <a:tc>
-                  <a:txBody>
-                    <a:bodyPr/>
-                    <a:p>
-                      <a:pPr algn="l">
-                        <a:buNone/>
-                      </a:pPr>
-                      <a:r>
-                        <a:rPr lang="en-US" altLang="zh-CN" sz="1200"/>
-                        <a:t>Add a column</a:t>
-                      </a:r>
-                      <a:endParaRPr lang="en-US" altLang="zh-CN" sz="1200"/>
-                    </a:p>
-                  </a:txBody>
-                  <a:tcPr/>
-                </a:tc>
-                <a:tc>
-                  <a:txBody>
-                    <a:bodyPr/>
-                    <a:p>
-                      <a:pPr algn="l">
-                        <a:buNone/>
-                      </a:pPr>
-                      <a:r>
-                        <a:rPr lang="en-US" altLang="zh-CN" sz="1200"/>
-                        <a:t>alter table {table_name} add {column_name} varchar NULL</a:t>
-                      </a:r>
-                      <a:endParaRPr lang="en-US" altLang="zh-CN" sz="1200"/>
-                    </a:p>
-                    <a:p>
-                      <a:pPr algn="l">
-                        <a:buNone/>
-                      </a:pPr>
-                      <a:r>
-                        <a:rPr lang="en-US" altLang="zh-CN" sz="1200"/>
-                        <a:t>alter table capture add time_called timestamp without time zone;</a:t>
-                      </a:r>
-                      <a:endParaRPr lang="en-US" altLang="zh-CN" sz="1200"/>
-                    </a:p>
-                  </a:txBody>
-                  <a:tcPr/>
-                </a:tc>
-                <a:tc>
-                  <a:txBody>
-                    <a:bodyPr/>
-                    <a:p>
-                      <a:pPr algn="l">
-                        <a:buNone/>
-                      </a:pPr>
-                      <a:endParaRPr lang="zh-CN" altLang="en-US" sz="1200"/>
-                    </a:p>
-                  </a:txBody>
-                  <a:tcPr/>
-                </a:tc>
-              </a:tr>
-              <a:tr h="274320">
-                <a:tc>
-                  <a:txBody>
-                    <a:bodyPr/>
-                    <a:p>
-                      <a:pPr algn="l">
-                        <a:buNone/>
-                      </a:pPr>
-                      <a:r>
-                        <a:rPr lang="en-US" altLang="zh-CN" sz="1200"/>
-                        <a:t>Remove a column</a:t>
-                      </a:r>
-                      <a:endParaRPr lang="en-US" altLang="zh-CN" sz="1200"/>
-                    </a:p>
-                  </a:txBody>
-                  <a:tcPr/>
-                </a:tc>
-                <a:tc>
-                  <a:txBody>
-                    <a:bodyPr/>
-                    <a:p>
-                      <a:pPr algn="l">
-                        <a:buNone/>
-                      </a:pPr>
-                      <a:r>
-                        <a:rPr lang="en-US" altLang="zh-CN" sz="1200"/>
-                        <a:t>alter table {table_name} drop column {column_name}</a:t>
-                      </a:r>
-                      <a:endParaRPr lang="en-US" altLang="zh-CN" sz="1200"/>
-                    </a:p>
-                  </a:txBody>
-                  <a:tcPr/>
-                </a:tc>
-                <a:tc>
-                  <a:txBody>
-                    <a:bodyPr/>
-                    <a:p>
-                      <a:pPr algn="l">
-                        <a:buNone/>
-                      </a:pPr>
-                      <a:endParaRPr lang="zh-CN" altLang="en-US" sz="1200"/>
-                    </a:p>
-                  </a:txBody>
-                  <a:tcPr/>
-                </a:tc>
-              </a:tr>
-              <a:tr h="274320">
-                <a:tc>
-                  <a:txBody>
-                    <a:bodyPr/>
-                    <a:p>
-                      <a:pPr algn="l">
-                        <a:buNone/>
-                      </a:pPr>
-                      <a:r>
-                        <a:rPr lang="en-US" altLang="zh-CN" sz="1200"/>
-                        <a:t>Rename a column</a:t>
-                      </a:r>
-                      <a:endParaRPr lang="en-US" altLang="zh-CN" sz="1200"/>
-                    </a:p>
-                  </a:txBody>
-                  <a:tcPr/>
-                </a:tc>
-                <a:tc>
-                  <a:txBody>
-                    <a:bodyPr/>
-                    <a:p>
-                      <a:pPr algn="l">
-                        <a:buNone/>
-                      </a:pPr>
-                      <a:r>
-                        <a:rPr lang="en-US" altLang="zh-CN" sz="1200"/>
-                        <a:t>alter table </a:t>
-                      </a:r>
-                      <a:r>
-                        <a:rPr lang="en-US" altLang="zh-CN" sz="1200">
-                          <a:sym typeface="+mn-ea"/>
-                        </a:rPr>
-                        <a:t>{table_name} </a:t>
-                      </a:r>
-                      <a:r>
-                        <a:rPr lang="en-US" altLang="zh-CN" sz="1200"/>
-                        <a:t>rename column {A} to {B}</a:t>
-                      </a:r>
-                      <a:endParaRPr lang="en-US" altLang="zh-CN" sz="1200"/>
-                    </a:p>
-                  </a:txBody>
-                  <a:tcPr/>
-                </a:tc>
-                <a:tc>
-                  <a:txBody>
-                    <a:bodyPr/>
-                    <a:p>
-                      <a:pPr algn="l">
-                        <a:buNone/>
-                      </a:pPr>
-                      <a:endParaRPr lang="zh-CN" altLang="en-US" sz="1200"/>
-                    </a:p>
-                  </a:txBody>
-                  <a:tcPr/>
-                </a:tc>
-              </a:tr>
-              <a:tr h="327025">
-                <a:tc>
-                  <a:txBody>
-                    <a:bodyPr/>
-                    <a:p>
-                      <a:pPr algn="l">
-                        <a:buNone/>
-                      </a:pPr>
-                      <a:r>
-                        <a:rPr lang="en-US" altLang="zh-CN" sz="1200"/>
-                        <a:t>Modify a column</a:t>
-                      </a:r>
-                      <a:endParaRPr lang="en-US" altLang="zh-CN" sz="1200"/>
-                    </a:p>
-                  </a:txBody>
-                  <a:tcPr/>
-                </a:tc>
-                <a:tc>
-                  <a:txBody>
-                    <a:bodyPr/>
-                    <a:p>
-                      <a:pPr algn="l">
-                        <a:buNone/>
-                      </a:pPr>
-                      <a:r>
-                        <a:rPr lang="en-US" altLang="zh-CN" sz="1200"/>
-                        <a:t>alter table {table_name} modify column {column_name} {data_type}</a:t>
-                      </a:r>
-                      <a:endParaRPr lang="en-US" altLang="zh-CN" sz="1200"/>
-                    </a:p>
-                  </a:txBody>
-                  <a:tcPr/>
-                </a:tc>
-                <a:tc>
-                  <a:txBody>
-                    <a:bodyPr/>
-                    <a:p>
-                      <a:pPr algn="l">
-                        <a:buNone/>
-                      </a:pPr>
-                      <a:endParaRPr lang="zh-CN" altLang="en-US" sz="1200"/>
-                    </a:p>
-                  </a:txBody>
-                  <a:tcPr/>
-                </a:tc>
-              </a:tr>
-              <a:tr h="457200">
-                <a:tc>
-                  <a:txBody>
-                    <a:bodyPr/>
-                    <a:p>
-                      <a:pPr algn="l">
-                        <a:buNone/>
-                      </a:pPr>
-                      <a:r>
-                        <a:rPr lang="en-US" altLang="zh-CN" sz="1200"/>
-                        <a:t>Modify a column (postgresql)</a:t>
-                      </a:r>
-                      <a:endParaRPr lang="en-US" altLang="zh-CN" sz="1200"/>
-                    </a:p>
-                  </a:txBody>
-                  <a:tcPr/>
-                </a:tc>
-                <a:tc>
-                  <a:txBody>
-                    <a:bodyPr/>
-                    <a:p>
-                      <a:pPr algn="l">
-                        <a:buNone/>
-                      </a:pPr>
-                      <a:r>
-                        <a:rPr lang="en-US" altLang="zh-CN" sz="1200">
-                          <a:sym typeface="+mn-ea"/>
-                        </a:rPr>
-                        <a:t>alter table {table_name} alter column {column_name} type {data_type}</a:t>
-                      </a:r>
-                      <a:endParaRPr lang="en-US" altLang="zh-CN" sz="1200">
-                        <a:sym typeface="+mn-ea"/>
-                      </a:endParaRPr>
-                    </a:p>
-                  </a:txBody>
-                  <a:tcPr/>
-                </a:tc>
-                <a:tc>
-                  <a:txBody>
-                    <a:bodyPr/>
-                    <a:p>
-                      <a:pPr algn="l">
-                        <a:buNone/>
-                      </a:pPr>
-                      <a:endParaRPr lang="zh-CN" altLang="en-US" sz="1200"/>
-                    </a:p>
-                  </a:txBody>
-                  <a:tcPr/>
-                </a:tc>
-              </a:tr>
-              <a:tr h="457200">
-                <a:tc>
-                  <a:txBody>
-                    <a:bodyPr/>
-                    <a:p>
-                      <a:pPr algn="l">
-                        <a:buNone/>
-                      </a:pPr>
-                      <a:r>
-                        <a:rPr lang="en-US" altLang="zh-CN" sz="1200"/>
-                        <a:t>Modify a column to remove unique constraint</a:t>
-                      </a:r>
-                      <a:endParaRPr lang="en-US" altLang="zh-CN" sz="1200"/>
-                    </a:p>
-                  </a:txBody>
-                  <a:tcPr/>
-                </a:tc>
-                <a:tc>
-                  <a:txBody>
-                    <a:bodyPr/>
-                    <a:p>
-                      <a:pPr algn="l">
-                        <a:buNone/>
-                      </a:pPr>
-                      <a:r>
-                        <a:rPr lang="en-US" altLang="zh-CN" sz="1200">
-                          <a:sym typeface="+mn-ea"/>
-                        </a:rPr>
-                        <a:t>ALTER TABLE tbl_name DROP CONSTRAINT {constraint_name};</a:t>
-                      </a:r>
-                      <a:endParaRPr lang="en-US" altLang="zh-CN" sz="1200">
-                        <a:sym typeface="+mn-ea"/>
-                      </a:endParaRPr>
-                    </a:p>
-                  </a:txBody>
-                  <a:tcPr/>
-                </a:tc>
-                <a:tc>
-                  <a:txBody>
-                    <a:bodyPr/>
-                    <a:p>
-                      <a:pPr algn="l">
-                        <a:buNone/>
-                      </a:pPr>
-                      <a:r>
-                        <a:rPr lang="en-US" altLang="zh-CN" sz="1200"/>
-                        <a:t>\d {table} to get constraint_name</a:t>
-                      </a:r>
-                      <a:endParaRPr lang="en-US" altLang="zh-CN" sz="1200"/>
-                    </a:p>
-                  </a:txBody>
-                  <a:tcPr/>
-                </a:tc>
-              </a:tr>
-              <a:tr h="457200">
-                <a:tc>
-                  <a:txBody>
-                    <a:bodyPr/>
-                    <a:p>
-                      <a:pPr algn="l">
-                        <a:buNone/>
-                      </a:pPr>
-                      <a:r>
-                        <a:rPr lang="en-US" altLang="zh-CN" sz="1200"/>
-                        <a:t>Update record</a:t>
-                      </a:r>
-                      <a:endParaRPr lang="en-US" altLang="zh-CN" sz="1200"/>
-                    </a:p>
-                  </a:txBody>
-                  <a:tcPr/>
-                </a:tc>
-                <a:tc>
-                  <a:txBody>
-                    <a:bodyPr/>
-                    <a:p>
-                      <a:pPr algn="l">
-                        <a:buNone/>
-                      </a:pPr>
-                      <a:r>
-                        <a:rPr lang="en-US" altLang="zh-CN" sz="1200"/>
-                        <a:t>update {table_name} set {col1}={value1} where {condition};</a:t>
-                      </a:r>
-                      <a:endParaRPr lang="en-US" altLang="zh-CN" sz="1200"/>
-                    </a:p>
-                  </a:txBody>
-                  <a:tcPr/>
-                </a:tc>
-                <a:tc>
-                  <a:txBody>
-                    <a:bodyPr/>
-                    <a:p>
-                      <a:pPr algn="l">
-                        <a:buNone/>
-                      </a:pPr>
-                      <a:r>
-                        <a:rPr lang="zh-CN" altLang="en-US" sz="1200"/>
-                        <a:t>update registered_user set jd_amount=11 where id=5298;</a:t>
-                      </a:r>
-                      <a:endParaRPr lang="zh-CN" altLang="en-US" sz="1200"/>
-                    </a:p>
-                  </a:txBody>
-                  <a:tcPr/>
-                </a:tc>
-              </a:tr>
-              <a:tr h="274320">
-                <a:tc>
-                  <a:txBody>
-                    <a:bodyPr/>
-                    <a:p>
-                      <a:pPr algn="l">
-                        <a:buNone/>
-                      </a:pPr>
-                      <a:r>
-                        <a:rPr lang="en-US" altLang="zh-CN" sz="1200"/>
-                        <a:t>Remove a DB</a:t>
-                      </a:r>
-                      <a:endParaRPr lang="en-US" altLang="zh-CN" sz="1200"/>
-                    </a:p>
-                  </a:txBody>
-                  <a:tcPr/>
-                </a:tc>
-                <a:tc>
-                  <a:txBody>
-                    <a:bodyPr/>
-                    <a:p>
-                      <a:pPr algn="l">
-                        <a:buNone/>
-                      </a:pPr>
-                      <a:r>
-                        <a:rPr lang="en-US" altLang="zh-CN" sz="1200"/>
-                        <a:t>drop database {db_name}</a:t>
-                      </a:r>
-                      <a:endParaRPr lang="en-US" altLang="zh-CN" sz="1200"/>
-                    </a:p>
-                  </a:txBody>
-                  <a:tcPr/>
-                </a:tc>
-                <a:tc>
-                  <a:txBody>
-                    <a:bodyPr/>
-                    <a:p>
-                      <a:pPr algn="l">
-                        <a:buNone/>
-                      </a:pPr>
-                      <a:endParaRPr lang="zh-CN" altLang="en-US" sz="1200"/>
-                    </a:p>
-                  </a:txBody>
-                  <a:tcPr/>
-                </a:tc>
-              </a:tr>
-              <a:tr h="822960">
-                <a:tc>
-                  <a:txBody>
-                    <a:bodyPr/>
-                    <a:p>
-                      <a:pPr algn="l">
-                        <a:buNone/>
-                      </a:pPr>
-                      <a:r>
-                        <a:rPr lang="en-US" altLang="zh-CN" sz="1200"/>
-                        <a:t>Add record</a:t>
-                      </a:r>
-                      <a:endParaRPr lang="en-US" altLang="zh-CN" sz="1200"/>
-                    </a:p>
-                  </a:txBody>
-                  <a:tcPr/>
-                </a:tc>
-                <a:tc>
-                  <a:txBody>
-                    <a:bodyPr/>
-                    <a:p>
-                      <a:pPr algn="l">
-                        <a:buNone/>
-                      </a:pPr>
-                      <a:r>
-                        <a:rPr lang="en-US" altLang="zh-CN" sz="1200"/>
-                        <a:t>INSERT INTO {table_name}</a:t>
-                      </a:r>
-                      <a:endParaRPr lang="en-US" altLang="zh-CN" sz="1200"/>
-                    </a:p>
-                    <a:p>
-                      <a:pPr algn="l">
-                        <a:buNone/>
-                      </a:pPr>
-                      <a:r>
-                        <a:rPr lang="en-US" altLang="zh-CN" sz="1200"/>
-                        <a:t>VALUES (value1, value2, value3...);</a:t>
-                      </a:r>
-                      <a:endParaRPr lang="en-US" altLang="zh-CN" sz="1200"/>
-                    </a:p>
-                    <a:p>
-                      <a:pPr algn="l">
-                        <a:buNone/>
-                      </a:pPr>
-                      <a:r>
-                        <a:rPr lang="en-US" altLang="zh-CN" sz="1200"/>
-                        <a:t>INSERT INTO table_name(column1, column2...)</a:t>
-                      </a:r>
-                      <a:endParaRPr lang="en-US" altLang="zh-CN" sz="1200"/>
-                    </a:p>
-                    <a:p>
-                      <a:pPr algn="l">
-                        <a:buNone/>
-                      </a:pPr>
-                      <a:r>
-                        <a:rPr lang="en-US" altLang="zh-CN" sz="1200"/>
-                        <a:t>VALUES (value1, value2...);</a:t>
-                      </a:r>
-                      <a:endParaRPr lang="en-US" altLang="zh-CN" sz="1200"/>
-                    </a:p>
-                  </a:txBody>
-                  <a:tcPr/>
-                </a:tc>
-                <a:tc>
-                  <a:txBody>
-                    <a:bodyPr/>
-                    <a:p>
-                      <a:pPr algn="l">
-                        <a:buNone/>
-                      </a:pPr>
-                      <a:r>
-                        <a:rPr lang="zh-CN" altLang="en-US" sz="1200"/>
-                        <a:t>insert into product (name, full_name, unit_price) values ('tour_video_dewatermark', '漫游视频去</a:t>
-                      </a:r>
-                      <a:endParaRPr lang="zh-CN" altLang="en-US" sz="1200"/>
-                    </a:p>
-                    <a:p>
-                      <a:pPr algn="l">
-                        <a:buNone/>
-                      </a:pPr>
-                      <a:r>
-                        <a:rPr lang="zh-CN" altLang="en-US" sz="1200"/>
-                        <a:t>水印', '500');</a:t>
-                      </a:r>
-                      <a:endParaRPr lang="zh-CN" altLang="en-US" sz="1200"/>
-                    </a:p>
-                  </a:txBody>
-                  <a:tcPr/>
-                </a:tc>
-              </a:tr>
-              <a:tr h="274320">
-                <a:tc>
-                  <a:txBody>
-                    <a:bodyPr/>
-                    <a:p>
-                      <a:pPr algn="l">
-                        <a:buNone/>
-                      </a:pPr>
-                      <a:r>
-                        <a:rPr lang="en-US" altLang="zh-CN" sz="1200"/>
-                        <a:t>Delete record</a:t>
-                      </a:r>
-                      <a:endParaRPr lang="en-US" altLang="zh-CN" sz="1200"/>
-                    </a:p>
-                  </a:txBody>
-                  <a:tcPr/>
-                </a:tc>
-                <a:tc>
-                  <a:txBody>
-                    <a:bodyPr/>
-                    <a:p>
-                      <a:pPr algn="l">
-                        <a:buNone/>
-                      </a:pPr>
-                      <a:r>
-                        <a:rPr lang="en-US" altLang="zh-CN" sz="1200"/>
-                        <a:t>delete from {table_name} where id=1;</a:t>
-                      </a:r>
-                      <a:endParaRPr lang="en-US" altLang="zh-CN" sz="1200"/>
-                    </a:p>
-                  </a:txBody>
-                  <a:tcPr/>
-                </a:tc>
-                <a:tc>
-                  <a:txBody>
-                    <a:bodyPr/>
-                    <a:p>
-                      <a:pPr algn="l">
-                        <a:buNone/>
-                      </a:pPr>
-                      <a:endParaRPr lang="zh-CN" altLang="en-US" sz="1200"/>
-                    </a:p>
-                  </a:txBody>
-                  <a:tcPr/>
-                </a:tc>
-              </a:tr>
-            </a:tbl>
-          </a:graphicData>
-        </a:graphic>
-      </p:graphicFrame>
-    </p:spTree>
-    <p:custDataLst>
-      <p:tags r:id="rId2"/>
-    </p:custDataLst>
-  </p:cSld>
-  <p:clrMapOvr>
-    <a:masterClrMapping/>
-  </p:clrMapOvr>
-</p:sld>
-</file>
-
 <file path=ppt/slides/slide3.xml><?xml version="1.0" encoding="utf-8"?>
 <p:sld xmlns:a="http://schemas.openxmlformats.org/drawingml/2006/main" xmlns:r="http://schemas.openxmlformats.org/officeDocument/2006/relationships" xmlns:p="http://schemas.openxmlformats.org/presentationml/2006/main">
   <p:cSld>
@@ -6032,7 +6661,7 @@
         <p:spPr>
           <a:xfrm>
             <a:off x="838200" y="1211580"/>
-            <a:ext cx="5896610" cy="4549140"/>
+            <a:ext cx="5896610" cy="4969510"/>
           </a:xfrm>
         </p:spPr>
         <p:txBody>
@@ -6179,6 +6808,22 @@
             <a:r>
               <a:rPr lang="en-US" altLang="zh-CN"/>
               <a:t>select * from user;</a:t>
+            </a:r>
+            <a:endParaRPr lang="en-US" altLang="zh-CN"/>
+          </a:p>
+          <a:p>
+            <a:pPr lvl="1"/>
+            <a:r>
+              <a:rPr lang="en-US" altLang="zh-CN"/>
+              <a:t>Run a sql script</a:t>
+            </a:r>
+            <a:endParaRPr lang="en-US" altLang="zh-CN"/>
+          </a:p>
+          <a:p>
+            <a:pPr lvl="2"/>
+            <a:r>
+              <a:rPr lang="en-US" altLang="zh-CN"/>
+              <a:t>.read init.sql</a:t>
             </a:r>
             <a:endParaRPr lang="en-US" altLang="zh-CN"/>
           </a:p>
@@ -6666,7 +7311,7 @@
         <p:spPr>
           <a:xfrm>
             <a:off x="7861300" y="1424940"/>
-            <a:ext cx="3907790" cy="4523105"/>
+            <a:ext cx="3907790" cy="4799965"/>
           </a:xfrm>
           <a:prstGeom prst="rect">
             <a:avLst/>
@@ -6747,6 +7392,13 @@
             <a:r>
               <a:rPr lang="en-US" altLang="zh-CN"/>
               <a:t># \dt	// display tables</a:t>
+            </a:r>
+            <a:endParaRPr lang="en-US" altLang="zh-CN"/>
+          </a:p>
+          <a:p>
+            <a:r>
+              <a:rPr lang="en-US" altLang="zh-CN"/>
+              <a:t># \ds	// display sequences</a:t>
             </a:r>
             <a:endParaRPr lang="en-US" altLang="zh-CN"/>
           </a:p>
@@ -7593,7 +8245,9 @@
 
 <file path=ppt/tags/tag24.xml><?xml version="1.0" encoding="utf-8"?>
 <p:tagLst xmlns:p="http://schemas.openxmlformats.org/presentationml/2006/main">
-  <p:tag name="KSO_WM_UNIT_PLACING_PICTURE_USER_VIEWPORT" val="{&quot;height&quot;:10632,&quot;width&quot;:9120}"/>
+  <p:tag name="KSO_WM_BEAUTIFY_FLAG" val="#wm#"/>
+  <p:tag name="KSO_WM_TEMPLATE_CATEGORY" val="custom"/>
+  <p:tag name="KSO_WM_TEMPLATE_INDEX" val="160402"/>
 </p:tagLst>
 </file>
 
@@ -7607,8 +8261,33 @@
 
 <file path=ppt/tags/tag26.xml><?xml version="1.0" encoding="utf-8"?>
 <p:tagLst xmlns:p="http://schemas.openxmlformats.org/presentationml/2006/main">
-  <p:tag name="COMMONDATA" val="eyJoZGlkIjoiYjRhZjQ5NWVmZmQxNmM3NmNkNDYxNWRmNzNmMjA1ZDAifQ=="/>
-  <p:tag name="KSO_WPP_MARK_KEY" val="e2f632b4-0a6a-40c4-bafa-21f0d0b1ac36"/>
+  <p:tag name="KSO_WM_BEAUTIFY_FLAG" val="#wm#"/>
+  <p:tag name="KSO_WM_TEMPLATE_CATEGORY" val="custom"/>
+  <p:tag name="KSO_WM_TEMPLATE_INDEX" val="160402"/>
+</p:tagLst>
+</file>
+
+<file path=ppt/tags/tag27.xml><?xml version="1.0" encoding="utf-8"?>
+<p:tagLst xmlns:p="http://schemas.openxmlformats.org/presentationml/2006/main">
+  <p:tag name="KSO_WM_BEAUTIFY_FLAG" val="#wm#"/>
+  <p:tag name="KSO_WM_TEMPLATE_CATEGORY" val="custom"/>
+  <p:tag name="KSO_WM_TEMPLATE_INDEX" val="160402"/>
+</p:tagLst>
+</file>
+
+<file path=ppt/tags/tag28.xml><?xml version="1.0" encoding="utf-8"?>
+<p:tagLst xmlns:p="http://schemas.openxmlformats.org/presentationml/2006/main">
+  <p:tag name="KSO_WM_BEAUTIFY_FLAG" val="#wm#"/>
+  <p:tag name="KSO_WM_TEMPLATE_CATEGORY" val="custom"/>
+  <p:tag name="KSO_WM_TEMPLATE_INDEX" val="160402"/>
+</p:tagLst>
+</file>
+
+<file path=ppt/tags/tag29.xml><?xml version="1.0" encoding="utf-8"?>
+<p:tagLst xmlns:p="http://schemas.openxmlformats.org/presentationml/2006/main">
+  <p:tag name="KSO_WM_BEAUTIFY_FLAG" val="#wm#"/>
+  <p:tag name="KSO_WM_TEMPLATE_CATEGORY" val="custom"/>
+  <p:tag name="KSO_WM_TEMPLATE_INDEX" val="160402"/>
 </p:tagLst>
 </file>
 
@@ -7619,6 +8298,35 @@
   <p:tag name="KSO_WM_TEMPLATE_INDEX" val="160402"/>
   <p:tag name="KSO_WM_TAG_VERSION" val="1.0"/>
   <p:tag name="KSO_WM_BEAUTIFY_FLAG" val="#wm#"/>
+</p:tagLst>
+</file>
+
+<file path=ppt/tags/tag30.xml><?xml version="1.0" encoding="utf-8"?>
+<p:tagLst xmlns:p="http://schemas.openxmlformats.org/presentationml/2006/main">
+  <p:tag name="KSO_WM_BEAUTIFY_FLAG" val="#wm#"/>
+  <p:tag name="KSO_WM_TEMPLATE_CATEGORY" val="custom"/>
+  <p:tag name="KSO_WM_TEMPLATE_INDEX" val="160402"/>
+</p:tagLst>
+</file>
+
+<file path=ppt/tags/tag31.xml><?xml version="1.0" encoding="utf-8"?>
+<p:tagLst xmlns:p="http://schemas.openxmlformats.org/presentationml/2006/main">
+  <p:tag name="KSO_WM_UNIT_PLACING_PICTURE_USER_VIEWPORT" val="{&quot;height&quot;:10632,&quot;width&quot;:9120}"/>
+</p:tagLst>
+</file>
+
+<file path=ppt/tags/tag32.xml><?xml version="1.0" encoding="utf-8"?>
+<p:tagLst xmlns:p="http://schemas.openxmlformats.org/presentationml/2006/main">
+  <p:tag name="KSO_WM_BEAUTIFY_FLAG" val="#wm#"/>
+  <p:tag name="KSO_WM_TEMPLATE_CATEGORY" val="custom"/>
+  <p:tag name="KSO_WM_TEMPLATE_INDEX" val="160402"/>
+</p:tagLst>
+</file>
+
+<file path=ppt/tags/tag33.xml><?xml version="1.0" encoding="utf-8"?>
+<p:tagLst xmlns:p="http://schemas.openxmlformats.org/presentationml/2006/main">
+  <p:tag name="COMMONDATA" val="eyJoZGlkIjoiYjRhZjQ5NWVmZmQxNmM3NmNkNDYxNWRmNzNmMjA1ZDAifQ=="/>
+  <p:tag name="KSO_WPP_MARK_KEY" val="e2f632b4-0a6a-40c4-bafa-21f0d0b1ac36"/>
 </p:tagLst>
 </file>
 
@@ -7691,9 +8399,9 @@
 
 <file path=ppt/tags/tag7.xml><?xml version="1.0" encoding="utf-8"?>
 <p:tagLst xmlns:p="http://schemas.openxmlformats.org/presentationml/2006/main">
-  <p:tag name="KSO_WM_UNIT_TABLE_BEAUTIFY" val="smartTable{835e0e89-7ef4-461d-bfd9-37fecb30a1e6}"/>
-  <p:tag name="TABLE_ENDDRAG_ORIGIN_RECT" val="846*394"/>
-  <p:tag name="TABLE_ENDDRAG_RECT" val="55*79*846*394"/>
+  <p:tag name="KSO_WM_UNIT_TABLE_BEAUTIFY" val="smartTable{7fbdd85a-ad8d-4bda-9b13-9f34e8e13f99}"/>
+  <p:tag name="TABLE_ENDDRAG_ORIGIN_RECT" val="846*330"/>
+  <p:tag name="TABLE_ENDDRAG_RECT" val="55*79*846*330"/>
 </p:tagLst>
 </file>
 
